--- a/Synthèse Stage d'observation/[Défense Stage][Sacré Christopher].pptx
+++ b/Synthèse Stage d'observation/[Défense Stage][Sacré Christopher].pptx
@@ -5,26 +5,29 @@
     <p:sldMasterId id="2147483762" r:id="rId1"/>
   </p:sldMasterIdLst>
   <p:notesMasterIdLst>
-    <p:notesMasterId r:id="rId19"/>
+    <p:notesMasterId r:id="rId22"/>
   </p:notesMasterIdLst>
   <p:sldIdLst>
     <p:sldId id="256" r:id="rId2"/>
     <p:sldId id="257" r:id="rId3"/>
-    <p:sldId id="274" r:id="rId4"/>
-    <p:sldId id="258" r:id="rId5"/>
-    <p:sldId id="261" r:id="rId6"/>
-    <p:sldId id="262" r:id="rId7"/>
-    <p:sldId id="281" r:id="rId8"/>
-    <p:sldId id="282" r:id="rId9"/>
-    <p:sldId id="283" r:id="rId10"/>
-    <p:sldId id="284" r:id="rId11"/>
-    <p:sldId id="285" r:id="rId12"/>
-    <p:sldId id="286" r:id="rId13"/>
-    <p:sldId id="287" r:id="rId14"/>
-    <p:sldId id="288" r:id="rId15"/>
-    <p:sldId id="289" r:id="rId16"/>
-    <p:sldId id="269" r:id="rId17"/>
-    <p:sldId id="279" r:id="rId18"/>
+    <p:sldId id="290" r:id="rId4"/>
+    <p:sldId id="289" r:id="rId5"/>
+    <p:sldId id="274" r:id="rId6"/>
+    <p:sldId id="258" r:id="rId7"/>
+    <p:sldId id="261" r:id="rId8"/>
+    <p:sldId id="262" r:id="rId9"/>
+    <p:sldId id="281" r:id="rId10"/>
+    <p:sldId id="282" r:id="rId11"/>
+    <p:sldId id="283" r:id="rId12"/>
+    <p:sldId id="292" r:id="rId13"/>
+    <p:sldId id="284" r:id="rId14"/>
+    <p:sldId id="285" r:id="rId15"/>
+    <p:sldId id="286" r:id="rId16"/>
+    <p:sldId id="287" r:id="rId17"/>
+    <p:sldId id="288" r:id="rId18"/>
+    <p:sldId id="291" r:id="rId19"/>
+    <p:sldId id="269" r:id="rId20"/>
+    <p:sldId id="279" r:id="rId21"/>
   </p:sldIdLst>
   <p:sldSz cx="12192000" cy="6858000"/>
   <p:notesSz cx="6858000" cy="9144000"/>
@@ -125,7 +128,18 @@
   </p:defaultTextStyle>
   <p:extLst>
     <p:ext uri="{EFAFB233-063F-42B5-8137-9DF3F51BA10A}">
-      <p15:sldGuideLst xmlns:p15="http://schemas.microsoft.com/office/powerpoint/2012/main" xmlns=""/>
+      <p15:sldGuideLst xmlns:p15="http://schemas.microsoft.com/office/powerpoint/2012/main">
+        <p15:guide id="1" orient="horz" pos="2160">
+          <p15:clr>
+            <a:srgbClr val="A4A3A4"/>
+          </p15:clr>
+        </p15:guide>
+        <p15:guide id="2" pos="3840">
+          <p15:clr>
+            <a:srgbClr val="A4A3A4"/>
+          </p15:clr>
+        </p15:guide>
+      </p15:sldGuideLst>
     </p:ext>
   </p:extLst>
 </p:presentation>
@@ -1770,35 +1784,14 @@
         </dgm:presLayoutVars>
       </dgm:prSet>
       <dgm:spPr/>
-      <dgm:t>
-        <a:bodyPr/>
-        <a:lstStyle/>
-        <a:p>
-          <a:endParaRPr lang="fr-BE"/>
-        </a:p>
-      </dgm:t>
     </dgm:pt>
     <dgm:pt modelId="{528197FC-6E1A-4B90-AB0D-2443A6BC6ED2}" type="pres">
       <dgm:prSet presAssocID="{46B459DD-3FCF-4722-8387-EE34DD17C66E}" presName="sibTrans" presStyleLbl="sibTrans2D1" presStyleIdx="0" presStyleCnt="2"/>
       <dgm:spPr/>
-      <dgm:t>
-        <a:bodyPr/>
-        <a:lstStyle/>
-        <a:p>
-          <a:endParaRPr lang="fr-BE"/>
-        </a:p>
-      </dgm:t>
     </dgm:pt>
     <dgm:pt modelId="{5F3EA9AC-C27F-4A44-A767-7B81ED6B2E61}" type="pres">
       <dgm:prSet presAssocID="{46B459DD-3FCF-4722-8387-EE34DD17C66E}" presName="connectorText" presStyleLbl="sibTrans2D1" presStyleIdx="0" presStyleCnt="2"/>
       <dgm:spPr/>
-      <dgm:t>
-        <a:bodyPr/>
-        <a:lstStyle/>
-        <a:p>
-          <a:endParaRPr lang="fr-BE"/>
-        </a:p>
-      </dgm:t>
     </dgm:pt>
     <dgm:pt modelId="{D743BB55-2C95-42CE-82C6-9CBEAD5E76E3}" type="pres">
       <dgm:prSet presAssocID="{B50BE3D6-BAA7-4FBC-B74E-985133B912DF}" presName="node" presStyleLbl="node1" presStyleIdx="1" presStyleCnt="3">
@@ -1807,35 +1800,14 @@
         </dgm:presLayoutVars>
       </dgm:prSet>
       <dgm:spPr/>
-      <dgm:t>
-        <a:bodyPr/>
-        <a:lstStyle/>
-        <a:p>
-          <a:endParaRPr lang="fr-BE"/>
-        </a:p>
-      </dgm:t>
     </dgm:pt>
     <dgm:pt modelId="{BA9735C8-34CF-4CC0-B624-8FA2B222519C}" type="pres">
       <dgm:prSet presAssocID="{2D763E9F-B9E8-4D23-9EDC-2E6EC7D67857}" presName="sibTrans" presStyleLbl="sibTrans2D1" presStyleIdx="1" presStyleCnt="2"/>
       <dgm:spPr/>
-      <dgm:t>
-        <a:bodyPr/>
-        <a:lstStyle/>
-        <a:p>
-          <a:endParaRPr lang="fr-BE"/>
-        </a:p>
-      </dgm:t>
     </dgm:pt>
     <dgm:pt modelId="{AC8DF076-4201-4421-9212-4DB3B9E33539}" type="pres">
       <dgm:prSet presAssocID="{2D763E9F-B9E8-4D23-9EDC-2E6EC7D67857}" presName="connectorText" presStyleLbl="sibTrans2D1" presStyleIdx="1" presStyleCnt="2"/>
       <dgm:spPr/>
-      <dgm:t>
-        <a:bodyPr/>
-        <a:lstStyle/>
-        <a:p>
-          <a:endParaRPr lang="fr-BE"/>
-        </a:p>
-      </dgm:t>
     </dgm:pt>
     <dgm:pt modelId="{2B226626-91EC-4914-829A-550A7595437B}" type="pres">
       <dgm:prSet presAssocID="{1784B003-86FD-4AC2-BA4E-2B5AD68F7B39}" presName="node" presStyleLbl="node1" presStyleIdx="2" presStyleCnt="3">
@@ -1844,13 +1816,6 @@
         </dgm:presLayoutVars>
       </dgm:prSet>
       <dgm:spPr/>
-      <dgm:t>
-        <a:bodyPr/>
-        <a:lstStyle/>
-        <a:p>
-          <a:endParaRPr lang="fr-BE"/>
-        </a:p>
-      </dgm:t>
     </dgm:pt>
   </dgm:ptLst>
   <dgm:cxnLst>
@@ -2044,35 +2009,14 @@
         </dgm:presLayoutVars>
       </dgm:prSet>
       <dgm:spPr/>
-      <dgm:t>
-        <a:bodyPr/>
-        <a:lstStyle/>
-        <a:p>
-          <a:endParaRPr lang="fr-BE"/>
-        </a:p>
-      </dgm:t>
     </dgm:pt>
     <dgm:pt modelId="{528197FC-6E1A-4B90-AB0D-2443A6BC6ED2}" type="pres">
       <dgm:prSet presAssocID="{46B459DD-3FCF-4722-8387-EE34DD17C66E}" presName="sibTrans" presStyleLbl="sibTrans2D1" presStyleIdx="0" presStyleCnt="2"/>
       <dgm:spPr/>
-      <dgm:t>
-        <a:bodyPr/>
-        <a:lstStyle/>
-        <a:p>
-          <a:endParaRPr lang="fr-BE"/>
-        </a:p>
-      </dgm:t>
     </dgm:pt>
     <dgm:pt modelId="{5F3EA9AC-C27F-4A44-A767-7B81ED6B2E61}" type="pres">
       <dgm:prSet presAssocID="{46B459DD-3FCF-4722-8387-EE34DD17C66E}" presName="connectorText" presStyleLbl="sibTrans2D1" presStyleIdx="0" presStyleCnt="2"/>
       <dgm:spPr/>
-      <dgm:t>
-        <a:bodyPr/>
-        <a:lstStyle/>
-        <a:p>
-          <a:endParaRPr lang="fr-BE"/>
-        </a:p>
-      </dgm:t>
     </dgm:pt>
     <dgm:pt modelId="{E2235E0B-8F8F-4221-A56B-C17D21D963E6}" type="pres">
       <dgm:prSet presAssocID="{6CBCA062-6BBA-4DF0-8983-37A7D76F6D64}" presName="node" presStyleLbl="node1" presStyleIdx="1" presStyleCnt="3" custScaleX="110901" custScaleY="96709" custLinFactNeighborX="-758" custLinFactNeighborY="-60313">
@@ -2081,35 +2025,14 @@
         </dgm:presLayoutVars>
       </dgm:prSet>
       <dgm:spPr/>
-      <dgm:t>
-        <a:bodyPr/>
-        <a:lstStyle/>
-        <a:p>
-          <a:endParaRPr lang="fr-BE"/>
-        </a:p>
-      </dgm:t>
     </dgm:pt>
     <dgm:pt modelId="{82B633B6-EA34-4486-8D04-1B0DD3201CF9}" type="pres">
       <dgm:prSet presAssocID="{B0F2827A-4410-4047-BFF3-0B89952E0434}" presName="sibTrans" presStyleLbl="sibTrans2D1" presStyleIdx="1" presStyleCnt="2"/>
       <dgm:spPr/>
-      <dgm:t>
-        <a:bodyPr/>
-        <a:lstStyle/>
-        <a:p>
-          <a:endParaRPr lang="fr-BE"/>
-        </a:p>
-      </dgm:t>
     </dgm:pt>
     <dgm:pt modelId="{1CDFD8AC-AC67-4C7E-8F8D-ACCDE853B7E0}" type="pres">
       <dgm:prSet presAssocID="{B0F2827A-4410-4047-BFF3-0B89952E0434}" presName="connectorText" presStyleLbl="sibTrans2D1" presStyleIdx="1" presStyleCnt="2"/>
       <dgm:spPr/>
-      <dgm:t>
-        <a:bodyPr/>
-        <a:lstStyle/>
-        <a:p>
-          <a:endParaRPr lang="fr-BE"/>
-        </a:p>
-      </dgm:t>
     </dgm:pt>
     <dgm:pt modelId="{8FAFBD0E-6F56-4320-8461-71832116A1BC}" type="pres">
       <dgm:prSet presAssocID="{6B29D1D9-6D1E-4E60-AB06-8E515F3A092B}" presName="node" presStyleLbl="node1" presStyleIdx="2" presStyleCnt="3" custScaleX="110901" custScaleY="102521" custLinFactNeighborX="-758" custLinFactNeighborY="-60313">
@@ -2118,13 +2041,6 @@
         </dgm:presLayoutVars>
       </dgm:prSet>
       <dgm:spPr/>
-      <dgm:t>
-        <a:bodyPr/>
-        <a:lstStyle/>
-        <a:p>
-          <a:endParaRPr lang="fr-BE"/>
-        </a:p>
-      </dgm:t>
     </dgm:pt>
   </dgm:ptLst>
   <dgm:cxnLst>
@@ -2245,7 +2161,7 @@
         </a:bodyPr>
         <a:lstStyle/>
         <a:p>
-          <a:pPr lvl="0" algn="ctr" defTabSz="2133600">
+          <a:pPr marL="0" lvl="0" indent="0" algn="ctr" defTabSz="2133600">
             <a:lnSpc>
               <a:spcPct val="90000"/>
             </a:lnSpc>
@@ -2255,6 +2171,7 @@
             <a:spcAft>
               <a:spcPct val="35000"/>
             </a:spcAft>
+            <a:buNone/>
           </a:pPr>
           <a:r>
             <a:rPr lang="fr-BE" sz="4800" b="1" kern="1200" dirty="0">
@@ -2352,7 +2269,7 @@
         </a:bodyPr>
         <a:lstStyle/>
         <a:p>
-          <a:pPr lvl="0" algn="ctr" defTabSz="1377950">
+          <a:pPr marL="0" lvl="0" indent="0" algn="ctr" defTabSz="1377950">
             <a:lnSpc>
               <a:spcPct val="90000"/>
             </a:lnSpc>
@@ -2362,6 +2279,7 @@
             <a:spcAft>
               <a:spcPct val="35000"/>
             </a:spcAft>
+            <a:buNone/>
           </a:pPr>
           <a:endParaRPr lang="fr-BE" sz="3100" kern="1200"/>
         </a:p>
@@ -2451,7 +2369,7 @@
         </a:bodyPr>
         <a:lstStyle/>
         <a:p>
-          <a:pPr lvl="0" algn="ctr" defTabSz="2133600">
+          <a:pPr marL="0" lvl="0" indent="0" algn="ctr" defTabSz="2133600">
             <a:lnSpc>
               <a:spcPct val="90000"/>
             </a:lnSpc>
@@ -2461,6 +2379,7 @@
             <a:spcAft>
               <a:spcPct val="35000"/>
             </a:spcAft>
+            <a:buNone/>
           </a:pPr>
           <a:r>
             <a:rPr lang="fr-BE" sz="4800" b="1" kern="1200" dirty="0">
@@ -2558,7 +2477,7 @@
         </a:bodyPr>
         <a:lstStyle/>
         <a:p>
-          <a:pPr lvl="0" algn="ctr" defTabSz="1377950">
+          <a:pPr marL="0" lvl="0" indent="0" algn="ctr" defTabSz="1377950">
             <a:lnSpc>
               <a:spcPct val="90000"/>
             </a:lnSpc>
@@ -2568,6 +2487,7 @@
             <a:spcAft>
               <a:spcPct val="35000"/>
             </a:spcAft>
+            <a:buNone/>
           </a:pPr>
           <a:endParaRPr lang="fr-BE" sz="3100" kern="1200"/>
         </a:p>
@@ -2657,7 +2577,7 @@
         </a:bodyPr>
         <a:lstStyle/>
         <a:p>
-          <a:pPr lvl="0" algn="ctr" defTabSz="2133600">
+          <a:pPr marL="0" lvl="0" indent="0" algn="ctr" defTabSz="2133600">
             <a:lnSpc>
               <a:spcPct val="90000"/>
             </a:lnSpc>
@@ -2667,6 +2587,7 @@
             <a:spcAft>
               <a:spcPct val="35000"/>
             </a:spcAft>
+            <a:buNone/>
           </a:pPr>
           <a:r>
             <a:rPr lang="fr-BE" sz="4800" b="1" kern="1200" dirty="0">
@@ -2773,7 +2694,7 @@
         </a:bodyPr>
         <a:lstStyle/>
         <a:p>
-          <a:pPr lvl="0" algn="ctr" defTabSz="1244600">
+          <a:pPr marL="0" lvl="0" indent="0" algn="ctr" defTabSz="1244600">
             <a:lnSpc>
               <a:spcPct val="90000"/>
             </a:lnSpc>
@@ -2783,6 +2704,7 @@
             <a:spcAft>
               <a:spcPct val="35000"/>
             </a:spcAft>
+            <a:buNone/>
           </a:pPr>
           <a:r>
             <a:rPr lang="fr-BE" sz="2800" b="1" kern="1200" dirty="0">
@@ -2889,7 +2811,7 @@
         </a:bodyPr>
         <a:lstStyle/>
         <a:p>
-          <a:pPr lvl="0" algn="ctr" defTabSz="1244600">
+          <a:pPr marL="0" lvl="0" indent="0" algn="ctr" defTabSz="1244600">
             <a:lnSpc>
               <a:spcPct val="90000"/>
             </a:lnSpc>
@@ -2899,6 +2821,7 @@
             <a:spcAft>
               <a:spcPct val="35000"/>
             </a:spcAft>
+            <a:buNone/>
           </a:pPr>
           <a:endParaRPr lang="fr-BE" sz="2800" kern="1200"/>
         </a:p>
@@ -2988,7 +2911,7 @@
         </a:bodyPr>
         <a:lstStyle/>
         <a:p>
-          <a:pPr lvl="0" algn="ctr" defTabSz="1244600">
+          <a:pPr marL="0" lvl="0" indent="0" algn="ctr" defTabSz="1244600">
             <a:lnSpc>
               <a:spcPct val="90000"/>
             </a:lnSpc>
@@ -2998,6 +2921,7 @@
             <a:spcAft>
               <a:spcPct val="35000"/>
             </a:spcAft>
+            <a:buNone/>
           </a:pPr>
           <a:r>
             <a:rPr lang="fr-BE" sz="2800" b="1" kern="1200" dirty="0">
@@ -3110,7 +3034,7 @@
         </a:bodyPr>
         <a:lstStyle/>
         <a:p>
-          <a:pPr lvl="0" algn="ctr" defTabSz="1244600">
+          <a:pPr marL="0" lvl="0" indent="0" algn="ctr" defTabSz="1244600">
             <a:lnSpc>
               <a:spcPct val="90000"/>
             </a:lnSpc>
@@ -3120,6 +3044,7 @@
             <a:spcAft>
               <a:spcPct val="35000"/>
             </a:spcAft>
+            <a:buNone/>
           </a:pPr>
           <a:endParaRPr lang="en-US" sz="2800" kern="1200"/>
         </a:p>
@@ -3209,7 +3134,7 @@
         </a:bodyPr>
         <a:lstStyle/>
         <a:p>
-          <a:pPr lvl="0" algn="ctr" defTabSz="1244600">
+          <a:pPr marL="0" lvl="0" indent="0" algn="ctr" defTabSz="1244600">
             <a:lnSpc>
               <a:spcPct val="90000"/>
             </a:lnSpc>
@@ -3219,6 +3144,7 @@
             <a:spcAft>
               <a:spcPct val="35000"/>
             </a:spcAft>
+            <a:buNone/>
           </a:pPr>
           <a:r>
             <a:rPr lang="fr-BE" sz="2800" b="1" kern="1200" dirty="0">
@@ -5679,7 +5605,7 @@
           <a:p>
             <a:fld id="{9BC92396-1F1A-4A33-8B96-A48A45F48505}" type="datetimeFigureOut">
               <a:rPr lang="fr-BE" smtClean="0"/>
-              <a:t>21-02-17</a:t>
+              <a:t>23-02-17</a:t>
             </a:fld>
             <a:endParaRPr lang="fr-BE" dirty="0"/>
           </a:p>
@@ -5838,7 +5764,7 @@
           <a:p>
             <a:fld id="{4ED8BCFE-5448-4C81-B2E9-515583B657E9}" type="slidenum">
               <a:rPr lang="fr-BE" smtClean="0"/>
-              <a:t>‹#›</a:t>
+              <a:t>‹N°›</a:t>
             </a:fld>
             <a:endParaRPr lang="fr-BE" dirty="0"/>
           </a:p>
@@ -6115,6 +6041,174 @@
 </p:notes>
 </file>
 
+<file path=ppt/notesSlides/notesSlide3.xml><?xml version="1.0" encoding="utf-8"?>
+<p:notes xmlns:a="http://schemas.openxmlformats.org/drawingml/2006/main" xmlns:r="http://schemas.openxmlformats.org/officeDocument/2006/relationships" xmlns:p="http://schemas.openxmlformats.org/presentationml/2006/main">
+  <p:cSld>
+    <p:spTree>
+      <p:nvGrpSpPr>
+        <p:cNvPr id="1" name=""/>
+        <p:cNvGrpSpPr/>
+        <p:nvPr/>
+      </p:nvGrpSpPr>
+      <p:grpSpPr>
+        <a:xfrm>
+          <a:off x="0" y="0"/>
+          <a:ext cx="0" cy="0"/>
+          <a:chOff x="0" y="0"/>
+          <a:chExt cx="0" cy="0"/>
+        </a:xfrm>
+      </p:grpSpPr>
+      <p:sp>
+        <p:nvSpPr>
+          <p:cNvPr id="2" name="Espace réservé de l'image des diapositives 1"/>
+          <p:cNvSpPr>
+            <a:spLocks noGrp="1" noRot="1" noChangeAspect="1"/>
+          </p:cNvSpPr>
+          <p:nvPr>
+            <p:ph type="sldImg"/>
+          </p:nvPr>
+        </p:nvSpPr>
+        <p:spPr/>
+      </p:sp>
+      <p:sp>
+        <p:nvSpPr>
+          <p:cNvPr id="3" name="Espace réservé des commentaires 2"/>
+          <p:cNvSpPr>
+            <a:spLocks noGrp="1"/>
+          </p:cNvSpPr>
+          <p:nvPr>
+            <p:ph type="body" idx="1"/>
+          </p:nvPr>
+        </p:nvSpPr>
+        <p:spPr/>
+        <p:txBody>
+          <a:bodyPr/>
+          <a:lstStyle/>
+          <a:p>
+            <a:endParaRPr lang="fr-BE" dirty="0"/>
+          </a:p>
+        </p:txBody>
+      </p:sp>
+      <p:sp>
+        <p:nvSpPr>
+          <p:cNvPr id="4" name="Espace réservé du numéro de diapositive 3"/>
+          <p:cNvSpPr>
+            <a:spLocks noGrp="1"/>
+          </p:cNvSpPr>
+          <p:nvPr>
+            <p:ph type="sldNum" sz="quarter" idx="10"/>
+          </p:nvPr>
+        </p:nvSpPr>
+        <p:spPr/>
+        <p:txBody>
+          <a:bodyPr/>
+          <a:lstStyle/>
+          <a:p>
+            <a:fld id="{4ED8BCFE-5448-4C81-B2E9-515583B657E9}" type="slidenum">
+              <a:rPr lang="fr-BE" smtClean="0"/>
+              <a:t>3</a:t>
+            </a:fld>
+            <a:endParaRPr lang="fr-BE" dirty="0"/>
+          </a:p>
+        </p:txBody>
+      </p:sp>
+    </p:spTree>
+    <p:extLst>
+      <p:ext uri="{BB962C8B-B14F-4D97-AF65-F5344CB8AC3E}">
+        <p14:creationId xmlns:p14="http://schemas.microsoft.com/office/powerpoint/2010/main" val="3001110792"/>
+      </p:ext>
+    </p:extLst>
+  </p:cSld>
+  <p:clrMapOvr>
+    <a:masterClrMapping/>
+  </p:clrMapOvr>
+</p:notes>
+</file>
+
+<file path=ppt/notesSlides/notesSlide4.xml><?xml version="1.0" encoding="utf-8"?>
+<p:notes xmlns:a="http://schemas.openxmlformats.org/drawingml/2006/main" xmlns:r="http://schemas.openxmlformats.org/officeDocument/2006/relationships" xmlns:p="http://schemas.openxmlformats.org/presentationml/2006/main">
+  <p:cSld>
+    <p:spTree>
+      <p:nvGrpSpPr>
+        <p:cNvPr id="1" name=""/>
+        <p:cNvGrpSpPr/>
+        <p:nvPr/>
+      </p:nvGrpSpPr>
+      <p:grpSpPr>
+        <a:xfrm>
+          <a:off x="0" y="0"/>
+          <a:ext cx="0" cy="0"/>
+          <a:chOff x="0" y="0"/>
+          <a:chExt cx="0" cy="0"/>
+        </a:xfrm>
+      </p:grpSpPr>
+      <p:sp>
+        <p:nvSpPr>
+          <p:cNvPr id="2" name="Espace réservé de l'image des diapositives 1"/>
+          <p:cNvSpPr>
+            <a:spLocks noGrp="1" noRot="1" noChangeAspect="1"/>
+          </p:cNvSpPr>
+          <p:nvPr>
+            <p:ph type="sldImg"/>
+          </p:nvPr>
+        </p:nvSpPr>
+        <p:spPr/>
+      </p:sp>
+      <p:sp>
+        <p:nvSpPr>
+          <p:cNvPr id="3" name="Espace réservé des commentaires 2"/>
+          <p:cNvSpPr>
+            <a:spLocks noGrp="1"/>
+          </p:cNvSpPr>
+          <p:nvPr>
+            <p:ph type="body" idx="1"/>
+          </p:nvPr>
+        </p:nvSpPr>
+        <p:spPr/>
+        <p:txBody>
+          <a:bodyPr/>
+          <a:lstStyle/>
+          <a:p>
+            <a:endParaRPr lang="fr-BE" dirty="0"/>
+          </a:p>
+        </p:txBody>
+      </p:sp>
+      <p:sp>
+        <p:nvSpPr>
+          <p:cNvPr id="4" name="Espace réservé du numéro de diapositive 3"/>
+          <p:cNvSpPr>
+            <a:spLocks noGrp="1"/>
+          </p:cNvSpPr>
+          <p:nvPr>
+            <p:ph type="sldNum" sz="quarter" idx="10"/>
+          </p:nvPr>
+        </p:nvSpPr>
+        <p:spPr/>
+        <p:txBody>
+          <a:bodyPr/>
+          <a:lstStyle/>
+          <a:p>
+            <a:fld id="{4ED8BCFE-5448-4C81-B2E9-515583B657E9}" type="slidenum">
+              <a:rPr lang="fr-BE" smtClean="0"/>
+              <a:t>4</a:t>
+            </a:fld>
+            <a:endParaRPr lang="fr-BE" dirty="0"/>
+          </a:p>
+        </p:txBody>
+      </p:sp>
+    </p:spTree>
+    <p:extLst>
+      <p:ext uri="{BB962C8B-B14F-4D97-AF65-F5344CB8AC3E}">
+        <p14:creationId xmlns:p14="http://schemas.microsoft.com/office/powerpoint/2010/main" val="2414861212"/>
+      </p:ext>
+    </p:extLst>
+  </p:cSld>
+  <p:clrMapOvr>
+    <a:masterClrMapping/>
+  </p:clrMapOvr>
+</p:notes>
+</file>
+
 <file path=ppt/slideLayouts/slideLayout1.xml><?xml version="1.0" encoding="utf-8"?>
 <p:sldLayout xmlns:a="http://schemas.openxmlformats.org/drawingml/2006/main" xmlns:r="http://schemas.openxmlformats.org/officeDocument/2006/relationships" xmlns:p="http://schemas.openxmlformats.org/presentationml/2006/main" type="title" preserve="1">
   <p:cSld name="Diapositive de titre">
@@ -6301,7 +6395,7 @@
           <a:p>
             <a:fld id="{4F942955-508E-4299-8274-9DD410B0EC97}" type="datetime1">
               <a:rPr lang="fr-BE" smtClean="0"/>
-              <a:t>21-02-17</a:t>
+              <a:t>23-02-17</a:t>
             </a:fld>
             <a:endParaRPr lang="fr-BE" dirty="0"/>
           </a:p>
@@ -6346,7 +6440,7 @@
           <a:p>
             <a:fld id="{5C4E3881-3D96-471D-AC8D-00C031DC841B}" type="slidenum">
               <a:rPr lang="fr-BE" smtClean="0"/>
-              <a:t>‹#›</a:t>
+              <a:t>‹N°›</a:t>
             </a:fld>
             <a:endParaRPr lang="fr-BE" dirty="0"/>
           </a:p>
@@ -6579,7 +6673,7 @@
           <a:p>
             <a:fld id="{B837445E-7A66-4BFD-B599-6033E50CA787}" type="datetime1">
               <a:rPr lang="fr-BE" smtClean="0"/>
-              <a:t>21-02-17</a:t>
+              <a:t>23-02-17</a:t>
             </a:fld>
             <a:endParaRPr lang="fr-BE" dirty="0"/>
           </a:p>
@@ -6624,7 +6718,7 @@
           <a:p>
             <a:fld id="{5C4E3881-3D96-471D-AC8D-00C031DC841B}" type="slidenum">
               <a:rPr lang="fr-BE" smtClean="0"/>
-              <a:t>‹#›</a:t>
+              <a:t>‹N°›</a:t>
             </a:fld>
             <a:endParaRPr lang="fr-BE" dirty="0"/>
           </a:p>
@@ -6776,7 +6870,7 @@
           <a:p>
             <a:fld id="{2E33E2D4-A7B1-4BE4-AB8E-E9AA31618715}" type="datetime1">
               <a:rPr lang="fr-BE" smtClean="0"/>
-              <a:t>21-02-17</a:t>
+              <a:t>23-02-17</a:t>
             </a:fld>
             <a:endParaRPr lang="fr-BE" dirty="0"/>
           </a:p>
@@ -6821,7 +6915,7 @@
           <a:p>
             <a:fld id="{5C4E3881-3D96-471D-AC8D-00C031DC841B}" type="slidenum">
               <a:rPr lang="fr-BE" smtClean="0"/>
-              <a:t>‹#›</a:t>
+              <a:t>‹N°›</a:t>
             </a:fld>
             <a:endParaRPr lang="fr-BE" dirty="0"/>
           </a:p>
@@ -7050,7 +7144,7 @@
           <a:p>
             <a:fld id="{5BB3E64B-6633-4862-86EA-82783757D0F7}" type="datetime1">
               <a:rPr lang="fr-BE" smtClean="0"/>
-              <a:t>21-02-17</a:t>
+              <a:t>23-02-17</a:t>
             </a:fld>
             <a:endParaRPr lang="fr-BE" dirty="0"/>
           </a:p>
@@ -7095,7 +7189,7 @@
           <a:p>
             <a:fld id="{5C4E3881-3D96-471D-AC8D-00C031DC841B}" type="slidenum">
               <a:rPr lang="fr-BE" smtClean="0"/>
-              <a:t>‹#›</a:t>
+              <a:t>‹N°›</a:t>
             </a:fld>
             <a:endParaRPr lang="fr-BE" dirty="0"/>
           </a:p>
@@ -7380,7 +7474,7 @@
           <a:p>
             <a:fld id="{ABECAC30-620F-4658-B718-073A91E05E2C}" type="datetime1">
               <a:rPr lang="fr-BE" smtClean="0"/>
-              <a:t>21-02-17</a:t>
+              <a:t>23-02-17</a:t>
             </a:fld>
             <a:endParaRPr lang="fr-BE" dirty="0"/>
           </a:p>
@@ -7425,7 +7519,7 @@
           <a:p>
             <a:fld id="{5C4E3881-3D96-471D-AC8D-00C031DC841B}" type="slidenum">
               <a:rPr lang="fr-BE" smtClean="0"/>
-              <a:t>‹#›</a:t>
+              <a:t>‹N°›</a:t>
             </a:fld>
             <a:endParaRPr lang="fr-BE" dirty="0"/>
           </a:p>
@@ -8002,7 +8096,7 @@
           <a:p>
             <a:fld id="{FA05B004-CDDD-4653-91B9-7FD837331462}" type="datetime1">
               <a:rPr lang="fr-BE" smtClean="0"/>
-              <a:t>21-02-17</a:t>
+              <a:t>23-02-17</a:t>
             </a:fld>
             <a:endParaRPr lang="fr-BE" dirty="0"/>
           </a:p>
@@ -8047,7 +8141,7 @@
           <a:p>
             <a:fld id="{5C4E3881-3D96-471D-AC8D-00C031DC841B}" type="slidenum">
               <a:rPr lang="fr-BE" smtClean="0"/>
-              <a:t>‹#›</a:t>
+              <a:t>‹N°›</a:t>
             </a:fld>
             <a:endParaRPr lang="fr-BE" dirty="0"/>
           </a:p>
@@ -8852,7 +8946,7 @@
           <a:p>
             <a:fld id="{FD36C7A6-3789-4691-9CDF-C051C0D050DC}" type="datetime1">
               <a:rPr lang="fr-BE" smtClean="0"/>
-              <a:t>21-02-17</a:t>
+              <a:t>23-02-17</a:t>
             </a:fld>
             <a:endParaRPr lang="fr-BE" dirty="0"/>
           </a:p>
@@ -8897,7 +8991,7 @@
           <a:p>
             <a:fld id="{5C4E3881-3D96-471D-AC8D-00C031DC841B}" type="slidenum">
               <a:rPr lang="fr-BE" smtClean="0"/>
-              <a:t>‹#›</a:t>
+              <a:t>‹N°›</a:t>
             </a:fld>
             <a:endParaRPr lang="fr-BE" dirty="0"/>
           </a:p>
@@ -9025,7 +9119,7 @@
           <a:p>
             <a:fld id="{D02FFCD1-57A1-4045-8FD5-BD8FE276A2B3}" type="datetime1">
               <a:rPr lang="fr-BE" smtClean="0"/>
-              <a:t>21-02-17</a:t>
+              <a:t>23-02-17</a:t>
             </a:fld>
             <a:endParaRPr lang="fr-BE" dirty="0"/>
           </a:p>
@@ -9070,7 +9164,7 @@
           <a:p>
             <a:fld id="{5C4E3881-3D96-471D-AC8D-00C031DC841B}" type="slidenum">
               <a:rPr lang="fr-BE" smtClean="0"/>
-              <a:t>‹#›</a:t>
+              <a:t>‹N°›</a:t>
             </a:fld>
             <a:endParaRPr lang="fr-BE" dirty="0"/>
           </a:p>
@@ -9208,7 +9302,7 @@
           <a:p>
             <a:fld id="{C3A16D11-BAA7-45EF-B11B-96B87F6FAB4D}" type="datetime1">
               <a:rPr lang="fr-BE" smtClean="0"/>
-              <a:t>21-02-17</a:t>
+              <a:t>23-02-17</a:t>
             </a:fld>
             <a:endParaRPr lang="fr-BE" dirty="0"/>
           </a:p>
@@ -9253,7 +9347,7 @@
           <a:p>
             <a:fld id="{5C4E3881-3D96-471D-AC8D-00C031DC841B}" type="slidenum">
               <a:rPr lang="fr-BE" smtClean="0"/>
-              <a:t>‹#›</a:t>
+              <a:t>‹N°›</a:t>
             </a:fld>
             <a:endParaRPr lang="fr-BE" dirty="0"/>
           </a:p>
@@ -9381,7 +9475,7 @@
           <a:p>
             <a:fld id="{7A67C756-B179-4EFB-B088-37C394D53BC6}" type="datetime1">
               <a:rPr lang="fr-BE" smtClean="0"/>
-              <a:t>21-02-17</a:t>
+              <a:t>23-02-17</a:t>
             </a:fld>
             <a:endParaRPr lang="fr-BE" dirty="0"/>
           </a:p>
@@ -9426,7 +9520,7 @@
           <a:p>
             <a:fld id="{5C4E3881-3D96-471D-AC8D-00C031DC841B}" type="slidenum">
               <a:rPr lang="fr-BE" smtClean="0"/>
-              <a:t>‹#›</a:t>
+              <a:t>‹N°›</a:t>
             </a:fld>
             <a:endParaRPr lang="fr-BE" dirty="0"/>
           </a:p>
@@ -9631,7 +9725,7 @@
           <a:p>
             <a:fld id="{947C313E-8301-4664-A5B0-DE9B3D11A8D1}" type="datetime1">
               <a:rPr lang="fr-BE" smtClean="0"/>
-              <a:t>21-02-17</a:t>
+              <a:t>23-02-17</a:t>
             </a:fld>
             <a:endParaRPr lang="fr-BE" dirty="0"/>
           </a:p>
@@ -9676,7 +9770,7 @@
           <a:p>
             <a:fld id="{5C4E3881-3D96-471D-AC8D-00C031DC841B}" type="slidenum">
               <a:rPr lang="fr-BE" smtClean="0"/>
-              <a:t>‹#›</a:t>
+              <a:t>‹N°›</a:t>
             </a:fld>
             <a:endParaRPr lang="fr-BE" dirty="0"/>
           </a:p>
@@ -9926,7 +10020,7 @@
           <a:p>
             <a:fld id="{46DCD1BB-9F64-4CF6-9147-1652DF37CDAC}" type="datetime1">
               <a:rPr lang="fr-BE" smtClean="0"/>
-              <a:t>21-02-17</a:t>
+              <a:t>23-02-17</a:t>
             </a:fld>
             <a:endParaRPr lang="fr-BE" dirty="0"/>
           </a:p>
@@ -9971,7 +10065,7 @@
           <a:p>
             <a:fld id="{5C4E3881-3D96-471D-AC8D-00C031DC841B}" type="slidenum">
               <a:rPr lang="fr-BE" smtClean="0"/>
-              <a:t>‹#›</a:t>
+              <a:t>‹N°›</a:t>
             </a:fld>
             <a:endParaRPr lang="fr-BE" dirty="0"/>
           </a:p>
@@ -10373,7 +10467,7 @@
           <a:p>
             <a:fld id="{1FB462DB-1FAA-4DD0-B2E3-E1F87D34082D}" type="datetime1">
               <a:rPr lang="fr-BE" smtClean="0"/>
-              <a:t>21-02-17</a:t>
+              <a:t>23-02-17</a:t>
             </a:fld>
             <a:endParaRPr lang="fr-BE" dirty="0"/>
           </a:p>
@@ -10418,7 +10512,7 @@
           <a:p>
             <a:fld id="{5C4E3881-3D96-471D-AC8D-00C031DC841B}" type="slidenum">
               <a:rPr lang="fr-BE" smtClean="0"/>
-              <a:t>‹#›</a:t>
+              <a:t>‹N°›</a:t>
             </a:fld>
             <a:endParaRPr lang="fr-BE" dirty="0"/>
           </a:p>
@@ -10494,7 +10588,7 @@
           <a:p>
             <a:fld id="{2FC6A5D4-C702-4292-BC2E-4887500FB9DA}" type="datetime1">
               <a:rPr lang="fr-BE" smtClean="0"/>
-              <a:t>21-02-17</a:t>
+              <a:t>23-02-17</a:t>
             </a:fld>
             <a:endParaRPr lang="fr-BE" dirty="0"/>
           </a:p>
@@ -10539,7 +10633,7 @@
           <a:p>
             <a:fld id="{5C4E3881-3D96-471D-AC8D-00C031DC841B}" type="slidenum">
               <a:rPr lang="fr-BE" smtClean="0"/>
-              <a:t>‹#›</a:t>
+              <a:t>‹N°›</a:t>
             </a:fld>
             <a:endParaRPr lang="fr-BE" dirty="0"/>
           </a:p>
@@ -10592,7 +10686,7 @@
           <a:p>
             <a:fld id="{6788CA1C-2F4D-4240-85E8-567E63655231}" type="datetime1">
               <a:rPr lang="fr-BE" smtClean="0"/>
-              <a:t>21-02-17</a:t>
+              <a:t>23-02-17</a:t>
             </a:fld>
             <a:endParaRPr lang="fr-BE" dirty="0"/>
           </a:p>
@@ -10637,7 +10731,7 @@
           <a:p>
             <a:fld id="{5C4E3881-3D96-471D-AC8D-00C031DC841B}" type="slidenum">
               <a:rPr lang="fr-BE" smtClean="0"/>
-              <a:t>‹#›</a:t>
+              <a:t>‹N°›</a:t>
             </a:fld>
             <a:endParaRPr lang="fr-BE" dirty="0"/>
           </a:p>
@@ -10874,7 +10968,7 @@
           <a:p>
             <a:fld id="{A8BDEED9-C8F4-4489-811E-6AAE264DEEA8}" type="datetime1">
               <a:rPr lang="fr-BE" smtClean="0"/>
-              <a:t>21-02-17</a:t>
+              <a:t>23-02-17</a:t>
             </a:fld>
             <a:endParaRPr lang="fr-BE" dirty="0"/>
           </a:p>
@@ -10919,7 +11013,7 @@
           <a:p>
             <a:fld id="{5C4E3881-3D96-471D-AC8D-00C031DC841B}" type="slidenum">
               <a:rPr lang="fr-BE" smtClean="0"/>
-              <a:t>‹#›</a:t>
+              <a:t>‹N°›</a:t>
             </a:fld>
             <a:endParaRPr lang="fr-BE" dirty="0"/>
           </a:p>
@@ -11152,7 +11246,7 @@
           <a:p>
             <a:fld id="{9C583481-0589-447B-855C-5B77A883CA3E}" type="datetime1">
               <a:rPr lang="fr-BE" smtClean="0"/>
-              <a:t>21-02-17</a:t>
+              <a:t>23-02-17</a:t>
             </a:fld>
             <a:endParaRPr lang="fr-BE" dirty="0"/>
           </a:p>
@@ -11197,7 +11291,7 @@
           <a:p>
             <a:fld id="{5C4E3881-3D96-471D-AC8D-00C031DC841B}" type="slidenum">
               <a:rPr lang="fr-BE" smtClean="0"/>
-              <a:t>‹#›</a:t>
+              <a:t>‹N°›</a:t>
             </a:fld>
             <a:endParaRPr lang="fr-BE" dirty="0"/>
           </a:p>
@@ -11588,7 +11682,7 @@
           <a:p>
             <a:fld id="{F88EE64F-D7E4-4AD4-BE73-A055C1A272CD}" type="datetime1">
               <a:rPr lang="fr-BE" smtClean="0"/>
-              <a:t>21-02-17</a:t>
+              <a:t>23-02-17</a:t>
             </a:fld>
             <a:endParaRPr lang="fr-BE" dirty="0"/>
           </a:p>
@@ -11670,7 +11764,7 @@
           <a:p>
             <a:fld id="{5C4E3881-3D96-471D-AC8D-00C031DC841B}" type="slidenum">
               <a:rPr lang="fr-BE" smtClean="0"/>
-              <a:t>‹#›</a:t>
+              <a:t>‹N°›</a:t>
             </a:fld>
             <a:endParaRPr lang="fr-BE" dirty="0"/>
           </a:p>
@@ -12303,8 +12397,73 @@
               <a:rPr lang="fr-BE" sz="6000" b="1" dirty="0">
                 <a:latin typeface="Franklin Gothic Medium Cond" panose="020B0606030402020204" pitchFamily="34" charset="0"/>
               </a:rPr>
-              <a:t>Sauvegarde des données</a:t>
-            </a:r>
+              <a:t>Problème de la langue</a:t>
+            </a:r>
+          </a:p>
+        </p:txBody>
+      </p:sp>
+      <p:sp>
+        <p:nvSpPr>
+          <p:cNvPr id="3" name="Espace réservé du contenu 2"/>
+          <p:cNvSpPr>
+            <a:spLocks noGrp="1"/>
+          </p:cNvSpPr>
+          <p:nvPr>
+            <p:ph idx="1"/>
+          </p:nvPr>
+        </p:nvSpPr>
+        <p:spPr>
+          <a:xfrm>
+            <a:off x="646111" y="1944874"/>
+            <a:ext cx="8946541" cy="4395151"/>
+          </a:xfrm>
+        </p:spPr>
+        <p:txBody>
+          <a:bodyPr>
+            <a:normAutofit/>
+          </a:bodyPr>
+          <a:lstStyle/>
+          <a:p>
+            <a:r>
+              <a:rPr lang="fr-BE" sz="3200" b="1" dirty="0">
+                <a:latin typeface="Franklin Gothic Medium Cond" panose="020B0606030402020204" pitchFamily="34" charset="0"/>
+              </a:rPr>
+              <a:t>Demande de s’adapter</a:t>
+            </a:r>
+          </a:p>
+          <a:p>
+            <a:r>
+              <a:rPr lang="fr-BE" sz="3200" b="1" dirty="0">
+                <a:latin typeface="Franklin Gothic Medium Cond" panose="020B0606030402020204" pitchFamily="34" charset="0"/>
+              </a:rPr>
+              <a:t>Problématique au début</a:t>
+            </a:r>
+          </a:p>
+          <a:p>
+            <a:r>
+              <a:rPr lang="fr-BE" sz="3200" b="1" dirty="0">
+                <a:latin typeface="Franklin Gothic Medium Cond" panose="020B0606030402020204" pitchFamily="34" charset="0"/>
+              </a:rPr>
+              <a:t>Aide à disposition</a:t>
+            </a:r>
+          </a:p>
+          <a:p>
+            <a:r>
+              <a:rPr lang="fr-BE" sz="3200" b="1" dirty="0">
+                <a:latin typeface="Franklin Gothic Medium Cond" panose="020B0606030402020204" pitchFamily="34" charset="0"/>
+              </a:rPr>
+              <a:t>Débrouillardise</a:t>
+            </a:r>
+          </a:p>
+          <a:p>
+            <a:endParaRPr lang="fr-BE" sz="3200" b="1" dirty="0">
+              <a:latin typeface="Franklin Gothic Medium Cond" panose="020B0606030402020204" pitchFamily="34" charset="0"/>
+            </a:endParaRPr>
+          </a:p>
+          <a:p>
+            <a:endParaRPr lang="fr-BE" sz="3200" b="1" dirty="0">
+              <a:latin typeface="Franklin Gothic Medium Cond" panose="020B0606030402020204" pitchFamily="34" charset="0"/>
+            </a:endParaRPr>
           </a:p>
         </p:txBody>
       </p:sp>
@@ -12348,6 +12507,726 @@
             <a:fld id="{5C4E3881-3D96-471D-AC8D-00C031DC841B}" type="slidenum">
               <a:rPr lang="fr-BE" smtClean="0"/>
               <a:t>10</a:t>
+            </a:fld>
+            <a:endParaRPr lang="fr-BE" dirty="0"/>
+          </a:p>
+        </p:txBody>
+      </p:sp>
+      <p:pic>
+        <p:nvPicPr>
+          <p:cNvPr id="8" name="Picture 7"/>
+          <p:cNvPicPr>
+            <a:picLocks noChangeAspect="1"/>
+          </p:cNvPicPr>
+          <p:nvPr/>
+        </p:nvPicPr>
+        <p:blipFill>
+          <a:blip r:embed="rId2">
+            <a:extLst>
+              <a:ext uri="{BEBA8EAE-BF5A-486C-A8C5-ECC9F3942E4B}">
+                <a14:imgProps xmlns:a14="http://schemas.microsoft.com/office/drawing/2010/main">
+                  <a14:imgLayer r:embed="rId3">
+                    <a14:imgEffect>
+                      <a14:backgroundRemoval t="0" b="100000" l="0" r="100000">
+                        <a14:foregroundMark x1="9600" y1="64000" x2="12400" y2="64800"/>
+                        <a14:foregroundMark x1="9600" y1="48000" x2="8800" y2="46000"/>
+                        <a14:foregroundMark x1="9600" y1="8400" x2="9600" y2="8000"/>
+                        <a14:foregroundMark x1="53200" y1="24000" x2="61200" y2="50400"/>
+                        <a14:foregroundMark x1="58000" y1="17600" x2="94000" y2="68400"/>
+                        <a14:foregroundMark x1="87600" y1="2800" x2="91600" y2="9200"/>
+                        <a14:foregroundMark x1="93600" y1="7200" x2="90800" y2="23600"/>
+                        <a14:foregroundMark x1="77200" y1="20000" x2="76800" y2="21600"/>
+                        <a14:foregroundMark x1="76800" y1="23600" x2="85200" y2="59600"/>
+                        <a14:foregroundMark x1="58000" y1="52800" x2="69600" y2="82400"/>
+                        <a14:foregroundMark x1="76800" y1="61200" x2="71200" y2="80000"/>
+                        <a14:foregroundMark x1="51200" y1="31600" x2="55600" y2="53600"/>
+                        <a14:foregroundMark x1="55600" y1="70400" x2="60400" y2="91200"/>
+                        <a14:foregroundMark x1="63600" y1="88800" x2="93200" y2="90000"/>
+                        <a14:foregroundMark x1="92000" y1="55200" x2="90000" y2="30000"/>
+                        <a14:foregroundMark x1="72400" y1="41600" x2="82800" y2="60800"/>
+                        <a14:foregroundMark x1="83600" y1="40800" x2="67600" y2="60800"/>
+                        <a14:foregroundMark x1="65200" y1="44000" x2="97600" y2="61600"/>
+                        <a14:foregroundMark x1="89600" y1="43200" x2="72800" y2="69200"/>
+                        <a14:foregroundMark x1="71200" y1="62000" x2="87600" y2="91200"/>
+                      </a14:backgroundRemoval>
+                    </a14:imgEffect>
+                  </a14:imgLayer>
+                </a14:imgProps>
+              </a:ext>
+              <a:ext uri="{28A0092B-C50C-407E-A947-70E740481C1C}">
+                <a14:useLocalDpi xmlns:a14="http://schemas.microsoft.com/office/drawing/2010/main" val="0"/>
+              </a:ext>
+            </a:extLst>
+          </a:blip>
+          <a:stretch>
+            <a:fillRect/>
+          </a:stretch>
+        </p:blipFill>
+        <p:spPr>
+          <a:xfrm>
+            <a:off x="10352539" y="5239240"/>
+            <a:ext cx="1618759" cy="1618759"/>
+          </a:xfrm>
+          <a:prstGeom prst="rect">
+            <a:avLst/>
+          </a:prstGeom>
+        </p:spPr>
+      </p:pic>
+    </p:spTree>
+    <p:extLst>
+      <p:ext uri="{BB962C8B-B14F-4D97-AF65-F5344CB8AC3E}">
+        <p14:creationId xmlns:p14="http://schemas.microsoft.com/office/powerpoint/2010/main" val="2377760540"/>
+      </p:ext>
+    </p:extLst>
+  </p:cSld>
+  <p:clrMapOvr>
+    <a:masterClrMapping/>
+  </p:clrMapOvr>
+  <mc:AlternateContent xmlns:mc="http://schemas.openxmlformats.org/markup-compatibility/2006">
+    <mc:Choice xmlns:p159="http://schemas.microsoft.com/office/powerpoint/2015/09/main" Requires="p159">
+      <p:transition xmlns:p14="http://schemas.microsoft.com/office/powerpoint/2010/main" spd="slow" p14:dur="2000">
+        <p159:morph option="byObject"/>
+      </p:transition>
+    </mc:Choice>
+    <mc:Fallback>
+      <p:transition spd="slow">
+        <p:fade/>
+      </p:transition>
+    </mc:Fallback>
+  </mc:AlternateContent>
+</p:sld>
+</file>
+
+<file path=ppt/slides/slide11.xml><?xml version="1.0" encoding="utf-8"?>
+<p:sld xmlns:a="http://schemas.openxmlformats.org/drawingml/2006/main" xmlns:r="http://schemas.openxmlformats.org/officeDocument/2006/relationships" xmlns:p="http://schemas.openxmlformats.org/presentationml/2006/main">
+  <p:cSld>
+    <p:spTree>
+      <p:nvGrpSpPr>
+        <p:cNvPr id="1" name=""/>
+        <p:cNvGrpSpPr/>
+        <p:nvPr/>
+      </p:nvGrpSpPr>
+      <p:grpSpPr>
+        <a:xfrm>
+          <a:off x="0" y="0"/>
+          <a:ext cx="0" cy="0"/>
+          <a:chOff x="0" y="0"/>
+          <a:chExt cx="0" cy="0"/>
+        </a:xfrm>
+      </p:grpSpPr>
+      <p:sp>
+        <p:nvSpPr>
+          <p:cNvPr id="2" name="Titre 1"/>
+          <p:cNvSpPr>
+            <a:spLocks noGrp="1"/>
+          </p:cNvSpPr>
+          <p:nvPr>
+            <p:ph type="title"/>
+          </p:nvPr>
+        </p:nvSpPr>
+        <p:spPr/>
+        <p:txBody>
+          <a:bodyPr/>
+          <a:lstStyle/>
+          <a:p>
+            <a:r>
+              <a:rPr lang="fr-BE" sz="6000" b="1" dirty="0">
+                <a:latin typeface="Franklin Gothic Medium Cond" panose="020B0606030402020204" pitchFamily="34" charset="0"/>
+              </a:rPr>
+              <a:t>Description du métier</a:t>
+            </a:r>
+          </a:p>
+        </p:txBody>
+      </p:sp>
+      <p:sp>
+        <p:nvSpPr>
+          <p:cNvPr id="3" name="Espace réservé du contenu 2"/>
+          <p:cNvSpPr>
+            <a:spLocks noGrp="1"/>
+          </p:cNvSpPr>
+          <p:nvPr>
+            <p:ph idx="1"/>
+          </p:nvPr>
+        </p:nvSpPr>
+        <p:spPr>
+          <a:xfrm>
+            <a:off x="646111" y="1944874"/>
+            <a:ext cx="8946541" cy="4395151"/>
+          </a:xfrm>
+        </p:spPr>
+        <p:txBody>
+          <a:bodyPr>
+            <a:normAutofit/>
+          </a:bodyPr>
+          <a:lstStyle/>
+          <a:p>
+            <a:r>
+              <a:rPr lang="fr-BE" sz="3200" b="1" dirty="0">
+                <a:latin typeface="Franklin Gothic Medium Cond" panose="020B0606030402020204" pitchFamily="34" charset="0"/>
+              </a:rPr>
+              <a:t>Pilier de l’école</a:t>
+            </a:r>
+          </a:p>
+          <a:p>
+            <a:pPr lvl="1"/>
+            <a:r>
+              <a:rPr lang="fr-BE" sz="3000" b="1" dirty="0">
+                <a:latin typeface="Franklin Gothic Medium Cond" panose="020B0606030402020204" pitchFamily="34" charset="0"/>
+              </a:rPr>
+              <a:t>Polyvalence</a:t>
+            </a:r>
+          </a:p>
+          <a:p>
+            <a:pPr lvl="1"/>
+            <a:r>
+              <a:rPr lang="fr-BE" sz="3000" b="1" dirty="0">
+                <a:latin typeface="Franklin Gothic Medium Cond" panose="020B0606030402020204" pitchFamily="34" charset="0"/>
+              </a:rPr>
+              <a:t>Joignable à tout moment</a:t>
+            </a:r>
+          </a:p>
+          <a:p>
+            <a:r>
+              <a:rPr lang="fr-BE" sz="3000" b="1" dirty="0">
+                <a:latin typeface="Franklin Gothic Medium Cond" panose="020B0606030402020204" pitchFamily="34" charset="0"/>
+              </a:rPr>
+              <a:t>Premiers secours</a:t>
+            </a:r>
+          </a:p>
+          <a:p>
+            <a:r>
+              <a:rPr lang="fr-BE" sz="3000" b="1" dirty="0">
+                <a:latin typeface="Franklin Gothic Medium Cond" panose="020B0606030402020204" pitchFamily="34" charset="0"/>
+              </a:rPr>
+              <a:t>Dimension plus sociable</a:t>
+            </a:r>
+          </a:p>
+          <a:p>
+            <a:pPr lvl="1"/>
+            <a:r>
+              <a:rPr lang="fr-BE" sz="2800" b="1" dirty="0">
+                <a:latin typeface="Franklin Gothic Medium Cond" panose="020B0606030402020204" pitchFamily="34" charset="0"/>
+              </a:rPr>
+              <a:t>Informations par voie orale</a:t>
+            </a:r>
+          </a:p>
+          <a:p>
+            <a:pPr lvl="1"/>
+            <a:r>
+              <a:rPr lang="fr-BE" sz="2800" b="1" dirty="0">
+                <a:latin typeface="Franklin Gothic Medium Cond" panose="020B0606030402020204" pitchFamily="34" charset="0"/>
+              </a:rPr>
+              <a:t>La société = une équipe</a:t>
+            </a:r>
+            <a:endParaRPr lang="fr-BE" sz="3000" b="1" dirty="0">
+              <a:latin typeface="Franklin Gothic Medium Cond" panose="020B0606030402020204" pitchFamily="34" charset="0"/>
+            </a:endParaRPr>
+          </a:p>
+          <a:p>
+            <a:pPr lvl="1"/>
+            <a:endParaRPr lang="fr-BE" sz="3200" b="1" dirty="0">
+              <a:latin typeface="Franklin Gothic Medium Cond" panose="020B0606030402020204" pitchFamily="34" charset="0"/>
+            </a:endParaRPr>
+          </a:p>
+          <a:p>
+            <a:pPr lvl="1"/>
+            <a:endParaRPr lang="fr-BE" sz="3000" b="1" dirty="0">
+              <a:latin typeface="Franklin Gothic Medium Cond" panose="020B0606030402020204" pitchFamily="34" charset="0"/>
+            </a:endParaRPr>
+          </a:p>
+          <a:p>
+            <a:pPr lvl="1"/>
+            <a:endParaRPr lang="fr-BE" sz="3000" b="1" dirty="0">
+              <a:latin typeface="Franklin Gothic Medium Cond" panose="020B0606030402020204" pitchFamily="34" charset="0"/>
+            </a:endParaRPr>
+          </a:p>
+          <a:p>
+            <a:endParaRPr lang="fr-BE" sz="3200" b="1" dirty="0">
+              <a:latin typeface="Franklin Gothic Medium Cond" panose="020B0606030402020204" pitchFamily="34" charset="0"/>
+            </a:endParaRPr>
+          </a:p>
+        </p:txBody>
+      </p:sp>
+      <p:sp>
+        <p:nvSpPr>
+          <p:cNvPr id="4" name="Espace réservé du pied de page 3"/>
+          <p:cNvSpPr>
+            <a:spLocks noGrp="1"/>
+          </p:cNvSpPr>
+          <p:nvPr>
+            <p:ph type="ftr" sz="quarter" idx="11"/>
+          </p:nvPr>
+        </p:nvSpPr>
+        <p:spPr/>
+        <p:txBody>
+          <a:bodyPr/>
+          <a:lstStyle/>
+          <a:p>
+            <a:r>
+              <a:rPr lang="fr-BE" dirty="0"/>
+              <a:t>Sacré Christopher</a:t>
+            </a:r>
+          </a:p>
+        </p:txBody>
+      </p:sp>
+      <p:sp>
+        <p:nvSpPr>
+          <p:cNvPr id="5" name="Espace réservé du numéro de diapositive 4"/>
+          <p:cNvSpPr>
+            <a:spLocks noGrp="1"/>
+          </p:cNvSpPr>
+          <p:nvPr>
+            <p:ph type="sldNum" sz="quarter" idx="12"/>
+          </p:nvPr>
+        </p:nvSpPr>
+        <p:spPr/>
+        <p:txBody>
+          <a:bodyPr/>
+          <a:lstStyle/>
+          <a:p>
+            <a:fld id="{5C4E3881-3D96-471D-AC8D-00C031DC841B}" type="slidenum">
+              <a:rPr lang="fr-BE" smtClean="0"/>
+              <a:t>11</a:t>
+            </a:fld>
+            <a:endParaRPr lang="fr-BE" dirty="0"/>
+          </a:p>
+        </p:txBody>
+      </p:sp>
+      <p:pic>
+        <p:nvPicPr>
+          <p:cNvPr id="8" name="Picture 7"/>
+          <p:cNvPicPr>
+            <a:picLocks noChangeAspect="1"/>
+          </p:cNvPicPr>
+          <p:nvPr/>
+        </p:nvPicPr>
+        <p:blipFill>
+          <a:blip r:embed="rId2">
+            <a:extLst>
+              <a:ext uri="{BEBA8EAE-BF5A-486C-A8C5-ECC9F3942E4B}">
+                <a14:imgProps xmlns:a14="http://schemas.microsoft.com/office/drawing/2010/main">
+                  <a14:imgLayer r:embed="rId3">
+                    <a14:imgEffect>
+                      <a14:backgroundRemoval t="0" b="100000" l="0" r="100000">
+                        <a14:foregroundMark x1="9600" y1="64000" x2="12400" y2="64800"/>
+                        <a14:foregroundMark x1="9600" y1="48000" x2="8800" y2="46000"/>
+                        <a14:foregroundMark x1="9600" y1="8400" x2="9600" y2="8000"/>
+                        <a14:foregroundMark x1="53200" y1="24000" x2="61200" y2="50400"/>
+                        <a14:foregroundMark x1="58000" y1="17600" x2="94000" y2="68400"/>
+                        <a14:foregroundMark x1="87600" y1="2800" x2="91600" y2="9200"/>
+                        <a14:foregroundMark x1="93600" y1="7200" x2="90800" y2="23600"/>
+                        <a14:foregroundMark x1="77200" y1="20000" x2="76800" y2="21600"/>
+                        <a14:foregroundMark x1="76800" y1="23600" x2="85200" y2="59600"/>
+                        <a14:foregroundMark x1="58000" y1="52800" x2="69600" y2="82400"/>
+                        <a14:foregroundMark x1="76800" y1="61200" x2="71200" y2="80000"/>
+                        <a14:foregroundMark x1="51200" y1="31600" x2="55600" y2="53600"/>
+                        <a14:foregroundMark x1="55600" y1="70400" x2="60400" y2="91200"/>
+                        <a14:foregroundMark x1="63600" y1="88800" x2="93200" y2="90000"/>
+                        <a14:foregroundMark x1="92000" y1="55200" x2="90000" y2="30000"/>
+                        <a14:foregroundMark x1="72400" y1="41600" x2="82800" y2="60800"/>
+                        <a14:foregroundMark x1="83600" y1="40800" x2="67600" y2="60800"/>
+                        <a14:foregroundMark x1="65200" y1="44000" x2="97600" y2="61600"/>
+                        <a14:foregroundMark x1="89600" y1="43200" x2="72800" y2="69200"/>
+                        <a14:foregroundMark x1="71200" y1="62000" x2="87600" y2="91200"/>
+                      </a14:backgroundRemoval>
+                    </a14:imgEffect>
+                  </a14:imgLayer>
+                </a14:imgProps>
+              </a:ext>
+              <a:ext uri="{28A0092B-C50C-407E-A947-70E740481C1C}">
+                <a14:useLocalDpi xmlns:a14="http://schemas.microsoft.com/office/drawing/2010/main" val="0"/>
+              </a:ext>
+            </a:extLst>
+          </a:blip>
+          <a:stretch>
+            <a:fillRect/>
+          </a:stretch>
+        </p:blipFill>
+        <p:spPr>
+          <a:xfrm>
+            <a:off x="10352539" y="5239240"/>
+            <a:ext cx="1618759" cy="1618759"/>
+          </a:xfrm>
+          <a:prstGeom prst="rect">
+            <a:avLst/>
+          </a:prstGeom>
+        </p:spPr>
+      </p:pic>
+    </p:spTree>
+    <p:extLst>
+      <p:ext uri="{BB962C8B-B14F-4D97-AF65-F5344CB8AC3E}">
+        <p14:creationId xmlns:p14="http://schemas.microsoft.com/office/powerpoint/2010/main" val="2324087877"/>
+      </p:ext>
+    </p:extLst>
+  </p:cSld>
+  <p:clrMapOvr>
+    <a:masterClrMapping/>
+  </p:clrMapOvr>
+  <mc:AlternateContent xmlns:mc="http://schemas.openxmlformats.org/markup-compatibility/2006">
+    <mc:Choice xmlns:p159="http://schemas.microsoft.com/office/powerpoint/2015/09/main" Requires="p159">
+      <p:transition xmlns:p14="http://schemas.microsoft.com/office/powerpoint/2010/main" spd="slow" p14:dur="2000">
+        <p159:morph option="byObject"/>
+      </p:transition>
+    </mc:Choice>
+    <mc:Fallback>
+      <p:transition spd="slow">
+        <p:fade/>
+      </p:transition>
+    </mc:Fallback>
+  </mc:AlternateContent>
+</p:sld>
+</file>
+
+<file path=ppt/slides/slide12.xml><?xml version="1.0" encoding="utf-8"?>
+<p:sld xmlns:a="http://schemas.openxmlformats.org/drawingml/2006/main" xmlns:r="http://schemas.openxmlformats.org/officeDocument/2006/relationships" xmlns:p="http://schemas.openxmlformats.org/presentationml/2006/main">
+  <p:cSld>
+    <p:spTree>
+      <p:nvGrpSpPr>
+        <p:cNvPr id="1" name=""/>
+        <p:cNvGrpSpPr/>
+        <p:nvPr/>
+      </p:nvGrpSpPr>
+      <p:grpSpPr>
+        <a:xfrm>
+          <a:off x="0" y="0"/>
+          <a:ext cx="0" cy="0"/>
+          <a:chOff x="0" y="0"/>
+          <a:chExt cx="0" cy="0"/>
+        </a:xfrm>
+      </p:grpSpPr>
+      <p:sp>
+        <p:nvSpPr>
+          <p:cNvPr id="2" name="Titre 1"/>
+          <p:cNvSpPr>
+            <a:spLocks noGrp="1"/>
+          </p:cNvSpPr>
+          <p:nvPr>
+            <p:ph type="title"/>
+          </p:nvPr>
+        </p:nvSpPr>
+        <p:spPr/>
+        <p:txBody>
+          <a:bodyPr/>
+          <a:lstStyle/>
+          <a:p>
+            <a:r>
+              <a:rPr lang="fr-BE" sz="6000" b="1" dirty="0">
+                <a:latin typeface="Franklin Gothic Medium Cond" panose="020B0606030402020204" pitchFamily="34" charset="0"/>
+              </a:rPr>
+              <a:t>Description du métier</a:t>
+            </a:r>
+          </a:p>
+        </p:txBody>
+      </p:sp>
+      <p:sp>
+        <p:nvSpPr>
+          <p:cNvPr id="3" name="Espace réservé du contenu 2"/>
+          <p:cNvSpPr>
+            <a:spLocks noGrp="1"/>
+          </p:cNvSpPr>
+          <p:nvPr>
+            <p:ph idx="1"/>
+          </p:nvPr>
+        </p:nvSpPr>
+        <p:spPr>
+          <a:xfrm>
+            <a:off x="646111" y="1944874"/>
+            <a:ext cx="8946541" cy="4395151"/>
+          </a:xfrm>
+        </p:spPr>
+        <p:txBody>
+          <a:bodyPr>
+            <a:normAutofit/>
+          </a:bodyPr>
+          <a:lstStyle/>
+          <a:p>
+            <a:r>
+              <a:rPr lang="fr-BE" sz="3000" b="1" dirty="0">
+                <a:latin typeface="Franklin Gothic Medium Cond" panose="020B0606030402020204" pitchFamily="34" charset="0"/>
+              </a:rPr>
+              <a:t>Prise de contact avec l’extérieur</a:t>
+            </a:r>
+          </a:p>
+          <a:p>
+            <a:pPr lvl="1"/>
+            <a:r>
+              <a:rPr lang="fr-BE" sz="2400" b="1" dirty="0">
+                <a:latin typeface="Franklin Gothic Medium Cond" panose="020B0606030402020204" pitchFamily="34" charset="0"/>
+              </a:rPr>
+              <a:t>Parents</a:t>
+            </a:r>
+          </a:p>
+          <a:p>
+            <a:pPr lvl="1"/>
+            <a:r>
+              <a:rPr lang="fr-BE" sz="2400" b="1" dirty="0">
+                <a:latin typeface="Franklin Gothic Medium Cond" panose="020B0606030402020204" pitchFamily="34" charset="0"/>
+              </a:rPr>
+              <a:t>Fournisseurs</a:t>
+            </a:r>
+          </a:p>
+          <a:p>
+            <a:pPr lvl="1"/>
+            <a:r>
+              <a:rPr lang="fr-BE" sz="2800" b="1" dirty="0">
+                <a:latin typeface="Franklin Gothic Medium Cond" panose="020B0606030402020204" pitchFamily="34" charset="0"/>
+              </a:rPr>
+              <a:t>Réception et transfert des messages</a:t>
+            </a:r>
+          </a:p>
+          <a:p>
+            <a:pPr lvl="1"/>
+            <a:r>
+              <a:rPr lang="fr-BE" sz="2800" b="1" dirty="0">
+                <a:latin typeface="Franklin Gothic Medium Cond" panose="020B0606030402020204" pitchFamily="34" charset="0"/>
+              </a:rPr>
+              <a:t>Par téléphone</a:t>
+            </a:r>
+          </a:p>
+          <a:p>
+            <a:r>
+              <a:rPr lang="fr-BE" sz="3000" b="1" dirty="0">
+                <a:latin typeface="Franklin Gothic Medium Cond" panose="020B0606030402020204" pitchFamily="34" charset="0"/>
+              </a:rPr>
+              <a:t>Administration de l’école</a:t>
+            </a:r>
+          </a:p>
+          <a:p>
+            <a:pPr lvl="1"/>
+            <a:endParaRPr lang="fr-BE" sz="3200" b="1" dirty="0">
+              <a:latin typeface="Franklin Gothic Medium Cond" panose="020B0606030402020204" pitchFamily="34" charset="0"/>
+            </a:endParaRPr>
+          </a:p>
+          <a:p>
+            <a:pPr lvl="1"/>
+            <a:endParaRPr lang="fr-BE" sz="3000" b="1" dirty="0">
+              <a:latin typeface="Franklin Gothic Medium Cond" panose="020B0606030402020204" pitchFamily="34" charset="0"/>
+            </a:endParaRPr>
+          </a:p>
+          <a:p>
+            <a:pPr lvl="1"/>
+            <a:endParaRPr lang="fr-BE" sz="3000" b="1" dirty="0">
+              <a:latin typeface="Franklin Gothic Medium Cond" panose="020B0606030402020204" pitchFamily="34" charset="0"/>
+            </a:endParaRPr>
+          </a:p>
+          <a:p>
+            <a:endParaRPr lang="fr-BE" sz="3200" b="1" dirty="0">
+              <a:latin typeface="Franklin Gothic Medium Cond" panose="020B0606030402020204" pitchFamily="34" charset="0"/>
+            </a:endParaRPr>
+          </a:p>
+        </p:txBody>
+      </p:sp>
+      <p:sp>
+        <p:nvSpPr>
+          <p:cNvPr id="4" name="Espace réservé du pied de page 3"/>
+          <p:cNvSpPr>
+            <a:spLocks noGrp="1"/>
+          </p:cNvSpPr>
+          <p:nvPr>
+            <p:ph type="ftr" sz="quarter" idx="11"/>
+          </p:nvPr>
+        </p:nvSpPr>
+        <p:spPr/>
+        <p:txBody>
+          <a:bodyPr/>
+          <a:lstStyle/>
+          <a:p>
+            <a:r>
+              <a:rPr lang="fr-BE" dirty="0"/>
+              <a:t>Sacré Christopher</a:t>
+            </a:r>
+          </a:p>
+        </p:txBody>
+      </p:sp>
+      <p:sp>
+        <p:nvSpPr>
+          <p:cNvPr id="5" name="Espace réservé du numéro de diapositive 4"/>
+          <p:cNvSpPr>
+            <a:spLocks noGrp="1"/>
+          </p:cNvSpPr>
+          <p:nvPr>
+            <p:ph type="sldNum" sz="quarter" idx="12"/>
+          </p:nvPr>
+        </p:nvSpPr>
+        <p:spPr/>
+        <p:txBody>
+          <a:bodyPr/>
+          <a:lstStyle/>
+          <a:p>
+            <a:fld id="{5C4E3881-3D96-471D-AC8D-00C031DC841B}" type="slidenum">
+              <a:rPr lang="fr-BE" smtClean="0"/>
+              <a:t>12</a:t>
+            </a:fld>
+            <a:endParaRPr lang="fr-BE" dirty="0"/>
+          </a:p>
+        </p:txBody>
+      </p:sp>
+      <p:pic>
+        <p:nvPicPr>
+          <p:cNvPr id="8" name="Picture 7"/>
+          <p:cNvPicPr>
+            <a:picLocks noChangeAspect="1"/>
+          </p:cNvPicPr>
+          <p:nvPr/>
+        </p:nvPicPr>
+        <p:blipFill>
+          <a:blip r:embed="rId2">
+            <a:extLst>
+              <a:ext uri="{BEBA8EAE-BF5A-486C-A8C5-ECC9F3942E4B}">
+                <a14:imgProps xmlns:a14="http://schemas.microsoft.com/office/drawing/2010/main">
+                  <a14:imgLayer r:embed="rId3">
+                    <a14:imgEffect>
+                      <a14:backgroundRemoval t="0" b="100000" l="0" r="100000">
+                        <a14:foregroundMark x1="9600" y1="64000" x2="12400" y2="64800"/>
+                        <a14:foregroundMark x1="9600" y1="48000" x2="8800" y2="46000"/>
+                        <a14:foregroundMark x1="9600" y1="8400" x2="9600" y2="8000"/>
+                        <a14:foregroundMark x1="53200" y1="24000" x2="61200" y2="50400"/>
+                        <a14:foregroundMark x1="58000" y1="17600" x2="94000" y2="68400"/>
+                        <a14:foregroundMark x1="87600" y1="2800" x2="91600" y2="9200"/>
+                        <a14:foregroundMark x1="93600" y1="7200" x2="90800" y2="23600"/>
+                        <a14:foregroundMark x1="77200" y1="20000" x2="76800" y2="21600"/>
+                        <a14:foregroundMark x1="76800" y1="23600" x2="85200" y2="59600"/>
+                        <a14:foregroundMark x1="58000" y1="52800" x2="69600" y2="82400"/>
+                        <a14:foregroundMark x1="76800" y1="61200" x2="71200" y2="80000"/>
+                        <a14:foregroundMark x1="51200" y1="31600" x2="55600" y2="53600"/>
+                        <a14:foregroundMark x1="55600" y1="70400" x2="60400" y2="91200"/>
+                        <a14:foregroundMark x1="63600" y1="88800" x2="93200" y2="90000"/>
+                        <a14:foregroundMark x1="92000" y1="55200" x2="90000" y2="30000"/>
+                        <a14:foregroundMark x1="72400" y1="41600" x2="82800" y2="60800"/>
+                        <a14:foregroundMark x1="83600" y1="40800" x2="67600" y2="60800"/>
+                        <a14:foregroundMark x1="65200" y1="44000" x2="97600" y2="61600"/>
+                        <a14:foregroundMark x1="89600" y1="43200" x2="72800" y2="69200"/>
+                        <a14:foregroundMark x1="71200" y1="62000" x2="87600" y2="91200"/>
+                      </a14:backgroundRemoval>
+                    </a14:imgEffect>
+                  </a14:imgLayer>
+                </a14:imgProps>
+              </a:ext>
+              <a:ext uri="{28A0092B-C50C-407E-A947-70E740481C1C}">
+                <a14:useLocalDpi xmlns:a14="http://schemas.microsoft.com/office/drawing/2010/main" val="0"/>
+              </a:ext>
+            </a:extLst>
+          </a:blip>
+          <a:stretch>
+            <a:fillRect/>
+          </a:stretch>
+        </p:blipFill>
+        <p:spPr>
+          <a:xfrm>
+            <a:off x="10352539" y="5239240"/>
+            <a:ext cx="1618759" cy="1618759"/>
+          </a:xfrm>
+          <a:prstGeom prst="rect">
+            <a:avLst/>
+          </a:prstGeom>
+        </p:spPr>
+      </p:pic>
+    </p:spTree>
+    <p:extLst>
+      <p:ext uri="{BB962C8B-B14F-4D97-AF65-F5344CB8AC3E}">
+        <p14:creationId xmlns:p14="http://schemas.microsoft.com/office/powerpoint/2010/main" val="1221321003"/>
+      </p:ext>
+    </p:extLst>
+  </p:cSld>
+  <p:clrMapOvr>
+    <a:masterClrMapping/>
+  </p:clrMapOvr>
+  <mc:AlternateContent xmlns:mc="http://schemas.openxmlformats.org/markup-compatibility/2006">
+    <mc:Choice xmlns:p159="http://schemas.microsoft.com/office/powerpoint/2015/09/main" Requires="p159">
+      <p:transition xmlns:p14="http://schemas.microsoft.com/office/powerpoint/2010/main" spd="slow" p14:dur="2000">
+        <p159:morph option="byObject"/>
+      </p:transition>
+    </mc:Choice>
+    <mc:Fallback>
+      <p:transition spd="slow">
+        <p:fade/>
+      </p:transition>
+    </mc:Fallback>
+  </mc:AlternateContent>
+</p:sld>
+</file>
+
+<file path=ppt/slides/slide13.xml><?xml version="1.0" encoding="utf-8"?>
+<p:sld xmlns:a="http://schemas.openxmlformats.org/drawingml/2006/main" xmlns:r="http://schemas.openxmlformats.org/officeDocument/2006/relationships" xmlns:p="http://schemas.openxmlformats.org/presentationml/2006/main">
+  <p:cSld>
+    <p:spTree>
+      <p:nvGrpSpPr>
+        <p:cNvPr id="1" name=""/>
+        <p:cNvGrpSpPr/>
+        <p:nvPr/>
+      </p:nvGrpSpPr>
+      <p:grpSpPr>
+        <a:xfrm>
+          <a:off x="0" y="0"/>
+          <a:ext cx="0" cy="0"/>
+          <a:chOff x="0" y="0"/>
+          <a:chExt cx="0" cy="0"/>
+        </a:xfrm>
+      </p:grpSpPr>
+      <p:sp>
+        <p:nvSpPr>
+          <p:cNvPr id="2" name="Titre 1"/>
+          <p:cNvSpPr>
+            <a:spLocks noGrp="1"/>
+          </p:cNvSpPr>
+          <p:nvPr>
+            <p:ph type="title"/>
+          </p:nvPr>
+        </p:nvSpPr>
+        <p:spPr/>
+        <p:txBody>
+          <a:bodyPr/>
+          <a:lstStyle/>
+          <a:p>
+            <a:r>
+              <a:rPr lang="fr-BE" sz="6000" b="1" dirty="0">
+                <a:latin typeface="Franklin Gothic Medium Cond" panose="020B0606030402020204" pitchFamily="34" charset="0"/>
+              </a:rPr>
+              <a:t>Sauvegarde des données</a:t>
+            </a:r>
+          </a:p>
+        </p:txBody>
+      </p:sp>
+      <p:sp>
+        <p:nvSpPr>
+          <p:cNvPr id="4" name="Espace réservé du pied de page 3"/>
+          <p:cNvSpPr>
+            <a:spLocks noGrp="1"/>
+          </p:cNvSpPr>
+          <p:nvPr>
+            <p:ph type="ftr" sz="quarter" idx="11"/>
+          </p:nvPr>
+        </p:nvSpPr>
+        <p:spPr/>
+        <p:txBody>
+          <a:bodyPr/>
+          <a:lstStyle/>
+          <a:p>
+            <a:r>
+              <a:rPr lang="fr-BE" dirty="0"/>
+              <a:t>Sacré Christopher</a:t>
+            </a:r>
+          </a:p>
+        </p:txBody>
+      </p:sp>
+      <p:sp>
+        <p:nvSpPr>
+          <p:cNvPr id="5" name="Espace réservé du numéro de diapositive 4"/>
+          <p:cNvSpPr>
+            <a:spLocks noGrp="1"/>
+          </p:cNvSpPr>
+          <p:nvPr>
+            <p:ph type="sldNum" sz="quarter" idx="12"/>
+          </p:nvPr>
+        </p:nvSpPr>
+        <p:spPr/>
+        <p:txBody>
+          <a:bodyPr/>
+          <a:lstStyle/>
+          <a:p>
+            <a:fld id="{5C4E3881-3D96-471D-AC8D-00C031DC841B}" type="slidenum">
+              <a:rPr lang="fr-BE" smtClean="0"/>
+              <a:t>13</a:t>
             </a:fld>
             <a:endParaRPr lang="fr-BE" dirty="0"/>
           </a:p>
@@ -12529,22 +13408,546 @@
   <p:clrMapOvr>
     <a:masterClrMapping/>
   </p:clrMapOvr>
-  <mc:AlternateContent xmlns:mc="http://schemas.openxmlformats.org/markup-compatibility/2006" xmlns:p14="http://schemas.microsoft.com/office/powerpoint/2010/main">
-    <mc:Choice Requires="p14">
-      <p:transition spd="slow" p14:dur="1500">
-        <p:split orient="vert"/>
+  <mc:AlternateContent xmlns:mc="http://schemas.openxmlformats.org/markup-compatibility/2006">
+    <mc:Choice xmlns:p159="http://schemas.microsoft.com/office/powerpoint/2015/09/main" Requires="p159">
+      <p:transition xmlns:p14="http://schemas.microsoft.com/office/powerpoint/2010/main" spd="slow" p14:dur="2000">
+        <p159:morph option="byObject"/>
       </p:transition>
     </mc:Choice>
-    <mc:Fallback xmlns="">
+    <mc:Fallback>
       <p:transition spd="slow">
-        <p:split orient="vert"/>
+        <p:fade/>
       </p:transition>
     </mc:Fallback>
   </mc:AlternateContent>
+  <p:timing>
+    <p:tnLst>
+      <p:par>
+        <p:cTn id="1" dur="indefinite" restart="never" nodeType="tmRoot">
+          <p:childTnLst>
+            <p:seq concurrent="1" nextAc="seek">
+              <p:cTn id="2" dur="indefinite" nodeType="mainSeq">
+                <p:childTnLst>
+                  <p:par>
+                    <p:cTn id="3" fill="hold">
+                      <p:stCondLst>
+                        <p:cond delay="indefinite"/>
+                      </p:stCondLst>
+                      <p:childTnLst>
+                        <p:par>
+                          <p:cTn id="4" fill="hold">
+                            <p:stCondLst>
+                              <p:cond delay="0"/>
+                            </p:stCondLst>
+                            <p:childTnLst>
+                              <p:par>
+                                <p:cTn id="5" presetID="10" presetClass="entr" presetSubtype="0" fill="hold" grpId="0" nodeType="clickEffect">
+                                  <p:stCondLst>
+                                    <p:cond delay="0"/>
+                                  </p:stCondLst>
+                                  <p:childTnLst>
+                                    <p:set>
+                                      <p:cBhvr>
+                                        <p:cTn id="6" dur="1" fill="hold">
+                                          <p:stCondLst>
+                                            <p:cond delay="0"/>
+                                          </p:stCondLst>
+                                        </p:cTn>
+                                        <p:tgtEl>
+                                          <p:spTgt spid="9">
+                                            <p:graphicEl>
+                                              <a:dgm id="{F5F9F97F-E430-463C-8949-042AAD70B553}"/>
+                                            </p:graphicEl>
+                                          </p:spTgt>
+                                        </p:tgtEl>
+                                        <p:attrNameLst>
+                                          <p:attrName>style.visibility</p:attrName>
+                                        </p:attrNameLst>
+                                      </p:cBhvr>
+                                      <p:to>
+                                        <p:strVal val="visible"/>
+                                      </p:to>
+                                    </p:set>
+                                    <p:animEffect transition="in" filter="fade">
+                                      <p:cBhvr>
+                                        <p:cTn id="7" dur="500"/>
+                                        <p:tgtEl>
+                                          <p:spTgt spid="9">
+                                            <p:graphicEl>
+                                              <a:dgm id="{F5F9F97F-E430-463C-8949-042AAD70B553}"/>
+                                            </p:graphicEl>
+                                          </p:spTgt>
+                                        </p:tgtEl>
+                                      </p:cBhvr>
+                                    </p:animEffect>
+                                  </p:childTnLst>
+                                </p:cTn>
+                              </p:par>
+                            </p:childTnLst>
+                          </p:cTn>
+                        </p:par>
+                      </p:childTnLst>
+                    </p:cTn>
+                  </p:par>
+                  <p:par>
+                    <p:cTn id="8" fill="hold">
+                      <p:stCondLst>
+                        <p:cond delay="indefinite"/>
+                      </p:stCondLst>
+                      <p:childTnLst>
+                        <p:par>
+                          <p:cTn id="9" fill="hold">
+                            <p:stCondLst>
+                              <p:cond delay="0"/>
+                            </p:stCondLst>
+                            <p:childTnLst>
+                              <p:par>
+                                <p:cTn id="10" presetID="10" presetClass="entr" presetSubtype="0" fill="hold" grpId="0" nodeType="clickEffect">
+                                  <p:stCondLst>
+                                    <p:cond delay="0"/>
+                                  </p:stCondLst>
+                                  <p:childTnLst>
+                                    <p:set>
+                                      <p:cBhvr>
+                                        <p:cTn id="11" dur="1" fill="hold">
+                                          <p:stCondLst>
+                                            <p:cond delay="0"/>
+                                          </p:stCondLst>
+                                        </p:cTn>
+                                        <p:tgtEl>
+                                          <p:spTgt spid="9">
+                                            <p:graphicEl>
+                                              <a:dgm id="{528197FC-6E1A-4B90-AB0D-2443A6BC6ED2}"/>
+                                            </p:graphicEl>
+                                          </p:spTgt>
+                                        </p:tgtEl>
+                                        <p:attrNameLst>
+                                          <p:attrName>style.visibility</p:attrName>
+                                        </p:attrNameLst>
+                                      </p:cBhvr>
+                                      <p:to>
+                                        <p:strVal val="visible"/>
+                                      </p:to>
+                                    </p:set>
+                                    <p:animEffect transition="in" filter="fade">
+                                      <p:cBhvr>
+                                        <p:cTn id="12" dur="500"/>
+                                        <p:tgtEl>
+                                          <p:spTgt spid="9">
+                                            <p:graphicEl>
+                                              <a:dgm id="{528197FC-6E1A-4B90-AB0D-2443A6BC6ED2}"/>
+                                            </p:graphicEl>
+                                          </p:spTgt>
+                                        </p:tgtEl>
+                                      </p:cBhvr>
+                                    </p:animEffect>
+                                  </p:childTnLst>
+                                </p:cTn>
+                              </p:par>
+                            </p:childTnLst>
+                          </p:cTn>
+                        </p:par>
+                      </p:childTnLst>
+                    </p:cTn>
+                  </p:par>
+                  <p:par>
+                    <p:cTn id="13" fill="hold">
+                      <p:stCondLst>
+                        <p:cond delay="indefinite"/>
+                      </p:stCondLst>
+                      <p:childTnLst>
+                        <p:par>
+                          <p:cTn id="14" fill="hold">
+                            <p:stCondLst>
+                              <p:cond delay="0"/>
+                            </p:stCondLst>
+                            <p:childTnLst>
+                              <p:par>
+                                <p:cTn id="15" presetID="10" presetClass="entr" presetSubtype="0" fill="hold" grpId="0" nodeType="clickEffect">
+                                  <p:stCondLst>
+                                    <p:cond delay="0"/>
+                                  </p:stCondLst>
+                                  <p:childTnLst>
+                                    <p:set>
+                                      <p:cBhvr>
+                                        <p:cTn id="16" dur="1" fill="hold">
+                                          <p:stCondLst>
+                                            <p:cond delay="0"/>
+                                          </p:stCondLst>
+                                        </p:cTn>
+                                        <p:tgtEl>
+                                          <p:spTgt spid="9">
+                                            <p:graphicEl>
+                                              <a:dgm id="{E2235E0B-8F8F-4221-A56B-C17D21D963E6}"/>
+                                            </p:graphicEl>
+                                          </p:spTgt>
+                                        </p:tgtEl>
+                                        <p:attrNameLst>
+                                          <p:attrName>style.visibility</p:attrName>
+                                        </p:attrNameLst>
+                                      </p:cBhvr>
+                                      <p:to>
+                                        <p:strVal val="visible"/>
+                                      </p:to>
+                                    </p:set>
+                                    <p:animEffect transition="in" filter="fade">
+                                      <p:cBhvr>
+                                        <p:cTn id="17" dur="500"/>
+                                        <p:tgtEl>
+                                          <p:spTgt spid="9">
+                                            <p:graphicEl>
+                                              <a:dgm id="{E2235E0B-8F8F-4221-A56B-C17D21D963E6}"/>
+                                            </p:graphicEl>
+                                          </p:spTgt>
+                                        </p:tgtEl>
+                                      </p:cBhvr>
+                                    </p:animEffect>
+                                  </p:childTnLst>
+                                </p:cTn>
+                              </p:par>
+                            </p:childTnLst>
+                          </p:cTn>
+                        </p:par>
+                      </p:childTnLst>
+                    </p:cTn>
+                  </p:par>
+                  <p:par>
+                    <p:cTn id="18" fill="hold">
+                      <p:stCondLst>
+                        <p:cond delay="indefinite"/>
+                      </p:stCondLst>
+                      <p:childTnLst>
+                        <p:par>
+                          <p:cTn id="19" fill="hold">
+                            <p:stCondLst>
+                              <p:cond delay="0"/>
+                            </p:stCondLst>
+                            <p:childTnLst>
+                              <p:par>
+                                <p:cTn id="20" presetID="10" presetClass="entr" presetSubtype="0" fill="hold" grpId="0" nodeType="clickEffect">
+                                  <p:stCondLst>
+                                    <p:cond delay="0"/>
+                                  </p:stCondLst>
+                                  <p:childTnLst>
+                                    <p:set>
+                                      <p:cBhvr>
+                                        <p:cTn id="21" dur="1" fill="hold">
+                                          <p:stCondLst>
+                                            <p:cond delay="0"/>
+                                          </p:stCondLst>
+                                        </p:cTn>
+                                        <p:tgtEl>
+                                          <p:spTgt spid="9">
+                                            <p:graphicEl>
+                                              <a:dgm id="{82B633B6-EA34-4486-8D04-1B0DD3201CF9}"/>
+                                            </p:graphicEl>
+                                          </p:spTgt>
+                                        </p:tgtEl>
+                                        <p:attrNameLst>
+                                          <p:attrName>style.visibility</p:attrName>
+                                        </p:attrNameLst>
+                                      </p:cBhvr>
+                                      <p:to>
+                                        <p:strVal val="visible"/>
+                                      </p:to>
+                                    </p:set>
+                                    <p:animEffect transition="in" filter="fade">
+                                      <p:cBhvr>
+                                        <p:cTn id="22" dur="500"/>
+                                        <p:tgtEl>
+                                          <p:spTgt spid="9">
+                                            <p:graphicEl>
+                                              <a:dgm id="{82B633B6-EA34-4486-8D04-1B0DD3201CF9}"/>
+                                            </p:graphicEl>
+                                          </p:spTgt>
+                                        </p:tgtEl>
+                                      </p:cBhvr>
+                                    </p:animEffect>
+                                  </p:childTnLst>
+                                </p:cTn>
+                              </p:par>
+                            </p:childTnLst>
+                          </p:cTn>
+                        </p:par>
+                      </p:childTnLst>
+                    </p:cTn>
+                  </p:par>
+                  <p:par>
+                    <p:cTn id="23" fill="hold">
+                      <p:stCondLst>
+                        <p:cond delay="indefinite"/>
+                      </p:stCondLst>
+                      <p:childTnLst>
+                        <p:par>
+                          <p:cTn id="24" fill="hold">
+                            <p:stCondLst>
+                              <p:cond delay="0"/>
+                            </p:stCondLst>
+                            <p:childTnLst>
+                              <p:par>
+                                <p:cTn id="25" presetID="10" presetClass="entr" presetSubtype="0" fill="hold" grpId="0" nodeType="clickEffect">
+                                  <p:stCondLst>
+                                    <p:cond delay="0"/>
+                                  </p:stCondLst>
+                                  <p:childTnLst>
+                                    <p:set>
+                                      <p:cBhvr>
+                                        <p:cTn id="26" dur="1" fill="hold">
+                                          <p:stCondLst>
+                                            <p:cond delay="0"/>
+                                          </p:stCondLst>
+                                        </p:cTn>
+                                        <p:tgtEl>
+                                          <p:spTgt spid="9">
+                                            <p:graphicEl>
+                                              <a:dgm id="{8FAFBD0E-6F56-4320-8461-71832116A1BC}"/>
+                                            </p:graphicEl>
+                                          </p:spTgt>
+                                        </p:tgtEl>
+                                        <p:attrNameLst>
+                                          <p:attrName>style.visibility</p:attrName>
+                                        </p:attrNameLst>
+                                      </p:cBhvr>
+                                      <p:to>
+                                        <p:strVal val="visible"/>
+                                      </p:to>
+                                    </p:set>
+                                    <p:animEffect transition="in" filter="fade">
+                                      <p:cBhvr>
+                                        <p:cTn id="27" dur="500"/>
+                                        <p:tgtEl>
+                                          <p:spTgt spid="9">
+                                            <p:graphicEl>
+                                              <a:dgm id="{8FAFBD0E-6F56-4320-8461-71832116A1BC}"/>
+                                            </p:graphicEl>
+                                          </p:spTgt>
+                                        </p:tgtEl>
+                                      </p:cBhvr>
+                                    </p:animEffect>
+                                  </p:childTnLst>
+                                </p:cTn>
+                              </p:par>
+                            </p:childTnLst>
+                          </p:cTn>
+                        </p:par>
+                      </p:childTnLst>
+                    </p:cTn>
+                  </p:par>
+                  <p:par>
+                    <p:cTn id="28" fill="hold">
+                      <p:stCondLst>
+                        <p:cond delay="indefinite"/>
+                      </p:stCondLst>
+                      <p:childTnLst>
+                        <p:par>
+                          <p:cTn id="29" fill="hold">
+                            <p:stCondLst>
+                              <p:cond delay="0"/>
+                            </p:stCondLst>
+                            <p:childTnLst>
+                              <p:par>
+                                <p:cTn id="30" presetID="42" presetClass="entr" presetSubtype="0" fill="hold" grpId="0" nodeType="clickEffect">
+                                  <p:stCondLst>
+                                    <p:cond delay="0"/>
+                                  </p:stCondLst>
+                                  <p:childTnLst>
+                                    <p:set>
+                                      <p:cBhvr>
+                                        <p:cTn id="31" dur="1" fill="hold">
+                                          <p:stCondLst>
+                                            <p:cond delay="0"/>
+                                          </p:stCondLst>
+                                        </p:cTn>
+                                        <p:tgtEl>
+                                          <p:spTgt spid="7"/>
+                                        </p:tgtEl>
+                                        <p:attrNameLst>
+                                          <p:attrName>style.visibility</p:attrName>
+                                        </p:attrNameLst>
+                                      </p:cBhvr>
+                                      <p:to>
+                                        <p:strVal val="visible"/>
+                                      </p:to>
+                                    </p:set>
+                                    <p:animEffect transition="in" filter="fade">
+                                      <p:cBhvr>
+                                        <p:cTn id="32" dur="1000"/>
+                                        <p:tgtEl>
+                                          <p:spTgt spid="7"/>
+                                        </p:tgtEl>
+                                      </p:cBhvr>
+                                    </p:animEffect>
+                                    <p:anim calcmode="lin" valueType="num">
+                                      <p:cBhvr>
+                                        <p:cTn id="33" dur="1000" fill="hold"/>
+                                        <p:tgtEl>
+                                          <p:spTgt spid="7"/>
+                                        </p:tgtEl>
+                                        <p:attrNameLst>
+                                          <p:attrName>ppt_x</p:attrName>
+                                        </p:attrNameLst>
+                                      </p:cBhvr>
+                                      <p:tavLst>
+                                        <p:tav tm="0">
+                                          <p:val>
+                                            <p:strVal val="#ppt_x"/>
+                                          </p:val>
+                                        </p:tav>
+                                        <p:tav tm="100000">
+                                          <p:val>
+                                            <p:strVal val="#ppt_x"/>
+                                          </p:val>
+                                        </p:tav>
+                                      </p:tavLst>
+                                    </p:anim>
+                                    <p:anim calcmode="lin" valueType="num">
+                                      <p:cBhvr>
+                                        <p:cTn id="34" dur="1000" fill="hold"/>
+                                        <p:tgtEl>
+                                          <p:spTgt spid="7"/>
+                                        </p:tgtEl>
+                                        <p:attrNameLst>
+                                          <p:attrName>ppt_y</p:attrName>
+                                        </p:attrNameLst>
+                                      </p:cBhvr>
+                                      <p:tavLst>
+                                        <p:tav tm="0">
+                                          <p:val>
+                                            <p:strVal val="#ppt_y+.1"/>
+                                          </p:val>
+                                        </p:tav>
+                                        <p:tav tm="100000">
+                                          <p:val>
+                                            <p:strVal val="#ppt_y"/>
+                                          </p:val>
+                                        </p:tav>
+                                      </p:tavLst>
+                                    </p:anim>
+                                  </p:childTnLst>
+                                </p:cTn>
+                              </p:par>
+                              <p:par>
+                                <p:cTn id="35" presetID="42" presetClass="entr" presetSubtype="0" fill="hold" grpId="0" nodeType="withEffect">
+                                  <p:stCondLst>
+                                    <p:cond delay="0"/>
+                                  </p:stCondLst>
+                                  <p:childTnLst>
+                                    <p:set>
+                                      <p:cBhvr>
+                                        <p:cTn id="36" dur="1" fill="hold">
+                                          <p:stCondLst>
+                                            <p:cond delay="0"/>
+                                          </p:stCondLst>
+                                        </p:cTn>
+                                        <p:tgtEl>
+                                          <p:spTgt spid="12"/>
+                                        </p:tgtEl>
+                                        <p:attrNameLst>
+                                          <p:attrName>style.visibility</p:attrName>
+                                        </p:attrNameLst>
+                                      </p:cBhvr>
+                                      <p:to>
+                                        <p:strVal val="visible"/>
+                                      </p:to>
+                                    </p:set>
+                                    <p:animEffect transition="in" filter="fade">
+                                      <p:cBhvr>
+                                        <p:cTn id="37" dur="1000"/>
+                                        <p:tgtEl>
+                                          <p:spTgt spid="12"/>
+                                        </p:tgtEl>
+                                      </p:cBhvr>
+                                    </p:animEffect>
+                                    <p:anim calcmode="lin" valueType="num">
+                                      <p:cBhvr>
+                                        <p:cTn id="38" dur="1000" fill="hold"/>
+                                        <p:tgtEl>
+                                          <p:spTgt spid="12"/>
+                                        </p:tgtEl>
+                                        <p:attrNameLst>
+                                          <p:attrName>ppt_x</p:attrName>
+                                        </p:attrNameLst>
+                                      </p:cBhvr>
+                                      <p:tavLst>
+                                        <p:tav tm="0">
+                                          <p:val>
+                                            <p:strVal val="#ppt_x"/>
+                                          </p:val>
+                                        </p:tav>
+                                        <p:tav tm="100000">
+                                          <p:val>
+                                            <p:strVal val="#ppt_x"/>
+                                          </p:val>
+                                        </p:tav>
+                                      </p:tavLst>
+                                    </p:anim>
+                                    <p:anim calcmode="lin" valueType="num">
+                                      <p:cBhvr>
+                                        <p:cTn id="39" dur="1000" fill="hold"/>
+                                        <p:tgtEl>
+                                          <p:spTgt spid="12"/>
+                                        </p:tgtEl>
+                                        <p:attrNameLst>
+                                          <p:attrName>ppt_y</p:attrName>
+                                        </p:attrNameLst>
+                                      </p:cBhvr>
+                                      <p:tavLst>
+                                        <p:tav tm="0">
+                                          <p:val>
+                                            <p:strVal val="#ppt_y+.1"/>
+                                          </p:val>
+                                        </p:tav>
+                                        <p:tav tm="100000">
+                                          <p:val>
+                                            <p:strVal val="#ppt_y"/>
+                                          </p:val>
+                                        </p:tav>
+                                      </p:tavLst>
+                                    </p:anim>
+                                  </p:childTnLst>
+                                </p:cTn>
+                              </p:par>
+                            </p:childTnLst>
+                          </p:cTn>
+                        </p:par>
+                      </p:childTnLst>
+                    </p:cTn>
+                  </p:par>
+                </p:childTnLst>
+              </p:cTn>
+              <p:prevCondLst>
+                <p:cond evt="onPrev" delay="0">
+                  <p:tgtEl>
+                    <p:sldTgt/>
+                  </p:tgtEl>
+                </p:cond>
+              </p:prevCondLst>
+              <p:nextCondLst>
+                <p:cond evt="onNext" delay="0">
+                  <p:tgtEl>
+                    <p:sldTgt/>
+                  </p:tgtEl>
+                </p:cond>
+              </p:nextCondLst>
+            </p:seq>
+          </p:childTnLst>
+        </p:cTn>
+      </p:par>
+    </p:tnLst>
+    <p:bldLst>
+      <p:bldGraphic spid="9" grpId="0">
+        <p:bldSub>
+          <a:bldDgm bld="one"/>
+        </p:bldSub>
+      </p:bldGraphic>
+      <p:bldP spid="7" grpId="0"/>
+      <p:bldP spid="12" grpId="0" animBg="1"/>
+    </p:bldLst>
+  </p:timing>
 </p:sld>
 </file>
 
-<file path=ppt/slides/slide11.xml><?xml version="1.0" encoding="utf-8"?>
+<file path=ppt/slides/slide14.xml><?xml version="1.0" encoding="utf-8"?>
 <p:sld xmlns:a="http://schemas.openxmlformats.org/drawingml/2006/main" xmlns:r="http://schemas.openxmlformats.org/officeDocument/2006/relationships" xmlns:p="http://schemas.openxmlformats.org/presentationml/2006/main">
   <p:cSld>
     <p:spTree>
@@ -12624,7 +14027,7 @@
           <a:p>
             <a:fld id="{5C4E3881-3D96-471D-AC8D-00C031DC841B}" type="slidenum">
               <a:rPr lang="fr-BE" smtClean="0"/>
-              <a:t>11</a:t>
+              <a:t>14</a:t>
             </a:fld>
             <a:endParaRPr lang="fr-BE" dirty="0"/>
           </a:p>
@@ -13108,22 +14511,22 @@
   <p:clrMapOvr>
     <a:masterClrMapping/>
   </p:clrMapOvr>
-  <mc:AlternateContent xmlns:mc="http://schemas.openxmlformats.org/markup-compatibility/2006" xmlns:p14="http://schemas.microsoft.com/office/powerpoint/2010/main">
-    <mc:Choice Requires="p14">
-      <p:transition spd="slow" p14:dur="1500">
-        <p:split orient="vert"/>
+  <mc:AlternateContent xmlns:mc="http://schemas.openxmlformats.org/markup-compatibility/2006">
+    <mc:Choice xmlns:p159="http://schemas.microsoft.com/office/powerpoint/2015/09/main" Requires="p159">
+      <p:transition xmlns:p14="http://schemas.microsoft.com/office/powerpoint/2010/main" spd="slow" p14:dur="2000">
+        <p159:morph option="byObject"/>
       </p:transition>
     </mc:Choice>
-    <mc:Fallback xmlns="">
+    <mc:Fallback>
       <p:transition spd="slow">
-        <p:split orient="vert"/>
+        <p:fade/>
       </p:transition>
     </mc:Fallback>
   </mc:AlternateContent>
 </p:sld>
 </file>
 
-<file path=ppt/slides/slide12.xml><?xml version="1.0" encoding="utf-8"?>
+<file path=ppt/slides/slide15.xml><?xml version="1.0" encoding="utf-8"?>
 <p:sld xmlns:a="http://schemas.openxmlformats.org/drawingml/2006/main" xmlns:r="http://schemas.openxmlformats.org/officeDocument/2006/relationships" xmlns:p="http://schemas.openxmlformats.org/presentationml/2006/main">
   <p:cSld>
     <p:spTree>
@@ -13203,7 +14606,7 @@
           <a:p>
             <a:fld id="{5C4E3881-3D96-471D-AC8D-00C031DC841B}" type="slidenum">
               <a:rPr lang="fr-BE" smtClean="0"/>
-              <a:t>12</a:t>
+              <a:t>15</a:t>
             </a:fld>
             <a:endParaRPr lang="fr-BE" dirty="0"/>
           </a:p>
@@ -13646,22 +15049,22 @@
   <p:clrMapOvr>
     <a:masterClrMapping/>
   </p:clrMapOvr>
-  <mc:AlternateContent xmlns:mc="http://schemas.openxmlformats.org/markup-compatibility/2006" xmlns:p14="http://schemas.microsoft.com/office/powerpoint/2010/main">
-    <mc:Choice Requires="p14">
-      <p:transition spd="slow" p14:dur="1500">
-        <p:split orient="vert"/>
+  <mc:AlternateContent xmlns:mc="http://schemas.openxmlformats.org/markup-compatibility/2006">
+    <mc:Choice xmlns:p159="http://schemas.microsoft.com/office/powerpoint/2015/09/main" Requires="p159">
+      <p:transition xmlns:p14="http://schemas.microsoft.com/office/powerpoint/2010/main" spd="slow" p14:dur="2000">
+        <p159:morph option="byObject"/>
       </p:transition>
     </mc:Choice>
-    <mc:Fallback xmlns="">
+    <mc:Fallback>
       <p:transition spd="slow">
-        <p:split orient="vert"/>
+        <p:fade/>
       </p:transition>
     </mc:Fallback>
   </mc:AlternateContent>
 </p:sld>
 </file>
 
-<file path=ppt/slides/slide13.xml><?xml version="1.0" encoding="utf-8"?>
+<file path=ppt/slides/slide16.xml><?xml version="1.0" encoding="utf-8"?>
 <p:sld xmlns:a="http://schemas.openxmlformats.org/drawingml/2006/main" xmlns:r="http://schemas.openxmlformats.org/officeDocument/2006/relationships" xmlns:p="http://schemas.openxmlformats.org/presentationml/2006/main">
   <p:cSld>
     <p:spTree>
@@ -13741,7 +15144,7 @@
           <a:p>
             <a:fld id="{5C4E3881-3D96-471D-AC8D-00C031DC841B}" type="slidenum">
               <a:rPr lang="fr-BE" smtClean="0"/>
-              <a:t>13</a:t>
+              <a:t>16</a:t>
             </a:fld>
             <a:endParaRPr lang="fr-BE" dirty="0"/>
           </a:p>
@@ -14203,22 +15606,22 @@
   <p:clrMapOvr>
     <a:masterClrMapping/>
   </p:clrMapOvr>
-  <mc:AlternateContent xmlns:mc="http://schemas.openxmlformats.org/markup-compatibility/2006" xmlns:p14="http://schemas.microsoft.com/office/powerpoint/2010/main">
-    <mc:Choice Requires="p14">
-      <p:transition spd="slow" p14:dur="1500">
-        <p:split orient="vert"/>
+  <mc:AlternateContent xmlns:mc="http://schemas.openxmlformats.org/markup-compatibility/2006">
+    <mc:Choice xmlns:p159="http://schemas.microsoft.com/office/powerpoint/2015/09/main" Requires="p159">
+      <p:transition xmlns:p14="http://schemas.microsoft.com/office/powerpoint/2010/main" spd="slow" p14:dur="2000">
+        <p159:morph option="byObject"/>
       </p:transition>
     </mc:Choice>
-    <mc:Fallback xmlns="">
+    <mc:Fallback>
       <p:transition spd="slow">
-        <p:split orient="vert"/>
+        <p:fade/>
       </p:transition>
     </mc:Fallback>
   </mc:AlternateContent>
 </p:sld>
 </file>
 
-<file path=ppt/slides/slide14.xml><?xml version="1.0" encoding="utf-8"?>
+<file path=ppt/slides/slide17.xml><?xml version="1.0" encoding="utf-8"?>
 <p:sld xmlns:a="http://schemas.openxmlformats.org/drawingml/2006/main" xmlns:r="http://schemas.openxmlformats.org/officeDocument/2006/relationships" xmlns:p="http://schemas.openxmlformats.org/presentationml/2006/main">
   <p:cSld>
     <p:spTree>
@@ -14298,7 +15701,7 @@
           <a:p>
             <a:fld id="{5C4E3881-3D96-471D-AC8D-00C031DC841B}" type="slidenum">
               <a:rPr lang="fr-BE" smtClean="0"/>
-              <a:t>14</a:t>
+              <a:t>17</a:t>
             </a:fld>
             <a:endParaRPr lang="fr-BE" dirty="0"/>
           </a:p>
@@ -14420,7 +15823,7 @@
         </p:spPr>
         <p:txBody>
           <a:bodyPr vert="horz" lIns="91440" tIns="45720" rIns="91440" bIns="45720" rtlCol="0">
-            <a:normAutofit fontScale="77500" lnSpcReduction="20000"/>
+            <a:normAutofit/>
           </a:bodyPr>
           <a:lstStyle>
             <a:lvl1pPr marL="342900" indent="-342900" algn="l" defTabSz="457200" rtl="0" eaLnBrk="1" latinLnBrk="0" hangingPunct="1">
@@ -14653,23 +16056,6 @@
               <a:rPr lang="fr-BE" sz="3200" b="1" dirty="0">
                 <a:latin typeface="Franklin Gothic Medium Cond" panose="020B0606030402020204" pitchFamily="34" charset="0"/>
               </a:rPr>
-              <a:t>Ergonomie Web</a:t>
-            </a:r>
-          </a:p>
-          <a:p>
-            <a:pPr lvl="1"/>
-            <a:r>
-              <a:rPr lang="fr-BE" sz="3000" b="1" dirty="0">
-                <a:latin typeface="Franklin Gothic Medium Cond" panose="020B0606030402020204" pitchFamily="34" charset="0"/>
-              </a:rPr>
-              <a:t>Analyse de l’ergonomie de Ibasis et SmartSchool</a:t>
-            </a:r>
-          </a:p>
-          <a:p>
-            <a:r>
-              <a:rPr lang="fr-BE" sz="3200" b="1" dirty="0">
-                <a:latin typeface="Franklin Gothic Medium Cond" panose="020B0606030402020204" pitchFamily="34" charset="0"/>
-              </a:rPr>
               <a:t>SQL</a:t>
             </a:r>
           </a:p>
@@ -14706,32 +16092,6 @@
                 <a:latin typeface="Franklin Gothic Medium Cond" panose="020B0606030402020204" pitchFamily="34" charset="0"/>
               </a:rPr>
               <a:t>Compréhension plus poussée du fonctionnement des deux systèmes</a:t>
-            </a:r>
-          </a:p>
-          <a:p>
-            <a:r>
-              <a:rPr lang="fr-BE" sz="3200" b="1" dirty="0">
-                <a:latin typeface="Franklin Gothic Medium Cond" panose="020B0606030402020204" pitchFamily="34" charset="0"/>
-              </a:rPr>
-              <a:t>Organisation des entreprises</a:t>
-            </a:r>
-          </a:p>
-          <a:p>
-            <a:pPr lvl="1"/>
-            <a:r>
-              <a:rPr lang="fr-BE" sz="3000" b="1" dirty="0">
-                <a:latin typeface="Franklin Gothic Medium Cond" panose="020B0606030402020204" pitchFamily="34" charset="0"/>
-              </a:rPr>
-              <a:t>Apprentissage du monde des entreprises</a:t>
-            </a:r>
-          </a:p>
-          <a:p>
-            <a:pPr lvl="1"/>
-            <a:r>
-              <a:rPr lang="fr-BE" sz="3000" b="1" dirty="0">
-                <a:latin typeface="Franklin Gothic Medium Cond" panose="020B0606030402020204" pitchFamily="34" charset="0"/>
-              </a:rPr>
-              <a:t>Analyse correcte d’un processus</a:t>
             </a:r>
           </a:p>
           <a:p>
@@ -14754,22 +16114,264 @@
   <p:clrMapOvr>
     <a:masterClrMapping/>
   </p:clrMapOvr>
-  <mc:AlternateContent xmlns:mc="http://schemas.openxmlformats.org/markup-compatibility/2006" xmlns:p14="http://schemas.microsoft.com/office/powerpoint/2010/main">
-    <mc:Choice Requires="p14">
-      <p:transition spd="slow" p14:dur="1500">
-        <p:split orient="vert"/>
+  <mc:AlternateContent xmlns:mc="http://schemas.openxmlformats.org/markup-compatibility/2006">
+    <mc:Choice xmlns:p159="http://schemas.microsoft.com/office/powerpoint/2015/09/main" Requires="p159">
+      <p:transition xmlns:p14="http://schemas.microsoft.com/office/powerpoint/2010/main" spd="slow" p14:dur="2000">
+        <p159:morph option="byObject"/>
       </p:transition>
     </mc:Choice>
-    <mc:Fallback xmlns="">
+    <mc:Fallback>
       <p:transition spd="slow">
-        <p:split orient="vert"/>
+        <p:fade/>
       </p:transition>
     </mc:Fallback>
   </mc:AlternateContent>
+  <p:timing>
+    <p:tnLst>
+      <p:par>
+        <p:cTn id="1" dur="indefinite" restart="never" nodeType="tmRoot">
+          <p:childTnLst>
+            <p:seq concurrent="1" nextAc="seek">
+              <p:cTn id="2" dur="indefinite" nodeType="mainSeq">
+                <p:childTnLst>
+                  <p:par>
+                    <p:cTn id="3" fill="hold">
+                      <p:stCondLst>
+                        <p:cond delay="indefinite"/>
+                      </p:stCondLst>
+                      <p:childTnLst>
+                        <p:par>
+                          <p:cTn id="4" fill="hold">
+                            <p:stCondLst>
+                              <p:cond delay="0"/>
+                            </p:stCondLst>
+                            <p:childTnLst>
+                              <p:par>
+                                <p:cTn id="5" presetID="42" presetClass="entr" presetSubtype="0" fill="hold" nodeType="clickEffect">
+                                  <p:stCondLst>
+                                    <p:cond delay="0"/>
+                                  </p:stCondLst>
+                                  <p:childTnLst>
+                                    <p:set>
+                                      <p:cBhvr>
+                                        <p:cTn id="6" dur="1" fill="hold">
+                                          <p:stCondLst>
+                                            <p:cond delay="0"/>
+                                          </p:stCondLst>
+                                        </p:cTn>
+                                        <p:tgtEl>
+                                          <p:spTgt spid="12">
+                                            <p:txEl>
+                                              <p:pRg st="3" end="3"/>
+                                            </p:txEl>
+                                          </p:spTgt>
+                                        </p:tgtEl>
+                                        <p:attrNameLst>
+                                          <p:attrName>style.visibility</p:attrName>
+                                        </p:attrNameLst>
+                                      </p:cBhvr>
+                                      <p:to>
+                                        <p:strVal val="visible"/>
+                                      </p:to>
+                                    </p:set>
+                                    <p:animEffect transition="in" filter="fade">
+                                      <p:cBhvr>
+                                        <p:cTn id="7" dur="1000"/>
+                                        <p:tgtEl>
+                                          <p:spTgt spid="12">
+                                            <p:txEl>
+                                              <p:pRg st="3" end="3"/>
+                                            </p:txEl>
+                                          </p:spTgt>
+                                        </p:tgtEl>
+                                      </p:cBhvr>
+                                    </p:animEffect>
+                                    <p:anim calcmode="lin" valueType="num">
+                                      <p:cBhvr>
+                                        <p:cTn id="8" dur="1000" fill="hold"/>
+                                        <p:tgtEl>
+                                          <p:spTgt spid="12">
+                                            <p:txEl>
+                                              <p:pRg st="3" end="3"/>
+                                            </p:txEl>
+                                          </p:spTgt>
+                                        </p:tgtEl>
+                                        <p:attrNameLst>
+                                          <p:attrName>ppt_x</p:attrName>
+                                        </p:attrNameLst>
+                                      </p:cBhvr>
+                                      <p:tavLst>
+                                        <p:tav tm="0">
+                                          <p:val>
+                                            <p:strVal val="#ppt_x"/>
+                                          </p:val>
+                                        </p:tav>
+                                        <p:tav tm="100000">
+                                          <p:val>
+                                            <p:strVal val="#ppt_x"/>
+                                          </p:val>
+                                        </p:tav>
+                                      </p:tavLst>
+                                    </p:anim>
+                                    <p:anim calcmode="lin" valueType="num">
+                                      <p:cBhvr>
+                                        <p:cTn id="9" dur="1000" fill="hold"/>
+                                        <p:tgtEl>
+                                          <p:spTgt spid="12">
+                                            <p:txEl>
+                                              <p:pRg st="3" end="3"/>
+                                            </p:txEl>
+                                          </p:spTgt>
+                                        </p:tgtEl>
+                                        <p:attrNameLst>
+                                          <p:attrName>ppt_y</p:attrName>
+                                        </p:attrNameLst>
+                                      </p:cBhvr>
+                                      <p:tavLst>
+                                        <p:tav tm="0">
+                                          <p:val>
+                                            <p:strVal val="#ppt_y+.1"/>
+                                          </p:val>
+                                        </p:tav>
+                                        <p:tav tm="100000">
+                                          <p:val>
+                                            <p:strVal val="#ppt_y"/>
+                                          </p:val>
+                                        </p:tav>
+                                      </p:tavLst>
+                                    </p:anim>
+                                  </p:childTnLst>
+                                </p:cTn>
+                              </p:par>
+                              <p:par>
+                                <p:cTn id="10" presetID="42" presetClass="entr" presetSubtype="0" fill="hold" nodeType="withEffect">
+                                  <p:stCondLst>
+                                    <p:cond delay="0"/>
+                                  </p:stCondLst>
+                                  <p:childTnLst>
+                                    <p:set>
+                                      <p:cBhvr>
+                                        <p:cTn id="11" dur="1" fill="hold">
+                                          <p:stCondLst>
+                                            <p:cond delay="0"/>
+                                          </p:stCondLst>
+                                        </p:cTn>
+                                        <p:tgtEl>
+                                          <p:spTgt spid="12">
+                                            <p:txEl>
+                                              <p:pRg st="4" end="4"/>
+                                            </p:txEl>
+                                          </p:spTgt>
+                                        </p:tgtEl>
+                                        <p:attrNameLst>
+                                          <p:attrName>style.visibility</p:attrName>
+                                        </p:attrNameLst>
+                                      </p:cBhvr>
+                                      <p:to>
+                                        <p:strVal val="visible"/>
+                                      </p:to>
+                                    </p:set>
+                                    <p:animEffect transition="in" filter="fade">
+                                      <p:cBhvr>
+                                        <p:cTn id="12" dur="1000"/>
+                                        <p:tgtEl>
+                                          <p:spTgt spid="12">
+                                            <p:txEl>
+                                              <p:pRg st="4" end="4"/>
+                                            </p:txEl>
+                                          </p:spTgt>
+                                        </p:tgtEl>
+                                      </p:cBhvr>
+                                    </p:animEffect>
+                                    <p:anim calcmode="lin" valueType="num">
+                                      <p:cBhvr>
+                                        <p:cTn id="13" dur="1000" fill="hold"/>
+                                        <p:tgtEl>
+                                          <p:spTgt spid="12">
+                                            <p:txEl>
+                                              <p:pRg st="4" end="4"/>
+                                            </p:txEl>
+                                          </p:spTgt>
+                                        </p:tgtEl>
+                                        <p:attrNameLst>
+                                          <p:attrName>ppt_x</p:attrName>
+                                        </p:attrNameLst>
+                                      </p:cBhvr>
+                                      <p:tavLst>
+                                        <p:tav tm="0">
+                                          <p:val>
+                                            <p:strVal val="#ppt_x"/>
+                                          </p:val>
+                                        </p:tav>
+                                        <p:tav tm="100000">
+                                          <p:val>
+                                            <p:strVal val="#ppt_x"/>
+                                          </p:val>
+                                        </p:tav>
+                                      </p:tavLst>
+                                    </p:anim>
+                                    <p:anim calcmode="lin" valueType="num">
+                                      <p:cBhvr>
+                                        <p:cTn id="14" dur="1000" fill="hold"/>
+                                        <p:tgtEl>
+                                          <p:spTgt spid="12">
+                                            <p:txEl>
+                                              <p:pRg st="4" end="4"/>
+                                            </p:txEl>
+                                          </p:spTgt>
+                                        </p:tgtEl>
+                                        <p:attrNameLst>
+                                          <p:attrName>ppt_y</p:attrName>
+                                        </p:attrNameLst>
+                                      </p:cBhvr>
+                                      <p:tavLst>
+                                        <p:tav tm="0">
+                                          <p:val>
+                                            <p:strVal val="#ppt_y+.1"/>
+                                          </p:val>
+                                        </p:tav>
+                                        <p:tav tm="100000">
+                                          <p:val>
+                                            <p:strVal val="#ppt_y"/>
+                                          </p:val>
+                                        </p:tav>
+                                      </p:tavLst>
+                                    </p:anim>
+                                  </p:childTnLst>
+                                </p:cTn>
+                              </p:par>
+                            </p:childTnLst>
+                          </p:cTn>
+                        </p:par>
+                      </p:childTnLst>
+                    </p:cTn>
+                  </p:par>
+                </p:childTnLst>
+              </p:cTn>
+              <p:prevCondLst>
+                <p:cond evt="onPrev" delay="0">
+                  <p:tgtEl>
+                    <p:sldTgt/>
+                  </p:tgtEl>
+                </p:cond>
+              </p:prevCondLst>
+              <p:nextCondLst>
+                <p:cond evt="onNext" delay="0">
+                  <p:tgtEl>
+                    <p:sldTgt/>
+                  </p:tgtEl>
+                </p:cond>
+              </p:nextCondLst>
+            </p:seq>
+          </p:childTnLst>
+        </p:cTn>
+      </p:par>
+    </p:tnLst>
+  </p:timing>
 </p:sld>
 </file>
 
-<file path=ppt/slides/slide15.xml><?xml version="1.0" encoding="utf-8"?>
+<file path=ppt/slides/slide18.xml><?xml version="1.0" encoding="utf-8"?>
 <p:sld xmlns:a="http://schemas.openxmlformats.org/drawingml/2006/main" xmlns:r="http://schemas.openxmlformats.org/officeDocument/2006/relationships" xmlns:p="http://schemas.openxmlformats.org/presentationml/2006/main">
   <p:cSld>
     <p:spTree>
@@ -14849,7 +16451,7 @@
           <a:p>
             <a:fld id="{5C4E3881-3D96-471D-AC8D-00C031DC841B}" type="slidenum">
               <a:rPr lang="fr-BE" smtClean="0"/>
-              <a:t>15</a:t>
+              <a:t>18</a:t>
             </a:fld>
             <a:endParaRPr lang="fr-BE" dirty="0"/>
           </a:p>
@@ -14971,7 +16573,7 @@
         </p:spPr>
         <p:txBody>
           <a:bodyPr vert="horz" lIns="91440" tIns="45720" rIns="91440" bIns="45720" rtlCol="0">
-            <a:normAutofit fontScale="77500" lnSpcReduction="20000"/>
+            <a:normAutofit/>
           </a:bodyPr>
           <a:lstStyle>
             <a:lvl1pPr marL="342900" indent="-342900" algn="l" defTabSz="457200" rtl="0" eaLnBrk="1" latinLnBrk="0" hangingPunct="1">
@@ -15204,6 +16806,32 @@
               <a:rPr lang="fr-BE" sz="3200" b="1" dirty="0">
                 <a:latin typeface="Franklin Gothic Medium Cond" panose="020B0606030402020204" pitchFamily="34" charset="0"/>
               </a:rPr>
+              <a:t>Organisation des entreprises</a:t>
+            </a:r>
+          </a:p>
+          <a:p>
+            <a:pPr lvl="1"/>
+            <a:r>
+              <a:rPr lang="fr-BE" sz="3000" b="1" dirty="0">
+                <a:latin typeface="Franklin Gothic Medium Cond" panose="020B0606030402020204" pitchFamily="34" charset="0"/>
+              </a:rPr>
+              <a:t>Apprentissage du monde des entreprises</a:t>
+            </a:r>
+          </a:p>
+          <a:p>
+            <a:pPr lvl="1"/>
+            <a:r>
+              <a:rPr lang="fr-BE" sz="3000" b="1" dirty="0">
+                <a:latin typeface="Franklin Gothic Medium Cond" panose="020B0606030402020204" pitchFamily="34" charset="0"/>
+              </a:rPr>
+              <a:t>Analyse correcte d’un processus</a:t>
+            </a:r>
+          </a:p>
+          <a:p>
+            <a:r>
+              <a:rPr lang="fr-BE" sz="3200" b="1" dirty="0">
+                <a:latin typeface="Franklin Gothic Medium Cond" panose="020B0606030402020204" pitchFamily="34" charset="0"/>
+              </a:rPr>
               <a:t>Ergonomie Web</a:t>
             </a:r>
           </a:p>
@@ -15216,111 +16844,276 @@
               <a:t>Analyse de l’ergonomie de Ibasis et SmartSchool</a:t>
             </a:r>
           </a:p>
-          <a:p>
-            <a:r>
-              <a:rPr lang="fr-BE" sz="3200" b="1" dirty="0">
-                <a:latin typeface="Franklin Gothic Medium Cond" panose="020B0606030402020204" pitchFamily="34" charset="0"/>
-              </a:rPr>
-              <a:t>SQL</a:t>
-            </a:r>
-          </a:p>
-          <a:p>
-            <a:pPr lvl="1"/>
-            <a:r>
-              <a:rPr lang="fr-BE" sz="3000" b="1" dirty="0">
-                <a:latin typeface="Franklin Gothic Medium Cond" panose="020B0606030402020204" pitchFamily="34" charset="0"/>
-              </a:rPr>
-              <a:t>Analyse de la présentation des données</a:t>
-            </a:r>
-          </a:p>
-          <a:p>
-            <a:pPr lvl="1"/>
-            <a:r>
-              <a:rPr lang="fr-BE" sz="3000" b="1" dirty="0">
-                <a:latin typeface="Franklin Gothic Medium Cond" panose="020B0606030402020204" pitchFamily="34" charset="0"/>
-              </a:rPr>
-              <a:t>Compréhension de la gestion de ces données</a:t>
-            </a:r>
-          </a:p>
-          <a:p>
-            <a:r>
-              <a:rPr lang="fr-BE" sz="3200" b="1" dirty="0">
-                <a:latin typeface="Franklin Gothic Medium Cond" panose="020B0606030402020204" pitchFamily="34" charset="0"/>
-              </a:rPr>
-              <a:t>JavaScript</a:t>
-            </a:r>
-          </a:p>
-          <a:p>
-            <a:pPr lvl="1"/>
-            <a:r>
-              <a:rPr lang="fr-BE" sz="3000" b="1" dirty="0">
-                <a:latin typeface="Franklin Gothic Medium Cond" panose="020B0606030402020204" pitchFamily="34" charset="0"/>
-              </a:rPr>
-              <a:t>Compréhension plus poussée du fonctionnement des deux systèmes</a:t>
-            </a:r>
-          </a:p>
-          <a:p>
-            <a:r>
-              <a:rPr lang="fr-BE" sz="3200" b="1" dirty="0">
-                <a:latin typeface="Franklin Gothic Medium Cond" panose="020B0606030402020204" pitchFamily="34" charset="0"/>
-              </a:rPr>
-              <a:t>Organisation des entreprises</a:t>
-            </a:r>
-          </a:p>
-          <a:p>
-            <a:pPr lvl="1"/>
-            <a:r>
-              <a:rPr lang="fr-BE" sz="3000" b="1" dirty="0">
-                <a:latin typeface="Franklin Gothic Medium Cond" panose="020B0606030402020204" pitchFamily="34" charset="0"/>
-              </a:rPr>
-              <a:t>Apprentissage du monde des entreprises</a:t>
-            </a:r>
-          </a:p>
-          <a:p>
-            <a:pPr lvl="1"/>
-            <a:r>
-              <a:rPr lang="fr-BE" sz="3000" b="1" dirty="0">
-                <a:latin typeface="Franklin Gothic Medium Cond" panose="020B0606030402020204" pitchFamily="34" charset="0"/>
-              </a:rPr>
-              <a:t>Analyse correcte d’un processus</a:t>
-            </a:r>
-          </a:p>
-          <a:p>
-            <a:pPr marL="0" indent="0">
-              <a:buNone/>
-            </a:pPr>
-            <a:endParaRPr lang="fr-BE" sz="3200" b="1" dirty="0">
-              <a:latin typeface="Franklin Gothic Medium Cond" panose="020B0606030402020204" pitchFamily="34" charset="0"/>
-            </a:endParaRPr>
-          </a:p>
         </p:txBody>
       </p:sp>
     </p:spTree>
     <p:extLst>
       <p:ext uri="{BB962C8B-B14F-4D97-AF65-F5344CB8AC3E}">
-        <p14:creationId xmlns:p14="http://schemas.microsoft.com/office/powerpoint/2010/main" val="3364951021"/>
+        <p14:creationId xmlns:p14="http://schemas.microsoft.com/office/powerpoint/2010/main" val="2229910491"/>
       </p:ext>
     </p:extLst>
   </p:cSld>
   <p:clrMapOvr>
     <a:masterClrMapping/>
   </p:clrMapOvr>
-  <mc:AlternateContent xmlns:mc="http://schemas.openxmlformats.org/markup-compatibility/2006" xmlns:p14="http://schemas.microsoft.com/office/powerpoint/2010/main">
-    <mc:Choice Requires="p14">
-      <p:transition spd="slow" p14:dur="1500">
-        <p:split orient="vert"/>
+  <mc:AlternateContent xmlns:mc="http://schemas.openxmlformats.org/markup-compatibility/2006">
+    <mc:Choice xmlns:p159="http://schemas.microsoft.com/office/powerpoint/2015/09/main" Requires="p159">
+      <p:transition xmlns:p14="http://schemas.microsoft.com/office/powerpoint/2010/main" spd="slow" p14:dur="2000">
+        <p159:morph option="byObject"/>
       </p:transition>
     </mc:Choice>
-    <mc:Fallback xmlns="">
+    <mc:Fallback>
       <p:transition spd="slow">
-        <p:split orient="vert"/>
+        <p:fade/>
       </p:transition>
     </mc:Fallback>
   </mc:AlternateContent>
+  <p:timing>
+    <p:tnLst>
+      <p:par>
+        <p:cTn id="1" dur="indefinite" restart="never" nodeType="tmRoot">
+          <p:childTnLst>
+            <p:seq concurrent="1" nextAc="seek">
+              <p:cTn id="2" dur="indefinite" nodeType="mainSeq">
+                <p:childTnLst>
+                  <p:par>
+                    <p:cTn id="3" fill="hold">
+                      <p:stCondLst>
+                        <p:cond delay="indefinite"/>
+                      </p:stCondLst>
+                      <p:childTnLst>
+                        <p:par>
+                          <p:cTn id="4" fill="hold">
+                            <p:stCondLst>
+                              <p:cond delay="0"/>
+                            </p:stCondLst>
+                            <p:childTnLst>
+                              <p:par>
+                                <p:cTn id="5" presetID="42" presetClass="entr" presetSubtype="0" fill="hold" nodeType="clickEffect">
+                                  <p:stCondLst>
+                                    <p:cond delay="0"/>
+                                  </p:stCondLst>
+                                  <p:childTnLst>
+                                    <p:set>
+                                      <p:cBhvr>
+                                        <p:cTn id="6" dur="1" fill="hold">
+                                          <p:stCondLst>
+                                            <p:cond delay="0"/>
+                                          </p:stCondLst>
+                                        </p:cTn>
+                                        <p:tgtEl>
+                                          <p:spTgt spid="12">
+                                            <p:txEl>
+                                              <p:pRg st="3" end="3"/>
+                                            </p:txEl>
+                                          </p:spTgt>
+                                        </p:tgtEl>
+                                        <p:attrNameLst>
+                                          <p:attrName>style.visibility</p:attrName>
+                                        </p:attrNameLst>
+                                      </p:cBhvr>
+                                      <p:to>
+                                        <p:strVal val="visible"/>
+                                      </p:to>
+                                    </p:set>
+                                    <p:animEffect transition="in" filter="fade">
+                                      <p:cBhvr>
+                                        <p:cTn id="7" dur="1000"/>
+                                        <p:tgtEl>
+                                          <p:spTgt spid="12">
+                                            <p:txEl>
+                                              <p:pRg st="3" end="3"/>
+                                            </p:txEl>
+                                          </p:spTgt>
+                                        </p:tgtEl>
+                                      </p:cBhvr>
+                                    </p:animEffect>
+                                    <p:anim calcmode="lin" valueType="num">
+                                      <p:cBhvr>
+                                        <p:cTn id="8" dur="1000" fill="hold"/>
+                                        <p:tgtEl>
+                                          <p:spTgt spid="12">
+                                            <p:txEl>
+                                              <p:pRg st="3" end="3"/>
+                                            </p:txEl>
+                                          </p:spTgt>
+                                        </p:tgtEl>
+                                        <p:attrNameLst>
+                                          <p:attrName>ppt_x</p:attrName>
+                                        </p:attrNameLst>
+                                      </p:cBhvr>
+                                      <p:tavLst>
+                                        <p:tav tm="0">
+                                          <p:val>
+                                            <p:strVal val="#ppt_x"/>
+                                          </p:val>
+                                        </p:tav>
+                                        <p:tav tm="100000">
+                                          <p:val>
+                                            <p:strVal val="#ppt_x"/>
+                                          </p:val>
+                                        </p:tav>
+                                      </p:tavLst>
+                                    </p:anim>
+                                    <p:anim calcmode="lin" valueType="num">
+                                      <p:cBhvr>
+                                        <p:cTn id="9" dur="1000" fill="hold"/>
+                                        <p:tgtEl>
+                                          <p:spTgt spid="12">
+                                            <p:txEl>
+                                              <p:pRg st="3" end="3"/>
+                                            </p:txEl>
+                                          </p:spTgt>
+                                        </p:tgtEl>
+                                        <p:attrNameLst>
+                                          <p:attrName>ppt_y</p:attrName>
+                                        </p:attrNameLst>
+                                      </p:cBhvr>
+                                      <p:tavLst>
+                                        <p:tav tm="0">
+                                          <p:val>
+                                            <p:strVal val="#ppt_y+.1"/>
+                                          </p:val>
+                                        </p:tav>
+                                        <p:tav tm="100000">
+                                          <p:val>
+                                            <p:strVal val="#ppt_y"/>
+                                          </p:val>
+                                        </p:tav>
+                                      </p:tavLst>
+                                    </p:anim>
+                                  </p:childTnLst>
+                                </p:cTn>
+                              </p:par>
+                              <p:par>
+                                <p:cTn id="10" presetID="42" presetClass="entr" presetSubtype="0" fill="hold" nodeType="withEffect">
+                                  <p:stCondLst>
+                                    <p:cond delay="0"/>
+                                  </p:stCondLst>
+                                  <p:childTnLst>
+                                    <p:set>
+                                      <p:cBhvr>
+                                        <p:cTn id="11" dur="1" fill="hold">
+                                          <p:stCondLst>
+                                            <p:cond delay="0"/>
+                                          </p:stCondLst>
+                                        </p:cTn>
+                                        <p:tgtEl>
+                                          <p:spTgt spid="12">
+                                            <p:txEl>
+                                              <p:pRg st="4" end="4"/>
+                                            </p:txEl>
+                                          </p:spTgt>
+                                        </p:tgtEl>
+                                        <p:attrNameLst>
+                                          <p:attrName>style.visibility</p:attrName>
+                                        </p:attrNameLst>
+                                      </p:cBhvr>
+                                      <p:to>
+                                        <p:strVal val="visible"/>
+                                      </p:to>
+                                    </p:set>
+                                    <p:animEffect transition="in" filter="fade">
+                                      <p:cBhvr>
+                                        <p:cTn id="12" dur="1000"/>
+                                        <p:tgtEl>
+                                          <p:spTgt spid="12">
+                                            <p:txEl>
+                                              <p:pRg st="4" end="4"/>
+                                            </p:txEl>
+                                          </p:spTgt>
+                                        </p:tgtEl>
+                                      </p:cBhvr>
+                                    </p:animEffect>
+                                    <p:anim calcmode="lin" valueType="num">
+                                      <p:cBhvr>
+                                        <p:cTn id="13" dur="1000" fill="hold"/>
+                                        <p:tgtEl>
+                                          <p:spTgt spid="12">
+                                            <p:txEl>
+                                              <p:pRg st="4" end="4"/>
+                                            </p:txEl>
+                                          </p:spTgt>
+                                        </p:tgtEl>
+                                        <p:attrNameLst>
+                                          <p:attrName>ppt_x</p:attrName>
+                                        </p:attrNameLst>
+                                      </p:cBhvr>
+                                      <p:tavLst>
+                                        <p:tav tm="0">
+                                          <p:val>
+                                            <p:strVal val="#ppt_x"/>
+                                          </p:val>
+                                        </p:tav>
+                                        <p:tav tm="100000">
+                                          <p:val>
+                                            <p:strVal val="#ppt_x"/>
+                                          </p:val>
+                                        </p:tav>
+                                      </p:tavLst>
+                                    </p:anim>
+                                    <p:anim calcmode="lin" valueType="num">
+                                      <p:cBhvr>
+                                        <p:cTn id="14" dur="1000" fill="hold"/>
+                                        <p:tgtEl>
+                                          <p:spTgt spid="12">
+                                            <p:txEl>
+                                              <p:pRg st="4" end="4"/>
+                                            </p:txEl>
+                                          </p:spTgt>
+                                        </p:tgtEl>
+                                        <p:attrNameLst>
+                                          <p:attrName>ppt_y</p:attrName>
+                                        </p:attrNameLst>
+                                      </p:cBhvr>
+                                      <p:tavLst>
+                                        <p:tav tm="0">
+                                          <p:val>
+                                            <p:strVal val="#ppt_y+.1"/>
+                                          </p:val>
+                                        </p:tav>
+                                        <p:tav tm="100000">
+                                          <p:val>
+                                            <p:strVal val="#ppt_y"/>
+                                          </p:val>
+                                        </p:tav>
+                                      </p:tavLst>
+                                    </p:anim>
+                                  </p:childTnLst>
+                                </p:cTn>
+                              </p:par>
+                            </p:childTnLst>
+                          </p:cTn>
+                        </p:par>
+                      </p:childTnLst>
+                    </p:cTn>
+                  </p:par>
+                </p:childTnLst>
+              </p:cTn>
+              <p:prevCondLst>
+                <p:cond evt="onPrev" delay="0">
+                  <p:tgtEl>
+                    <p:sldTgt/>
+                  </p:tgtEl>
+                </p:cond>
+              </p:prevCondLst>
+              <p:nextCondLst>
+                <p:cond evt="onNext" delay="0">
+                  <p:tgtEl>
+                    <p:sldTgt/>
+                  </p:tgtEl>
+                </p:cond>
+              </p:nextCondLst>
+            </p:seq>
+          </p:childTnLst>
+        </p:cTn>
+      </p:par>
+    </p:tnLst>
+  </p:timing>
 </p:sld>
 </file>
 
-<file path=ppt/slides/slide16.xml><?xml version="1.0" encoding="utf-8"?>
+<file path=ppt/slides/slide19.xml><?xml version="1.0" encoding="utf-8"?>
 <p:sld xmlns:a="http://schemas.openxmlformats.org/drawingml/2006/main" xmlns:r="http://schemas.openxmlformats.org/officeDocument/2006/relationships" xmlns:p="http://schemas.openxmlformats.org/presentationml/2006/main">
   <p:cSld>
     <p:spTree>
@@ -15353,14 +17146,11 @@
           <a:lstStyle/>
           <a:p>
             <a:r>
-              <a:rPr lang="fr-BE" sz="6000" b="1" dirty="0" smtClean="0">
+              <a:rPr lang="fr-BE" sz="6000" b="1" dirty="0">
                 <a:latin typeface="Franklin Gothic Medium Cond" panose="020B0606030402020204" pitchFamily="34" charset="0"/>
               </a:rPr>
               <a:t>Conclusion</a:t>
             </a:r>
-            <a:endParaRPr lang="fr-BE" sz="6000" b="1" dirty="0">
-              <a:latin typeface="Franklin Gothic Medium Cond" panose="020B0606030402020204" pitchFamily="34" charset="0"/>
-            </a:endParaRPr>
           </a:p>
         </p:txBody>
       </p:sp>
@@ -15387,7 +17177,7 @@
           <a:lstStyle/>
           <a:p>
             <a:r>
-              <a:rPr lang="fr-BE" sz="4400" b="1" dirty="0" smtClean="0">
+              <a:rPr lang="fr-BE" sz="4400" b="1" dirty="0">
                 <a:latin typeface="Franklin Gothic Medium Cond" panose="020B0606030402020204" pitchFamily="34" charset="0"/>
               </a:rPr>
               <a:t>Découverte d’un nouvel aspect du monde des entreprises</a:t>
@@ -15395,7 +17185,7 @@
           </a:p>
           <a:p>
             <a:r>
-              <a:rPr lang="fr-BE" sz="4400" b="1" dirty="0" smtClean="0">
+              <a:rPr lang="fr-BE" sz="4400" b="1" dirty="0">
                 <a:latin typeface="Franklin Gothic Medium Cond" panose="020B0606030402020204" pitchFamily="34" charset="0"/>
               </a:rPr>
               <a:t>Aperçu du coté utilisateur de l’Informatique</a:t>
@@ -15403,7 +17193,7 @@
           </a:p>
           <a:p>
             <a:r>
-              <a:rPr lang="fr-BE" sz="4400" b="1" dirty="0" smtClean="0">
+              <a:rPr lang="fr-BE" sz="4400" b="1" dirty="0">
                 <a:latin typeface="Franklin Gothic Medium Cond" panose="020B0606030402020204" pitchFamily="34" charset="0"/>
               </a:rPr>
               <a:t>Nouvelle vision du secteur de l’enseignement</a:t>
@@ -15411,7 +17201,7 @@
           </a:p>
           <a:p>
             <a:r>
-              <a:rPr lang="fr-BE" sz="4400" b="1" dirty="0" smtClean="0">
+              <a:rPr lang="fr-BE" sz="4400" b="1" dirty="0">
                 <a:latin typeface="Franklin Gothic Medium Cond" panose="020B0606030402020204" pitchFamily="34" charset="0"/>
               </a:rPr>
               <a:t>Expérience enrichissante pour la langue</a:t>
@@ -15463,7 +17253,7 @@
           <a:p>
             <a:fld id="{5C4E3881-3D96-471D-AC8D-00C031DC841B}" type="slidenum">
               <a:rPr lang="fr-BE" smtClean="0"/>
-              <a:t>16</a:t>
+              <a:t>19</a:t>
             </a:fld>
             <a:endParaRPr lang="fr-BE" dirty="0"/>
           </a:p>
@@ -15539,22 +17329,22 @@
   <p:clrMapOvr>
     <a:masterClrMapping/>
   </p:clrMapOvr>
-  <mc:AlternateContent xmlns:mc="http://schemas.openxmlformats.org/markup-compatibility/2006" xmlns:p14="http://schemas.microsoft.com/office/powerpoint/2010/main">
-    <mc:Choice Requires="p14">
-      <p:transition spd="slow" p14:dur="1500">
-        <p:split orient="vert"/>
+  <mc:AlternateContent xmlns:mc="http://schemas.openxmlformats.org/markup-compatibility/2006">
+    <mc:Choice xmlns:p159="http://schemas.microsoft.com/office/powerpoint/2015/09/main" Requires="p159">
+      <p:transition xmlns:p14="http://schemas.microsoft.com/office/powerpoint/2010/main" spd="slow" p14:dur="2000">
+        <p159:morph option="byObject"/>
       </p:transition>
     </mc:Choice>
-    <mc:Fallback xmlns="">
+    <mc:Fallback>
       <p:transition spd="slow">
-        <p:split orient="vert"/>
+        <p:fade/>
       </p:transition>
     </mc:Fallback>
   </mc:AlternateContent>
 </p:sld>
 </file>
 
-<file path=ppt/slides/slide17.xml><?xml version="1.0" encoding="utf-8"?>
+<file path=ppt/slides/slide2.xml><?xml version="1.0" encoding="utf-8"?>
 <p:sld xmlns:a="http://schemas.openxmlformats.org/drawingml/2006/main" xmlns:r="http://schemas.openxmlformats.org/officeDocument/2006/relationships" xmlns:p="http://schemas.openxmlformats.org/presentationml/2006/main">
   <p:cSld>
     <p:spTree>
@@ -15573,6 +17363,323 @@
       </p:grpSpPr>
       <p:sp>
         <p:nvSpPr>
+          <p:cNvPr id="2" name="Titre 1"/>
+          <p:cNvSpPr>
+            <a:spLocks noGrp="1"/>
+          </p:cNvSpPr>
+          <p:nvPr>
+            <p:ph type="title"/>
+          </p:nvPr>
+        </p:nvSpPr>
+        <p:spPr/>
+        <p:txBody>
+          <a:bodyPr/>
+          <a:lstStyle/>
+          <a:p>
+            <a:r>
+              <a:rPr lang="fr-BE" sz="6000" b="1" dirty="0">
+                <a:solidFill>
+                  <a:schemeClr val="tx1">
+                    <a:lumMod val="95000"/>
+                  </a:schemeClr>
+                </a:solidFill>
+                <a:latin typeface="Franklin Gothic Medium Cond" panose="020B0606030402020204" pitchFamily="34" charset="0"/>
+              </a:rPr>
+              <a:t>Sommaire</a:t>
+            </a:r>
+          </a:p>
+        </p:txBody>
+      </p:sp>
+      <p:sp>
+        <p:nvSpPr>
+          <p:cNvPr id="3" name="Espace réservé du contenu 2"/>
+          <p:cNvSpPr>
+            <a:spLocks noGrp="1"/>
+          </p:cNvSpPr>
+          <p:nvPr>
+            <p:ph idx="1"/>
+          </p:nvPr>
+        </p:nvSpPr>
+        <p:spPr>
+          <a:xfrm>
+            <a:off x="875201" y="1494971"/>
+            <a:ext cx="8946541" cy="5123543"/>
+          </a:xfrm>
+        </p:spPr>
+        <p:txBody>
+          <a:bodyPr>
+            <a:normAutofit/>
+          </a:bodyPr>
+          <a:lstStyle/>
+          <a:p>
+            <a:pPr>
+              <a:buClr>
+                <a:schemeClr val="tx1">
+                  <a:lumMod val="50000"/>
+                </a:schemeClr>
+              </a:buClr>
+            </a:pPr>
+            <a:r>
+              <a:rPr lang="fr-BE" sz="4000" b="1" dirty="0">
+                <a:latin typeface="Franklin Gothic Medium Cond" panose="020B0606030402020204" pitchFamily="34" charset="0"/>
+                <a:hlinkClick r:id="rId3" action="ppaction://hlinksldjump"/>
+              </a:rPr>
+              <a:t>Démarches réalisées</a:t>
+            </a:r>
+          </a:p>
+          <a:p>
+            <a:pPr>
+              <a:buClr>
+                <a:schemeClr val="tx1">
+                  <a:lumMod val="50000"/>
+                </a:schemeClr>
+              </a:buClr>
+            </a:pPr>
+            <a:r>
+              <a:rPr lang="fr-BE" sz="4000" b="1" dirty="0">
+                <a:latin typeface="Franklin Gothic Medium Cond" panose="020B0606030402020204" pitchFamily="34" charset="0"/>
+                <a:hlinkClick r:id="rId3" action="ppaction://hlinksldjump"/>
+              </a:rPr>
+              <a:t>Présentation de l’école</a:t>
+            </a:r>
+          </a:p>
+          <a:p>
+            <a:pPr lvl="1">
+              <a:buClr>
+                <a:schemeClr val="tx1">
+                  <a:lumMod val="50000"/>
+                </a:schemeClr>
+              </a:buClr>
+            </a:pPr>
+            <a:r>
+              <a:rPr lang="fr-BE" sz="3800" b="1" dirty="0">
+                <a:latin typeface="Franklin Gothic Medium Cond" panose="020B0606030402020204" pitchFamily="34" charset="0"/>
+                <a:hlinkClick r:id="rId3" action="ppaction://hlinksldjump"/>
+              </a:rPr>
+              <a:t>Lieux du stage</a:t>
+            </a:r>
+          </a:p>
+          <a:p>
+            <a:pPr lvl="1">
+              <a:buClr>
+                <a:schemeClr val="tx1">
+                  <a:lumMod val="50000"/>
+                </a:schemeClr>
+              </a:buClr>
+            </a:pPr>
+            <a:r>
+              <a:rPr lang="fr-BE" sz="3800" b="1" dirty="0">
+                <a:latin typeface="Franklin Gothic Medium Cond" panose="020B0606030402020204" pitchFamily="34" charset="0"/>
+                <a:hlinkClick r:id="rId3" action="ppaction://hlinksldjump"/>
+              </a:rPr>
+              <a:t>Les Tuteurs</a:t>
+            </a:r>
+          </a:p>
+          <a:p>
+            <a:pPr>
+              <a:buClr>
+                <a:schemeClr val="tx1">
+                  <a:lumMod val="50000"/>
+                </a:schemeClr>
+              </a:buClr>
+            </a:pPr>
+            <a:r>
+              <a:rPr lang="fr-BE" sz="4000" b="1" dirty="0">
+                <a:latin typeface="Franklin Gothic Medium Cond" panose="020B0606030402020204" pitchFamily="34" charset="0"/>
+                <a:hlinkClick r:id="rId3" action="ppaction://hlinksldjump"/>
+              </a:rPr>
+              <a:t>Objectifs du stage</a:t>
+            </a:r>
+          </a:p>
+          <a:p>
+            <a:pPr>
+              <a:buClr>
+                <a:schemeClr val="tx1">
+                  <a:lumMod val="50000"/>
+                </a:schemeClr>
+              </a:buClr>
+            </a:pPr>
+            <a:endParaRPr lang="fr-BE" sz="3800" b="1" dirty="0">
+              <a:latin typeface="Franklin Gothic Medium Cond" panose="020B0606030402020204" pitchFamily="34" charset="0"/>
+              <a:hlinkClick r:id="rId3" action="ppaction://hlinksldjump"/>
+            </a:endParaRPr>
+          </a:p>
+          <a:p>
+            <a:pPr lvl="1">
+              <a:buClr>
+                <a:schemeClr val="tx1">
+                  <a:lumMod val="50000"/>
+                </a:schemeClr>
+              </a:buClr>
+            </a:pPr>
+            <a:endParaRPr lang="fr-BE" sz="3800" b="1" dirty="0">
+              <a:latin typeface="Franklin Gothic Medium Cond" panose="020B0606030402020204" pitchFamily="34" charset="0"/>
+              <a:hlinkClick r:id="rId3" action="ppaction://hlinksldjump"/>
+            </a:endParaRPr>
+          </a:p>
+        </p:txBody>
+      </p:sp>
+      <p:sp>
+        <p:nvSpPr>
+          <p:cNvPr id="4" name="Espace réservé du numéro de diapositive 3"/>
+          <p:cNvSpPr>
+            <a:spLocks noGrp="1"/>
+          </p:cNvSpPr>
+          <p:nvPr>
+            <p:ph type="sldNum" sz="quarter" idx="12"/>
+          </p:nvPr>
+        </p:nvSpPr>
+        <p:spPr/>
+        <p:txBody>
+          <a:bodyPr/>
+          <a:lstStyle/>
+          <a:p>
+            <a:fld id="{5C4E3881-3D96-471D-AC8D-00C031DC841B}" type="slidenum">
+              <a:rPr lang="fr-BE" smtClean="0"/>
+              <a:t>2</a:t>
+            </a:fld>
+            <a:endParaRPr lang="fr-BE" dirty="0"/>
+          </a:p>
+        </p:txBody>
+      </p:sp>
+      <p:sp>
+        <p:nvSpPr>
+          <p:cNvPr id="6" name="Espace réservé du pied de page 5"/>
+          <p:cNvSpPr>
+            <a:spLocks noGrp="1"/>
+          </p:cNvSpPr>
+          <p:nvPr>
+            <p:ph type="ftr" sz="quarter" idx="11"/>
+          </p:nvPr>
+        </p:nvSpPr>
+        <p:spPr>
+          <a:xfrm>
+            <a:off x="4914" y="6342743"/>
+            <a:ext cx="3859795" cy="428271"/>
+          </a:xfrm>
+        </p:spPr>
+        <p:txBody>
+          <a:bodyPr/>
+          <a:lstStyle/>
+          <a:p>
+            <a:r>
+              <a:rPr lang="fr-BE" sz="2800" b="1" dirty="0">
+                <a:solidFill>
+                  <a:schemeClr val="tx1">
+                    <a:alpha val="60000"/>
+                  </a:schemeClr>
+                </a:solidFill>
+                <a:latin typeface="Franklin Gothic Medium Cond" panose="020B0606030402020204" pitchFamily="34" charset="0"/>
+              </a:rPr>
+              <a:t>Sacré Christopher</a:t>
+            </a:r>
+          </a:p>
+        </p:txBody>
+      </p:sp>
+      <p:pic>
+        <p:nvPicPr>
+          <p:cNvPr id="8" name="Picture 7"/>
+          <p:cNvPicPr>
+            <a:picLocks noChangeAspect="1"/>
+          </p:cNvPicPr>
+          <p:nvPr/>
+        </p:nvPicPr>
+        <p:blipFill>
+          <a:blip r:embed="rId4">
+            <a:extLst>
+              <a:ext uri="{BEBA8EAE-BF5A-486C-A8C5-ECC9F3942E4B}">
+                <a14:imgProps xmlns:a14="http://schemas.microsoft.com/office/drawing/2010/main">
+                  <a14:imgLayer r:embed="rId5">
+                    <a14:imgEffect>
+                      <a14:backgroundRemoval t="0" b="100000" l="0" r="100000">
+                        <a14:foregroundMark x1="9600" y1="64000" x2="12400" y2="64800"/>
+                        <a14:foregroundMark x1="9600" y1="48000" x2="8800" y2="46000"/>
+                        <a14:foregroundMark x1="9600" y1="8400" x2="9600" y2="8000"/>
+                        <a14:foregroundMark x1="53200" y1="24000" x2="61200" y2="50400"/>
+                        <a14:foregroundMark x1="58000" y1="17600" x2="94000" y2="68400"/>
+                        <a14:foregroundMark x1="87600" y1="2800" x2="91600" y2="9200"/>
+                        <a14:foregroundMark x1="93600" y1="7200" x2="90800" y2="23600"/>
+                        <a14:foregroundMark x1="77200" y1="20000" x2="76800" y2="21600"/>
+                        <a14:foregroundMark x1="76800" y1="23600" x2="85200" y2="59600"/>
+                        <a14:foregroundMark x1="58000" y1="52800" x2="69600" y2="82400"/>
+                        <a14:foregroundMark x1="76800" y1="61200" x2="71200" y2="80000"/>
+                        <a14:foregroundMark x1="51200" y1="31600" x2="55600" y2="53600"/>
+                        <a14:foregroundMark x1="55600" y1="70400" x2="60400" y2="91200"/>
+                        <a14:foregroundMark x1="63600" y1="88800" x2="93200" y2="90000"/>
+                        <a14:foregroundMark x1="92000" y1="55200" x2="90000" y2="30000"/>
+                        <a14:foregroundMark x1="72400" y1="41600" x2="82800" y2="60800"/>
+                        <a14:foregroundMark x1="83600" y1="40800" x2="67600" y2="60800"/>
+                        <a14:foregroundMark x1="65200" y1="44000" x2="97600" y2="61600"/>
+                        <a14:foregroundMark x1="89600" y1="43200" x2="72800" y2="69200"/>
+                        <a14:foregroundMark x1="71200" y1="62000" x2="87600" y2="91200"/>
+                      </a14:backgroundRemoval>
+                    </a14:imgEffect>
+                  </a14:imgLayer>
+                </a14:imgProps>
+              </a:ext>
+              <a:ext uri="{28A0092B-C50C-407E-A947-70E740481C1C}">
+                <a14:useLocalDpi xmlns:a14="http://schemas.microsoft.com/office/drawing/2010/main" val="0"/>
+              </a:ext>
+            </a:extLst>
+          </a:blip>
+          <a:stretch>
+            <a:fillRect/>
+          </a:stretch>
+        </p:blipFill>
+        <p:spPr>
+          <a:xfrm>
+            <a:off x="10352539" y="5239240"/>
+            <a:ext cx="1618759" cy="1618759"/>
+          </a:xfrm>
+          <a:prstGeom prst="rect">
+            <a:avLst/>
+          </a:prstGeom>
+        </p:spPr>
+      </p:pic>
+    </p:spTree>
+    <p:extLst>
+      <p:ext uri="{BB962C8B-B14F-4D97-AF65-F5344CB8AC3E}">
+        <p14:creationId xmlns:p14="http://schemas.microsoft.com/office/powerpoint/2010/main" val="1480141244"/>
+      </p:ext>
+    </p:extLst>
+  </p:cSld>
+  <p:clrMapOvr>
+    <a:masterClrMapping/>
+  </p:clrMapOvr>
+  <mc:AlternateContent xmlns:mc="http://schemas.openxmlformats.org/markup-compatibility/2006">
+    <mc:Choice xmlns:p159="http://schemas.microsoft.com/office/powerpoint/2015/09/main" Requires="p159">
+      <p:transition xmlns:p14="http://schemas.microsoft.com/office/powerpoint/2010/main" spd="slow" p14:dur="2000">
+        <p159:morph option="byObject"/>
+      </p:transition>
+    </mc:Choice>
+    <mc:Fallback>
+      <p:transition spd="slow">
+        <p:fade/>
+      </p:transition>
+    </mc:Fallback>
+  </mc:AlternateContent>
+</p:sld>
+</file>
+
+<file path=ppt/slides/slide20.xml><?xml version="1.0" encoding="utf-8"?>
+<p:sld xmlns:a="http://schemas.openxmlformats.org/drawingml/2006/main" xmlns:r="http://schemas.openxmlformats.org/officeDocument/2006/relationships" xmlns:p="http://schemas.openxmlformats.org/presentationml/2006/main">
+  <p:cSld>
+    <p:spTree>
+      <p:nvGrpSpPr>
+        <p:cNvPr id="1" name=""/>
+        <p:cNvGrpSpPr/>
+        <p:nvPr/>
+      </p:nvGrpSpPr>
+      <p:grpSpPr>
+        <a:xfrm>
+          <a:off x="0" y="0"/>
+          <a:ext cx="0" cy="0"/>
+          <a:chOff x="0" y="0"/>
+          <a:chExt cx="0" cy="0"/>
+        </a:xfrm>
+      </p:grpSpPr>
+      <p:sp>
+        <p:nvSpPr>
           <p:cNvPr id="4" name="Footer Placeholder 3"/>
           <p:cNvSpPr>
             <a:spLocks noGrp="1"/>
@@ -15610,7 +17717,7 @@
           <a:p>
             <a:fld id="{5C4E3881-3D96-471D-AC8D-00C031DC841B}" type="slidenum">
               <a:rPr lang="fr-BE" smtClean="0"/>
-              <a:t>17</a:t>
+              <a:t>20</a:t>
             </a:fld>
             <a:endParaRPr lang="fr-BE" dirty="0"/>
           </a:p>
@@ -15730,10 +17837,22 @@
   <p:clrMapOvr>
     <a:masterClrMapping/>
   </p:clrMapOvr>
+  <mc:AlternateContent xmlns:mc="http://schemas.openxmlformats.org/markup-compatibility/2006">
+    <mc:Choice xmlns:p159="http://schemas.microsoft.com/office/powerpoint/2015/09/main" Requires="p159">
+      <p:transition xmlns:p14="http://schemas.microsoft.com/office/powerpoint/2010/main" spd="slow" p14:dur="2000">
+        <p159:morph option="byObject"/>
+      </p:transition>
+    </mc:Choice>
+    <mc:Fallback>
+      <p:transition spd="slow">
+        <p:fade/>
+      </p:transition>
+    </mc:Fallback>
+  </mc:AlternateContent>
 </p:sld>
 </file>
 
-<file path=ppt/slides/slide2.xml><?xml version="1.0" encoding="utf-8"?>
+<file path=ppt/slides/slide3.xml><?xml version="1.0" encoding="utf-8"?>
 <p:sld xmlns:a="http://schemas.openxmlformats.org/drawingml/2006/main" xmlns:r="http://schemas.openxmlformats.org/officeDocument/2006/relationships" xmlns:p="http://schemas.openxmlformats.org/presentationml/2006/main">
   <p:cSld>
     <p:spTree>
@@ -15797,7 +17916,7 @@
         </p:spPr>
         <p:txBody>
           <a:bodyPr>
-            <a:normAutofit fontScale="40000" lnSpcReduction="20000"/>
+            <a:normAutofit/>
           </a:bodyPr>
           <a:lstStyle/>
           <a:p>
@@ -15813,7 +17932,39 @@
                 <a:latin typeface="Franklin Gothic Medium Cond" panose="020B0606030402020204" pitchFamily="34" charset="0"/>
                 <a:hlinkClick r:id="rId3" action="ppaction://hlinksldjump"/>
               </a:rPr>
-              <a:t>Démarches réalisées</a:t>
+              <a:t>Description du stage</a:t>
+            </a:r>
+          </a:p>
+          <a:p>
+            <a:pPr lvl="1">
+              <a:buClr>
+                <a:schemeClr val="tx1">
+                  <a:lumMod val="50000"/>
+                </a:schemeClr>
+              </a:buClr>
+            </a:pPr>
+            <a:r>
+              <a:rPr lang="fr-BE" sz="3800" b="1" dirty="0">
+                <a:latin typeface="Franklin Gothic Medium Cond" panose="020B0606030402020204" pitchFamily="34" charset="0"/>
+                <a:hlinkClick r:id="rId3" action="ppaction://hlinksldjump"/>
+              </a:rPr>
+              <a:t>Premier Contact</a:t>
+            </a:r>
+          </a:p>
+          <a:p>
+            <a:pPr lvl="1">
+              <a:buClr>
+                <a:schemeClr val="tx1">
+                  <a:lumMod val="50000"/>
+                </a:schemeClr>
+              </a:buClr>
+            </a:pPr>
+            <a:r>
+              <a:rPr lang="fr-BE" sz="3800" b="1" dirty="0">
+                <a:latin typeface="Franklin Gothic Medium Cond" panose="020B0606030402020204" pitchFamily="34" charset="0"/>
+                <a:hlinkClick r:id="rId3" action="ppaction://hlinksldjump"/>
+              </a:rPr>
+              <a:t>Problème de la langue</a:t>
             </a:r>
           </a:p>
           <a:p>
@@ -15825,11 +17976,11 @@
               </a:buClr>
             </a:pPr>
             <a:r>
-              <a:rPr lang="fr-BE" sz="4000" b="1" dirty="0">
+              <a:rPr lang="fr-BE" sz="3800" b="1" dirty="0">
                 <a:latin typeface="Franklin Gothic Medium Cond" panose="020B0606030402020204" pitchFamily="34" charset="0"/>
                 <a:hlinkClick r:id="rId3" action="ppaction://hlinksldjump"/>
               </a:rPr>
-              <a:t>Présentation de l’école</a:t>
+              <a:t>Tâches observées</a:t>
             </a:r>
           </a:p>
           <a:p>
@@ -15841,11 +17992,11 @@
               </a:buClr>
             </a:pPr>
             <a:r>
-              <a:rPr lang="fr-BE" sz="3800" b="1" dirty="0">
+              <a:rPr lang="fr-BE" sz="3600" b="1" dirty="0">
                 <a:latin typeface="Franklin Gothic Medium Cond" panose="020B0606030402020204" pitchFamily="34" charset="0"/>
                 <a:hlinkClick r:id="rId3" action="ppaction://hlinksldjump"/>
               </a:rPr>
-              <a:t>Lieux du stage</a:t>
+              <a:t>Description du métier</a:t>
             </a:r>
           </a:p>
           <a:p>
@@ -15857,43 +18008,11 @@
               </a:buClr>
             </a:pPr>
             <a:r>
-              <a:rPr lang="fr-BE" sz="3800" b="1" dirty="0">
+              <a:rPr lang="fr-BE" sz="3600" b="1" dirty="0">
                 <a:latin typeface="Franklin Gothic Medium Cond" panose="020B0606030402020204" pitchFamily="34" charset="0"/>
                 <a:hlinkClick r:id="rId3" action="ppaction://hlinksldjump"/>
               </a:rPr>
-              <a:t>Les Tuteurs</a:t>
-            </a:r>
-          </a:p>
-          <a:p>
-            <a:pPr>
-              <a:buClr>
-                <a:schemeClr val="tx1">
-                  <a:lumMod val="50000"/>
-                </a:schemeClr>
-              </a:buClr>
-            </a:pPr>
-            <a:r>
-              <a:rPr lang="fr-BE" sz="4000" b="1" dirty="0">
-                <a:latin typeface="Franklin Gothic Medium Cond" panose="020B0606030402020204" pitchFamily="34" charset="0"/>
-                <a:hlinkClick r:id="rId3" action="ppaction://hlinksldjump"/>
-              </a:rPr>
-              <a:t>Objectifs du stage</a:t>
-            </a:r>
-          </a:p>
-          <a:p>
-            <a:pPr>
-              <a:buClr>
-                <a:schemeClr val="tx1">
-                  <a:lumMod val="50000"/>
-                </a:schemeClr>
-              </a:buClr>
-            </a:pPr>
-            <a:r>
-              <a:rPr lang="fr-BE" sz="4000" b="1" dirty="0">
-                <a:latin typeface="Franklin Gothic Medium Cond" panose="020B0606030402020204" pitchFamily="34" charset="0"/>
-                <a:hlinkClick r:id="rId3" action="ppaction://hlinksldjump"/>
-              </a:rPr>
-              <a:t>Description du stage</a:t>
+              <a:t>Processus observé</a:t>
             </a:r>
           </a:p>
           <a:p>
@@ -15905,139 +18024,11 @@
               </a:buClr>
             </a:pPr>
             <a:r>
-              <a:rPr lang="fr-BE" sz="3800" b="1" dirty="0">
-                <a:latin typeface="Franklin Gothic Medium Cond" panose="020B0606030402020204" pitchFamily="34" charset="0"/>
-                <a:hlinkClick r:id="rId3" action="ppaction://hlinksldjump"/>
-              </a:rPr>
-              <a:t>Premier Contact</a:t>
-            </a:r>
-          </a:p>
-          <a:p>
-            <a:pPr lvl="1">
-              <a:buClr>
-                <a:schemeClr val="tx1">
-                  <a:lumMod val="50000"/>
-                </a:schemeClr>
-              </a:buClr>
-            </a:pPr>
-            <a:r>
-              <a:rPr lang="fr-BE" sz="3800" b="1" dirty="0">
-                <a:latin typeface="Franklin Gothic Medium Cond" panose="020B0606030402020204" pitchFamily="34" charset="0"/>
-                <a:hlinkClick r:id="rId3" action="ppaction://hlinksldjump"/>
-              </a:rPr>
-              <a:t>Problème de la langue</a:t>
-            </a:r>
-          </a:p>
-          <a:p>
-            <a:pPr>
-              <a:buClr>
-                <a:schemeClr val="tx1">
-                  <a:lumMod val="50000"/>
-                </a:schemeClr>
-              </a:buClr>
-            </a:pPr>
-            <a:r>
-              <a:rPr lang="fr-BE" sz="3800" b="1" dirty="0">
-                <a:latin typeface="Franklin Gothic Medium Cond" panose="020B0606030402020204" pitchFamily="34" charset="0"/>
-                <a:hlinkClick r:id="rId3" action="ppaction://hlinksldjump"/>
-              </a:rPr>
-              <a:t>Tâches observées</a:t>
-            </a:r>
-          </a:p>
-          <a:p>
-            <a:pPr lvl="1">
-              <a:buClr>
-                <a:schemeClr val="tx1">
-                  <a:lumMod val="50000"/>
-                </a:schemeClr>
-              </a:buClr>
-            </a:pPr>
-            <a:r>
-              <a:rPr lang="fr-BE" sz="3600" b="1" dirty="0">
-                <a:latin typeface="Franklin Gothic Medium Cond" panose="020B0606030402020204" pitchFamily="34" charset="0"/>
-                <a:hlinkClick r:id="rId3" action="ppaction://hlinksldjump"/>
-              </a:rPr>
-              <a:t>Description du métier</a:t>
-            </a:r>
-          </a:p>
-          <a:p>
-            <a:pPr lvl="1">
-              <a:buClr>
-                <a:schemeClr val="tx1">
-                  <a:lumMod val="50000"/>
-                </a:schemeClr>
-              </a:buClr>
-            </a:pPr>
-            <a:r>
-              <a:rPr lang="fr-BE" sz="3600" b="1" dirty="0">
-                <a:latin typeface="Franklin Gothic Medium Cond" panose="020B0606030402020204" pitchFamily="34" charset="0"/>
-                <a:hlinkClick r:id="rId3" action="ppaction://hlinksldjump"/>
-              </a:rPr>
-              <a:t>Processus observé</a:t>
-            </a:r>
-          </a:p>
-          <a:p>
-            <a:pPr lvl="1">
-              <a:buClr>
-                <a:schemeClr val="tx1">
-                  <a:lumMod val="50000"/>
-                </a:schemeClr>
-              </a:buClr>
-            </a:pPr>
-            <a:r>
               <a:rPr lang="fr-BE" sz="3600" b="1" dirty="0">
                 <a:latin typeface="Franklin Gothic Medium Cond" panose="020B0606030402020204" pitchFamily="34" charset="0"/>
                 <a:hlinkClick r:id="rId3" action="ppaction://hlinksldjump"/>
               </a:rPr>
               <a:t>Passage Ibasis vers SmartSchool</a:t>
-            </a:r>
-          </a:p>
-          <a:p>
-            <a:pPr>
-              <a:buClr>
-                <a:schemeClr val="tx1">
-                  <a:lumMod val="50000"/>
-                </a:schemeClr>
-              </a:buClr>
-            </a:pPr>
-            <a:r>
-              <a:rPr lang="fr-BE" sz="3800" b="1" dirty="0">
-                <a:latin typeface="Franklin Gothic Medium Cond" panose="020B0606030402020204" pitchFamily="34" charset="0"/>
-                <a:hlinkClick r:id="rId3" action="ppaction://hlinksldjump"/>
-              </a:rPr>
-              <a:t>Liens</a:t>
-            </a:r>
-          </a:p>
-          <a:p>
-            <a:pPr>
-              <a:buClr>
-                <a:schemeClr val="tx1">
-                  <a:lumMod val="50000"/>
-                </a:schemeClr>
-              </a:buClr>
-            </a:pPr>
-            <a:r>
-              <a:rPr lang="fr-BE" sz="3800" b="1" dirty="0">
-                <a:latin typeface="Franklin Gothic Medium Cond" panose="020B0606030402020204" pitchFamily="34" charset="0"/>
-                <a:hlinkClick r:id="rId3" action="ppaction://hlinksldjump"/>
-              </a:rPr>
-              <a:t>Conclusion</a:t>
-            </a:r>
-          </a:p>
-          <a:p>
-            <a:pPr>
-              <a:buClr>
-                <a:schemeClr val="tx1">
-                  <a:lumMod val="50000"/>
-                </a:schemeClr>
-              </a:buClr>
-            </a:pPr>
-            <a:r>
-              <a:rPr lang="fr-BE" sz="3800" b="1" dirty="0">
-                <a:latin typeface="Franklin Gothic Medium Cond" panose="020B0606030402020204" pitchFamily="34" charset="0"/>
-                <a:hlinkClick r:id="rId3" action="ppaction://hlinksldjump"/>
-              </a:rPr>
-              <a:t>Remerciements</a:t>
             </a:r>
           </a:p>
           <a:p>
@@ -16085,7 +18076,7 @@
           <a:p>
             <a:fld id="{5C4E3881-3D96-471D-AC8D-00C031DC841B}" type="slidenum">
               <a:rPr lang="fr-BE" smtClean="0"/>
-              <a:t>2</a:t>
+              <a:t>3</a:t>
             </a:fld>
             <a:endParaRPr lang="fr-BE" dirty="0"/>
           </a:p>
@@ -16188,29 +18179,29 @@
     </p:spTree>
     <p:extLst>
       <p:ext uri="{BB962C8B-B14F-4D97-AF65-F5344CB8AC3E}">
-        <p14:creationId xmlns:p14="http://schemas.microsoft.com/office/powerpoint/2010/main" val="1480141244"/>
+        <p14:creationId xmlns:p14="http://schemas.microsoft.com/office/powerpoint/2010/main" val="1527341876"/>
       </p:ext>
     </p:extLst>
   </p:cSld>
   <p:clrMapOvr>
     <a:masterClrMapping/>
   </p:clrMapOvr>
-  <mc:AlternateContent xmlns:mc="http://schemas.openxmlformats.org/markup-compatibility/2006" xmlns:p14="http://schemas.microsoft.com/office/powerpoint/2010/main">
-    <mc:Choice Requires="p14">
-      <p:transition spd="slow" p14:dur="1500">
-        <p:split orient="vert"/>
+  <mc:AlternateContent xmlns:mc="http://schemas.openxmlformats.org/markup-compatibility/2006">
+    <mc:Choice xmlns:p159="http://schemas.microsoft.com/office/powerpoint/2015/09/main" Requires="p159">
+      <p:transition xmlns:p14="http://schemas.microsoft.com/office/powerpoint/2010/main" spd="slow" p14:dur="2000">
+        <p159:morph option="byObject"/>
       </p:transition>
     </mc:Choice>
-    <mc:Fallback xmlns="">
+    <mc:Fallback>
       <p:transition spd="slow">
-        <p:split orient="vert"/>
+        <p:fade/>
       </p:transition>
     </mc:Fallback>
   </mc:AlternateContent>
 </p:sld>
 </file>
 
-<file path=ppt/slides/slide3.xml><?xml version="1.0" encoding="utf-8"?>
+<file path=ppt/slides/slide4.xml><?xml version="1.0" encoding="utf-8"?>
 <p:sld xmlns:a="http://schemas.openxmlformats.org/drawingml/2006/main" xmlns:r="http://schemas.openxmlformats.org/officeDocument/2006/relationships" xmlns:p="http://schemas.openxmlformats.org/presentationml/2006/main">
   <p:cSld>
     <p:spTree>
@@ -16244,6 +18235,291 @@
           <a:p>
             <a:r>
               <a:rPr lang="fr-BE" sz="6000" b="1" dirty="0">
+                <a:solidFill>
+                  <a:schemeClr val="tx1">
+                    <a:lumMod val="95000"/>
+                  </a:schemeClr>
+                </a:solidFill>
+                <a:latin typeface="Franklin Gothic Medium Cond" panose="020B0606030402020204" pitchFamily="34" charset="0"/>
+              </a:rPr>
+              <a:t>Sommaire</a:t>
+            </a:r>
+          </a:p>
+        </p:txBody>
+      </p:sp>
+      <p:sp>
+        <p:nvSpPr>
+          <p:cNvPr id="3" name="Espace réservé du contenu 2"/>
+          <p:cNvSpPr>
+            <a:spLocks noGrp="1"/>
+          </p:cNvSpPr>
+          <p:nvPr>
+            <p:ph idx="1"/>
+          </p:nvPr>
+        </p:nvSpPr>
+        <p:spPr>
+          <a:xfrm>
+            <a:off x="875201" y="1494971"/>
+            <a:ext cx="8946541" cy="5123543"/>
+          </a:xfrm>
+        </p:spPr>
+        <p:txBody>
+          <a:bodyPr>
+            <a:normAutofit/>
+          </a:bodyPr>
+          <a:lstStyle/>
+          <a:p>
+            <a:pPr>
+              <a:buClr>
+                <a:schemeClr val="tx1">
+                  <a:lumMod val="50000"/>
+                </a:schemeClr>
+              </a:buClr>
+            </a:pPr>
+            <a:r>
+              <a:rPr lang="fr-BE" sz="3800" b="1" dirty="0">
+                <a:latin typeface="Franklin Gothic Medium Cond" panose="020B0606030402020204" pitchFamily="34" charset="0"/>
+                <a:hlinkClick r:id="rId3" action="ppaction://hlinksldjump"/>
+              </a:rPr>
+              <a:t>Liens</a:t>
+            </a:r>
+          </a:p>
+          <a:p>
+            <a:pPr>
+              <a:buClr>
+                <a:schemeClr val="tx1">
+                  <a:lumMod val="50000"/>
+                </a:schemeClr>
+              </a:buClr>
+            </a:pPr>
+            <a:r>
+              <a:rPr lang="fr-BE" sz="3800" b="1" dirty="0">
+                <a:latin typeface="Franklin Gothic Medium Cond" panose="020B0606030402020204" pitchFamily="34" charset="0"/>
+                <a:hlinkClick r:id="rId3" action="ppaction://hlinksldjump"/>
+              </a:rPr>
+              <a:t>Conclusion</a:t>
+            </a:r>
+          </a:p>
+          <a:p>
+            <a:pPr>
+              <a:buClr>
+                <a:schemeClr val="tx1">
+                  <a:lumMod val="50000"/>
+                </a:schemeClr>
+              </a:buClr>
+            </a:pPr>
+            <a:r>
+              <a:rPr lang="fr-BE" sz="3800" b="1" dirty="0">
+                <a:latin typeface="Franklin Gothic Medium Cond" panose="020B0606030402020204" pitchFamily="34" charset="0"/>
+                <a:hlinkClick r:id="rId3" action="ppaction://hlinksldjump"/>
+              </a:rPr>
+              <a:t>Remerciements</a:t>
+            </a:r>
+          </a:p>
+          <a:p>
+            <a:pPr>
+              <a:buClr>
+                <a:schemeClr val="tx1">
+                  <a:lumMod val="50000"/>
+                </a:schemeClr>
+              </a:buClr>
+            </a:pPr>
+            <a:endParaRPr lang="fr-BE" sz="3800" b="1" dirty="0">
+              <a:latin typeface="Franklin Gothic Medium Cond" panose="020B0606030402020204" pitchFamily="34" charset="0"/>
+              <a:hlinkClick r:id="rId3" action="ppaction://hlinksldjump"/>
+            </a:endParaRPr>
+          </a:p>
+          <a:p>
+            <a:pPr lvl="1">
+              <a:buClr>
+                <a:schemeClr val="tx1">
+                  <a:lumMod val="50000"/>
+                </a:schemeClr>
+              </a:buClr>
+            </a:pPr>
+            <a:endParaRPr lang="fr-BE" sz="3800" b="1" dirty="0">
+              <a:latin typeface="Franklin Gothic Medium Cond" panose="020B0606030402020204" pitchFamily="34" charset="0"/>
+              <a:hlinkClick r:id="rId3" action="ppaction://hlinksldjump"/>
+            </a:endParaRPr>
+          </a:p>
+        </p:txBody>
+      </p:sp>
+      <p:sp>
+        <p:nvSpPr>
+          <p:cNvPr id="4" name="Espace réservé du numéro de diapositive 3"/>
+          <p:cNvSpPr>
+            <a:spLocks noGrp="1"/>
+          </p:cNvSpPr>
+          <p:nvPr>
+            <p:ph type="sldNum" sz="quarter" idx="12"/>
+          </p:nvPr>
+        </p:nvSpPr>
+        <p:spPr/>
+        <p:txBody>
+          <a:bodyPr/>
+          <a:lstStyle/>
+          <a:p>
+            <a:fld id="{5C4E3881-3D96-471D-AC8D-00C031DC841B}" type="slidenum">
+              <a:rPr lang="fr-BE" smtClean="0"/>
+              <a:t>4</a:t>
+            </a:fld>
+            <a:endParaRPr lang="fr-BE" dirty="0"/>
+          </a:p>
+        </p:txBody>
+      </p:sp>
+      <p:sp>
+        <p:nvSpPr>
+          <p:cNvPr id="6" name="Espace réservé du pied de page 5"/>
+          <p:cNvSpPr>
+            <a:spLocks noGrp="1"/>
+          </p:cNvSpPr>
+          <p:nvPr>
+            <p:ph type="ftr" sz="quarter" idx="11"/>
+          </p:nvPr>
+        </p:nvSpPr>
+        <p:spPr>
+          <a:xfrm>
+            <a:off x="4914" y="6342743"/>
+            <a:ext cx="3859795" cy="428271"/>
+          </a:xfrm>
+        </p:spPr>
+        <p:txBody>
+          <a:bodyPr/>
+          <a:lstStyle/>
+          <a:p>
+            <a:r>
+              <a:rPr lang="fr-BE" sz="2800" b="1" dirty="0">
+                <a:solidFill>
+                  <a:schemeClr val="tx1">
+                    <a:alpha val="60000"/>
+                  </a:schemeClr>
+                </a:solidFill>
+                <a:latin typeface="Franklin Gothic Medium Cond" panose="020B0606030402020204" pitchFamily="34" charset="0"/>
+              </a:rPr>
+              <a:t>Sacré Christopher</a:t>
+            </a:r>
+          </a:p>
+        </p:txBody>
+      </p:sp>
+      <p:pic>
+        <p:nvPicPr>
+          <p:cNvPr id="8" name="Picture 7"/>
+          <p:cNvPicPr>
+            <a:picLocks noChangeAspect="1"/>
+          </p:cNvPicPr>
+          <p:nvPr/>
+        </p:nvPicPr>
+        <p:blipFill>
+          <a:blip r:embed="rId4">
+            <a:extLst>
+              <a:ext uri="{BEBA8EAE-BF5A-486C-A8C5-ECC9F3942E4B}">
+                <a14:imgProps xmlns:a14="http://schemas.microsoft.com/office/drawing/2010/main">
+                  <a14:imgLayer r:embed="rId5">
+                    <a14:imgEffect>
+                      <a14:backgroundRemoval t="0" b="100000" l="0" r="100000">
+                        <a14:foregroundMark x1="9600" y1="64000" x2="12400" y2="64800"/>
+                        <a14:foregroundMark x1="9600" y1="48000" x2="8800" y2="46000"/>
+                        <a14:foregroundMark x1="9600" y1="8400" x2="9600" y2="8000"/>
+                        <a14:foregroundMark x1="53200" y1="24000" x2="61200" y2="50400"/>
+                        <a14:foregroundMark x1="58000" y1="17600" x2="94000" y2="68400"/>
+                        <a14:foregroundMark x1="87600" y1="2800" x2="91600" y2="9200"/>
+                        <a14:foregroundMark x1="93600" y1="7200" x2="90800" y2="23600"/>
+                        <a14:foregroundMark x1="77200" y1="20000" x2="76800" y2="21600"/>
+                        <a14:foregroundMark x1="76800" y1="23600" x2="85200" y2="59600"/>
+                        <a14:foregroundMark x1="58000" y1="52800" x2="69600" y2="82400"/>
+                        <a14:foregroundMark x1="76800" y1="61200" x2="71200" y2="80000"/>
+                        <a14:foregroundMark x1="51200" y1="31600" x2="55600" y2="53600"/>
+                        <a14:foregroundMark x1="55600" y1="70400" x2="60400" y2="91200"/>
+                        <a14:foregroundMark x1="63600" y1="88800" x2="93200" y2="90000"/>
+                        <a14:foregroundMark x1="92000" y1="55200" x2="90000" y2="30000"/>
+                        <a14:foregroundMark x1="72400" y1="41600" x2="82800" y2="60800"/>
+                        <a14:foregroundMark x1="83600" y1="40800" x2="67600" y2="60800"/>
+                        <a14:foregroundMark x1="65200" y1="44000" x2="97600" y2="61600"/>
+                        <a14:foregroundMark x1="89600" y1="43200" x2="72800" y2="69200"/>
+                        <a14:foregroundMark x1="71200" y1="62000" x2="87600" y2="91200"/>
+                      </a14:backgroundRemoval>
+                    </a14:imgEffect>
+                  </a14:imgLayer>
+                </a14:imgProps>
+              </a:ext>
+              <a:ext uri="{28A0092B-C50C-407E-A947-70E740481C1C}">
+                <a14:useLocalDpi xmlns:a14="http://schemas.microsoft.com/office/drawing/2010/main" val="0"/>
+              </a:ext>
+            </a:extLst>
+          </a:blip>
+          <a:stretch>
+            <a:fillRect/>
+          </a:stretch>
+        </p:blipFill>
+        <p:spPr>
+          <a:xfrm>
+            <a:off x="10352539" y="5239240"/>
+            <a:ext cx="1618759" cy="1618759"/>
+          </a:xfrm>
+          <a:prstGeom prst="rect">
+            <a:avLst/>
+          </a:prstGeom>
+        </p:spPr>
+      </p:pic>
+    </p:spTree>
+    <p:extLst>
+      <p:ext uri="{BB962C8B-B14F-4D97-AF65-F5344CB8AC3E}">
+        <p14:creationId xmlns:p14="http://schemas.microsoft.com/office/powerpoint/2010/main" val="1668777985"/>
+      </p:ext>
+    </p:extLst>
+  </p:cSld>
+  <p:clrMapOvr>
+    <a:masterClrMapping/>
+  </p:clrMapOvr>
+  <mc:AlternateContent xmlns:mc="http://schemas.openxmlformats.org/markup-compatibility/2006">
+    <mc:Choice xmlns:p159="http://schemas.microsoft.com/office/powerpoint/2015/09/main" Requires="p159">
+      <p:transition xmlns:p14="http://schemas.microsoft.com/office/powerpoint/2010/main" spd="slow" p14:dur="2000">
+        <p159:morph option="byObject"/>
+      </p:transition>
+    </mc:Choice>
+    <mc:Fallback>
+      <p:transition spd="slow">
+        <p:fade/>
+      </p:transition>
+    </mc:Fallback>
+  </mc:AlternateContent>
+</p:sld>
+</file>
+
+<file path=ppt/slides/slide5.xml><?xml version="1.0" encoding="utf-8"?>
+<p:sld xmlns:a="http://schemas.openxmlformats.org/drawingml/2006/main" xmlns:r="http://schemas.openxmlformats.org/officeDocument/2006/relationships" xmlns:p="http://schemas.openxmlformats.org/presentationml/2006/main">
+  <p:cSld>
+    <p:spTree>
+      <p:nvGrpSpPr>
+        <p:cNvPr id="1" name=""/>
+        <p:cNvGrpSpPr/>
+        <p:nvPr/>
+      </p:nvGrpSpPr>
+      <p:grpSpPr>
+        <a:xfrm>
+          <a:off x="0" y="0"/>
+          <a:ext cx="0" cy="0"/>
+          <a:chOff x="0" y="0"/>
+          <a:chExt cx="0" cy="0"/>
+        </a:xfrm>
+      </p:grpSpPr>
+      <p:sp>
+        <p:nvSpPr>
+          <p:cNvPr id="2" name="Titre 1"/>
+          <p:cNvSpPr>
+            <a:spLocks noGrp="1"/>
+          </p:cNvSpPr>
+          <p:nvPr>
+            <p:ph type="title"/>
+          </p:nvPr>
+        </p:nvSpPr>
+        <p:spPr/>
+        <p:txBody>
+          <a:bodyPr/>
+          <a:lstStyle/>
+          <a:p>
+            <a:r>
+              <a:rPr lang="fr-BE" sz="6000" b="1" dirty="0">
                 <a:latin typeface="Franklin Gothic Medium Cond" panose="020B0606030402020204" pitchFamily="34" charset="0"/>
               </a:rPr>
               <a:t>Démarches réalisées</a:t>
@@ -16290,7 +18566,7 @@
           <a:p>
             <a:fld id="{5C4E3881-3D96-471D-AC8D-00C031DC841B}" type="slidenum">
               <a:rPr lang="fr-BE" smtClean="0"/>
-              <a:t>3</a:t>
+              <a:t>5</a:t>
             </a:fld>
             <a:endParaRPr lang="fr-BE" dirty="0"/>
           </a:p>
@@ -16420,22 +18696,364 @@
   <p:clrMapOvr>
     <a:masterClrMapping/>
   </p:clrMapOvr>
-  <mc:AlternateContent xmlns:mc="http://schemas.openxmlformats.org/markup-compatibility/2006" xmlns:p14="http://schemas.microsoft.com/office/powerpoint/2010/main">
-    <mc:Choice Requires="p14">
-      <p:transition spd="slow" p14:dur="1500">
-        <p:split orient="vert"/>
+  <mc:AlternateContent xmlns:mc="http://schemas.openxmlformats.org/markup-compatibility/2006">
+    <mc:Choice xmlns:p159="http://schemas.microsoft.com/office/powerpoint/2015/09/main" Requires="p159">
+      <p:transition xmlns:p14="http://schemas.microsoft.com/office/powerpoint/2010/main" spd="slow" p14:dur="2000">
+        <p159:morph option="byObject"/>
       </p:transition>
     </mc:Choice>
-    <mc:Fallback xmlns="">
+    <mc:Fallback>
       <p:transition spd="slow">
-        <p:split orient="vert"/>
+        <p:fade/>
       </p:transition>
     </mc:Fallback>
   </mc:AlternateContent>
+  <p:timing>
+    <p:tnLst>
+      <p:par>
+        <p:cTn id="1" dur="indefinite" restart="never" nodeType="tmRoot">
+          <p:childTnLst>
+            <p:seq concurrent="1" nextAc="seek">
+              <p:cTn id="2" dur="indefinite" nodeType="mainSeq">
+                <p:childTnLst>
+                  <p:par>
+                    <p:cTn id="3" fill="hold">
+                      <p:stCondLst>
+                        <p:cond delay="indefinite"/>
+                      </p:stCondLst>
+                      <p:childTnLst>
+                        <p:par>
+                          <p:cTn id="4" fill="hold">
+                            <p:stCondLst>
+                              <p:cond delay="0"/>
+                            </p:stCondLst>
+                            <p:childTnLst>
+                              <p:par>
+                                <p:cTn id="5" presetID="10" presetClass="entr" presetSubtype="0" fill="hold" grpId="0" nodeType="clickEffect">
+                                  <p:stCondLst>
+                                    <p:cond delay="0"/>
+                                  </p:stCondLst>
+                                  <p:childTnLst>
+                                    <p:set>
+                                      <p:cBhvr>
+                                        <p:cTn id="6" dur="1" fill="hold">
+                                          <p:stCondLst>
+                                            <p:cond delay="0"/>
+                                          </p:stCondLst>
+                                        </p:cTn>
+                                        <p:tgtEl>
+                                          <p:spTgt spid="8">
+                                            <p:graphicEl>
+                                              <a:dgm id="{F5F9F97F-E430-463C-8949-042AAD70B553}"/>
+                                            </p:graphicEl>
+                                          </p:spTgt>
+                                        </p:tgtEl>
+                                        <p:attrNameLst>
+                                          <p:attrName>style.visibility</p:attrName>
+                                        </p:attrNameLst>
+                                      </p:cBhvr>
+                                      <p:to>
+                                        <p:strVal val="visible"/>
+                                      </p:to>
+                                    </p:set>
+                                    <p:animEffect transition="in" filter="fade">
+                                      <p:cBhvr>
+                                        <p:cTn id="7" dur="500"/>
+                                        <p:tgtEl>
+                                          <p:spTgt spid="8">
+                                            <p:graphicEl>
+                                              <a:dgm id="{F5F9F97F-E430-463C-8949-042AAD70B553}"/>
+                                            </p:graphicEl>
+                                          </p:spTgt>
+                                        </p:tgtEl>
+                                      </p:cBhvr>
+                                    </p:animEffect>
+                                  </p:childTnLst>
+                                </p:cTn>
+                              </p:par>
+                            </p:childTnLst>
+                          </p:cTn>
+                        </p:par>
+                      </p:childTnLst>
+                    </p:cTn>
+                  </p:par>
+                  <p:par>
+                    <p:cTn id="8" fill="hold">
+                      <p:stCondLst>
+                        <p:cond delay="indefinite"/>
+                      </p:stCondLst>
+                      <p:childTnLst>
+                        <p:par>
+                          <p:cTn id="9" fill="hold">
+                            <p:stCondLst>
+                              <p:cond delay="0"/>
+                            </p:stCondLst>
+                            <p:childTnLst>
+                              <p:par>
+                                <p:cTn id="10" presetID="10" presetClass="entr" presetSubtype="0" fill="hold" grpId="0" nodeType="clickEffect">
+                                  <p:stCondLst>
+                                    <p:cond delay="0"/>
+                                  </p:stCondLst>
+                                  <p:childTnLst>
+                                    <p:set>
+                                      <p:cBhvr>
+                                        <p:cTn id="11" dur="1" fill="hold">
+                                          <p:stCondLst>
+                                            <p:cond delay="0"/>
+                                          </p:stCondLst>
+                                        </p:cTn>
+                                        <p:tgtEl>
+                                          <p:spTgt spid="8">
+                                            <p:graphicEl>
+                                              <a:dgm id="{528197FC-6E1A-4B90-AB0D-2443A6BC6ED2}"/>
+                                            </p:graphicEl>
+                                          </p:spTgt>
+                                        </p:tgtEl>
+                                        <p:attrNameLst>
+                                          <p:attrName>style.visibility</p:attrName>
+                                        </p:attrNameLst>
+                                      </p:cBhvr>
+                                      <p:to>
+                                        <p:strVal val="visible"/>
+                                      </p:to>
+                                    </p:set>
+                                    <p:animEffect transition="in" filter="fade">
+                                      <p:cBhvr>
+                                        <p:cTn id="12" dur="500"/>
+                                        <p:tgtEl>
+                                          <p:spTgt spid="8">
+                                            <p:graphicEl>
+                                              <a:dgm id="{528197FC-6E1A-4B90-AB0D-2443A6BC6ED2}"/>
+                                            </p:graphicEl>
+                                          </p:spTgt>
+                                        </p:tgtEl>
+                                      </p:cBhvr>
+                                    </p:animEffect>
+                                  </p:childTnLst>
+                                </p:cTn>
+                              </p:par>
+                            </p:childTnLst>
+                          </p:cTn>
+                        </p:par>
+                      </p:childTnLst>
+                    </p:cTn>
+                  </p:par>
+                  <p:par>
+                    <p:cTn id="13" fill="hold">
+                      <p:stCondLst>
+                        <p:cond delay="indefinite"/>
+                      </p:stCondLst>
+                      <p:childTnLst>
+                        <p:par>
+                          <p:cTn id="14" fill="hold">
+                            <p:stCondLst>
+                              <p:cond delay="0"/>
+                            </p:stCondLst>
+                            <p:childTnLst>
+                              <p:par>
+                                <p:cTn id="15" presetID="10" presetClass="entr" presetSubtype="0" fill="hold" grpId="0" nodeType="clickEffect">
+                                  <p:stCondLst>
+                                    <p:cond delay="0"/>
+                                  </p:stCondLst>
+                                  <p:childTnLst>
+                                    <p:set>
+                                      <p:cBhvr>
+                                        <p:cTn id="16" dur="1" fill="hold">
+                                          <p:stCondLst>
+                                            <p:cond delay="0"/>
+                                          </p:stCondLst>
+                                        </p:cTn>
+                                        <p:tgtEl>
+                                          <p:spTgt spid="8">
+                                            <p:graphicEl>
+                                              <a:dgm id="{D743BB55-2C95-42CE-82C6-9CBEAD5E76E3}"/>
+                                            </p:graphicEl>
+                                          </p:spTgt>
+                                        </p:tgtEl>
+                                        <p:attrNameLst>
+                                          <p:attrName>style.visibility</p:attrName>
+                                        </p:attrNameLst>
+                                      </p:cBhvr>
+                                      <p:to>
+                                        <p:strVal val="visible"/>
+                                      </p:to>
+                                    </p:set>
+                                    <p:animEffect transition="in" filter="fade">
+                                      <p:cBhvr>
+                                        <p:cTn id="17" dur="500"/>
+                                        <p:tgtEl>
+                                          <p:spTgt spid="8">
+                                            <p:graphicEl>
+                                              <a:dgm id="{D743BB55-2C95-42CE-82C6-9CBEAD5E76E3}"/>
+                                            </p:graphicEl>
+                                          </p:spTgt>
+                                        </p:tgtEl>
+                                      </p:cBhvr>
+                                    </p:animEffect>
+                                  </p:childTnLst>
+                                </p:cTn>
+                              </p:par>
+                            </p:childTnLst>
+                          </p:cTn>
+                        </p:par>
+                      </p:childTnLst>
+                    </p:cTn>
+                  </p:par>
+                  <p:par>
+                    <p:cTn id="18" fill="hold">
+                      <p:stCondLst>
+                        <p:cond delay="indefinite"/>
+                      </p:stCondLst>
+                      <p:childTnLst>
+                        <p:par>
+                          <p:cTn id="19" fill="hold">
+                            <p:stCondLst>
+                              <p:cond delay="0"/>
+                            </p:stCondLst>
+                            <p:childTnLst>
+                              <p:par>
+                                <p:cTn id="20" presetID="10" presetClass="entr" presetSubtype="0" fill="hold" grpId="0" nodeType="clickEffect">
+                                  <p:stCondLst>
+                                    <p:cond delay="0"/>
+                                  </p:stCondLst>
+                                  <p:childTnLst>
+                                    <p:set>
+                                      <p:cBhvr>
+                                        <p:cTn id="21" dur="1" fill="hold">
+                                          <p:stCondLst>
+                                            <p:cond delay="0"/>
+                                          </p:stCondLst>
+                                        </p:cTn>
+                                        <p:tgtEl>
+                                          <p:spTgt spid="8">
+                                            <p:graphicEl>
+                                              <a:dgm id="{BA9735C8-34CF-4CC0-B624-8FA2B222519C}"/>
+                                            </p:graphicEl>
+                                          </p:spTgt>
+                                        </p:tgtEl>
+                                        <p:attrNameLst>
+                                          <p:attrName>style.visibility</p:attrName>
+                                        </p:attrNameLst>
+                                      </p:cBhvr>
+                                      <p:to>
+                                        <p:strVal val="visible"/>
+                                      </p:to>
+                                    </p:set>
+                                    <p:animEffect transition="in" filter="fade">
+                                      <p:cBhvr>
+                                        <p:cTn id="22" dur="500"/>
+                                        <p:tgtEl>
+                                          <p:spTgt spid="8">
+                                            <p:graphicEl>
+                                              <a:dgm id="{BA9735C8-34CF-4CC0-B624-8FA2B222519C}"/>
+                                            </p:graphicEl>
+                                          </p:spTgt>
+                                        </p:tgtEl>
+                                      </p:cBhvr>
+                                    </p:animEffect>
+                                  </p:childTnLst>
+                                </p:cTn>
+                              </p:par>
+                            </p:childTnLst>
+                          </p:cTn>
+                        </p:par>
+                      </p:childTnLst>
+                    </p:cTn>
+                  </p:par>
+                  <p:par>
+                    <p:cTn id="23" fill="hold">
+                      <p:stCondLst>
+                        <p:cond delay="indefinite"/>
+                      </p:stCondLst>
+                      <p:childTnLst>
+                        <p:par>
+                          <p:cTn id="24" fill="hold">
+                            <p:stCondLst>
+                              <p:cond delay="0"/>
+                            </p:stCondLst>
+                            <p:childTnLst>
+                              <p:par>
+                                <p:cTn id="25" presetID="10" presetClass="entr" presetSubtype="0" fill="hold" grpId="0" nodeType="clickEffect">
+                                  <p:stCondLst>
+                                    <p:cond delay="0"/>
+                                  </p:stCondLst>
+                                  <p:childTnLst>
+                                    <p:set>
+                                      <p:cBhvr>
+                                        <p:cTn id="26" dur="1" fill="hold">
+                                          <p:stCondLst>
+                                            <p:cond delay="0"/>
+                                          </p:stCondLst>
+                                        </p:cTn>
+                                        <p:tgtEl>
+                                          <p:spTgt spid="8">
+                                            <p:graphicEl>
+                                              <a:dgm id="{2B226626-91EC-4914-829A-550A7595437B}"/>
+                                            </p:graphicEl>
+                                          </p:spTgt>
+                                        </p:tgtEl>
+                                        <p:attrNameLst>
+                                          <p:attrName>style.visibility</p:attrName>
+                                        </p:attrNameLst>
+                                      </p:cBhvr>
+                                      <p:to>
+                                        <p:strVal val="visible"/>
+                                      </p:to>
+                                    </p:set>
+                                    <p:animEffect transition="in" filter="fade">
+                                      <p:cBhvr>
+                                        <p:cTn id="27" dur="500"/>
+                                        <p:tgtEl>
+                                          <p:spTgt spid="8">
+                                            <p:graphicEl>
+                                              <a:dgm id="{2B226626-91EC-4914-829A-550A7595437B}"/>
+                                            </p:graphicEl>
+                                          </p:spTgt>
+                                        </p:tgtEl>
+                                      </p:cBhvr>
+                                    </p:animEffect>
+                                  </p:childTnLst>
+                                </p:cTn>
+                              </p:par>
+                            </p:childTnLst>
+                          </p:cTn>
+                        </p:par>
+                      </p:childTnLst>
+                    </p:cTn>
+                  </p:par>
+                </p:childTnLst>
+              </p:cTn>
+              <p:prevCondLst>
+                <p:cond evt="onPrev" delay="0">
+                  <p:tgtEl>
+                    <p:sldTgt/>
+                  </p:tgtEl>
+                </p:cond>
+              </p:prevCondLst>
+              <p:nextCondLst>
+                <p:cond evt="onNext" delay="0">
+                  <p:tgtEl>
+                    <p:sldTgt/>
+                  </p:tgtEl>
+                </p:cond>
+              </p:nextCondLst>
+            </p:seq>
+          </p:childTnLst>
+        </p:cTn>
+      </p:par>
+    </p:tnLst>
+    <p:bldLst>
+      <p:bldGraphic spid="8" grpId="0">
+        <p:bldSub>
+          <a:bldDgm bld="one"/>
+        </p:bldSub>
+      </p:bldGraphic>
+    </p:bldLst>
+  </p:timing>
 </p:sld>
 </file>
 
-<file path=ppt/slides/slide4.xml><?xml version="1.0" encoding="utf-8"?>
+<file path=ppt/slides/slide6.xml><?xml version="1.0" encoding="utf-8"?>
 <p:sld xmlns:a="http://schemas.openxmlformats.org/drawingml/2006/main" xmlns:r="http://schemas.openxmlformats.org/officeDocument/2006/relationships" xmlns:p="http://schemas.openxmlformats.org/presentationml/2006/main">
   <p:cSld>
     <p:spTree>
@@ -16640,7 +19258,7 @@
           <a:p>
             <a:fld id="{5C4E3881-3D96-471D-AC8D-00C031DC841B}" type="slidenum">
               <a:rPr lang="fr-BE" smtClean="0"/>
-              <a:t>4</a:t>
+              <a:t>6</a:t>
             </a:fld>
             <a:endParaRPr lang="fr-BE" dirty="0"/>
           </a:p>
@@ -16716,22 +19334,361 @@
   <p:clrMapOvr>
     <a:masterClrMapping/>
   </p:clrMapOvr>
-  <mc:AlternateContent xmlns:mc="http://schemas.openxmlformats.org/markup-compatibility/2006" xmlns:p14="http://schemas.microsoft.com/office/powerpoint/2010/main">
-    <mc:Choice Requires="p14">
-      <p:transition spd="slow" p14:dur="1500">
-        <p:split orient="vert"/>
+  <mc:AlternateContent xmlns:mc="http://schemas.openxmlformats.org/markup-compatibility/2006">
+    <mc:Choice xmlns:p159="http://schemas.microsoft.com/office/powerpoint/2015/09/main" Requires="p159">
+      <p:transition xmlns:p14="http://schemas.microsoft.com/office/powerpoint/2010/main" spd="slow" p14:dur="2000">
+        <p159:morph option="byObject"/>
       </p:transition>
     </mc:Choice>
-    <mc:Fallback xmlns="">
+    <mc:Fallback>
       <p:transition spd="slow">
-        <p:split orient="vert"/>
+        <p:fade/>
       </p:transition>
     </mc:Fallback>
   </mc:AlternateContent>
+  <p:timing>
+    <p:tnLst>
+      <p:par>
+        <p:cTn id="1" dur="indefinite" restart="never" nodeType="tmRoot">
+          <p:childTnLst>
+            <p:seq concurrent="1" nextAc="seek">
+              <p:cTn id="2" dur="indefinite" nodeType="mainSeq">
+                <p:childTnLst>
+                  <p:par>
+                    <p:cTn id="3" fill="hold">
+                      <p:stCondLst>
+                        <p:cond delay="indefinite"/>
+                      </p:stCondLst>
+                      <p:childTnLst>
+                        <p:par>
+                          <p:cTn id="4" fill="hold">
+                            <p:stCondLst>
+                              <p:cond delay="0"/>
+                            </p:stCondLst>
+                            <p:childTnLst>
+                              <p:par>
+                                <p:cTn id="5" presetID="42" presetClass="entr" presetSubtype="0" fill="hold" nodeType="clickEffect">
+                                  <p:stCondLst>
+                                    <p:cond delay="0"/>
+                                  </p:stCondLst>
+                                  <p:childTnLst>
+                                    <p:set>
+                                      <p:cBhvr>
+                                        <p:cTn id="6" dur="1" fill="hold">
+                                          <p:stCondLst>
+                                            <p:cond delay="0"/>
+                                          </p:stCondLst>
+                                        </p:cTn>
+                                        <p:tgtEl>
+                                          <p:spTgt spid="3">
+                                            <p:txEl>
+                                              <p:pRg st="3" end="3"/>
+                                            </p:txEl>
+                                          </p:spTgt>
+                                        </p:tgtEl>
+                                        <p:attrNameLst>
+                                          <p:attrName>style.visibility</p:attrName>
+                                        </p:attrNameLst>
+                                      </p:cBhvr>
+                                      <p:to>
+                                        <p:strVal val="visible"/>
+                                      </p:to>
+                                    </p:set>
+                                    <p:animEffect transition="in" filter="fade">
+                                      <p:cBhvr>
+                                        <p:cTn id="7" dur="1000"/>
+                                        <p:tgtEl>
+                                          <p:spTgt spid="3">
+                                            <p:txEl>
+                                              <p:pRg st="3" end="3"/>
+                                            </p:txEl>
+                                          </p:spTgt>
+                                        </p:tgtEl>
+                                      </p:cBhvr>
+                                    </p:animEffect>
+                                    <p:anim calcmode="lin" valueType="num">
+                                      <p:cBhvr>
+                                        <p:cTn id="8" dur="1000" fill="hold"/>
+                                        <p:tgtEl>
+                                          <p:spTgt spid="3">
+                                            <p:txEl>
+                                              <p:pRg st="3" end="3"/>
+                                            </p:txEl>
+                                          </p:spTgt>
+                                        </p:tgtEl>
+                                        <p:attrNameLst>
+                                          <p:attrName>ppt_x</p:attrName>
+                                        </p:attrNameLst>
+                                      </p:cBhvr>
+                                      <p:tavLst>
+                                        <p:tav tm="0">
+                                          <p:val>
+                                            <p:strVal val="#ppt_x"/>
+                                          </p:val>
+                                        </p:tav>
+                                        <p:tav tm="100000">
+                                          <p:val>
+                                            <p:strVal val="#ppt_x"/>
+                                          </p:val>
+                                        </p:tav>
+                                      </p:tavLst>
+                                    </p:anim>
+                                    <p:anim calcmode="lin" valueType="num">
+                                      <p:cBhvr>
+                                        <p:cTn id="9" dur="1000" fill="hold"/>
+                                        <p:tgtEl>
+                                          <p:spTgt spid="3">
+                                            <p:txEl>
+                                              <p:pRg st="3" end="3"/>
+                                            </p:txEl>
+                                          </p:spTgt>
+                                        </p:tgtEl>
+                                        <p:attrNameLst>
+                                          <p:attrName>ppt_y</p:attrName>
+                                        </p:attrNameLst>
+                                      </p:cBhvr>
+                                      <p:tavLst>
+                                        <p:tav tm="0">
+                                          <p:val>
+                                            <p:strVal val="#ppt_y+.1"/>
+                                          </p:val>
+                                        </p:tav>
+                                        <p:tav tm="100000">
+                                          <p:val>
+                                            <p:strVal val="#ppt_y"/>
+                                          </p:val>
+                                        </p:tav>
+                                      </p:tavLst>
+                                    </p:anim>
+                                  </p:childTnLst>
+                                </p:cTn>
+                              </p:par>
+                              <p:par>
+                                <p:cTn id="10" presetID="42" presetClass="entr" presetSubtype="0" fill="hold" nodeType="withEffect">
+                                  <p:stCondLst>
+                                    <p:cond delay="0"/>
+                                  </p:stCondLst>
+                                  <p:childTnLst>
+                                    <p:set>
+                                      <p:cBhvr>
+                                        <p:cTn id="11" dur="1" fill="hold">
+                                          <p:stCondLst>
+                                            <p:cond delay="0"/>
+                                          </p:stCondLst>
+                                        </p:cTn>
+                                        <p:tgtEl>
+                                          <p:spTgt spid="3">
+                                            <p:txEl>
+                                              <p:pRg st="4" end="4"/>
+                                            </p:txEl>
+                                          </p:spTgt>
+                                        </p:tgtEl>
+                                        <p:attrNameLst>
+                                          <p:attrName>style.visibility</p:attrName>
+                                        </p:attrNameLst>
+                                      </p:cBhvr>
+                                      <p:to>
+                                        <p:strVal val="visible"/>
+                                      </p:to>
+                                    </p:set>
+                                    <p:animEffect transition="in" filter="fade">
+                                      <p:cBhvr>
+                                        <p:cTn id="12" dur="1000"/>
+                                        <p:tgtEl>
+                                          <p:spTgt spid="3">
+                                            <p:txEl>
+                                              <p:pRg st="4" end="4"/>
+                                            </p:txEl>
+                                          </p:spTgt>
+                                        </p:tgtEl>
+                                      </p:cBhvr>
+                                    </p:animEffect>
+                                    <p:anim calcmode="lin" valueType="num">
+                                      <p:cBhvr>
+                                        <p:cTn id="13" dur="1000" fill="hold"/>
+                                        <p:tgtEl>
+                                          <p:spTgt spid="3">
+                                            <p:txEl>
+                                              <p:pRg st="4" end="4"/>
+                                            </p:txEl>
+                                          </p:spTgt>
+                                        </p:tgtEl>
+                                        <p:attrNameLst>
+                                          <p:attrName>ppt_x</p:attrName>
+                                        </p:attrNameLst>
+                                      </p:cBhvr>
+                                      <p:tavLst>
+                                        <p:tav tm="0">
+                                          <p:val>
+                                            <p:strVal val="#ppt_x"/>
+                                          </p:val>
+                                        </p:tav>
+                                        <p:tav tm="100000">
+                                          <p:val>
+                                            <p:strVal val="#ppt_x"/>
+                                          </p:val>
+                                        </p:tav>
+                                      </p:tavLst>
+                                    </p:anim>
+                                    <p:anim calcmode="lin" valueType="num">
+                                      <p:cBhvr>
+                                        <p:cTn id="14" dur="1000" fill="hold"/>
+                                        <p:tgtEl>
+                                          <p:spTgt spid="3">
+                                            <p:txEl>
+                                              <p:pRg st="4" end="4"/>
+                                            </p:txEl>
+                                          </p:spTgt>
+                                        </p:tgtEl>
+                                        <p:attrNameLst>
+                                          <p:attrName>ppt_y</p:attrName>
+                                        </p:attrNameLst>
+                                      </p:cBhvr>
+                                      <p:tavLst>
+                                        <p:tav tm="0">
+                                          <p:val>
+                                            <p:strVal val="#ppt_y+.1"/>
+                                          </p:val>
+                                        </p:tav>
+                                        <p:tav tm="100000">
+                                          <p:val>
+                                            <p:strVal val="#ppt_y"/>
+                                          </p:val>
+                                        </p:tav>
+                                      </p:tavLst>
+                                    </p:anim>
+                                  </p:childTnLst>
+                                </p:cTn>
+                              </p:par>
+                              <p:par>
+                                <p:cTn id="15" presetID="42" presetClass="entr" presetSubtype="0" fill="hold" nodeType="withEffect">
+                                  <p:stCondLst>
+                                    <p:cond delay="0"/>
+                                  </p:stCondLst>
+                                  <p:childTnLst>
+                                    <p:set>
+                                      <p:cBhvr>
+                                        <p:cTn id="16" dur="1" fill="hold">
+                                          <p:stCondLst>
+                                            <p:cond delay="0"/>
+                                          </p:stCondLst>
+                                        </p:cTn>
+                                        <p:tgtEl>
+                                          <p:spTgt spid="3">
+                                            <p:txEl>
+                                              <p:pRg st="5" end="5"/>
+                                            </p:txEl>
+                                          </p:spTgt>
+                                        </p:tgtEl>
+                                        <p:attrNameLst>
+                                          <p:attrName>style.visibility</p:attrName>
+                                        </p:attrNameLst>
+                                      </p:cBhvr>
+                                      <p:to>
+                                        <p:strVal val="visible"/>
+                                      </p:to>
+                                    </p:set>
+                                    <p:animEffect transition="in" filter="fade">
+                                      <p:cBhvr>
+                                        <p:cTn id="17" dur="1000"/>
+                                        <p:tgtEl>
+                                          <p:spTgt spid="3">
+                                            <p:txEl>
+                                              <p:pRg st="5" end="5"/>
+                                            </p:txEl>
+                                          </p:spTgt>
+                                        </p:tgtEl>
+                                      </p:cBhvr>
+                                    </p:animEffect>
+                                    <p:anim calcmode="lin" valueType="num">
+                                      <p:cBhvr>
+                                        <p:cTn id="18" dur="1000" fill="hold"/>
+                                        <p:tgtEl>
+                                          <p:spTgt spid="3">
+                                            <p:txEl>
+                                              <p:pRg st="5" end="5"/>
+                                            </p:txEl>
+                                          </p:spTgt>
+                                        </p:tgtEl>
+                                        <p:attrNameLst>
+                                          <p:attrName>ppt_x</p:attrName>
+                                        </p:attrNameLst>
+                                      </p:cBhvr>
+                                      <p:tavLst>
+                                        <p:tav tm="0">
+                                          <p:val>
+                                            <p:strVal val="#ppt_x"/>
+                                          </p:val>
+                                        </p:tav>
+                                        <p:tav tm="100000">
+                                          <p:val>
+                                            <p:strVal val="#ppt_x"/>
+                                          </p:val>
+                                        </p:tav>
+                                      </p:tavLst>
+                                    </p:anim>
+                                    <p:anim calcmode="lin" valueType="num">
+                                      <p:cBhvr>
+                                        <p:cTn id="19" dur="1000" fill="hold"/>
+                                        <p:tgtEl>
+                                          <p:spTgt spid="3">
+                                            <p:txEl>
+                                              <p:pRg st="5" end="5"/>
+                                            </p:txEl>
+                                          </p:spTgt>
+                                        </p:tgtEl>
+                                        <p:attrNameLst>
+                                          <p:attrName>ppt_y</p:attrName>
+                                        </p:attrNameLst>
+                                      </p:cBhvr>
+                                      <p:tavLst>
+                                        <p:tav tm="0">
+                                          <p:val>
+                                            <p:strVal val="#ppt_y+.1"/>
+                                          </p:val>
+                                        </p:tav>
+                                        <p:tav tm="100000">
+                                          <p:val>
+                                            <p:strVal val="#ppt_y"/>
+                                          </p:val>
+                                        </p:tav>
+                                      </p:tavLst>
+                                    </p:anim>
+                                  </p:childTnLst>
+                                </p:cTn>
+                              </p:par>
+                            </p:childTnLst>
+                          </p:cTn>
+                        </p:par>
+                      </p:childTnLst>
+                    </p:cTn>
+                  </p:par>
+                </p:childTnLst>
+              </p:cTn>
+              <p:prevCondLst>
+                <p:cond evt="onPrev" delay="0">
+                  <p:tgtEl>
+                    <p:sldTgt/>
+                  </p:tgtEl>
+                </p:cond>
+              </p:prevCondLst>
+              <p:nextCondLst>
+                <p:cond evt="onNext" delay="0">
+                  <p:tgtEl>
+                    <p:sldTgt/>
+                  </p:tgtEl>
+                </p:cond>
+              </p:nextCondLst>
+            </p:seq>
+          </p:childTnLst>
+        </p:cTn>
+      </p:par>
+    </p:tnLst>
+  </p:timing>
 </p:sld>
 </file>
 
-<file path=ppt/slides/slide5.xml><?xml version="1.0" encoding="utf-8"?>
+<file path=ppt/slides/slide7.xml><?xml version="1.0" encoding="utf-8"?>
 <p:sld xmlns:a="http://schemas.openxmlformats.org/drawingml/2006/main" xmlns:r="http://schemas.openxmlformats.org/officeDocument/2006/relationships" xmlns:p="http://schemas.openxmlformats.org/presentationml/2006/main">
   <p:cSld>
     <p:spTree>
@@ -16877,7 +19834,7 @@
           <a:p>
             <a:fld id="{5C4E3881-3D96-471D-AC8D-00C031DC841B}" type="slidenum">
               <a:rPr lang="fr-BE" smtClean="0"/>
-              <a:t>5</a:t>
+              <a:t>7</a:t>
             </a:fld>
             <a:endParaRPr lang="fr-BE" dirty="0"/>
           </a:p>
@@ -16953,22 +19910,22 @@
   <p:clrMapOvr>
     <a:masterClrMapping/>
   </p:clrMapOvr>
-  <mc:AlternateContent xmlns:mc="http://schemas.openxmlformats.org/markup-compatibility/2006" xmlns:p14="http://schemas.microsoft.com/office/powerpoint/2010/main">
-    <mc:Choice Requires="p14">
-      <p:transition spd="slow" p14:dur="1500">
-        <p:split orient="vert"/>
+  <mc:AlternateContent xmlns:mc="http://schemas.openxmlformats.org/markup-compatibility/2006">
+    <mc:Choice xmlns:p159="http://schemas.microsoft.com/office/powerpoint/2015/09/main" Requires="p159">
+      <p:transition xmlns:p14="http://schemas.microsoft.com/office/powerpoint/2010/main" spd="slow" p14:dur="2000">
+        <p159:morph option="byObject"/>
       </p:transition>
     </mc:Choice>
-    <mc:Fallback xmlns="">
+    <mc:Fallback>
       <p:transition spd="slow">
-        <p:split orient="vert"/>
+        <p:fade/>
       </p:transition>
     </mc:Fallback>
   </mc:AlternateContent>
 </p:sld>
 </file>
 
-<file path=ppt/slides/slide6.xml><?xml version="1.0" encoding="utf-8"?>
+<file path=ppt/slides/slide8.xml><?xml version="1.0" encoding="utf-8"?>
 <p:sld xmlns:a="http://schemas.openxmlformats.org/drawingml/2006/main" xmlns:r="http://schemas.openxmlformats.org/officeDocument/2006/relationships" xmlns:p="http://schemas.openxmlformats.org/presentationml/2006/main">
   <p:cSld>
     <p:spTree>
@@ -17102,7 +20059,7 @@
           <a:p>
             <a:fld id="{5C4E3881-3D96-471D-AC8D-00C031DC841B}" type="slidenum">
               <a:rPr lang="fr-BE" smtClean="0"/>
-              <a:t>6</a:t>
+              <a:t>8</a:t>
             </a:fld>
             <a:endParaRPr lang="fr-BE" dirty="0"/>
           </a:p>
@@ -17178,22 +20135,22 @@
   <p:clrMapOvr>
     <a:masterClrMapping/>
   </p:clrMapOvr>
-  <mc:AlternateContent xmlns:mc="http://schemas.openxmlformats.org/markup-compatibility/2006" xmlns:p14="http://schemas.microsoft.com/office/powerpoint/2010/main">
-    <mc:Choice Requires="p14">
-      <p:transition spd="slow" p14:dur="1500">
-        <p:split orient="vert"/>
+  <mc:AlternateContent xmlns:mc="http://schemas.openxmlformats.org/markup-compatibility/2006">
+    <mc:Choice xmlns:p159="http://schemas.microsoft.com/office/powerpoint/2015/09/main" Requires="p159">
+      <p:transition xmlns:p14="http://schemas.microsoft.com/office/powerpoint/2010/main" spd="slow" p14:dur="2000">
+        <p159:morph option="byObject"/>
       </p:transition>
     </mc:Choice>
-    <mc:Fallback xmlns="">
+    <mc:Fallback>
       <p:transition spd="slow">
-        <p:split orient="vert"/>
+        <p:fade/>
       </p:transition>
     </mc:Fallback>
   </mc:AlternateContent>
 </p:sld>
 </file>
 
-<file path=ppt/slides/slide7.xml><?xml version="1.0" encoding="utf-8"?>
+<file path=ppt/slides/slide9.xml><?xml version="1.0" encoding="utf-8"?>
 <p:sld xmlns:a="http://schemas.openxmlformats.org/drawingml/2006/main" xmlns:r="http://schemas.openxmlformats.org/officeDocument/2006/relationships" xmlns:p="http://schemas.openxmlformats.org/presentationml/2006/main">
   <p:cSld>
     <p:spTree>
@@ -17335,7 +20292,7 @@
           <a:p>
             <a:fld id="{5C4E3881-3D96-471D-AC8D-00C031DC841B}" type="slidenum">
               <a:rPr lang="fr-BE" smtClean="0"/>
-              <a:t>7</a:t>
+              <a:t>9</a:t>
             </a:fld>
             <a:endParaRPr lang="fr-BE" dirty="0"/>
           </a:p>
@@ -17411,583 +20368,15 @@
   <p:clrMapOvr>
     <a:masterClrMapping/>
   </p:clrMapOvr>
-  <mc:AlternateContent xmlns:mc="http://schemas.openxmlformats.org/markup-compatibility/2006" xmlns:p14="http://schemas.microsoft.com/office/powerpoint/2010/main">
-    <mc:Choice Requires="p14">
-      <p:transition spd="slow" p14:dur="1500">
-        <p:split orient="vert"/>
+  <mc:AlternateContent xmlns:mc="http://schemas.openxmlformats.org/markup-compatibility/2006">
+    <mc:Choice xmlns:p159="http://schemas.microsoft.com/office/powerpoint/2015/09/main" Requires="p159">
+      <p:transition xmlns:p14="http://schemas.microsoft.com/office/powerpoint/2010/main" spd="slow" p14:dur="2000">
+        <p159:morph option="byObject"/>
       </p:transition>
     </mc:Choice>
-    <mc:Fallback xmlns="">
+    <mc:Fallback>
       <p:transition spd="slow">
-        <p:split orient="vert"/>
-      </p:transition>
-    </mc:Fallback>
-  </mc:AlternateContent>
-</p:sld>
-</file>
-
-<file path=ppt/slides/slide8.xml><?xml version="1.0" encoding="utf-8"?>
-<p:sld xmlns:a="http://schemas.openxmlformats.org/drawingml/2006/main" xmlns:r="http://schemas.openxmlformats.org/officeDocument/2006/relationships" xmlns:p="http://schemas.openxmlformats.org/presentationml/2006/main">
-  <p:cSld>
-    <p:spTree>
-      <p:nvGrpSpPr>
-        <p:cNvPr id="1" name=""/>
-        <p:cNvGrpSpPr/>
-        <p:nvPr/>
-      </p:nvGrpSpPr>
-      <p:grpSpPr>
-        <a:xfrm>
-          <a:off x="0" y="0"/>
-          <a:ext cx="0" cy="0"/>
-          <a:chOff x="0" y="0"/>
-          <a:chExt cx="0" cy="0"/>
-        </a:xfrm>
-      </p:grpSpPr>
-      <p:sp>
-        <p:nvSpPr>
-          <p:cNvPr id="2" name="Titre 1"/>
-          <p:cNvSpPr>
-            <a:spLocks noGrp="1"/>
-          </p:cNvSpPr>
-          <p:nvPr>
-            <p:ph type="title"/>
-          </p:nvPr>
-        </p:nvSpPr>
-        <p:spPr/>
-        <p:txBody>
-          <a:bodyPr/>
-          <a:lstStyle/>
-          <a:p>
-            <a:r>
-              <a:rPr lang="fr-BE" sz="6000" b="1" dirty="0">
-                <a:latin typeface="Franklin Gothic Medium Cond" panose="020B0606030402020204" pitchFamily="34" charset="0"/>
-              </a:rPr>
-              <a:t>Problème de la langue</a:t>
-            </a:r>
-          </a:p>
-        </p:txBody>
-      </p:sp>
-      <p:sp>
-        <p:nvSpPr>
-          <p:cNvPr id="3" name="Espace réservé du contenu 2"/>
-          <p:cNvSpPr>
-            <a:spLocks noGrp="1"/>
-          </p:cNvSpPr>
-          <p:nvPr>
-            <p:ph idx="1"/>
-          </p:nvPr>
-        </p:nvSpPr>
-        <p:spPr>
-          <a:xfrm>
-            <a:off x="646111" y="1944874"/>
-            <a:ext cx="8946541" cy="4395151"/>
-          </a:xfrm>
-        </p:spPr>
-        <p:txBody>
-          <a:bodyPr>
-            <a:normAutofit/>
-          </a:bodyPr>
-          <a:lstStyle/>
-          <a:p>
-            <a:r>
-              <a:rPr lang="fr-BE" sz="3200" b="1" dirty="0">
-                <a:latin typeface="Franklin Gothic Medium Cond" panose="020B0606030402020204" pitchFamily="34" charset="0"/>
-              </a:rPr>
-              <a:t>Demande de s’adapter</a:t>
-            </a:r>
-          </a:p>
-          <a:p>
-            <a:r>
-              <a:rPr lang="fr-BE" sz="3200" b="1" dirty="0">
-                <a:latin typeface="Franklin Gothic Medium Cond" panose="020B0606030402020204" pitchFamily="34" charset="0"/>
-              </a:rPr>
-              <a:t>Problématique au début</a:t>
-            </a:r>
-          </a:p>
-          <a:p>
-            <a:r>
-              <a:rPr lang="fr-BE" sz="3200" b="1" dirty="0">
-                <a:latin typeface="Franklin Gothic Medium Cond" panose="020B0606030402020204" pitchFamily="34" charset="0"/>
-              </a:rPr>
-              <a:t>Aide à disposition</a:t>
-            </a:r>
-          </a:p>
-          <a:p>
-            <a:r>
-              <a:rPr lang="fr-BE" sz="3200" b="1" dirty="0">
-                <a:latin typeface="Franklin Gothic Medium Cond" panose="020B0606030402020204" pitchFamily="34" charset="0"/>
-              </a:rPr>
-              <a:t>Débrouillardise</a:t>
-            </a:r>
-          </a:p>
-          <a:p>
-            <a:endParaRPr lang="fr-BE" sz="3200" b="1" dirty="0">
-              <a:latin typeface="Franklin Gothic Medium Cond" panose="020B0606030402020204" pitchFamily="34" charset="0"/>
-            </a:endParaRPr>
-          </a:p>
-          <a:p>
-            <a:endParaRPr lang="fr-BE" sz="3200" b="1" dirty="0">
-              <a:latin typeface="Franklin Gothic Medium Cond" panose="020B0606030402020204" pitchFamily="34" charset="0"/>
-            </a:endParaRPr>
-          </a:p>
-        </p:txBody>
-      </p:sp>
-      <p:sp>
-        <p:nvSpPr>
-          <p:cNvPr id="4" name="Espace réservé du pied de page 3"/>
-          <p:cNvSpPr>
-            <a:spLocks noGrp="1"/>
-          </p:cNvSpPr>
-          <p:nvPr>
-            <p:ph type="ftr" sz="quarter" idx="11"/>
-          </p:nvPr>
-        </p:nvSpPr>
-        <p:spPr/>
-        <p:txBody>
-          <a:bodyPr/>
-          <a:lstStyle/>
-          <a:p>
-            <a:r>
-              <a:rPr lang="fr-BE" dirty="0"/>
-              <a:t>Sacré Christopher</a:t>
-            </a:r>
-          </a:p>
-        </p:txBody>
-      </p:sp>
-      <p:sp>
-        <p:nvSpPr>
-          <p:cNvPr id="5" name="Espace réservé du numéro de diapositive 4"/>
-          <p:cNvSpPr>
-            <a:spLocks noGrp="1"/>
-          </p:cNvSpPr>
-          <p:nvPr>
-            <p:ph type="sldNum" sz="quarter" idx="12"/>
-          </p:nvPr>
-        </p:nvSpPr>
-        <p:spPr/>
-        <p:txBody>
-          <a:bodyPr/>
-          <a:lstStyle/>
-          <a:p>
-            <a:fld id="{5C4E3881-3D96-471D-AC8D-00C031DC841B}" type="slidenum">
-              <a:rPr lang="fr-BE" smtClean="0"/>
-              <a:t>8</a:t>
-            </a:fld>
-            <a:endParaRPr lang="fr-BE" dirty="0"/>
-          </a:p>
-        </p:txBody>
-      </p:sp>
-      <p:pic>
-        <p:nvPicPr>
-          <p:cNvPr id="8" name="Picture 7"/>
-          <p:cNvPicPr>
-            <a:picLocks noChangeAspect="1"/>
-          </p:cNvPicPr>
-          <p:nvPr/>
-        </p:nvPicPr>
-        <p:blipFill>
-          <a:blip r:embed="rId2">
-            <a:extLst>
-              <a:ext uri="{BEBA8EAE-BF5A-486C-A8C5-ECC9F3942E4B}">
-                <a14:imgProps xmlns:a14="http://schemas.microsoft.com/office/drawing/2010/main">
-                  <a14:imgLayer r:embed="rId3">
-                    <a14:imgEffect>
-                      <a14:backgroundRemoval t="0" b="100000" l="0" r="100000">
-                        <a14:foregroundMark x1="9600" y1="64000" x2="12400" y2="64800"/>
-                        <a14:foregroundMark x1="9600" y1="48000" x2="8800" y2="46000"/>
-                        <a14:foregroundMark x1="9600" y1="8400" x2="9600" y2="8000"/>
-                        <a14:foregroundMark x1="53200" y1="24000" x2="61200" y2="50400"/>
-                        <a14:foregroundMark x1="58000" y1="17600" x2="94000" y2="68400"/>
-                        <a14:foregroundMark x1="87600" y1="2800" x2="91600" y2="9200"/>
-                        <a14:foregroundMark x1="93600" y1="7200" x2="90800" y2="23600"/>
-                        <a14:foregroundMark x1="77200" y1="20000" x2="76800" y2="21600"/>
-                        <a14:foregroundMark x1="76800" y1="23600" x2="85200" y2="59600"/>
-                        <a14:foregroundMark x1="58000" y1="52800" x2="69600" y2="82400"/>
-                        <a14:foregroundMark x1="76800" y1="61200" x2="71200" y2="80000"/>
-                        <a14:foregroundMark x1="51200" y1="31600" x2="55600" y2="53600"/>
-                        <a14:foregroundMark x1="55600" y1="70400" x2="60400" y2="91200"/>
-                        <a14:foregroundMark x1="63600" y1="88800" x2="93200" y2="90000"/>
-                        <a14:foregroundMark x1="92000" y1="55200" x2="90000" y2="30000"/>
-                        <a14:foregroundMark x1="72400" y1="41600" x2="82800" y2="60800"/>
-                        <a14:foregroundMark x1="83600" y1="40800" x2="67600" y2="60800"/>
-                        <a14:foregroundMark x1="65200" y1="44000" x2="97600" y2="61600"/>
-                        <a14:foregroundMark x1="89600" y1="43200" x2="72800" y2="69200"/>
-                        <a14:foregroundMark x1="71200" y1="62000" x2="87600" y2="91200"/>
-                      </a14:backgroundRemoval>
-                    </a14:imgEffect>
-                  </a14:imgLayer>
-                </a14:imgProps>
-              </a:ext>
-              <a:ext uri="{28A0092B-C50C-407E-A947-70E740481C1C}">
-                <a14:useLocalDpi xmlns:a14="http://schemas.microsoft.com/office/drawing/2010/main" val="0"/>
-              </a:ext>
-            </a:extLst>
-          </a:blip>
-          <a:stretch>
-            <a:fillRect/>
-          </a:stretch>
-        </p:blipFill>
-        <p:spPr>
-          <a:xfrm>
-            <a:off x="10352539" y="5239240"/>
-            <a:ext cx="1618759" cy="1618759"/>
-          </a:xfrm>
-          <a:prstGeom prst="rect">
-            <a:avLst/>
-          </a:prstGeom>
-        </p:spPr>
-      </p:pic>
-    </p:spTree>
-    <p:extLst>
-      <p:ext uri="{BB962C8B-B14F-4D97-AF65-F5344CB8AC3E}">
-        <p14:creationId xmlns:p14="http://schemas.microsoft.com/office/powerpoint/2010/main" val="2377760540"/>
-      </p:ext>
-    </p:extLst>
-  </p:cSld>
-  <p:clrMapOvr>
-    <a:masterClrMapping/>
-  </p:clrMapOvr>
-  <mc:AlternateContent xmlns:mc="http://schemas.openxmlformats.org/markup-compatibility/2006" xmlns:p14="http://schemas.microsoft.com/office/powerpoint/2010/main">
-    <mc:Choice Requires="p14">
-      <p:transition spd="slow" p14:dur="1500">
-        <p:split orient="vert"/>
-      </p:transition>
-    </mc:Choice>
-    <mc:Fallback xmlns="">
-      <p:transition spd="slow">
-        <p:split orient="vert"/>
-      </p:transition>
-    </mc:Fallback>
-  </mc:AlternateContent>
-</p:sld>
-</file>
-
-<file path=ppt/slides/slide9.xml><?xml version="1.0" encoding="utf-8"?>
-<p:sld xmlns:a="http://schemas.openxmlformats.org/drawingml/2006/main" xmlns:r="http://schemas.openxmlformats.org/officeDocument/2006/relationships" xmlns:p="http://schemas.openxmlformats.org/presentationml/2006/main">
-  <p:cSld>
-    <p:spTree>
-      <p:nvGrpSpPr>
-        <p:cNvPr id="1" name=""/>
-        <p:cNvGrpSpPr/>
-        <p:nvPr/>
-      </p:nvGrpSpPr>
-      <p:grpSpPr>
-        <a:xfrm>
-          <a:off x="0" y="0"/>
-          <a:ext cx="0" cy="0"/>
-          <a:chOff x="0" y="0"/>
-          <a:chExt cx="0" cy="0"/>
-        </a:xfrm>
-      </p:grpSpPr>
-      <p:sp>
-        <p:nvSpPr>
-          <p:cNvPr id="2" name="Titre 1"/>
-          <p:cNvSpPr>
-            <a:spLocks noGrp="1"/>
-          </p:cNvSpPr>
-          <p:nvPr>
-            <p:ph type="title"/>
-          </p:nvPr>
-        </p:nvSpPr>
-        <p:spPr/>
-        <p:txBody>
-          <a:bodyPr/>
-          <a:lstStyle/>
-          <a:p>
-            <a:r>
-              <a:rPr lang="fr-BE" sz="6000" b="1" dirty="0">
-                <a:latin typeface="Franklin Gothic Medium Cond" panose="020B0606030402020204" pitchFamily="34" charset="0"/>
-              </a:rPr>
-              <a:t>Description du métier</a:t>
-            </a:r>
-          </a:p>
-        </p:txBody>
-      </p:sp>
-      <p:sp>
-        <p:nvSpPr>
-          <p:cNvPr id="3" name="Espace réservé du contenu 2"/>
-          <p:cNvSpPr>
-            <a:spLocks noGrp="1"/>
-          </p:cNvSpPr>
-          <p:nvPr>
-            <p:ph idx="1"/>
-          </p:nvPr>
-        </p:nvSpPr>
-        <p:spPr>
-          <a:xfrm>
-            <a:off x="646111" y="1944874"/>
-            <a:ext cx="8946541" cy="4395151"/>
-          </a:xfrm>
-        </p:spPr>
-        <p:txBody>
-          <a:bodyPr>
-            <a:normAutofit fontScale="55000" lnSpcReduction="20000"/>
-          </a:bodyPr>
-          <a:lstStyle/>
-          <a:p>
-            <a:r>
-              <a:rPr lang="fr-BE" sz="3200" b="1" dirty="0">
-                <a:latin typeface="Franklin Gothic Medium Cond" panose="020B0606030402020204" pitchFamily="34" charset="0"/>
-              </a:rPr>
-              <a:t>Pilier de l’école</a:t>
-            </a:r>
-          </a:p>
-          <a:p>
-            <a:pPr lvl="1"/>
-            <a:r>
-              <a:rPr lang="fr-BE" sz="3000" b="1" dirty="0">
-                <a:latin typeface="Franklin Gothic Medium Cond" panose="020B0606030402020204" pitchFamily="34" charset="0"/>
-              </a:rPr>
-              <a:t>Polyvalence</a:t>
-            </a:r>
-          </a:p>
-          <a:p>
-            <a:pPr lvl="1"/>
-            <a:r>
-              <a:rPr lang="fr-BE" sz="3000" b="1" dirty="0">
-                <a:latin typeface="Franklin Gothic Medium Cond" panose="020B0606030402020204" pitchFamily="34" charset="0"/>
-              </a:rPr>
-              <a:t>Joignable à tout moment</a:t>
-            </a:r>
-          </a:p>
-          <a:p>
-            <a:r>
-              <a:rPr lang="fr-BE" sz="3000" b="1" dirty="0">
-                <a:latin typeface="Franklin Gothic Medium Cond" panose="020B0606030402020204" pitchFamily="34" charset="0"/>
-              </a:rPr>
-              <a:t>Premiers secours</a:t>
-            </a:r>
-          </a:p>
-          <a:p>
-            <a:r>
-              <a:rPr lang="fr-BE" sz="3000" b="1" dirty="0">
-                <a:latin typeface="Franklin Gothic Medium Cond" panose="020B0606030402020204" pitchFamily="34" charset="0"/>
-              </a:rPr>
-              <a:t>Dimension plus sociable</a:t>
-            </a:r>
-          </a:p>
-          <a:p>
-            <a:pPr lvl="1"/>
-            <a:r>
-              <a:rPr lang="fr-BE" sz="2800" b="1" dirty="0">
-                <a:latin typeface="Franklin Gothic Medium Cond" panose="020B0606030402020204" pitchFamily="34" charset="0"/>
-              </a:rPr>
-              <a:t>Informations par voie orale</a:t>
-            </a:r>
-          </a:p>
-          <a:p>
-            <a:pPr lvl="1"/>
-            <a:r>
-              <a:rPr lang="fr-BE" sz="2800" b="1" dirty="0">
-                <a:latin typeface="Franklin Gothic Medium Cond" panose="020B0606030402020204" pitchFamily="34" charset="0"/>
-              </a:rPr>
-              <a:t>La société = une équipe</a:t>
-            </a:r>
-            <a:endParaRPr lang="fr-BE" sz="3000" b="1" dirty="0">
-              <a:latin typeface="Franklin Gothic Medium Cond" panose="020B0606030402020204" pitchFamily="34" charset="0"/>
-            </a:endParaRPr>
-          </a:p>
-          <a:p>
-            <a:r>
-              <a:rPr lang="fr-BE" sz="3000" b="1" dirty="0">
-                <a:latin typeface="Franklin Gothic Medium Cond" panose="020B0606030402020204" pitchFamily="34" charset="0"/>
-              </a:rPr>
-              <a:t>Prise de contact avec l’extérieur</a:t>
-            </a:r>
-          </a:p>
-          <a:p>
-            <a:pPr lvl="1"/>
-            <a:r>
-              <a:rPr lang="fr-BE" sz="2400" b="1" dirty="0">
-                <a:latin typeface="Franklin Gothic Medium Cond" panose="020B0606030402020204" pitchFamily="34" charset="0"/>
-              </a:rPr>
-              <a:t>Parents</a:t>
-            </a:r>
-          </a:p>
-          <a:p>
-            <a:pPr lvl="1"/>
-            <a:r>
-              <a:rPr lang="fr-BE" sz="2400" b="1" dirty="0">
-                <a:latin typeface="Franklin Gothic Medium Cond" panose="020B0606030402020204" pitchFamily="34" charset="0"/>
-              </a:rPr>
-              <a:t>Fournisseurs</a:t>
-            </a:r>
-          </a:p>
-          <a:p>
-            <a:pPr lvl="1"/>
-            <a:r>
-              <a:rPr lang="fr-BE" sz="2800" b="1" dirty="0">
-                <a:latin typeface="Franklin Gothic Medium Cond" panose="020B0606030402020204" pitchFamily="34" charset="0"/>
-              </a:rPr>
-              <a:t>Réception et transfert des messages</a:t>
-            </a:r>
-          </a:p>
-          <a:p>
-            <a:pPr lvl="1"/>
-            <a:r>
-              <a:rPr lang="fr-BE" sz="2800" b="1" dirty="0">
-                <a:latin typeface="Franklin Gothic Medium Cond" panose="020B0606030402020204" pitchFamily="34" charset="0"/>
-              </a:rPr>
-              <a:t>Par téléphone</a:t>
-            </a:r>
-          </a:p>
-          <a:p>
-            <a:r>
-              <a:rPr lang="fr-BE" sz="3000" b="1" dirty="0">
-                <a:latin typeface="Franklin Gothic Medium Cond" panose="020B0606030402020204" pitchFamily="34" charset="0"/>
-              </a:rPr>
-              <a:t>Administration de l’école</a:t>
-            </a:r>
-          </a:p>
-          <a:p>
-            <a:pPr lvl="1"/>
-            <a:endParaRPr lang="fr-BE" sz="3200" b="1" dirty="0">
-              <a:latin typeface="Franklin Gothic Medium Cond" panose="020B0606030402020204" pitchFamily="34" charset="0"/>
-            </a:endParaRPr>
-          </a:p>
-          <a:p>
-            <a:pPr lvl="1"/>
-            <a:endParaRPr lang="fr-BE" sz="3000" b="1" dirty="0">
-              <a:latin typeface="Franklin Gothic Medium Cond" panose="020B0606030402020204" pitchFamily="34" charset="0"/>
-            </a:endParaRPr>
-          </a:p>
-          <a:p>
-            <a:pPr lvl="1"/>
-            <a:endParaRPr lang="fr-BE" sz="3000" b="1" dirty="0">
-              <a:latin typeface="Franklin Gothic Medium Cond" panose="020B0606030402020204" pitchFamily="34" charset="0"/>
-            </a:endParaRPr>
-          </a:p>
-          <a:p>
-            <a:endParaRPr lang="fr-BE" sz="3200" b="1" dirty="0">
-              <a:latin typeface="Franklin Gothic Medium Cond" panose="020B0606030402020204" pitchFamily="34" charset="0"/>
-            </a:endParaRPr>
-          </a:p>
-        </p:txBody>
-      </p:sp>
-      <p:sp>
-        <p:nvSpPr>
-          <p:cNvPr id="4" name="Espace réservé du pied de page 3"/>
-          <p:cNvSpPr>
-            <a:spLocks noGrp="1"/>
-          </p:cNvSpPr>
-          <p:nvPr>
-            <p:ph type="ftr" sz="quarter" idx="11"/>
-          </p:nvPr>
-        </p:nvSpPr>
-        <p:spPr/>
-        <p:txBody>
-          <a:bodyPr/>
-          <a:lstStyle/>
-          <a:p>
-            <a:r>
-              <a:rPr lang="fr-BE" dirty="0"/>
-              <a:t>Sacré Christopher</a:t>
-            </a:r>
-          </a:p>
-        </p:txBody>
-      </p:sp>
-      <p:sp>
-        <p:nvSpPr>
-          <p:cNvPr id="5" name="Espace réservé du numéro de diapositive 4"/>
-          <p:cNvSpPr>
-            <a:spLocks noGrp="1"/>
-          </p:cNvSpPr>
-          <p:nvPr>
-            <p:ph type="sldNum" sz="quarter" idx="12"/>
-          </p:nvPr>
-        </p:nvSpPr>
-        <p:spPr/>
-        <p:txBody>
-          <a:bodyPr/>
-          <a:lstStyle/>
-          <a:p>
-            <a:fld id="{5C4E3881-3D96-471D-AC8D-00C031DC841B}" type="slidenum">
-              <a:rPr lang="fr-BE" smtClean="0"/>
-              <a:t>9</a:t>
-            </a:fld>
-            <a:endParaRPr lang="fr-BE" dirty="0"/>
-          </a:p>
-        </p:txBody>
-      </p:sp>
-      <p:pic>
-        <p:nvPicPr>
-          <p:cNvPr id="8" name="Picture 7"/>
-          <p:cNvPicPr>
-            <a:picLocks noChangeAspect="1"/>
-          </p:cNvPicPr>
-          <p:nvPr/>
-        </p:nvPicPr>
-        <p:blipFill>
-          <a:blip r:embed="rId2">
-            <a:extLst>
-              <a:ext uri="{BEBA8EAE-BF5A-486C-A8C5-ECC9F3942E4B}">
-                <a14:imgProps xmlns:a14="http://schemas.microsoft.com/office/drawing/2010/main">
-                  <a14:imgLayer r:embed="rId3">
-                    <a14:imgEffect>
-                      <a14:backgroundRemoval t="0" b="100000" l="0" r="100000">
-                        <a14:foregroundMark x1="9600" y1="64000" x2="12400" y2="64800"/>
-                        <a14:foregroundMark x1="9600" y1="48000" x2="8800" y2="46000"/>
-                        <a14:foregroundMark x1="9600" y1="8400" x2="9600" y2="8000"/>
-                        <a14:foregroundMark x1="53200" y1="24000" x2="61200" y2="50400"/>
-                        <a14:foregroundMark x1="58000" y1="17600" x2="94000" y2="68400"/>
-                        <a14:foregroundMark x1="87600" y1="2800" x2="91600" y2="9200"/>
-                        <a14:foregroundMark x1="93600" y1="7200" x2="90800" y2="23600"/>
-                        <a14:foregroundMark x1="77200" y1="20000" x2="76800" y2="21600"/>
-                        <a14:foregroundMark x1="76800" y1="23600" x2="85200" y2="59600"/>
-                        <a14:foregroundMark x1="58000" y1="52800" x2="69600" y2="82400"/>
-                        <a14:foregroundMark x1="76800" y1="61200" x2="71200" y2="80000"/>
-                        <a14:foregroundMark x1="51200" y1="31600" x2="55600" y2="53600"/>
-                        <a14:foregroundMark x1="55600" y1="70400" x2="60400" y2="91200"/>
-                        <a14:foregroundMark x1="63600" y1="88800" x2="93200" y2="90000"/>
-                        <a14:foregroundMark x1="92000" y1="55200" x2="90000" y2="30000"/>
-                        <a14:foregroundMark x1="72400" y1="41600" x2="82800" y2="60800"/>
-                        <a14:foregroundMark x1="83600" y1="40800" x2="67600" y2="60800"/>
-                        <a14:foregroundMark x1="65200" y1="44000" x2="97600" y2="61600"/>
-                        <a14:foregroundMark x1="89600" y1="43200" x2="72800" y2="69200"/>
-                        <a14:foregroundMark x1="71200" y1="62000" x2="87600" y2="91200"/>
-                      </a14:backgroundRemoval>
-                    </a14:imgEffect>
-                  </a14:imgLayer>
-                </a14:imgProps>
-              </a:ext>
-              <a:ext uri="{28A0092B-C50C-407E-A947-70E740481C1C}">
-                <a14:useLocalDpi xmlns:a14="http://schemas.microsoft.com/office/drawing/2010/main" val="0"/>
-              </a:ext>
-            </a:extLst>
-          </a:blip>
-          <a:stretch>
-            <a:fillRect/>
-          </a:stretch>
-        </p:blipFill>
-        <p:spPr>
-          <a:xfrm>
-            <a:off x="10352539" y="5239240"/>
-            <a:ext cx="1618759" cy="1618759"/>
-          </a:xfrm>
-          <a:prstGeom prst="rect">
-            <a:avLst/>
-          </a:prstGeom>
-        </p:spPr>
-      </p:pic>
-    </p:spTree>
-    <p:extLst>
-      <p:ext uri="{BB962C8B-B14F-4D97-AF65-F5344CB8AC3E}">
-        <p14:creationId xmlns:p14="http://schemas.microsoft.com/office/powerpoint/2010/main" val="2324087877"/>
-      </p:ext>
-    </p:extLst>
-  </p:cSld>
-  <p:clrMapOvr>
-    <a:masterClrMapping/>
-  </p:clrMapOvr>
-  <mc:AlternateContent xmlns:mc="http://schemas.openxmlformats.org/markup-compatibility/2006" xmlns:p14="http://schemas.microsoft.com/office/powerpoint/2010/main">
-    <mc:Choice Requires="p14">
-      <p:transition spd="slow" p14:dur="1500">
-        <p:split orient="vert"/>
-      </p:transition>
-    </mc:Choice>
-    <mc:Fallback xmlns="">
-      <p:transition spd="slow">
-        <p:split orient="vert"/>
+        <p:fade/>
       </p:transition>
     </mc:Fallback>
   </mc:AlternateContent>
@@ -18252,7 +20641,7 @@
   <a:extraClrSchemeLst/>
   <a:extLst>
     <a:ext uri="{05A4C25C-085E-4340-85A3-A5531E510DB2}">
-      <thm15:themeFamily xmlns:thm15="http://schemas.microsoft.com/office/thememl/2012/main" xmlns="" name="Ion" id="{B8441ADB-2E43-4AF7-B97A-BD870242C6A8}" vid="{A207AED3-9ABC-4A18-9978-A59B65688B15}"/>
+      <thm15:themeFamily xmlns:thm15="http://schemas.microsoft.com/office/thememl/2012/main" name="Ion" id="{B8441ADB-2E43-4AF7-B97A-BD870242C6A8}" vid="{A207AED3-9ABC-4A18-9978-A59B65688B15}"/>
     </a:ext>
   </a:extLst>
 </a:theme>
@@ -18513,7 +20902,7 @@
   <a:extraClrSchemeLst/>
   <a:extLst>
     <a:ext uri="{05A4C25C-085E-4340-85A3-A5531E510DB2}">
-      <thm15:themeFamily xmlns:thm15="http://schemas.microsoft.com/office/thememl/2012/main" xmlns="" name="Office Theme" id="{62F939B6-93AF-4DB8-9C6B-D6C7DFDC589F}" vid="{4A3C46E8-61CC-4603-A589-7422A47A8E4A}"/>
+      <thm15:themeFamily xmlns:thm15="http://schemas.microsoft.com/office/thememl/2012/main" name="Office Theme" id="{62F939B6-93AF-4DB8-9C6B-D6C7DFDC589F}" vid="{4A3C46E8-61CC-4603-A589-7422A47A8E4A}"/>
     </a:ext>
   </a:extLst>
 </a:theme>

--- a/Synthèse Stage d'observation/[Défense Stage][Sacré Christopher].pptx
+++ b/Synthèse Stage d'observation/[Défense Stage][Sacré Christopher].pptx
@@ -1,41 +1,38 @@
 
 <file path=ppt/presentation.xml><?xml version="1.0" encoding="utf-8"?>
-<p:presentation xmlns:a="http://schemas.openxmlformats.org/drawingml/2006/main" xmlns:r="http://schemas.openxmlformats.org/officeDocument/2006/relationships" xmlns:p="http://schemas.openxmlformats.org/presentationml/2006/main" showSpecialPlsOnTitleSld="0" saveSubsetFonts="1">
+<p:presentation xmlns:a="http://schemas.openxmlformats.org/drawingml/2006/main" xmlns:r="http://schemas.openxmlformats.org/officeDocument/2006/relationships" xmlns:p="http://schemas.openxmlformats.org/presentationml/2006/main" saveSubsetFonts="1">
   <p:sldMasterIdLst>
-    <p:sldMasterId id="2147483762" r:id="rId1"/>
+    <p:sldMasterId id="2147483816" r:id="rId1"/>
   </p:sldMasterIdLst>
   <p:notesMasterIdLst>
-    <p:notesMasterId r:id="rId22"/>
+    <p:notesMasterId r:id="rId19"/>
   </p:notesMasterIdLst>
   <p:sldIdLst>
     <p:sldId id="256" r:id="rId2"/>
     <p:sldId id="257" r:id="rId3"/>
-    <p:sldId id="290" r:id="rId4"/>
-    <p:sldId id="289" r:id="rId5"/>
-    <p:sldId id="274" r:id="rId6"/>
-    <p:sldId id="258" r:id="rId7"/>
-    <p:sldId id="261" r:id="rId8"/>
-    <p:sldId id="262" r:id="rId9"/>
-    <p:sldId id="281" r:id="rId10"/>
-    <p:sldId id="282" r:id="rId11"/>
-    <p:sldId id="283" r:id="rId12"/>
-    <p:sldId id="292" r:id="rId13"/>
-    <p:sldId id="284" r:id="rId14"/>
-    <p:sldId id="285" r:id="rId15"/>
-    <p:sldId id="286" r:id="rId16"/>
-    <p:sldId id="287" r:id="rId17"/>
-    <p:sldId id="288" r:id="rId18"/>
-    <p:sldId id="291" r:id="rId19"/>
-    <p:sldId id="269" r:id="rId20"/>
-    <p:sldId id="279" r:id="rId21"/>
+    <p:sldId id="274" r:id="rId4"/>
+    <p:sldId id="258" r:id="rId5"/>
+    <p:sldId id="261" r:id="rId6"/>
+    <p:sldId id="262" r:id="rId7"/>
+    <p:sldId id="281" r:id="rId8"/>
+    <p:sldId id="282" r:id="rId9"/>
+    <p:sldId id="283" r:id="rId10"/>
+    <p:sldId id="292" r:id="rId11"/>
+    <p:sldId id="284" r:id="rId12"/>
+    <p:sldId id="285" r:id="rId13"/>
+    <p:sldId id="286" r:id="rId14"/>
+    <p:sldId id="287" r:id="rId15"/>
+    <p:sldId id="288" r:id="rId16"/>
+    <p:sldId id="269" r:id="rId17"/>
+    <p:sldId id="279" r:id="rId18"/>
   </p:sldIdLst>
   <p:sldSz cx="12192000" cy="6858000"/>
   <p:notesSz cx="6858000" cy="9144000"/>
   <p:defaultTextStyle>
     <a:defPPr>
-      <a:defRPr lang="fr-FR"/>
+      <a:defRPr lang="en-US"/>
     </a:defPPr>
-    <a:lvl1pPr marL="0" algn="l" defTabSz="914400" rtl="0" eaLnBrk="1" latinLnBrk="0" hangingPunct="1">
+    <a:lvl1pPr marL="0" algn="l" defTabSz="457200" rtl="0" eaLnBrk="1" latinLnBrk="0" hangingPunct="1">
       <a:defRPr sz="1800" kern="1200">
         <a:solidFill>
           <a:schemeClr val="tx1"/>
@@ -45,7 +42,7 @@
         <a:cs typeface="+mn-cs"/>
       </a:defRPr>
     </a:lvl1pPr>
-    <a:lvl2pPr marL="457200" algn="l" defTabSz="914400" rtl="0" eaLnBrk="1" latinLnBrk="0" hangingPunct="1">
+    <a:lvl2pPr marL="457200" algn="l" defTabSz="457200" rtl="0" eaLnBrk="1" latinLnBrk="0" hangingPunct="1">
       <a:defRPr sz="1800" kern="1200">
         <a:solidFill>
           <a:schemeClr val="tx1"/>
@@ -55,7 +52,7 @@
         <a:cs typeface="+mn-cs"/>
       </a:defRPr>
     </a:lvl2pPr>
-    <a:lvl3pPr marL="914400" algn="l" defTabSz="914400" rtl="0" eaLnBrk="1" latinLnBrk="0" hangingPunct="1">
+    <a:lvl3pPr marL="914400" algn="l" defTabSz="457200" rtl="0" eaLnBrk="1" latinLnBrk="0" hangingPunct="1">
       <a:defRPr sz="1800" kern="1200">
         <a:solidFill>
           <a:schemeClr val="tx1"/>
@@ -65,7 +62,7 @@
         <a:cs typeface="+mn-cs"/>
       </a:defRPr>
     </a:lvl3pPr>
-    <a:lvl4pPr marL="1371600" algn="l" defTabSz="914400" rtl="0" eaLnBrk="1" latinLnBrk="0" hangingPunct="1">
+    <a:lvl4pPr marL="1371600" algn="l" defTabSz="457200" rtl="0" eaLnBrk="1" latinLnBrk="0" hangingPunct="1">
       <a:defRPr sz="1800" kern="1200">
         <a:solidFill>
           <a:schemeClr val="tx1"/>
@@ -75,7 +72,7 @@
         <a:cs typeface="+mn-cs"/>
       </a:defRPr>
     </a:lvl4pPr>
-    <a:lvl5pPr marL="1828800" algn="l" defTabSz="914400" rtl="0" eaLnBrk="1" latinLnBrk="0" hangingPunct="1">
+    <a:lvl5pPr marL="1828800" algn="l" defTabSz="457200" rtl="0" eaLnBrk="1" latinLnBrk="0" hangingPunct="1">
       <a:defRPr sz="1800" kern="1200">
         <a:solidFill>
           <a:schemeClr val="tx1"/>
@@ -85,7 +82,7 @@
         <a:cs typeface="+mn-cs"/>
       </a:defRPr>
     </a:lvl5pPr>
-    <a:lvl6pPr marL="2286000" algn="l" defTabSz="914400" rtl="0" eaLnBrk="1" latinLnBrk="0" hangingPunct="1">
+    <a:lvl6pPr marL="2286000" algn="l" defTabSz="457200" rtl="0" eaLnBrk="1" latinLnBrk="0" hangingPunct="1">
       <a:defRPr sz="1800" kern="1200">
         <a:solidFill>
           <a:schemeClr val="tx1"/>
@@ -95,7 +92,7 @@
         <a:cs typeface="+mn-cs"/>
       </a:defRPr>
     </a:lvl6pPr>
-    <a:lvl7pPr marL="2743200" algn="l" defTabSz="914400" rtl="0" eaLnBrk="1" latinLnBrk="0" hangingPunct="1">
+    <a:lvl7pPr marL="2743200" algn="l" defTabSz="457200" rtl="0" eaLnBrk="1" latinLnBrk="0" hangingPunct="1">
       <a:defRPr sz="1800" kern="1200">
         <a:solidFill>
           <a:schemeClr val="tx1"/>
@@ -105,7 +102,7 @@
         <a:cs typeface="+mn-cs"/>
       </a:defRPr>
     </a:lvl7pPr>
-    <a:lvl8pPr marL="3200400" algn="l" defTabSz="914400" rtl="0" eaLnBrk="1" latinLnBrk="0" hangingPunct="1">
+    <a:lvl8pPr marL="3200400" algn="l" defTabSz="457200" rtl="0" eaLnBrk="1" latinLnBrk="0" hangingPunct="1">
       <a:defRPr sz="1800" kern="1200">
         <a:solidFill>
           <a:schemeClr val="tx1"/>
@@ -115,7 +112,7 @@
         <a:cs typeface="+mn-cs"/>
       </a:defRPr>
     </a:lvl8pPr>
-    <a:lvl9pPr marL="3657600" algn="l" defTabSz="914400" rtl="0" eaLnBrk="1" latinLnBrk="0" hangingPunct="1">
+    <a:lvl9pPr marL="3657600" algn="l" defTabSz="457200" rtl="0" eaLnBrk="1" latinLnBrk="0" hangingPunct="1">
       <a:defRPr sz="1800" kern="1200">
         <a:solidFill>
           <a:schemeClr val="tx1"/>
@@ -128,7 +125,7 @@
   </p:defaultTextStyle>
   <p:extLst>
     <p:ext uri="{EFAFB233-063F-42B5-8137-9DF3F51BA10A}">
-      <p15:sldGuideLst xmlns:p15="http://schemas.microsoft.com/office/powerpoint/2012/main">
+      <p15:sldGuideLst xmlns:p15="http://schemas.microsoft.com/office/powerpoint/2012/main" xmlns="">
         <p15:guide id="1" orient="horz" pos="2160">
           <p15:clr>
             <a:srgbClr val="A4A3A4"/>
@@ -1784,14 +1781,35 @@
         </dgm:presLayoutVars>
       </dgm:prSet>
       <dgm:spPr/>
+      <dgm:t>
+        <a:bodyPr/>
+        <a:lstStyle/>
+        <a:p>
+          <a:endParaRPr lang="fr-BE"/>
+        </a:p>
+      </dgm:t>
     </dgm:pt>
     <dgm:pt modelId="{528197FC-6E1A-4B90-AB0D-2443A6BC6ED2}" type="pres">
       <dgm:prSet presAssocID="{46B459DD-3FCF-4722-8387-EE34DD17C66E}" presName="sibTrans" presStyleLbl="sibTrans2D1" presStyleIdx="0" presStyleCnt="2"/>
       <dgm:spPr/>
+      <dgm:t>
+        <a:bodyPr/>
+        <a:lstStyle/>
+        <a:p>
+          <a:endParaRPr lang="fr-BE"/>
+        </a:p>
+      </dgm:t>
     </dgm:pt>
     <dgm:pt modelId="{5F3EA9AC-C27F-4A44-A767-7B81ED6B2E61}" type="pres">
       <dgm:prSet presAssocID="{46B459DD-3FCF-4722-8387-EE34DD17C66E}" presName="connectorText" presStyleLbl="sibTrans2D1" presStyleIdx="0" presStyleCnt="2"/>
       <dgm:spPr/>
+      <dgm:t>
+        <a:bodyPr/>
+        <a:lstStyle/>
+        <a:p>
+          <a:endParaRPr lang="fr-BE"/>
+        </a:p>
+      </dgm:t>
     </dgm:pt>
     <dgm:pt modelId="{D743BB55-2C95-42CE-82C6-9CBEAD5E76E3}" type="pres">
       <dgm:prSet presAssocID="{B50BE3D6-BAA7-4FBC-B74E-985133B912DF}" presName="node" presStyleLbl="node1" presStyleIdx="1" presStyleCnt="3">
@@ -1800,14 +1818,35 @@
         </dgm:presLayoutVars>
       </dgm:prSet>
       <dgm:spPr/>
+      <dgm:t>
+        <a:bodyPr/>
+        <a:lstStyle/>
+        <a:p>
+          <a:endParaRPr lang="fr-BE"/>
+        </a:p>
+      </dgm:t>
     </dgm:pt>
     <dgm:pt modelId="{BA9735C8-34CF-4CC0-B624-8FA2B222519C}" type="pres">
       <dgm:prSet presAssocID="{2D763E9F-B9E8-4D23-9EDC-2E6EC7D67857}" presName="sibTrans" presStyleLbl="sibTrans2D1" presStyleIdx="1" presStyleCnt="2"/>
       <dgm:spPr/>
+      <dgm:t>
+        <a:bodyPr/>
+        <a:lstStyle/>
+        <a:p>
+          <a:endParaRPr lang="fr-BE"/>
+        </a:p>
+      </dgm:t>
     </dgm:pt>
     <dgm:pt modelId="{AC8DF076-4201-4421-9212-4DB3B9E33539}" type="pres">
       <dgm:prSet presAssocID="{2D763E9F-B9E8-4D23-9EDC-2E6EC7D67857}" presName="connectorText" presStyleLbl="sibTrans2D1" presStyleIdx="1" presStyleCnt="2"/>
       <dgm:spPr/>
+      <dgm:t>
+        <a:bodyPr/>
+        <a:lstStyle/>
+        <a:p>
+          <a:endParaRPr lang="fr-BE"/>
+        </a:p>
+      </dgm:t>
     </dgm:pt>
     <dgm:pt modelId="{2B226626-91EC-4914-829A-550A7595437B}" type="pres">
       <dgm:prSet presAssocID="{1784B003-86FD-4AC2-BA4E-2B5AD68F7B39}" presName="node" presStyleLbl="node1" presStyleIdx="2" presStyleCnt="3">
@@ -1816,6 +1855,13 @@
         </dgm:presLayoutVars>
       </dgm:prSet>
       <dgm:spPr/>
+      <dgm:t>
+        <a:bodyPr/>
+        <a:lstStyle/>
+        <a:p>
+          <a:endParaRPr lang="fr-BE"/>
+        </a:p>
+      </dgm:t>
     </dgm:pt>
   </dgm:ptLst>
   <dgm:cxnLst>
@@ -2009,14 +2055,35 @@
         </dgm:presLayoutVars>
       </dgm:prSet>
       <dgm:spPr/>
+      <dgm:t>
+        <a:bodyPr/>
+        <a:lstStyle/>
+        <a:p>
+          <a:endParaRPr lang="fr-BE"/>
+        </a:p>
+      </dgm:t>
     </dgm:pt>
     <dgm:pt modelId="{528197FC-6E1A-4B90-AB0D-2443A6BC6ED2}" type="pres">
       <dgm:prSet presAssocID="{46B459DD-3FCF-4722-8387-EE34DD17C66E}" presName="sibTrans" presStyleLbl="sibTrans2D1" presStyleIdx="0" presStyleCnt="2"/>
       <dgm:spPr/>
+      <dgm:t>
+        <a:bodyPr/>
+        <a:lstStyle/>
+        <a:p>
+          <a:endParaRPr lang="fr-BE"/>
+        </a:p>
+      </dgm:t>
     </dgm:pt>
     <dgm:pt modelId="{5F3EA9AC-C27F-4A44-A767-7B81ED6B2E61}" type="pres">
       <dgm:prSet presAssocID="{46B459DD-3FCF-4722-8387-EE34DD17C66E}" presName="connectorText" presStyleLbl="sibTrans2D1" presStyleIdx="0" presStyleCnt="2"/>
       <dgm:spPr/>
+      <dgm:t>
+        <a:bodyPr/>
+        <a:lstStyle/>
+        <a:p>
+          <a:endParaRPr lang="fr-BE"/>
+        </a:p>
+      </dgm:t>
     </dgm:pt>
     <dgm:pt modelId="{E2235E0B-8F8F-4221-A56B-C17D21D963E6}" type="pres">
       <dgm:prSet presAssocID="{6CBCA062-6BBA-4DF0-8983-37A7D76F6D64}" presName="node" presStyleLbl="node1" presStyleIdx="1" presStyleCnt="3" custScaleX="110901" custScaleY="96709" custLinFactNeighborX="-758" custLinFactNeighborY="-60313">
@@ -2025,14 +2092,35 @@
         </dgm:presLayoutVars>
       </dgm:prSet>
       <dgm:spPr/>
+      <dgm:t>
+        <a:bodyPr/>
+        <a:lstStyle/>
+        <a:p>
+          <a:endParaRPr lang="fr-BE"/>
+        </a:p>
+      </dgm:t>
     </dgm:pt>
     <dgm:pt modelId="{82B633B6-EA34-4486-8D04-1B0DD3201CF9}" type="pres">
       <dgm:prSet presAssocID="{B0F2827A-4410-4047-BFF3-0B89952E0434}" presName="sibTrans" presStyleLbl="sibTrans2D1" presStyleIdx="1" presStyleCnt="2"/>
       <dgm:spPr/>
+      <dgm:t>
+        <a:bodyPr/>
+        <a:lstStyle/>
+        <a:p>
+          <a:endParaRPr lang="fr-BE"/>
+        </a:p>
+      </dgm:t>
     </dgm:pt>
     <dgm:pt modelId="{1CDFD8AC-AC67-4C7E-8F8D-ACCDE853B7E0}" type="pres">
       <dgm:prSet presAssocID="{B0F2827A-4410-4047-BFF3-0B89952E0434}" presName="connectorText" presStyleLbl="sibTrans2D1" presStyleIdx="1" presStyleCnt="2"/>
       <dgm:spPr/>
+      <dgm:t>
+        <a:bodyPr/>
+        <a:lstStyle/>
+        <a:p>
+          <a:endParaRPr lang="fr-BE"/>
+        </a:p>
+      </dgm:t>
     </dgm:pt>
     <dgm:pt modelId="{8FAFBD0E-6F56-4320-8461-71832116A1BC}" type="pres">
       <dgm:prSet presAssocID="{6B29D1D9-6D1E-4E60-AB06-8E515F3A092B}" presName="node" presStyleLbl="node1" presStyleIdx="2" presStyleCnt="3" custScaleX="110901" custScaleY="102521" custLinFactNeighborX="-758" custLinFactNeighborY="-60313">
@@ -2041,6 +2129,13 @@
         </dgm:presLayoutVars>
       </dgm:prSet>
       <dgm:spPr/>
+      <dgm:t>
+        <a:bodyPr/>
+        <a:lstStyle/>
+        <a:p>
+          <a:endParaRPr lang="fr-BE"/>
+        </a:p>
+      </dgm:t>
     </dgm:pt>
   </dgm:ptLst>
   <dgm:cxnLst>
@@ -2067,7 +2162,7 @@
   <dgm:whole/>
   <dgm:extLst>
     <a:ext uri="http://schemas.microsoft.com/office/drawing/2008/diagram">
-      <dsp:dataModelExt xmlns:dsp="http://schemas.microsoft.com/office/drawing/2008/diagram" relId="rId8" minVer="http://schemas.openxmlformats.org/drawingml/2006/diagram"/>
+      <dsp:dataModelExt xmlns:dsp="http://schemas.microsoft.com/office/drawing/2008/diagram" relId="rId6" minVer="http://schemas.openxmlformats.org/drawingml/2006/diagram"/>
     </a:ext>
   </dgm:extLst>
 </dgm:dataModel>
@@ -2161,7 +2256,7 @@
         </a:bodyPr>
         <a:lstStyle/>
         <a:p>
-          <a:pPr marL="0" lvl="0" indent="0" algn="ctr" defTabSz="2133600">
+          <a:pPr lvl="0" algn="ctr" defTabSz="2133600">
             <a:lnSpc>
               <a:spcPct val="90000"/>
             </a:lnSpc>
@@ -2171,7 +2266,6 @@
             <a:spcAft>
               <a:spcPct val="35000"/>
             </a:spcAft>
-            <a:buNone/>
           </a:pPr>
           <a:r>
             <a:rPr lang="fr-BE" sz="4800" b="1" kern="1200" dirty="0">
@@ -2269,7 +2363,7 @@
         </a:bodyPr>
         <a:lstStyle/>
         <a:p>
-          <a:pPr marL="0" lvl="0" indent="0" algn="ctr" defTabSz="1377950">
+          <a:pPr lvl="0" algn="ctr" defTabSz="1377950">
             <a:lnSpc>
               <a:spcPct val="90000"/>
             </a:lnSpc>
@@ -2279,7 +2373,6 @@
             <a:spcAft>
               <a:spcPct val="35000"/>
             </a:spcAft>
-            <a:buNone/>
           </a:pPr>
           <a:endParaRPr lang="fr-BE" sz="3100" kern="1200"/>
         </a:p>
@@ -2369,7 +2462,7 @@
         </a:bodyPr>
         <a:lstStyle/>
         <a:p>
-          <a:pPr marL="0" lvl="0" indent="0" algn="ctr" defTabSz="2133600">
+          <a:pPr lvl="0" algn="ctr" defTabSz="2133600">
             <a:lnSpc>
               <a:spcPct val="90000"/>
             </a:lnSpc>
@@ -2379,7 +2472,6 @@
             <a:spcAft>
               <a:spcPct val="35000"/>
             </a:spcAft>
-            <a:buNone/>
           </a:pPr>
           <a:r>
             <a:rPr lang="fr-BE" sz="4800" b="1" kern="1200" dirty="0">
@@ -2477,7 +2569,7 @@
         </a:bodyPr>
         <a:lstStyle/>
         <a:p>
-          <a:pPr marL="0" lvl="0" indent="0" algn="ctr" defTabSz="1377950">
+          <a:pPr lvl="0" algn="ctr" defTabSz="1377950">
             <a:lnSpc>
               <a:spcPct val="90000"/>
             </a:lnSpc>
@@ -2487,7 +2579,6 @@
             <a:spcAft>
               <a:spcPct val="35000"/>
             </a:spcAft>
-            <a:buNone/>
           </a:pPr>
           <a:endParaRPr lang="fr-BE" sz="3100" kern="1200"/>
         </a:p>
@@ -2577,7 +2668,7 @@
         </a:bodyPr>
         <a:lstStyle/>
         <a:p>
-          <a:pPr marL="0" lvl="0" indent="0" algn="ctr" defTabSz="2133600">
+          <a:pPr lvl="0" algn="ctr" defTabSz="2133600">
             <a:lnSpc>
               <a:spcPct val="90000"/>
             </a:lnSpc>
@@ -2587,7 +2678,6 @@
             <a:spcAft>
               <a:spcPct val="35000"/>
             </a:spcAft>
-            <a:buNone/>
           </a:pPr>
           <a:r>
             <a:rPr lang="fr-BE" sz="4800" b="1" kern="1200" dirty="0">
@@ -2694,7 +2784,7 @@
         </a:bodyPr>
         <a:lstStyle/>
         <a:p>
-          <a:pPr marL="0" lvl="0" indent="0" algn="ctr" defTabSz="1244600">
+          <a:pPr lvl="0" algn="ctr" defTabSz="1244600">
             <a:lnSpc>
               <a:spcPct val="90000"/>
             </a:lnSpc>
@@ -2704,7 +2794,6 @@
             <a:spcAft>
               <a:spcPct val="35000"/>
             </a:spcAft>
-            <a:buNone/>
           </a:pPr>
           <a:r>
             <a:rPr lang="fr-BE" sz="2800" b="1" kern="1200" dirty="0">
@@ -2811,7 +2900,7 @@
         </a:bodyPr>
         <a:lstStyle/>
         <a:p>
-          <a:pPr marL="0" lvl="0" indent="0" algn="ctr" defTabSz="1244600">
+          <a:pPr lvl="0" algn="ctr" defTabSz="1244600">
             <a:lnSpc>
               <a:spcPct val="90000"/>
             </a:lnSpc>
@@ -2821,7 +2910,6 @@
             <a:spcAft>
               <a:spcPct val="35000"/>
             </a:spcAft>
-            <a:buNone/>
           </a:pPr>
           <a:endParaRPr lang="fr-BE" sz="2800" kern="1200"/>
         </a:p>
@@ -2911,7 +2999,7 @@
         </a:bodyPr>
         <a:lstStyle/>
         <a:p>
-          <a:pPr marL="0" lvl="0" indent="0" algn="ctr" defTabSz="1244600">
+          <a:pPr lvl="0" algn="ctr" defTabSz="1244600">
             <a:lnSpc>
               <a:spcPct val="90000"/>
             </a:lnSpc>
@@ -2921,7 +3009,6 @@
             <a:spcAft>
               <a:spcPct val="35000"/>
             </a:spcAft>
-            <a:buNone/>
           </a:pPr>
           <a:r>
             <a:rPr lang="fr-BE" sz="2800" b="1" kern="1200" dirty="0">
@@ -3034,7 +3121,7 @@
         </a:bodyPr>
         <a:lstStyle/>
         <a:p>
-          <a:pPr marL="0" lvl="0" indent="0" algn="ctr" defTabSz="1244600">
+          <a:pPr lvl="0" algn="ctr" defTabSz="1244600">
             <a:lnSpc>
               <a:spcPct val="90000"/>
             </a:lnSpc>
@@ -3044,7 +3131,6 @@
             <a:spcAft>
               <a:spcPct val="35000"/>
             </a:spcAft>
-            <a:buNone/>
           </a:pPr>
           <a:endParaRPr lang="en-US" sz="2800" kern="1200"/>
         </a:p>
@@ -3134,7 +3220,7 @@
         </a:bodyPr>
         <a:lstStyle/>
         <a:p>
-          <a:pPr marL="0" lvl="0" indent="0" algn="ctr" defTabSz="1244600">
+          <a:pPr lvl="0" algn="ctr" defTabSz="1244600">
             <a:lnSpc>
               <a:spcPct val="90000"/>
             </a:lnSpc>
@@ -3144,7 +3230,6 @@
             <a:spcAft>
               <a:spcPct val="35000"/>
             </a:spcAft>
-            <a:buNone/>
           </a:pPr>
           <a:r>
             <a:rPr lang="fr-BE" sz="2800" b="1" kern="1200" dirty="0">
@@ -5605,7 +5690,7 @@
           <a:p>
             <a:fld id="{9BC92396-1F1A-4A33-8B96-A48A45F48505}" type="datetimeFigureOut">
               <a:rPr lang="fr-BE" smtClean="0"/>
-              <a:t>23-02-17</a:t>
+              <a:t>27-04-17</a:t>
             </a:fld>
             <a:endParaRPr lang="fr-BE" dirty="0"/>
           </a:p>
@@ -5764,7 +5849,7 @@
           <a:p>
             <a:fld id="{4ED8BCFE-5448-4C81-B2E9-515583B657E9}" type="slidenum">
               <a:rPr lang="fr-BE" smtClean="0"/>
-              <a:t>‹N°›</a:t>
+              <a:t>‹#›</a:t>
             </a:fld>
             <a:endParaRPr lang="fr-BE" dirty="0"/>
           </a:p>
@@ -6041,174 +6126,6 @@
 </p:notes>
 </file>
 
-<file path=ppt/notesSlides/notesSlide3.xml><?xml version="1.0" encoding="utf-8"?>
-<p:notes xmlns:a="http://schemas.openxmlformats.org/drawingml/2006/main" xmlns:r="http://schemas.openxmlformats.org/officeDocument/2006/relationships" xmlns:p="http://schemas.openxmlformats.org/presentationml/2006/main">
-  <p:cSld>
-    <p:spTree>
-      <p:nvGrpSpPr>
-        <p:cNvPr id="1" name=""/>
-        <p:cNvGrpSpPr/>
-        <p:nvPr/>
-      </p:nvGrpSpPr>
-      <p:grpSpPr>
-        <a:xfrm>
-          <a:off x="0" y="0"/>
-          <a:ext cx="0" cy="0"/>
-          <a:chOff x="0" y="0"/>
-          <a:chExt cx="0" cy="0"/>
-        </a:xfrm>
-      </p:grpSpPr>
-      <p:sp>
-        <p:nvSpPr>
-          <p:cNvPr id="2" name="Espace réservé de l'image des diapositives 1"/>
-          <p:cNvSpPr>
-            <a:spLocks noGrp="1" noRot="1" noChangeAspect="1"/>
-          </p:cNvSpPr>
-          <p:nvPr>
-            <p:ph type="sldImg"/>
-          </p:nvPr>
-        </p:nvSpPr>
-        <p:spPr/>
-      </p:sp>
-      <p:sp>
-        <p:nvSpPr>
-          <p:cNvPr id="3" name="Espace réservé des commentaires 2"/>
-          <p:cNvSpPr>
-            <a:spLocks noGrp="1"/>
-          </p:cNvSpPr>
-          <p:nvPr>
-            <p:ph type="body" idx="1"/>
-          </p:nvPr>
-        </p:nvSpPr>
-        <p:spPr/>
-        <p:txBody>
-          <a:bodyPr/>
-          <a:lstStyle/>
-          <a:p>
-            <a:endParaRPr lang="fr-BE" dirty="0"/>
-          </a:p>
-        </p:txBody>
-      </p:sp>
-      <p:sp>
-        <p:nvSpPr>
-          <p:cNvPr id="4" name="Espace réservé du numéro de diapositive 3"/>
-          <p:cNvSpPr>
-            <a:spLocks noGrp="1"/>
-          </p:cNvSpPr>
-          <p:nvPr>
-            <p:ph type="sldNum" sz="quarter" idx="10"/>
-          </p:nvPr>
-        </p:nvSpPr>
-        <p:spPr/>
-        <p:txBody>
-          <a:bodyPr/>
-          <a:lstStyle/>
-          <a:p>
-            <a:fld id="{4ED8BCFE-5448-4C81-B2E9-515583B657E9}" type="slidenum">
-              <a:rPr lang="fr-BE" smtClean="0"/>
-              <a:t>3</a:t>
-            </a:fld>
-            <a:endParaRPr lang="fr-BE" dirty="0"/>
-          </a:p>
-        </p:txBody>
-      </p:sp>
-    </p:spTree>
-    <p:extLst>
-      <p:ext uri="{BB962C8B-B14F-4D97-AF65-F5344CB8AC3E}">
-        <p14:creationId xmlns:p14="http://schemas.microsoft.com/office/powerpoint/2010/main" val="3001110792"/>
-      </p:ext>
-    </p:extLst>
-  </p:cSld>
-  <p:clrMapOvr>
-    <a:masterClrMapping/>
-  </p:clrMapOvr>
-</p:notes>
-</file>
-
-<file path=ppt/notesSlides/notesSlide4.xml><?xml version="1.0" encoding="utf-8"?>
-<p:notes xmlns:a="http://schemas.openxmlformats.org/drawingml/2006/main" xmlns:r="http://schemas.openxmlformats.org/officeDocument/2006/relationships" xmlns:p="http://schemas.openxmlformats.org/presentationml/2006/main">
-  <p:cSld>
-    <p:spTree>
-      <p:nvGrpSpPr>
-        <p:cNvPr id="1" name=""/>
-        <p:cNvGrpSpPr/>
-        <p:nvPr/>
-      </p:nvGrpSpPr>
-      <p:grpSpPr>
-        <a:xfrm>
-          <a:off x="0" y="0"/>
-          <a:ext cx="0" cy="0"/>
-          <a:chOff x="0" y="0"/>
-          <a:chExt cx="0" cy="0"/>
-        </a:xfrm>
-      </p:grpSpPr>
-      <p:sp>
-        <p:nvSpPr>
-          <p:cNvPr id="2" name="Espace réservé de l'image des diapositives 1"/>
-          <p:cNvSpPr>
-            <a:spLocks noGrp="1" noRot="1" noChangeAspect="1"/>
-          </p:cNvSpPr>
-          <p:nvPr>
-            <p:ph type="sldImg"/>
-          </p:nvPr>
-        </p:nvSpPr>
-        <p:spPr/>
-      </p:sp>
-      <p:sp>
-        <p:nvSpPr>
-          <p:cNvPr id="3" name="Espace réservé des commentaires 2"/>
-          <p:cNvSpPr>
-            <a:spLocks noGrp="1"/>
-          </p:cNvSpPr>
-          <p:nvPr>
-            <p:ph type="body" idx="1"/>
-          </p:nvPr>
-        </p:nvSpPr>
-        <p:spPr/>
-        <p:txBody>
-          <a:bodyPr/>
-          <a:lstStyle/>
-          <a:p>
-            <a:endParaRPr lang="fr-BE" dirty="0"/>
-          </a:p>
-        </p:txBody>
-      </p:sp>
-      <p:sp>
-        <p:nvSpPr>
-          <p:cNvPr id="4" name="Espace réservé du numéro de diapositive 3"/>
-          <p:cNvSpPr>
-            <a:spLocks noGrp="1"/>
-          </p:cNvSpPr>
-          <p:nvPr>
-            <p:ph type="sldNum" sz="quarter" idx="10"/>
-          </p:nvPr>
-        </p:nvSpPr>
-        <p:spPr/>
-        <p:txBody>
-          <a:bodyPr/>
-          <a:lstStyle/>
-          <a:p>
-            <a:fld id="{4ED8BCFE-5448-4C81-B2E9-515583B657E9}" type="slidenum">
-              <a:rPr lang="fr-BE" smtClean="0"/>
-              <a:t>4</a:t>
-            </a:fld>
-            <a:endParaRPr lang="fr-BE" dirty="0"/>
-          </a:p>
-        </p:txBody>
-      </p:sp>
-    </p:spTree>
-    <p:extLst>
-      <p:ext uri="{BB962C8B-B14F-4D97-AF65-F5344CB8AC3E}">
-        <p14:creationId xmlns:p14="http://schemas.microsoft.com/office/powerpoint/2010/main" val="2414861212"/>
-      </p:ext>
-    </p:extLst>
-  </p:cSld>
-  <p:clrMapOvr>
-    <a:masterClrMapping/>
-  </p:clrMapOvr>
-</p:notes>
-</file>
-
 <file path=ppt/slideLayouts/slideLayout1.xml><?xml version="1.0" encoding="utf-8"?>
 <p:sldLayout xmlns:a="http://schemas.openxmlformats.org/drawingml/2006/main" xmlns:r="http://schemas.openxmlformats.org/officeDocument/2006/relationships" xmlns:p="http://schemas.openxmlformats.org/presentationml/2006/main" type="title" preserve="1">
   <p:cSld name="Diapositive de titre">
@@ -6372,7 +6289,7 @@
           <a:p>
             <a:r>
               <a:rPr lang="fr-FR"/>
-              <a:t>Modifiez le style des sous-titres du masque</a:t>
+              <a:t>Modifier le style des sous-titres du masque</a:t>
             </a:r>
             <a:endParaRPr lang="en-US" dirty="0"/>
           </a:p>
@@ -6393,9 +6310,9 @@
           <a:bodyPr/>
           <a:lstStyle/>
           <a:p>
-            <a:fld id="{4F942955-508E-4299-8274-9DD410B0EC97}" type="datetime1">
+            <a:fld id="{776B791F-CEBC-4B32-BED2-93EF71E5E12F}" type="datetime1">
               <a:rPr lang="fr-BE" smtClean="0"/>
-              <a:t>23-02-17</a:t>
+              <a:t>27-04-17</a:t>
             </a:fld>
             <a:endParaRPr lang="fr-BE" dirty="0"/>
           </a:p>
@@ -6417,9 +6334,10 @@
           <a:lstStyle/>
           <a:p>
             <a:r>
-              <a:rPr lang="fr-BE" dirty="0"/>
-              <a:t>Sacré christopher</a:t>
-            </a:r>
+              <a:rPr lang="fr-BE"/>
+              <a:t>Sacré Christopher</a:t>
+            </a:r>
+            <a:endParaRPr lang="fr-BE" dirty="0"/>
           </a:p>
         </p:txBody>
       </p:sp>
@@ -6440,7 +6358,7 @@
           <a:p>
             <a:fld id="{5C4E3881-3D96-471D-AC8D-00C031DC841B}" type="slidenum">
               <a:rPr lang="fr-BE" smtClean="0"/>
-              <a:t>‹N°›</a:t>
+              <a:t>‹#›</a:t>
             </a:fld>
             <a:endParaRPr lang="fr-BE" dirty="0"/>
           </a:p>
@@ -6449,7 +6367,7 @@
     </p:spTree>
     <p:extLst>
       <p:ext uri="{BB962C8B-B14F-4D97-AF65-F5344CB8AC3E}">
-        <p14:creationId xmlns:p14="http://schemas.microsoft.com/office/powerpoint/2010/main" val="2211776077"/>
+        <p14:creationId xmlns:p14="http://schemas.microsoft.com/office/powerpoint/2010/main" val="267467625"/>
       </p:ext>
     </p:extLst>
   </p:cSld>
@@ -6582,7 +6500,7 @@
           </a:lstStyle>
           <a:p>
             <a:r>
-              <a:rPr lang="fr-FR" dirty="0"/>
+              <a:rPr lang="fr-FR"/>
               <a:t>Cliquez sur l'icône pour ajouter une image</a:t>
             </a:r>
             <a:endParaRPr lang="en-US" dirty="0"/>
@@ -6651,7 +6569,7 @@
             <a:pPr lvl="0"/>
             <a:r>
               <a:rPr lang="fr-FR"/>
-              <a:t>Modifiez les styles du texte du masque</a:t>
+              <a:t>Modifier les styles du texte du masque</a:t>
             </a:r>
           </a:p>
         </p:txBody>
@@ -6671,9 +6589,9 @@
           <a:bodyPr/>
           <a:lstStyle/>
           <a:p>
-            <a:fld id="{B837445E-7A66-4BFD-B599-6033E50CA787}" type="datetime1">
+            <a:fld id="{55F9E615-4CD2-4080-9F62-DC961DD9FEEB}" type="datetime1">
               <a:rPr lang="fr-BE" smtClean="0"/>
-              <a:t>23-02-17</a:t>
+              <a:t>27-04-17</a:t>
             </a:fld>
             <a:endParaRPr lang="fr-BE" dirty="0"/>
           </a:p>
@@ -6695,9 +6613,10 @@
           <a:lstStyle/>
           <a:p>
             <a:r>
-              <a:rPr lang="fr-BE" dirty="0"/>
-              <a:t>Sacré christopher</a:t>
-            </a:r>
+              <a:rPr lang="fr-BE"/>
+              <a:t>Sacré Christopher</a:t>
+            </a:r>
+            <a:endParaRPr lang="fr-BE" dirty="0"/>
           </a:p>
         </p:txBody>
       </p:sp>
@@ -6718,7 +6637,7 @@
           <a:p>
             <a:fld id="{5C4E3881-3D96-471D-AC8D-00C031DC841B}" type="slidenum">
               <a:rPr lang="fr-BE" smtClean="0"/>
-              <a:t>‹N°›</a:t>
+              <a:t>‹#›</a:t>
             </a:fld>
             <a:endParaRPr lang="fr-BE" dirty="0"/>
           </a:p>
@@ -6727,7 +6646,7 @@
     </p:spTree>
     <p:extLst>
       <p:ext uri="{BB962C8B-B14F-4D97-AF65-F5344CB8AC3E}">
-        <p14:creationId xmlns:p14="http://schemas.microsoft.com/office/powerpoint/2010/main" val="1248430988"/>
+        <p14:creationId xmlns:p14="http://schemas.microsoft.com/office/powerpoint/2010/main" val="4262812407"/>
       </p:ext>
     </p:extLst>
   </p:cSld>
@@ -6848,7 +6767,7 @@
             <a:pPr lvl="0"/>
             <a:r>
               <a:rPr lang="fr-FR"/>
-              <a:t>Modifiez les styles du texte du masque</a:t>
+              <a:t>Modifier les styles du texte du masque</a:t>
             </a:r>
           </a:p>
         </p:txBody>
@@ -6868,9 +6787,9 @@
           <a:bodyPr/>
           <a:lstStyle/>
           <a:p>
-            <a:fld id="{2E33E2D4-A7B1-4BE4-AB8E-E9AA31618715}" type="datetime1">
+            <a:fld id="{14C19A33-0964-43D3-B894-FAFD52DFA098}" type="datetime1">
               <a:rPr lang="fr-BE" smtClean="0"/>
-              <a:t>23-02-17</a:t>
+              <a:t>27-04-17</a:t>
             </a:fld>
             <a:endParaRPr lang="fr-BE" dirty="0"/>
           </a:p>
@@ -6892,9 +6811,10 @@
           <a:lstStyle/>
           <a:p>
             <a:r>
-              <a:rPr lang="fr-BE" dirty="0"/>
-              <a:t>Sacré christopher</a:t>
-            </a:r>
+              <a:rPr lang="fr-BE"/>
+              <a:t>Sacré Christopher</a:t>
+            </a:r>
+            <a:endParaRPr lang="fr-BE" dirty="0"/>
           </a:p>
         </p:txBody>
       </p:sp>
@@ -6915,7 +6835,7 @@
           <a:p>
             <a:fld id="{5C4E3881-3D96-471D-AC8D-00C031DC841B}" type="slidenum">
               <a:rPr lang="fr-BE" smtClean="0"/>
-              <a:t>‹N°›</a:t>
+              <a:t>‹#›</a:t>
             </a:fld>
             <a:endParaRPr lang="fr-BE" dirty="0"/>
           </a:p>
@@ -6924,7 +6844,7 @@
     </p:spTree>
     <p:extLst>
       <p:ext uri="{BB962C8B-B14F-4D97-AF65-F5344CB8AC3E}">
-        <p14:creationId xmlns:p14="http://schemas.microsoft.com/office/powerpoint/2010/main" val="650572087"/>
+        <p14:creationId xmlns:p14="http://schemas.microsoft.com/office/powerpoint/2010/main" val="2268269468"/>
       </p:ext>
     </p:extLst>
   </p:cSld>
@@ -7055,7 +6975,7 @@
             <a:pPr lvl="0"/>
             <a:r>
               <a:rPr lang="fr-FR"/>
-              <a:t>Modifiez les styles du texte du masque</a:t>
+              <a:t>Modifier les styles du texte du masque</a:t>
             </a:r>
           </a:p>
         </p:txBody>
@@ -7122,7 +7042,7 @@
             <a:pPr lvl="0"/>
             <a:r>
               <a:rPr lang="fr-FR"/>
-              <a:t>Modifiez les styles du texte du masque</a:t>
+              <a:t>Modifier les styles du texte du masque</a:t>
             </a:r>
           </a:p>
         </p:txBody>
@@ -7142,9 +7062,9 @@
           <a:bodyPr/>
           <a:lstStyle/>
           <a:p>
-            <a:fld id="{5BB3E64B-6633-4862-86EA-82783757D0F7}" type="datetime1">
+            <a:fld id="{11E4C050-E50F-437B-A31E-0FCB611FA484}" type="datetime1">
               <a:rPr lang="fr-BE" smtClean="0"/>
-              <a:t>23-02-17</a:t>
+              <a:t>27-04-17</a:t>
             </a:fld>
             <a:endParaRPr lang="fr-BE" dirty="0"/>
           </a:p>
@@ -7166,9 +7086,10 @@
           <a:lstStyle/>
           <a:p>
             <a:r>
-              <a:rPr lang="fr-BE" dirty="0"/>
-              <a:t>Sacré christopher</a:t>
-            </a:r>
+              <a:rPr lang="fr-BE"/>
+              <a:t>Sacré Christopher</a:t>
+            </a:r>
+            <a:endParaRPr lang="fr-BE" dirty="0"/>
           </a:p>
         </p:txBody>
       </p:sp>
@@ -7189,7 +7110,7 @@
           <a:p>
             <a:fld id="{5C4E3881-3D96-471D-AC8D-00C031DC841B}" type="slidenum">
               <a:rPr lang="fr-BE" smtClean="0"/>
-              <a:t>‹N°›</a:t>
+              <a:t>‹#›</a:t>
             </a:fld>
             <a:endParaRPr lang="fr-BE" dirty="0"/>
           </a:p>
@@ -7278,7 +7199,7 @@
     </p:spTree>
     <p:extLst>
       <p:ext uri="{BB962C8B-B14F-4D97-AF65-F5344CB8AC3E}">
-        <p14:creationId xmlns:p14="http://schemas.microsoft.com/office/powerpoint/2010/main" val="2942242316"/>
+        <p14:creationId xmlns:p14="http://schemas.microsoft.com/office/powerpoint/2010/main" val="1777245229"/>
       </p:ext>
     </p:extLst>
   </p:cSld>
@@ -7452,7 +7373,7 @@
             <a:pPr lvl="0"/>
             <a:r>
               <a:rPr lang="fr-FR"/>
-              <a:t>Modifiez les styles du texte du masque</a:t>
+              <a:t>Modifier les styles du texte du masque</a:t>
             </a:r>
           </a:p>
         </p:txBody>
@@ -7472,9 +7393,9 @@
           <a:bodyPr/>
           <a:lstStyle/>
           <a:p>
-            <a:fld id="{ABECAC30-620F-4658-B718-073A91E05E2C}" type="datetime1">
+            <a:fld id="{D5DE395A-AF4C-4C7C-918B-801B438BBABA}" type="datetime1">
               <a:rPr lang="fr-BE" smtClean="0"/>
-              <a:t>23-02-17</a:t>
+              <a:t>27-04-17</a:t>
             </a:fld>
             <a:endParaRPr lang="fr-BE" dirty="0"/>
           </a:p>
@@ -7496,9 +7417,10 @@
           <a:lstStyle/>
           <a:p>
             <a:r>
-              <a:rPr lang="fr-BE" dirty="0"/>
-              <a:t>Sacré christopher</a:t>
-            </a:r>
+              <a:rPr lang="fr-BE"/>
+              <a:t>Sacré Christopher</a:t>
+            </a:r>
+            <a:endParaRPr lang="fr-BE" dirty="0"/>
           </a:p>
         </p:txBody>
       </p:sp>
@@ -7519,7 +7441,7 @@
           <a:p>
             <a:fld id="{5C4E3881-3D96-471D-AC8D-00C031DC841B}" type="slidenum">
               <a:rPr lang="fr-BE" smtClean="0"/>
-              <a:t>‹N°›</a:t>
+              <a:t>‹#›</a:t>
             </a:fld>
             <a:endParaRPr lang="fr-BE" dirty="0"/>
           </a:p>
@@ -7528,7 +7450,7 @@
     </p:spTree>
     <p:extLst>
       <p:ext uri="{BB962C8B-B14F-4D97-AF65-F5344CB8AC3E}">
-        <p14:creationId xmlns:p14="http://schemas.microsoft.com/office/powerpoint/2010/main" val="2409085080"/>
+        <p14:creationId xmlns:p14="http://schemas.microsoft.com/office/powerpoint/2010/main" val="2605035057"/>
       </p:ext>
     </p:extLst>
   </p:cSld>
@@ -7651,7 +7573,7 @@
             <a:pPr lvl="0"/>
             <a:r>
               <a:rPr lang="fr-FR"/>
-              <a:t>Modifiez les styles du texte du masque</a:t>
+              <a:t>Modifier les styles du texte du masque</a:t>
             </a:r>
           </a:p>
         </p:txBody>
@@ -7718,7 +7640,7 @@
             <a:pPr lvl="0"/>
             <a:r>
               <a:rPr lang="fr-FR"/>
-              <a:t>Modifiez les styles du texte du masque</a:t>
+              <a:t>Modifier les styles du texte du masque</a:t>
             </a:r>
           </a:p>
         </p:txBody>
@@ -7792,7 +7714,7 @@
             <a:pPr lvl="0"/>
             <a:r>
               <a:rPr lang="fr-FR"/>
-              <a:t>Modifiez les styles du texte du masque</a:t>
+              <a:t>Modifier les styles du texte du masque</a:t>
             </a:r>
           </a:p>
         </p:txBody>
@@ -7859,7 +7781,7 @@
             <a:pPr lvl="0"/>
             <a:r>
               <a:rPr lang="fr-FR"/>
-              <a:t>Modifiez les styles du texte du masque</a:t>
+              <a:t>Modifier les styles du texte du masque</a:t>
             </a:r>
           </a:p>
         </p:txBody>
@@ -7933,7 +7855,7 @@
             <a:pPr lvl="0"/>
             <a:r>
               <a:rPr lang="fr-FR"/>
-              <a:t>Modifiez les styles du texte du masque</a:t>
+              <a:t>Modifier les styles du texte du masque</a:t>
             </a:r>
           </a:p>
         </p:txBody>
@@ -8000,7 +7922,7 @@
             <a:pPr lvl="0"/>
             <a:r>
               <a:rPr lang="fr-FR"/>
-              <a:t>Modifiez les styles du texte du masque</a:t>
+              <a:t>Modifier les styles du texte du masque</a:t>
             </a:r>
           </a:p>
         </p:txBody>
@@ -8094,9 +8016,9 @@
           <a:bodyPr/>
           <a:lstStyle/>
           <a:p>
-            <a:fld id="{FA05B004-CDDD-4653-91B9-7FD837331462}" type="datetime1">
+            <a:fld id="{2C79368F-DD14-412E-A41B-DB00FCBDDEDC}" type="datetime1">
               <a:rPr lang="fr-BE" smtClean="0"/>
-              <a:t>23-02-17</a:t>
+              <a:t>27-04-17</a:t>
             </a:fld>
             <a:endParaRPr lang="fr-BE" dirty="0"/>
           </a:p>
@@ -8118,9 +8040,10 @@
           <a:lstStyle/>
           <a:p>
             <a:r>
-              <a:rPr lang="fr-BE" dirty="0"/>
-              <a:t>Sacré christopher</a:t>
-            </a:r>
+              <a:rPr lang="fr-BE"/>
+              <a:t>Sacré Christopher</a:t>
+            </a:r>
+            <a:endParaRPr lang="fr-BE" dirty="0"/>
           </a:p>
         </p:txBody>
       </p:sp>
@@ -8141,7 +8064,7 @@
           <a:p>
             <a:fld id="{5C4E3881-3D96-471D-AC8D-00C031DC841B}" type="slidenum">
               <a:rPr lang="fr-BE" smtClean="0"/>
-              <a:t>‹N°›</a:t>
+              <a:t>‹#›</a:t>
             </a:fld>
             <a:endParaRPr lang="fr-BE" dirty="0"/>
           </a:p>
@@ -8150,7 +8073,7 @@
     </p:spTree>
     <p:extLst>
       <p:ext uri="{BB962C8B-B14F-4D97-AF65-F5344CB8AC3E}">
-        <p14:creationId xmlns:p14="http://schemas.microsoft.com/office/powerpoint/2010/main" val="788487084"/>
+        <p14:creationId xmlns:p14="http://schemas.microsoft.com/office/powerpoint/2010/main" val="2815499982"/>
       </p:ext>
     </p:extLst>
   </p:cSld>
@@ -8270,7 +8193,7 @@
             <a:pPr lvl="0"/>
             <a:r>
               <a:rPr lang="fr-FR"/>
-              <a:t>Modifiez les styles du texte du masque</a:t>
+              <a:t>Modifier les styles du texte du masque</a:t>
             </a:r>
           </a:p>
         </p:txBody>
@@ -8347,7 +8270,7 @@
           </a:lstStyle>
           <a:p>
             <a:r>
-              <a:rPr lang="fr-FR" dirty="0"/>
+              <a:rPr lang="fr-FR"/>
               <a:t>Cliquez sur l'icône pour ajouter une image</a:t>
             </a:r>
             <a:endParaRPr lang="en-US" dirty="0"/>
@@ -8416,7 +8339,7 @@
             <a:pPr lvl="0"/>
             <a:r>
               <a:rPr lang="fr-FR"/>
-              <a:t>Modifiez les styles du texte du masque</a:t>
+              <a:t>Modifier les styles du texte du masque</a:t>
             </a:r>
           </a:p>
         </p:txBody>
@@ -8487,7 +8410,7 @@
             <a:pPr lvl="0"/>
             <a:r>
               <a:rPr lang="fr-FR"/>
-              <a:t>Modifiez les styles du texte du masque</a:t>
+              <a:t>Modifier les styles du texte du masque</a:t>
             </a:r>
           </a:p>
         </p:txBody>
@@ -8564,7 +8487,7 @@
           </a:lstStyle>
           <a:p>
             <a:r>
-              <a:rPr lang="fr-FR" dirty="0"/>
+              <a:rPr lang="fr-FR"/>
               <a:t>Cliquez sur l'icône pour ajouter une image</a:t>
             </a:r>
             <a:endParaRPr lang="en-US" dirty="0"/>
@@ -8633,7 +8556,7 @@
             <a:pPr lvl="0"/>
             <a:r>
               <a:rPr lang="fr-FR"/>
-              <a:t>Modifiez les styles du texte du masque</a:t>
+              <a:t>Modifier les styles du texte du masque</a:t>
             </a:r>
           </a:p>
         </p:txBody>
@@ -8704,7 +8627,7 @@
             <a:pPr lvl="0"/>
             <a:r>
               <a:rPr lang="fr-FR"/>
-              <a:t>Modifiez les styles du texte du masque</a:t>
+              <a:t>Modifier les styles du texte du masque</a:t>
             </a:r>
           </a:p>
         </p:txBody>
@@ -8781,7 +8704,7 @@
           </a:lstStyle>
           <a:p>
             <a:r>
-              <a:rPr lang="fr-FR" dirty="0"/>
+              <a:rPr lang="fr-FR"/>
               <a:t>Cliquez sur l'icône pour ajouter une image</a:t>
             </a:r>
             <a:endParaRPr lang="en-US" dirty="0"/>
@@ -8850,7 +8773,7 @@
             <a:pPr lvl="0"/>
             <a:r>
               <a:rPr lang="fr-FR"/>
-              <a:t>Modifiez les styles du texte du masque</a:t>
+              <a:t>Modifier les styles du texte du masque</a:t>
             </a:r>
           </a:p>
         </p:txBody>
@@ -8944,9 +8867,9 @@
           <a:bodyPr/>
           <a:lstStyle/>
           <a:p>
-            <a:fld id="{FD36C7A6-3789-4691-9CDF-C051C0D050DC}" type="datetime1">
+            <a:fld id="{091884EF-25F2-4371-AD32-8BDEEF5F1D13}" type="datetime1">
               <a:rPr lang="fr-BE" smtClean="0"/>
-              <a:t>23-02-17</a:t>
+              <a:t>27-04-17</a:t>
             </a:fld>
             <a:endParaRPr lang="fr-BE" dirty="0"/>
           </a:p>
@@ -8968,9 +8891,10 @@
           <a:lstStyle/>
           <a:p>
             <a:r>
-              <a:rPr lang="fr-BE" dirty="0"/>
-              <a:t>Sacré christopher</a:t>
-            </a:r>
+              <a:rPr lang="fr-BE"/>
+              <a:t>Sacré Christopher</a:t>
+            </a:r>
+            <a:endParaRPr lang="fr-BE" dirty="0"/>
           </a:p>
         </p:txBody>
       </p:sp>
@@ -8991,7 +8915,7 @@
           <a:p>
             <a:fld id="{5C4E3881-3D96-471D-AC8D-00C031DC841B}" type="slidenum">
               <a:rPr lang="fr-BE" smtClean="0"/>
-              <a:t>‹N°›</a:t>
+              <a:t>‹#›</a:t>
             </a:fld>
             <a:endParaRPr lang="fr-BE" dirty="0"/>
           </a:p>
@@ -9000,7 +8924,7 @@
     </p:spTree>
     <p:extLst>
       <p:ext uri="{BB962C8B-B14F-4D97-AF65-F5344CB8AC3E}">
-        <p14:creationId xmlns:p14="http://schemas.microsoft.com/office/powerpoint/2010/main" val="1214542134"/>
+        <p14:creationId xmlns:p14="http://schemas.microsoft.com/office/powerpoint/2010/main" val="1917319661"/>
       </p:ext>
     </p:extLst>
   </p:cSld>
@@ -9068,7 +8992,7 @@
             <a:pPr lvl="0"/>
             <a:r>
               <a:rPr lang="fr-FR"/>
-              <a:t>Modifiez les styles du texte du masque</a:t>
+              <a:t>Modifier les styles du texte du masque</a:t>
             </a:r>
           </a:p>
           <a:p>
@@ -9117,9 +9041,9 @@
           <a:bodyPr/>
           <a:lstStyle/>
           <a:p>
-            <a:fld id="{D02FFCD1-57A1-4045-8FD5-BD8FE276A2B3}" type="datetime1">
+            <a:fld id="{7ED97F3E-0F7D-4F25-BF98-0AE6DCB77E81}" type="datetime1">
               <a:rPr lang="fr-BE" smtClean="0"/>
-              <a:t>23-02-17</a:t>
+              <a:t>27-04-17</a:t>
             </a:fld>
             <a:endParaRPr lang="fr-BE" dirty="0"/>
           </a:p>
@@ -9141,9 +9065,10 @@
           <a:lstStyle/>
           <a:p>
             <a:r>
-              <a:rPr lang="fr-BE" dirty="0"/>
-              <a:t>Sacré christopher</a:t>
-            </a:r>
+              <a:rPr lang="fr-BE"/>
+              <a:t>Sacré Christopher</a:t>
+            </a:r>
+            <a:endParaRPr lang="fr-BE" dirty="0"/>
           </a:p>
         </p:txBody>
       </p:sp>
@@ -9164,7 +9089,7 @@
           <a:p>
             <a:fld id="{5C4E3881-3D96-471D-AC8D-00C031DC841B}" type="slidenum">
               <a:rPr lang="fr-BE" smtClean="0"/>
-              <a:t>‹N°›</a:t>
+              <a:t>‹#›</a:t>
             </a:fld>
             <a:endParaRPr lang="fr-BE" dirty="0"/>
           </a:p>
@@ -9173,7 +9098,7 @@
     </p:spTree>
     <p:extLst>
       <p:ext uri="{BB962C8B-B14F-4D97-AF65-F5344CB8AC3E}">
-        <p14:creationId xmlns:p14="http://schemas.microsoft.com/office/powerpoint/2010/main" val="3799889330"/>
+        <p14:creationId xmlns:p14="http://schemas.microsoft.com/office/powerpoint/2010/main" val="3887842755"/>
       </p:ext>
     </p:extLst>
   </p:cSld>
@@ -9251,7 +9176,7 @@
             <a:pPr lvl="0"/>
             <a:r>
               <a:rPr lang="fr-FR"/>
-              <a:t>Modifiez les styles du texte du masque</a:t>
+              <a:t>Modifier les styles du texte du masque</a:t>
             </a:r>
           </a:p>
           <a:p>
@@ -9300,9 +9225,9 @@
           <a:bodyPr/>
           <a:lstStyle/>
           <a:p>
-            <a:fld id="{C3A16D11-BAA7-45EF-B11B-96B87F6FAB4D}" type="datetime1">
+            <a:fld id="{A8D9F549-8C96-418C-ABB6-5EB97227DCCB}" type="datetime1">
               <a:rPr lang="fr-BE" smtClean="0"/>
-              <a:t>23-02-17</a:t>
+              <a:t>27-04-17</a:t>
             </a:fld>
             <a:endParaRPr lang="fr-BE" dirty="0"/>
           </a:p>
@@ -9324,9 +9249,10 @@
           <a:lstStyle/>
           <a:p>
             <a:r>
-              <a:rPr lang="fr-BE" dirty="0"/>
-              <a:t>Sacré christopher</a:t>
-            </a:r>
+              <a:rPr lang="fr-BE"/>
+              <a:t>Sacré Christopher</a:t>
+            </a:r>
+            <a:endParaRPr lang="fr-BE" dirty="0"/>
           </a:p>
         </p:txBody>
       </p:sp>
@@ -9347,7 +9273,7 @@
           <a:p>
             <a:fld id="{5C4E3881-3D96-471D-AC8D-00C031DC841B}" type="slidenum">
               <a:rPr lang="fr-BE" smtClean="0"/>
-              <a:t>‹N°›</a:t>
+              <a:t>‹#›</a:t>
             </a:fld>
             <a:endParaRPr lang="fr-BE" dirty="0"/>
           </a:p>
@@ -9356,7 +9282,7 @@
     </p:spTree>
     <p:extLst>
       <p:ext uri="{BB962C8B-B14F-4D97-AF65-F5344CB8AC3E}">
-        <p14:creationId xmlns:p14="http://schemas.microsoft.com/office/powerpoint/2010/main" val="1647175552"/>
+        <p14:creationId xmlns:p14="http://schemas.microsoft.com/office/powerpoint/2010/main" val="1837607135"/>
       </p:ext>
     </p:extLst>
   </p:cSld>
@@ -9424,7 +9350,7 @@
             <a:pPr lvl="0"/>
             <a:r>
               <a:rPr lang="fr-FR"/>
-              <a:t>Modifiez les styles du texte du masque</a:t>
+              <a:t>Modifier les styles du texte du masque</a:t>
             </a:r>
           </a:p>
           <a:p>
@@ -9473,9 +9399,9 @@
           <a:bodyPr/>
           <a:lstStyle/>
           <a:p>
-            <a:fld id="{7A67C756-B179-4EFB-B088-37C394D53BC6}" type="datetime1">
+            <a:fld id="{B11DE796-6052-47A6-A485-796BDC356E4D}" type="datetime1">
               <a:rPr lang="fr-BE" smtClean="0"/>
-              <a:t>23-02-17</a:t>
+              <a:t>27-04-17</a:t>
             </a:fld>
             <a:endParaRPr lang="fr-BE" dirty="0"/>
           </a:p>
@@ -9497,9 +9423,10 @@
           <a:lstStyle/>
           <a:p>
             <a:r>
-              <a:rPr lang="fr-BE" dirty="0"/>
-              <a:t>Sacré christopher</a:t>
-            </a:r>
+              <a:rPr lang="fr-BE"/>
+              <a:t>Sacré Christopher</a:t>
+            </a:r>
+            <a:endParaRPr lang="fr-BE" dirty="0"/>
           </a:p>
         </p:txBody>
       </p:sp>
@@ -9520,7 +9447,7 @@
           <a:p>
             <a:fld id="{5C4E3881-3D96-471D-AC8D-00C031DC841B}" type="slidenum">
               <a:rPr lang="fr-BE" smtClean="0"/>
-              <a:t>‹N°›</a:t>
+              <a:t>‹#›</a:t>
             </a:fld>
             <a:endParaRPr lang="fr-BE" dirty="0"/>
           </a:p>
@@ -9529,7 +9456,7 @@
     </p:spTree>
     <p:extLst>
       <p:ext uri="{BB962C8B-B14F-4D97-AF65-F5344CB8AC3E}">
-        <p14:creationId xmlns:p14="http://schemas.microsoft.com/office/powerpoint/2010/main" val="2879156289"/>
+        <p14:creationId xmlns:p14="http://schemas.microsoft.com/office/powerpoint/2010/main" val="2829104470"/>
       </p:ext>
     </p:extLst>
   </p:cSld>
@@ -9703,7 +9630,7 @@
             <a:pPr lvl="0"/>
             <a:r>
               <a:rPr lang="fr-FR"/>
-              <a:t>Modifiez les styles du texte du masque</a:t>
+              <a:t>Modifier les styles du texte du masque</a:t>
             </a:r>
           </a:p>
         </p:txBody>
@@ -9723,9 +9650,9 @@
           <a:bodyPr/>
           <a:lstStyle/>
           <a:p>
-            <a:fld id="{947C313E-8301-4664-A5B0-DE9B3D11A8D1}" type="datetime1">
+            <a:fld id="{F04FF1D2-1319-4FE2-AC5A-87861642B40C}" type="datetime1">
               <a:rPr lang="fr-BE" smtClean="0"/>
-              <a:t>23-02-17</a:t>
+              <a:t>27-04-17</a:t>
             </a:fld>
             <a:endParaRPr lang="fr-BE" dirty="0"/>
           </a:p>
@@ -9747,9 +9674,10 @@
           <a:lstStyle/>
           <a:p>
             <a:r>
-              <a:rPr lang="fr-BE" dirty="0"/>
-              <a:t>Sacré christopher</a:t>
-            </a:r>
+              <a:rPr lang="fr-BE"/>
+              <a:t>Sacré Christopher</a:t>
+            </a:r>
+            <a:endParaRPr lang="fr-BE" dirty="0"/>
           </a:p>
         </p:txBody>
       </p:sp>
@@ -9770,7 +9698,7 @@
           <a:p>
             <a:fld id="{5C4E3881-3D96-471D-AC8D-00C031DC841B}" type="slidenum">
               <a:rPr lang="fr-BE" smtClean="0"/>
-              <a:t>‹N°›</a:t>
+              <a:t>‹#›</a:t>
             </a:fld>
             <a:endParaRPr lang="fr-BE" dirty="0"/>
           </a:p>
@@ -9779,7 +9707,7 @@
     </p:spTree>
     <p:extLst>
       <p:ext uri="{BB962C8B-B14F-4D97-AF65-F5344CB8AC3E}">
-        <p14:creationId xmlns:p14="http://schemas.microsoft.com/office/powerpoint/2010/main" val="1601376469"/>
+        <p14:creationId xmlns:p14="http://schemas.microsoft.com/office/powerpoint/2010/main" val="1713027758"/>
       </p:ext>
     </p:extLst>
   </p:cSld>
@@ -9882,7 +9810,7 @@
             <a:pPr lvl="0"/>
             <a:r>
               <a:rPr lang="fr-FR"/>
-              <a:t>Modifiez les styles du texte du masque</a:t>
+              <a:t>Modifier les styles du texte du masque</a:t>
             </a:r>
           </a:p>
           <a:p>
@@ -9969,7 +9897,7 @@
             <a:pPr lvl="0"/>
             <a:r>
               <a:rPr lang="fr-FR"/>
-              <a:t>Modifiez les styles du texte du masque</a:t>
+              <a:t>Modifier les styles du texte du masque</a:t>
             </a:r>
           </a:p>
           <a:p>
@@ -10018,9 +9946,9 @@
           <a:bodyPr/>
           <a:lstStyle/>
           <a:p>
-            <a:fld id="{46DCD1BB-9F64-4CF6-9147-1652DF37CDAC}" type="datetime1">
+            <a:fld id="{28D14F5A-46BB-4942-9082-01AF68B389F5}" type="datetime1">
               <a:rPr lang="fr-BE" smtClean="0"/>
-              <a:t>23-02-17</a:t>
+              <a:t>27-04-17</a:t>
             </a:fld>
             <a:endParaRPr lang="fr-BE" dirty="0"/>
           </a:p>
@@ -10042,9 +9970,10 @@
           <a:lstStyle/>
           <a:p>
             <a:r>
-              <a:rPr lang="fr-BE" dirty="0"/>
-              <a:t>Sacré christopher</a:t>
-            </a:r>
+              <a:rPr lang="fr-BE"/>
+              <a:t>Sacré Christopher</a:t>
+            </a:r>
+            <a:endParaRPr lang="fr-BE" dirty="0"/>
           </a:p>
         </p:txBody>
       </p:sp>
@@ -10065,7 +9994,7 @@
           <a:p>
             <a:fld id="{5C4E3881-3D96-471D-AC8D-00C031DC841B}" type="slidenum">
               <a:rPr lang="fr-BE" smtClean="0"/>
-              <a:t>‹N°›</a:t>
+              <a:t>‹#›</a:t>
             </a:fld>
             <a:endParaRPr lang="fr-BE" dirty="0"/>
           </a:p>
@@ -10074,7 +10003,7 @@
     </p:spTree>
     <p:extLst>
       <p:ext uri="{BB962C8B-B14F-4D97-AF65-F5344CB8AC3E}">
-        <p14:creationId xmlns:p14="http://schemas.microsoft.com/office/powerpoint/2010/main" val="3627975211"/>
+        <p14:creationId xmlns:p14="http://schemas.microsoft.com/office/powerpoint/2010/main" val="3983877338"/>
       </p:ext>
     </p:extLst>
   </p:cSld>
@@ -10197,7 +10126,7 @@
             <a:pPr lvl="0"/>
             <a:r>
               <a:rPr lang="fr-FR"/>
-              <a:t>Modifiez les styles du texte du masque</a:t>
+              <a:t>Modifier les styles du texte du masque</a:t>
             </a:r>
           </a:p>
         </p:txBody>
@@ -10255,7 +10184,7 @@
             <a:pPr lvl="0"/>
             <a:r>
               <a:rPr lang="fr-FR"/>
-              <a:t>Modifiez les styles du texte du masque</a:t>
+              <a:t>Modifier les styles du texte du masque</a:t>
             </a:r>
           </a:p>
           <a:p>
@@ -10358,7 +10287,7 @@
             <a:pPr lvl="0"/>
             <a:r>
               <a:rPr lang="fr-FR"/>
-              <a:t>Modifiez les styles du texte du masque</a:t>
+              <a:t>Modifier les styles du texte du masque</a:t>
             </a:r>
           </a:p>
         </p:txBody>
@@ -10416,7 +10345,7 @@
             <a:pPr lvl="0"/>
             <a:r>
               <a:rPr lang="fr-FR"/>
-              <a:t>Modifiez les styles du texte du masque</a:t>
+              <a:t>Modifier les styles du texte du masque</a:t>
             </a:r>
           </a:p>
           <a:p>
@@ -10465,9 +10394,9 @@
           <a:bodyPr/>
           <a:lstStyle/>
           <a:p>
-            <a:fld id="{1FB462DB-1FAA-4DD0-B2E3-E1F87D34082D}" type="datetime1">
+            <a:fld id="{27B0DCC6-D910-4CB8-B012-20D203D9E108}" type="datetime1">
               <a:rPr lang="fr-BE" smtClean="0"/>
-              <a:t>23-02-17</a:t>
+              <a:t>27-04-17</a:t>
             </a:fld>
             <a:endParaRPr lang="fr-BE" dirty="0"/>
           </a:p>
@@ -10489,9 +10418,10 @@
           <a:lstStyle/>
           <a:p>
             <a:r>
-              <a:rPr lang="fr-BE" dirty="0"/>
-              <a:t>Sacré christopher</a:t>
-            </a:r>
+              <a:rPr lang="fr-BE"/>
+              <a:t>Sacré Christopher</a:t>
+            </a:r>
+            <a:endParaRPr lang="fr-BE" dirty="0"/>
           </a:p>
         </p:txBody>
       </p:sp>
@@ -10512,7 +10442,7 @@
           <a:p>
             <a:fld id="{5C4E3881-3D96-471D-AC8D-00C031DC841B}" type="slidenum">
               <a:rPr lang="fr-BE" smtClean="0"/>
-              <a:t>‹N°›</a:t>
+              <a:t>‹#›</a:t>
             </a:fld>
             <a:endParaRPr lang="fr-BE" dirty="0"/>
           </a:p>
@@ -10521,7 +10451,7 @@
     </p:spTree>
     <p:extLst>
       <p:ext uri="{BB962C8B-B14F-4D97-AF65-F5344CB8AC3E}">
-        <p14:creationId xmlns:p14="http://schemas.microsoft.com/office/powerpoint/2010/main" val="139678477"/>
+        <p14:creationId xmlns:p14="http://schemas.microsoft.com/office/powerpoint/2010/main" val="2335590077"/>
       </p:ext>
     </p:extLst>
   </p:cSld>
@@ -10586,9 +10516,9 @@
           <a:bodyPr/>
           <a:lstStyle/>
           <a:p>
-            <a:fld id="{2FC6A5D4-C702-4292-BC2E-4887500FB9DA}" type="datetime1">
+            <a:fld id="{F7794AA7-5A94-43D0-B9E2-56C428CFDCB0}" type="datetime1">
               <a:rPr lang="fr-BE" smtClean="0"/>
-              <a:t>23-02-17</a:t>
+              <a:t>27-04-17</a:t>
             </a:fld>
             <a:endParaRPr lang="fr-BE" dirty="0"/>
           </a:p>
@@ -10610,9 +10540,10 @@
           <a:lstStyle/>
           <a:p>
             <a:r>
-              <a:rPr lang="fr-BE" dirty="0"/>
-              <a:t>Sacré christopher</a:t>
-            </a:r>
+              <a:rPr lang="fr-BE"/>
+              <a:t>Sacré Christopher</a:t>
+            </a:r>
+            <a:endParaRPr lang="fr-BE" dirty="0"/>
           </a:p>
         </p:txBody>
       </p:sp>
@@ -10633,7 +10564,7 @@
           <a:p>
             <a:fld id="{5C4E3881-3D96-471D-AC8D-00C031DC841B}" type="slidenum">
               <a:rPr lang="fr-BE" smtClean="0"/>
-              <a:t>‹N°›</a:t>
+              <a:t>‹#›</a:t>
             </a:fld>
             <a:endParaRPr lang="fr-BE" dirty="0"/>
           </a:p>
@@ -10642,7 +10573,7 @@
     </p:spTree>
     <p:extLst>
       <p:ext uri="{BB962C8B-B14F-4D97-AF65-F5344CB8AC3E}">
-        <p14:creationId xmlns:p14="http://schemas.microsoft.com/office/powerpoint/2010/main" val="3366354676"/>
+        <p14:creationId xmlns:p14="http://schemas.microsoft.com/office/powerpoint/2010/main" val="3423158177"/>
       </p:ext>
     </p:extLst>
   </p:cSld>
@@ -10684,9 +10615,9 @@
           <a:bodyPr/>
           <a:lstStyle/>
           <a:p>
-            <a:fld id="{6788CA1C-2F4D-4240-85E8-567E63655231}" type="datetime1">
+            <a:fld id="{51E9BFD0-8E15-404F-8207-0E902FA717B9}" type="datetime1">
               <a:rPr lang="fr-BE" smtClean="0"/>
-              <a:t>23-02-17</a:t>
+              <a:t>27-04-17</a:t>
             </a:fld>
             <a:endParaRPr lang="fr-BE" dirty="0"/>
           </a:p>
@@ -10708,9 +10639,10 @@
           <a:lstStyle/>
           <a:p>
             <a:r>
-              <a:rPr lang="fr-BE" dirty="0"/>
-              <a:t>Sacré christopher</a:t>
-            </a:r>
+              <a:rPr lang="fr-BE"/>
+              <a:t>Sacré Christopher</a:t>
+            </a:r>
+            <a:endParaRPr lang="fr-BE" dirty="0"/>
           </a:p>
         </p:txBody>
       </p:sp>
@@ -10731,7 +10663,7 @@
           <a:p>
             <a:fld id="{5C4E3881-3D96-471D-AC8D-00C031DC841B}" type="slidenum">
               <a:rPr lang="fr-BE" smtClean="0"/>
-              <a:t>‹N°›</a:t>
+              <a:t>‹#›</a:t>
             </a:fld>
             <a:endParaRPr lang="fr-BE" dirty="0"/>
           </a:p>
@@ -10740,7 +10672,7 @@
     </p:spTree>
     <p:extLst>
       <p:ext uri="{BB962C8B-B14F-4D97-AF65-F5344CB8AC3E}">
-        <p14:creationId xmlns:p14="http://schemas.microsoft.com/office/powerpoint/2010/main" val="1557339241"/>
+        <p14:creationId xmlns:p14="http://schemas.microsoft.com/office/powerpoint/2010/main" val="2855831322"/>
       </p:ext>
     </p:extLst>
   </p:cSld>
@@ -10852,7 +10784,7 @@
             <a:pPr lvl="0"/>
             <a:r>
               <a:rPr lang="fr-FR"/>
-              <a:t>Modifiez les styles du texte du masque</a:t>
+              <a:t>Modifier les styles du texte du masque</a:t>
             </a:r>
           </a:p>
           <a:p>
@@ -10946,7 +10878,7 @@
             <a:pPr lvl="0"/>
             <a:r>
               <a:rPr lang="fr-FR"/>
-              <a:t>Modifiez les styles du texte du masque</a:t>
+              <a:t>Modifier les styles du texte du masque</a:t>
             </a:r>
           </a:p>
         </p:txBody>
@@ -10966,9 +10898,9 @@
           <a:bodyPr/>
           <a:lstStyle/>
           <a:p>
-            <a:fld id="{A8BDEED9-C8F4-4489-811E-6AAE264DEEA8}" type="datetime1">
+            <a:fld id="{75F62892-5905-4B1B-87D2-059D1D9F8F81}" type="datetime1">
               <a:rPr lang="fr-BE" smtClean="0"/>
-              <a:t>23-02-17</a:t>
+              <a:t>27-04-17</a:t>
             </a:fld>
             <a:endParaRPr lang="fr-BE" dirty="0"/>
           </a:p>
@@ -10990,9 +10922,10 @@
           <a:lstStyle/>
           <a:p>
             <a:r>
-              <a:rPr lang="fr-BE" dirty="0"/>
-              <a:t>Sacré christopher</a:t>
-            </a:r>
+              <a:rPr lang="fr-BE"/>
+              <a:t>Sacré Christopher</a:t>
+            </a:r>
+            <a:endParaRPr lang="fr-BE" dirty="0"/>
           </a:p>
         </p:txBody>
       </p:sp>
@@ -11013,7 +10946,7 @@
           <a:p>
             <a:fld id="{5C4E3881-3D96-471D-AC8D-00C031DC841B}" type="slidenum">
               <a:rPr lang="fr-BE" smtClean="0"/>
-              <a:t>‹N°›</a:t>
+              <a:t>‹#›</a:t>
             </a:fld>
             <a:endParaRPr lang="fr-BE" dirty="0"/>
           </a:p>
@@ -11022,7 +10955,7 @@
     </p:spTree>
     <p:extLst>
       <p:ext uri="{BB962C8B-B14F-4D97-AF65-F5344CB8AC3E}">
-        <p14:creationId xmlns:p14="http://schemas.microsoft.com/office/powerpoint/2010/main" val="1308575804"/>
+        <p14:creationId xmlns:p14="http://schemas.microsoft.com/office/powerpoint/2010/main" val="713080122"/>
       </p:ext>
     </p:extLst>
   </p:cSld>
@@ -11155,7 +11088,7 @@
           </a:lstStyle>
           <a:p>
             <a:r>
-              <a:rPr lang="fr-FR" dirty="0"/>
+              <a:rPr lang="fr-FR"/>
               <a:t>Cliquez sur l'icône pour ajouter une image</a:t>
             </a:r>
             <a:endParaRPr lang="en-US" dirty="0"/>
@@ -11224,7 +11157,7 @@
             <a:pPr lvl="0"/>
             <a:r>
               <a:rPr lang="fr-FR"/>
-              <a:t>Modifiez les styles du texte du masque</a:t>
+              <a:t>Modifier les styles du texte du masque</a:t>
             </a:r>
           </a:p>
         </p:txBody>
@@ -11244,9 +11177,9 @@
           <a:bodyPr/>
           <a:lstStyle/>
           <a:p>
-            <a:fld id="{9C583481-0589-447B-855C-5B77A883CA3E}" type="datetime1">
+            <a:fld id="{CE35E293-4361-46FA-91DD-7ECA1119FA70}" type="datetime1">
               <a:rPr lang="fr-BE" smtClean="0"/>
-              <a:t>23-02-17</a:t>
+              <a:t>27-04-17</a:t>
             </a:fld>
             <a:endParaRPr lang="fr-BE" dirty="0"/>
           </a:p>
@@ -11268,9 +11201,10 @@
           <a:lstStyle/>
           <a:p>
             <a:r>
-              <a:rPr lang="fr-BE" dirty="0"/>
-              <a:t>Sacré christopher</a:t>
-            </a:r>
+              <a:rPr lang="fr-BE"/>
+              <a:t>Sacré Christopher</a:t>
+            </a:r>
+            <a:endParaRPr lang="fr-BE" dirty="0"/>
           </a:p>
         </p:txBody>
       </p:sp>
@@ -11291,7 +11225,7 @@
           <a:p>
             <a:fld id="{5C4E3881-3D96-471D-AC8D-00C031DC841B}" type="slidenum">
               <a:rPr lang="fr-BE" smtClean="0"/>
-              <a:t>‹N°›</a:t>
+              <a:t>‹#›</a:t>
             </a:fld>
             <a:endParaRPr lang="fr-BE" dirty="0"/>
           </a:p>
@@ -11300,7 +11234,7 @@
     </p:spTree>
     <p:extLst>
       <p:ext uri="{BB962C8B-B14F-4D97-AF65-F5344CB8AC3E}">
-        <p14:creationId xmlns:p14="http://schemas.microsoft.com/office/powerpoint/2010/main" val="62736704"/>
+        <p14:creationId xmlns:p14="http://schemas.microsoft.com/office/powerpoint/2010/main" val="473245233"/>
       </p:ext>
     </p:extLst>
   </p:cSld>
@@ -11314,19 +11248,9 @@
 <p:sldMaster xmlns:a="http://schemas.openxmlformats.org/drawingml/2006/main" xmlns:r="http://schemas.openxmlformats.org/officeDocument/2006/relationships" xmlns:p="http://schemas.openxmlformats.org/presentationml/2006/main">
   <p:cSld>
     <p:bg>
-      <p:bgPr>
-        <a:blipFill dpi="0" rotWithShape="1">
-          <a:blip r:embed="rId19">
-            <a:alphaModFix amt="76000"/>
-            <a:lum/>
-          </a:blip>
-          <a:srcRect/>
-          <a:stretch>
-            <a:fillRect/>
-          </a:stretch>
-        </a:blipFill>
-        <a:effectLst/>
-      </p:bgPr>
+      <p:bgRef idx="1003">
+        <a:schemeClr val="bg2"/>
+      </p:bgRef>
     </p:bg>
     <p:spTree>
       <p:nvGrpSpPr>
@@ -11351,7 +11275,7 @@
           <p:nvPr/>
         </p:nvPicPr>
         <p:blipFill rotWithShape="1">
-          <a:blip r:embed="rId20">
+          <a:blip r:embed="rId19">
             <a:extLst>
               <a:ext uri="{28A0092B-C50C-407E-A947-70E740481C1C}">
                 <a14:useLocalDpi xmlns:a14="http://schemas.microsoft.com/office/drawing/2010/main" val="0"/>
@@ -11380,7 +11304,7 @@
           <p:nvPr/>
         </p:nvPicPr>
         <p:blipFill rotWithShape="1">
-          <a:blip r:embed="rId21">
+          <a:blip r:embed="rId20">
             <a:extLst>
               <a:ext uri="{28A0092B-C50C-407E-A947-70E740481C1C}">
                 <a14:useLocalDpi xmlns:a14="http://schemas.microsoft.com/office/drawing/2010/main" val="0"/>
@@ -11408,7 +11332,7 @@
         </p:nvSpPr>
         <p:spPr>
           <a:xfrm>
-            <a:off x="8640153" y="1594125"/>
+            <a:off x="8609012" y="1676400"/>
             <a:ext cx="2819400" cy="2819400"/>
           </a:xfrm>
           <a:prstGeom prst="ellipse">
@@ -11466,7 +11390,7 @@
           <p:nvPr/>
         </p:nvPicPr>
         <p:blipFill rotWithShape="1">
-          <a:blip r:embed="rId22">
+          <a:blip r:embed="rId21">
             <a:extLst>
               <a:ext uri="{28A0092B-C50C-407E-A947-70E740481C1C}">
                 <a14:useLocalDpi xmlns:a14="http://schemas.microsoft.com/office/drawing/2010/main" val="0"/>
@@ -11495,7 +11419,7 @@
           <p:nvPr/>
         </p:nvPicPr>
         <p:blipFill rotWithShape="1">
-          <a:blip r:embed="rId23">
+          <a:blip r:embed="rId22">
             <a:extLst>
               <a:ext uri="{28A0092B-C50C-407E-A947-70E740481C1C}">
                 <a14:useLocalDpi xmlns:a14="http://schemas.microsoft.com/office/drawing/2010/main" val="0"/>
@@ -11611,35 +11535,35 @@
           <a:p>
             <a:pPr lvl="0"/>
             <a:r>
-              <a:rPr lang="fr-FR" dirty="0"/>
-              <a:t>Modifiez les styles du texte du masque</a:t>
+              <a:rPr lang="fr-FR"/>
+              <a:t>Modifier les styles du texte du masque</a:t>
             </a:r>
           </a:p>
           <a:p>
             <a:pPr lvl="1"/>
             <a:r>
-              <a:rPr lang="fr-FR" dirty="0"/>
+              <a:rPr lang="fr-FR"/>
               <a:t>Deuxième niveau</a:t>
             </a:r>
           </a:p>
           <a:p>
             <a:pPr lvl="2"/>
             <a:r>
-              <a:rPr lang="fr-FR" dirty="0"/>
+              <a:rPr lang="fr-FR"/>
               <a:t>Troisième niveau</a:t>
             </a:r>
           </a:p>
           <a:p>
             <a:pPr lvl="3"/>
             <a:r>
-              <a:rPr lang="fr-FR" dirty="0"/>
+              <a:rPr lang="fr-FR"/>
               <a:t>Quatrième niveau</a:t>
             </a:r>
           </a:p>
           <a:p>
             <a:pPr lvl="4"/>
             <a:r>
-              <a:rPr lang="fr-FR" dirty="0"/>
+              <a:rPr lang="fr-FR"/>
               <a:t>Cinquième niveau</a:t>
             </a:r>
             <a:endParaRPr lang="en-US" dirty="0"/>
@@ -11680,9 +11604,9 @@
             </a:lvl1pPr>
           </a:lstStyle>
           <a:p>
-            <a:fld id="{F88EE64F-D7E4-4AD4-BE73-A055C1A272CD}" type="datetime1">
+            <a:fld id="{33E818B2-BCCC-4288-8B6E-B21308F2D72C}" type="datetime1">
               <a:rPr lang="fr-BE" smtClean="0"/>
-              <a:t>23-02-17</a:t>
+              <a:t>27-04-17</a:t>
             </a:fld>
             <a:endParaRPr lang="fr-BE" dirty="0"/>
           </a:p>
@@ -11699,9 +11623,9 @@
           </p:nvPr>
         </p:nvSpPr>
         <p:spPr>
-          <a:xfrm>
-            <a:off x="0" y="6448069"/>
-            <a:ext cx="3859795" cy="409931"/>
+          <a:xfrm rot="5400000">
+            <a:off x="8951573" y="3225297"/>
+            <a:ext cx="3859795" cy="304801"/>
           </a:xfrm>
           <a:prstGeom prst="rect">
             <a:avLst/>
@@ -11711,21 +11635,22 @@
           <a:bodyPr vert="horz" lIns="91440" tIns="45720" rIns="91440" bIns="45720" rtlCol="0" anchor="b"/>
           <a:lstStyle>
             <a:lvl1pPr algn="l">
-              <a:defRPr sz="2800" b="1" i="0">
+              <a:defRPr sz="1100" b="0" i="0">
                 <a:solidFill>
                   <a:schemeClr val="tx1">
+                    <a:tint val="75000"/>
                     <a:alpha val="60000"/>
                   </a:schemeClr>
                 </a:solidFill>
-                <a:latin typeface="Franklin Gothic Medium Cond" panose="020B0606030402020204" pitchFamily="34" charset="0"/>
               </a:defRPr>
             </a:lvl1pPr>
           </a:lstStyle>
           <a:p>
             <a:r>
-              <a:rPr lang="fr-BE" dirty="0"/>
+              <a:rPr lang="fr-BE"/>
               <a:t>Sacré Christopher</a:t>
             </a:r>
+            <a:endParaRPr lang="fr-BE" dirty="0"/>
           </a:p>
         </p:txBody>
       </p:sp>
@@ -11764,7 +11689,7 @@
           <a:p>
             <a:fld id="{5C4E3881-3D96-471D-AC8D-00C031DC841B}" type="slidenum">
               <a:rPr lang="fr-BE" smtClean="0"/>
-              <a:t>‹N°›</a:t>
+              <a:t>‹#›</a:t>
             </a:fld>
             <a:endParaRPr lang="fr-BE" dirty="0"/>
           </a:p>
@@ -11773,29 +11698,29 @@
     </p:spTree>
     <p:extLst>
       <p:ext uri="{BB962C8B-B14F-4D97-AF65-F5344CB8AC3E}">
-        <p14:creationId xmlns:p14="http://schemas.microsoft.com/office/powerpoint/2010/main" val="4286774150"/>
+        <p14:creationId xmlns:p14="http://schemas.microsoft.com/office/powerpoint/2010/main" val="3904714110"/>
       </p:ext>
     </p:extLst>
   </p:cSld>
   <p:clrMap bg1="dk1" tx1="lt1" bg2="dk2" tx2="lt2" accent1="accent1" accent2="accent2" accent3="accent3" accent4="accent4" accent5="accent5" accent6="accent6" hlink="hlink" folHlink="folHlink"/>
   <p:sldLayoutIdLst>
-    <p:sldLayoutId id="2147483763" r:id="rId1"/>
-    <p:sldLayoutId id="2147483764" r:id="rId2"/>
-    <p:sldLayoutId id="2147483765" r:id="rId3"/>
-    <p:sldLayoutId id="2147483766" r:id="rId4"/>
-    <p:sldLayoutId id="2147483767" r:id="rId5"/>
-    <p:sldLayoutId id="2147483768" r:id="rId6"/>
-    <p:sldLayoutId id="2147483769" r:id="rId7"/>
-    <p:sldLayoutId id="2147483770" r:id="rId8"/>
-    <p:sldLayoutId id="2147483771" r:id="rId9"/>
-    <p:sldLayoutId id="2147483772" r:id="rId10"/>
-    <p:sldLayoutId id="2147483773" r:id="rId11"/>
-    <p:sldLayoutId id="2147483774" r:id="rId12"/>
-    <p:sldLayoutId id="2147483775" r:id="rId13"/>
-    <p:sldLayoutId id="2147483776" r:id="rId14"/>
-    <p:sldLayoutId id="2147483777" r:id="rId15"/>
-    <p:sldLayoutId id="2147483778" r:id="rId16"/>
-    <p:sldLayoutId id="2147483779" r:id="rId17"/>
+    <p:sldLayoutId id="2147483817" r:id="rId1"/>
+    <p:sldLayoutId id="2147483818" r:id="rId2"/>
+    <p:sldLayoutId id="2147483819" r:id="rId3"/>
+    <p:sldLayoutId id="2147483820" r:id="rId4"/>
+    <p:sldLayoutId id="2147483821" r:id="rId5"/>
+    <p:sldLayoutId id="2147483822" r:id="rId6"/>
+    <p:sldLayoutId id="2147483823" r:id="rId7"/>
+    <p:sldLayoutId id="2147483824" r:id="rId8"/>
+    <p:sldLayoutId id="2147483825" r:id="rId9"/>
+    <p:sldLayoutId id="2147483826" r:id="rId10"/>
+    <p:sldLayoutId id="2147483827" r:id="rId11"/>
+    <p:sldLayoutId id="2147483828" r:id="rId12"/>
+    <p:sldLayoutId id="2147483829" r:id="rId13"/>
+    <p:sldLayoutId id="2147483830" r:id="rId14"/>
+    <p:sldLayoutId id="2147483831" r:id="rId15"/>
+    <p:sldLayoutId id="2147483832" r:id="rId16"/>
+    <p:sldLayoutId id="2147483833" r:id="rId17"/>
   </p:sldLayoutIdLst>
   <p:hf hdr="0" dt="0"/>
   <p:txStyles>
@@ -11880,8 +11805,9 @@
           <a:spcPts val="0"/>
         </a:spcAft>
         <a:buClr>
-          <a:schemeClr val="tx1">
-            <a:lumMod val="50000"/>
+          <a:schemeClr val="accent1">
+            <a:lumMod val="60000"/>
+            <a:lumOff val="40000"/>
           </a:schemeClr>
         </a:buClr>
         <a:buSzPct val="80000"/>
@@ -12336,6 +12262,29 @@
           </a:p>
         </p:txBody>
       </p:sp>
+      <p:sp>
+        <p:nvSpPr>
+          <p:cNvPr id="3" name="Espace réservé du numéro de diapositive 2"/>
+          <p:cNvSpPr>
+            <a:spLocks noGrp="1"/>
+          </p:cNvSpPr>
+          <p:nvPr>
+            <p:ph type="sldNum" sz="quarter" idx="12"/>
+          </p:nvPr>
+        </p:nvSpPr>
+        <p:spPr/>
+        <p:txBody>
+          <a:bodyPr/>
+          <a:lstStyle/>
+          <a:p>
+            <a:fld id="{5C4E3881-3D96-471D-AC8D-00C031DC841B}" type="slidenum">
+              <a:rPr lang="fr-BE" smtClean="0"/>
+              <a:t>1</a:t>
+            </a:fld>
+            <a:endParaRPr lang="fr-BE" dirty="0"/>
+          </a:p>
+        </p:txBody>
+      </p:sp>
     </p:spTree>
     <p:extLst>
       <p:ext uri="{BB962C8B-B14F-4D97-AF65-F5344CB8AC3E}">
@@ -12358,6 +12307,13 @@
       </p:transition>
     </mc:Fallback>
   </mc:AlternateContent>
+  <p:timing>
+    <p:tnLst>
+      <p:par>
+        <p:cTn id="1" dur="indefinite" restart="never" nodeType="tmRoot"/>
+      </p:par>
+    </p:tnLst>
+  </p:timing>
 </p:sld>
 </file>
 
@@ -12397,7 +12353,7 @@
               <a:rPr lang="fr-BE" sz="6000" b="1" dirty="0">
                 <a:latin typeface="Franklin Gothic Medium Cond" panose="020B0606030402020204" pitchFamily="34" charset="0"/>
               </a:rPr>
-              <a:t>Problème de la langue</a:t>
+              <a:t>Description du métier</a:t>
             </a:r>
           </a:p>
         </p:txBody>
@@ -12425,38 +12381,63 @@
           <a:lstStyle/>
           <a:p>
             <a:r>
-              <a:rPr lang="fr-BE" sz="3200" b="1" dirty="0">
+              <a:rPr lang="fr-BE" sz="3000" b="1" dirty="0">
                 <a:latin typeface="Franklin Gothic Medium Cond" panose="020B0606030402020204" pitchFamily="34" charset="0"/>
               </a:rPr>
-              <a:t>Demande de s’adapter</a:t>
-            </a:r>
-          </a:p>
-          <a:p>
-            <a:r>
-              <a:rPr lang="fr-BE" sz="3200" b="1" dirty="0">
+              <a:t>Prise de contact avec l’extérieur</a:t>
+            </a:r>
+          </a:p>
+          <a:p>
+            <a:pPr lvl="1"/>
+            <a:r>
+              <a:rPr lang="fr-BE" sz="2800" b="1" dirty="0">
                 <a:latin typeface="Franklin Gothic Medium Cond" panose="020B0606030402020204" pitchFamily="34" charset="0"/>
               </a:rPr>
-              <a:t>Problématique au début</a:t>
-            </a:r>
-          </a:p>
-          <a:p>
-            <a:r>
-              <a:rPr lang="fr-BE" sz="3200" b="1" dirty="0">
+              <a:t>Parents</a:t>
+            </a:r>
+          </a:p>
+          <a:p>
+            <a:pPr lvl="1"/>
+            <a:r>
+              <a:rPr lang="fr-BE" sz="2800" b="1" dirty="0">
                 <a:latin typeface="Franklin Gothic Medium Cond" panose="020B0606030402020204" pitchFamily="34" charset="0"/>
               </a:rPr>
-              <a:t>Aide à disposition</a:t>
-            </a:r>
-          </a:p>
-          <a:p>
-            <a:r>
-              <a:rPr lang="fr-BE" sz="3200" b="1" dirty="0">
+              <a:t>Fournisseurs</a:t>
+            </a:r>
+          </a:p>
+          <a:p>
+            <a:pPr lvl="1"/>
+            <a:r>
+              <a:rPr lang="fr-BE" sz="2800" b="1" dirty="0">
                 <a:latin typeface="Franklin Gothic Medium Cond" panose="020B0606030402020204" pitchFamily="34" charset="0"/>
               </a:rPr>
-              <a:t>Débrouillardise</a:t>
-            </a:r>
-          </a:p>
-          <a:p>
+              <a:t>Réception et transfert des messages</a:t>
+            </a:r>
+          </a:p>
+          <a:p>
+            <a:pPr lvl="1"/>
+            <a:r>
+              <a:rPr lang="fr-BE" sz="2800" b="1" dirty="0">
+                <a:latin typeface="Franklin Gothic Medium Cond" panose="020B0606030402020204" pitchFamily="34" charset="0"/>
+              </a:rPr>
+              <a:t>Par téléphone</a:t>
+            </a:r>
+          </a:p>
+          <a:p>
+            <a:pPr lvl="1"/>
             <a:endParaRPr lang="fr-BE" sz="3200" b="1" dirty="0">
+              <a:latin typeface="Franklin Gothic Medium Cond" panose="020B0606030402020204" pitchFamily="34" charset="0"/>
+            </a:endParaRPr>
+          </a:p>
+          <a:p>
+            <a:pPr lvl="1"/>
+            <a:endParaRPr lang="fr-BE" sz="3000" b="1" dirty="0">
+              <a:latin typeface="Franklin Gothic Medium Cond" panose="020B0606030402020204" pitchFamily="34" charset="0"/>
+            </a:endParaRPr>
+          </a:p>
+          <a:p>
+            <a:pPr lvl="1"/>
+            <a:endParaRPr lang="fr-BE" sz="3000" b="1" dirty="0">
               <a:latin typeface="Franklin Gothic Medium Cond" panose="020B0606030402020204" pitchFamily="34" charset="0"/>
             </a:endParaRPr>
           </a:p>
@@ -12572,10 +12553,84 @@
           </a:prstGeom>
         </p:spPr>
       </p:pic>
+      <p:sp>
+        <p:nvSpPr>
+          <p:cNvPr id="7" name="Right Arrow 2"/>
+          <p:cNvSpPr/>
+          <p:nvPr/>
+        </p:nvSpPr>
+        <p:spPr>
+          <a:xfrm>
+            <a:off x="492933" y="5149717"/>
+            <a:ext cx="734786" cy="734786"/>
+          </a:xfrm>
+          <a:prstGeom prst="rightArrow">
+            <a:avLst/>
+          </a:prstGeom>
+        </p:spPr>
+        <p:style>
+          <a:lnRef idx="1">
+            <a:schemeClr val="accent1"/>
+          </a:lnRef>
+          <a:fillRef idx="3">
+            <a:schemeClr val="accent1"/>
+          </a:fillRef>
+          <a:effectRef idx="2">
+            <a:schemeClr val="accent1"/>
+          </a:effectRef>
+          <a:fontRef idx="minor">
+            <a:schemeClr val="lt1"/>
+          </a:fontRef>
+        </p:style>
+        <p:txBody>
+          <a:bodyPr rtlCol="0" anchor="ctr"/>
+          <a:lstStyle/>
+          <a:p>
+            <a:pPr algn="ctr"/>
+            <a:endParaRPr lang="fr-BE"/>
+          </a:p>
+        </p:txBody>
+      </p:sp>
+      <p:sp>
+        <p:nvSpPr>
+          <p:cNvPr id="9" name="TextBox 6"/>
+          <p:cNvSpPr txBox="1"/>
+          <p:nvPr/>
+        </p:nvSpPr>
+        <p:spPr>
+          <a:xfrm>
+            <a:off x="1335734" y="5207357"/>
+            <a:ext cx="8540086" cy="861774"/>
+          </a:xfrm>
+          <a:prstGeom prst="rect">
+            <a:avLst/>
+          </a:prstGeom>
+          <a:noFill/>
+        </p:spPr>
+        <p:txBody>
+          <a:bodyPr wrap="square" rtlCol="0">
+            <a:spAutoFit/>
+          </a:bodyPr>
+          <a:lstStyle/>
+          <a:p>
+            <a:r>
+              <a:rPr lang="fr-BE" sz="3200" b="1" dirty="0">
+                <a:latin typeface="Franklin Gothic Medium Cond" panose="020B0606030402020204" pitchFamily="34" charset="0"/>
+                <a:ea typeface="+mj-ea"/>
+                <a:cs typeface="+mj-cs"/>
+              </a:rPr>
+              <a:t>Administration de l’école</a:t>
+            </a:r>
+          </a:p>
+          <a:p>
+            <a:endParaRPr lang="fr-BE" dirty="0"/>
+          </a:p>
+        </p:txBody>
+      </p:sp>
     </p:spTree>
     <p:extLst>
       <p:ext uri="{BB962C8B-B14F-4D97-AF65-F5344CB8AC3E}">
-        <p14:creationId xmlns:p14="http://schemas.microsoft.com/office/powerpoint/2010/main" val="2377760540"/>
+        <p14:creationId xmlns:p14="http://schemas.microsoft.com/office/powerpoint/2010/main" val="1221321003"/>
       </p:ext>
     </p:extLst>
   </p:cSld>
@@ -12583,7 +12638,7 @@
     <a:masterClrMapping/>
   </p:clrMapOvr>
   <mc:AlternateContent xmlns:mc="http://schemas.openxmlformats.org/markup-compatibility/2006">
-    <mc:Choice xmlns:p159="http://schemas.microsoft.com/office/powerpoint/2015/09/main" Requires="p159">
+    <mc:Choice xmlns:p159="http://schemas.microsoft.com/office/powerpoint/2015/09/main" xmlns="" Requires="p159">
       <p:transition xmlns:p14="http://schemas.microsoft.com/office/powerpoint/2010/main" spd="slow" p14:dur="2000">
         <p159:morph option="byObject"/>
       </p:transition>
@@ -12594,6 +12649,220 @@
       </p:transition>
     </mc:Fallback>
   </mc:AlternateContent>
+  <p:timing>
+    <p:tnLst>
+      <p:par>
+        <p:cTn id="1" dur="indefinite" restart="never" nodeType="tmRoot">
+          <p:childTnLst>
+            <p:seq concurrent="1" nextAc="seek">
+              <p:cTn id="2" dur="indefinite" nodeType="mainSeq">
+                <p:childTnLst>
+                  <p:par>
+                    <p:cTn id="3" fill="hold">
+                      <p:stCondLst>
+                        <p:cond delay="indefinite"/>
+                      </p:stCondLst>
+                      <p:childTnLst>
+                        <p:par>
+                          <p:cTn id="4" fill="hold">
+                            <p:stCondLst>
+                              <p:cond delay="0"/>
+                            </p:stCondLst>
+                            <p:childTnLst>
+                              <p:par>
+                                <p:cTn id="5" presetID="42" presetClass="entr" presetSubtype="0" fill="hold" grpId="0" nodeType="clickEffect">
+                                  <p:stCondLst>
+                                    <p:cond delay="0"/>
+                                  </p:stCondLst>
+                                  <p:childTnLst>
+                                    <p:set>
+                                      <p:cBhvr>
+                                        <p:cTn id="6" dur="1" fill="hold">
+                                          <p:stCondLst>
+                                            <p:cond delay="0"/>
+                                          </p:stCondLst>
+                                        </p:cTn>
+                                        <p:tgtEl>
+                                          <p:spTgt spid="7"/>
+                                        </p:tgtEl>
+                                        <p:attrNameLst>
+                                          <p:attrName>style.visibility</p:attrName>
+                                        </p:attrNameLst>
+                                      </p:cBhvr>
+                                      <p:to>
+                                        <p:strVal val="visible"/>
+                                      </p:to>
+                                    </p:set>
+                                    <p:animEffect transition="in" filter="fade">
+                                      <p:cBhvr>
+                                        <p:cTn id="7" dur="1000"/>
+                                        <p:tgtEl>
+                                          <p:spTgt spid="7"/>
+                                        </p:tgtEl>
+                                      </p:cBhvr>
+                                    </p:animEffect>
+                                    <p:anim calcmode="lin" valueType="num">
+                                      <p:cBhvr>
+                                        <p:cTn id="8" dur="1000" fill="hold"/>
+                                        <p:tgtEl>
+                                          <p:spTgt spid="7"/>
+                                        </p:tgtEl>
+                                        <p:attrNameLst>
+                                          <p:attrName>ppt_x</p:attrName>
+                                        </p:attrNameLst>
+                                      </p:cBhvr>
+                                      <p:tavLst>
+                                        <p:tav tm="0">
+                                          <p:val>
+                                            <p:strVal val="#ppt_x"/>
+                                          </p:val>
+                                        </p:tav>
+                                        <p:tav tm="100000">
+                                          <p:val>
+                                            <p:strVal val="#ppt_x"/>
+                                          </p:val>
+                                        </p:tav>
+                                      </p:tavLst>
+                                    </p:anim>
+                                    <p:anim calcmode="lin" valueType="num">
+                                      <p:cBhvr>
+                                        <p:cTn id="9" dur="1000" fill="hold"/>
+                                        <p:tgtEl>
+                                          <p:spTgt spid="7"/>
+                                        </p:tgtEl>
+                                        <p:attrNameLst>
+                                          <p:attrName>ppt_y</p:attrName>
+                                        </p:attrNameLst>
+                                      </p:cBhvr>
+                                      <p:tavLst>
+                                        <p:tav tm="0">
+                                          <p:val>
+                                            <p:strVal val="#ppt_y+.1"/>
+                                          </p:val>
+                                        </p:tav>
+                                        <p:tav tm="100000">
+                                          <p:val>
+                                            <p:strVal val="#ppt_y"/>
+                                          </p:val>
+                                        </p:tav>
+                                      </p:tavLst>
+                                    </p:anim>
+                                  </p:childTnLst>
+                                </p:cTn>
+                              </p:par>
+                              <p:par>
+                                <p:cTn id="10" presetID="42" presetClass="entr" presetSubtype="0" fill="hold" grpId="0" nodeType="withEffect">
+                                  <p:stCondLst>
+                                    <p:cond delay="0"/>
+                                  </p:stCondLst>
+                                  <p:childTnLst>
+                                    <p:set>
+                                      <p:cBhvr>
+                                        <p:cTn id="11" dur="1" fill="hold">
+                                          <p:stCondLst>
+                                            <p:cond delay="0"/>
+                                          </p:stCondLst>
+                                        </p:cTn>
+                                        <p:tgtEl>
+                                          <p:spTgt spid="9"/>
+                                        </p:tgtEl>
+                                        <p:attrNameLst>
+                                          <p:attrName>style.visibility</p:attrName>
+                                        </p:attrNameLst>
+                                      </p:cBhvr>
+                                      <p:to>
+                                        <p:strVal val="visible"/>
+                                      </p:to>
+                                    </p:set>
+                                    <p:animEffect transition="in" filter="fade">
+                                      <p:cBhvr>
+                                        <p:cTn id="12" dur="1000"/>
+                                        <p:tgtEl>
+                                          <p:spTgt spid="9"/>
+                                        </p:tgtEl>
+                                      </p:cBhvr>
+                                    </p:animEffect>
+                                    <p:anim calcmode="lin" valueType="num">
+                                      <p:cBhvr>
+                                        <p:cTn id="13" dur="1000" fill="hold"/>
+                                        <p:tgtEl>
+                                          <p:spTgt spid="9"/>
+                                        </p:tgtEl>
+                                        <p:attrNameLst>
+                                          <p:attrName>ppt_x</p:attrName>
+                                        </p:attrNameLst>
+                                      </p:cBhvr>
+                                      <p:tavLst>
+                                        <p:tav tm="0">
+                                          <p:val>
+                                            <p:strVal val="#ppt_x"/>
+                                          </p:val>
+                                        </p:tav>
+                                        <p:tav tm="100000">
+                                          <p:val>
+                                            <p:strVal val="#ppt_x"/>
+                                          </p:val>
+                                        </p:tav>
+                                      </p:tavLst>
+                                    </p:anim>
+                                    <p:anim calcmode="lin" valueType="num">
+                                      <p:cBhvr>
+                                        <p:cTn id="14" dur="1000" fill="hold"/>
+                                        <p:tgtEl>
+                                          <p:spTgt spid="9"/>
+                                        </p:tgtEl>
+                                        <p:attrNameLst>
+                                          <p:attrName>ppt_y</p:attrName>
+                                        </p:attrNameLst>
+                                      </p:cBhvr>
+                                      <p:tavLst>
+                                        <p:tav tm="0">
+                                          <p:val>
+                                            <p:strVal val="#ppt_y+.1"/>
+                                          </p:val>
+                                        </p:tav>
+                                        <p:tav tm="100000">
+                                          <p:val>
+                                            <p:strVal val="#ppt_y"/>
+                                          </p:val>
+                                        </p:tav>
+                                      </p:tavLst>
+                                    </p:anim>
+                                  </p:childTnLst>
+                                </p:cTn>
+                              </p:par>
+                            </p:childTnLst>
+                          </p:cTn>
+                        </p:par>
+                      </p:childTnLst>
+                    </p:cTn>
+                  </p:par>
+                </p:childTnLst>
+              </p:cTn>
+              <p:prevCondLst>
+                <p:cond evt="onPrev" delay="0">
+                  <p:tgtEl>
+                    <p:sldTgt/>
+                  </p:tgtEl>
+                </p:cond>
+              </p:prevCondLst>
+              <p:nextCondLst>
+                <p:cond evt="onNext" delay="0">
+                  <p:tgtEl>
+                    <p:sldTgt/>
+                  </p:tgtEl>
+                </p:cond>
+              </p:nextCondLst>
+            </p:seq>
+          </p:childTnLst>
+        </p:cTn>
+      </p:par>
+    </p:tnLst>
+    <p:bldLst>
+      <p:bldP spid="7" grpId="0" animBg="1"/>
+      <p:bldP spid="9" grpId="0"/>
+    </p:bldLst>
+  </p:timing>
 </p:sld>
 </file>
 
@@ -12633,120 +12902,36 @@
               <a:rPr lang="fr-BE" sz="6000" b="1" dirty="0">
                 <a:latin typeface="Franklin Gothic Medium Cond" panose="020B0606030402020204" pitchFamily="34" charset="0"/>
               </a:rPr>
-              <a:t>Description du métier</a:t>
+              <a:t>Sauvegarde des données</a:t>
             </a:r>
           </a:p>
         </p:txBody>
       </p:sp>
-      <p:sp>
-        <p:nvSpPr>
-          <p:cNvPr id="3" name="Espace réservé du contenu 2"/>
-          <p:cNvSpPr>
-            <a:spLocks noGrp="1"/>
-          </p:cNvSpPr>
+      <p:graphicFrame>
+        <p:nvGraphicFramePr>
+          <p:cNvPr id="9" name="Diagramme 7"/>
+          <p:cNvGraphicFramePr>
+            <a:graphicFrameLocks noGrp="1"/>
+          </p:cNvGraphicFramePr>
           <p:nvPr>
             <p:ph idx="1"/>
+            <p:extLst>
+              <p:ext uri="{D42A27DB-BD31-4B8C-83A1-F6EECF244321}">
+                <p14:modId xmlns:p14="http://schemas.microsoft.com/office/powerpoint/2010/main" val="2661300446"/>
+              </p:ext>
+            </p:extLst>
           </p:nvPr>
-        </p:nvSpPr>
-        <p:spPr>
-          <a:xfrm>
-            <a:off x="646111" y="1944874"/>
-            <a:ext cx="8946541" cy="4395151"/>
-          </a:xfrm>
-        </p:spPr>
-        <p:txBody>
-          <a:bodyPr>
-            <a:normAutofit/>
-          </a:bodyPr>
-          <a:lstStyle/>
-          <a:p>
-            <a:r>
-              <a:rPr lang="fr-BE" sz="3200" b="1" dirty="0">
-                <a:latin typeface="Franklin Gothic Medium Cond" panose="020B0606030402020204" pitchFamily="34" charset="0"/>
-              </a:rPr>
-              <a:t>Pilier de l’école</a:t>
-            </a:r>
-          </a:p>
-          <a:p>
-            <a:pPr lvl="1"/>
-            <a:r>
-              <a:rPr lang="fr-BE" sz="3000" b="1" dirty="0">
-                <a:latin typeface="Franklin Gothic Medium Cond" panose="020B0606030402020204" pitchFamily="34" charset="0"/>
-              </a:rPr>
-              <a:t>Polyvalence</a:t>
-            </a:r>
-          </a:p>
-          <a:p>
-            <a:pPr lvl="1"/>
-            <a:r>
-              <a:rPr lang="fr-BE" sz="3000" b="1" dirty="0">
-                <a:latin typeface="Franklin Gothic Medium Cond" panose="020B0606030402020204" pitchFamily="34" charset="0"/>
-              </a:rPr>
-              <a:t>Joignable à tout moment</a:t>
-            </a:r>
-          </a:p>
-          <a:p>
-            <a:r>
-              <a:rPr lang="fr-BE" sz="3000" b="1" dirty="0">
-                <a:latin typeface="Franklin Gothic Medium Cond" panose="020B0606030402020204" pitchFamily="34" charset="0"/>
-              </a:rPr>
-              <a:t>Premiers secours</a:t>
-            </a:r>
-          </a:p>
-          <a:p>
-            <a:r>
-              <a:rPr lang="fr-BE" sz="3000" b="1" dirty="0">
-                <a:latin typeface="Franklin Gothic Medium Cond" panose="020B0606030402020204" pitchFamily="34" charset="0"/>
-              </a:rPr>
-              <a:t>Dimension plus sociable</a:t>
-            </a:r>
-          </a:p>
-          <a:p>
-            <a:pPr lvl="1"/>
-            <a:r>
-              <a:rPr lang="fr-BE" sz="2800" b="1" dirty="0">
-                <a:latin typeface="Franklin Gothic Medium Cond" panose="020B0606030402020204" pitchFamily="34" charset="0"/>
-              </a:rPr>
-              <a:t>Informations par voie orale</a:t>
-            </a:r>
-          </a:p>
-          <a:p>
-            <a:pPr lvl="1"/>
-            <a:r>
-              <a:rPr lang="fr-BE" sz="2800" b="1" dirty="0">
-                <a:latin typeface="Franklin Gothic Medium Cond" panose="020B0606030402020204" pitchFamily="34" charset="0"/>
-              </a:rPr>
-              <a:t>La société = une équipe</a:t>
-            </a:r>
-            <a:endParaRPr lang="fr-BE" sz="3000" b="1" dirty="0">
-              <a:latin typeface="Franklin Gothic Medium Cond" panose="020B0606030402020204" pitchFamily="34" charset="0"/>
-            </a:endParaRPr>
-          </a:p>
-          <a:p>
-            <a:pPr lvl="1"/>
-            <a:endParaRPr lang="fr-BE" sz="3200" b="1" dirty="0">
-              <a:latin typeface="Franklin Gothic Medium Cond" panose="020B0606030402020204" pitchFamily="34" charset="0"/>
-            </a:endParaRPr>
-          </a:p>
-          <a:p>
-            <a:pPr lvl="1"/>
-            <a:endParaRPr lang="fr-BE" sz="3000" b="1" dirty="0">
-              <a:latin typeface="Franklin Gothic Medium Cond" panose="020B0606030402020204" pitchFamily="34" charset="0"/>
-            </a:endParaRPr>
-          </a:p>
-          <a:p>
-            <a:pPr lvl="1"/>
-            <a:endParaRPr lang="fr-BE" sz="3000" b="1" dirty="0">
-              <a:latin typeface="Franklin Gothic Medium Cond" panose="020B0606030402020204" pitchFamily="34" charset="0"/>
-            </a:endParaRPr>
-          </a:p>
-          <a:p>
-            <a:endParaRPr lang="fr-BE" sz="3200" b="1" dirty="0">
-              <a:latin typeface="Franklin Gothic Medium Cond" panose="020B0606030402020204" pitchFamily="34" charset="0"/>
-            </a:endParaRPr>
-          </a:p>
-        </p:txBody>
-      </p:sp>
+        </p:nvGraphicFramePr>
+        <p:xfrm>
+          <a:off x="442376" y="2052282"/>
+          <a:ext cx="11118252" cy="4395787"/>
+        </p:xfrm>
+        <a:graphic>
+          <a:graphicData uri="http://schemas.openxmlformats.org/drawingml/2006/diagram">
+            <dgm:relIds xmlns:dgm="http://schemas.openxmlformats.org/drawingml/2006/diagram" xmlns:r="http://schemas.openxmlformats.org/officeDocument/2006/relationships" r:dm="rId2" r:lo="rId3" r:qs="rId4" r:cs="rId5"/>
+          </a:graphicData>
+        </a:graphic>
+      </p:graphicFrame>
       <p:sp>
         <p:nvSpPr>
           <p:cNvPr id="4" name="Espace réservé du pied de page 3"/>
@@ -12801,11 +12986,11 @@
           <p:nvPr/>
         </p:nvPicPr>
         <p:blipFill>
-          <a:blip r:embed="rId2">
+          <a:blip r:embed="rId7">
             <a:extLst>
               <a:ext uri="{BEBA8EAE-BF5A-486C-A8C5-ECC9F3942E4B}">
                 <a14:imgProps xmlns:a14="http://schemas.microsoft.com/office/drawing/2010/main">
-                  <a14:imgLayer r:embed="rId3">
+                  <a14:imgLayer r:embed="rId8">
                     <a14:imgEffect>
                       <a14:backgroundRemoval t="0" b="100000" l="0" r="100000">
                         <a14:foregroundMark x1="9600" y1="64000" x2="12400" y2="64800"/>
@@ -12852,471 +13037,6 @@
           </a:prstGeom>
         </p:spPr>
       </p:pic>
-    </p:spTree>
-    <p:extLst>
-      <p:ext uri="{BB962C8B-B14F-4D97-AF65-F5344CB8AC3E}">
-        <p14:creationId xmlns:p14="http://schemas.microsoft.com/office/powerpoint/2010/main" val="2324087877"/>
-      </p:ext>
-    </p:extLst>
-  </p:cSld>
-  <p:clrMapOvr>
-    <a:masterClrMapping/>
-  </p:clrMapOvr>
-  <mc:AlternateContent xmlns:mc="http://schemas.openxmlformats.org/markup-compatibility/2006">
-    <mc:Choice xmlns:p159="http://schemas.microsoft.com/office/powerpoint/2015/09/main" Requires="p159">
-      <p:transition xmlns:p14="http://schemas.microsoft.com/office/powerpoint/2010/main" spd="slow" p14:dur="2000">
-        <p159:morph option="byObject"/>
-      </p:transition>
-    </mc:Choice>
-    <mc:Fallback>
-      <p:transition spd="slow">
-        <p:fade/>
-      </p:transition>
-    </mc:Fallback>
-  </mc:AlternateContent>
-</p:sld>
-</file>
-
-<file path=ppt/slides/slide12.xml><?xml version="1.0" encoding="utf-8"?>
-<p:sld xmlns:a="http://schemas.openxmlformats.org/drawingml/2006/main" xmlns:r="http://schemas.openxmlformats.org/officeDocument/2006/relationships" xmlns:p="http://schemas.openxmlformats.org/presentationml/2006/main">
-  <p:cSld>
-    <p:spTree>
-      <p:nvGrpSpPr>
-        <p:cNvPr id="1" name=""/>
-        <p:cNvGrpSpPr/>
-        <p:nvPr/>
-      </p:nvGrpSpPr>
-      <p:grpSpPr>
-        <a:xfrm>
-          <a:off x="0" y="0"/>
-          <a:ext cx="0" cy="0"/>
-          <a:chOff x="0" y="0"/>
-          <a:chExt cx="0" cy="0"/>
-        </a:xfrm>
-      </p:grpSpPr>
-      <p:sp>
-        <p:nvSpPr>
-          <p:cNvPr id="2" name="Titre 1"/>
-          <p:cNvSpPr>
-            <a:spLocks noGrp="1"/>
-          </p:cNvSpPr>
-          <p:nvPr>
-            <p:ph type="title"/>
-          </p:nvPr>
-        </p:nvSpPr>
-        <p:spPr/>
-        <p:txBody>
-          <a:bodyPr/>
-          <a:lstStyle/>
-          <a:p>
-            <a:r>
-              <a:rPr lang="fr-BE" sz="6000" b="1" dirty="0">
-                <a:latin typeface="Franklin Gothic Medium Cond" panose="020B0606030402020204" pitchFamily="34" charset="0"/>
-              </a:rPr>
-              <a:t>Description du métier</a:t>
-            </a:r>
-          </a:p>
-        </p:txBody>
-      </p:sp>
-      <p:sp>
-        <p:nvSpPr>
-          <p:cNvPr id="3" name="Espace réservé du contenu 2"/>
-          <p:cNvSpPr>
-            <a:spLocks noGrp="1"/>
-          </p:cNvSpPr>
-          <p:nvPr>
-            <p:ph idx="1"/>
-          </p:nvPr>
-        </p:nvSpPr>
-        <p:spPr>
-          <a:xfrm>
-            <a:off x="646111" y="1944874"/>
-            <a:ext cx="8946541" cy="4395151"/>
-          </a:xfrm>
-        </p:spPr>
-        <p:txBody>
-          <a:bodyPr>
-            <a:normAutofit/>
-          </a:bodyPr>
-          <a:lstStyle/>
-          <a:p>
-            <a:r>
-              <a:rPr lang="fr-BE" sz="3000" b="1" dirty="0">
-                <a:latin typeface="Franklin Gothic Medium Cond" panose="020B0606030402020204" pitchFamily="34" charset="0"/>
-              </a:rPr>
-              <a:t>Prise de contact avec l’extérieur</a:t>
-            </a:r>
-          </a:p>
-          <a:p>
-            <a:pPr lvl="1"/>
-            <a:r>
-              <a:rPr lang="fr-BE" sz="2400" b="1" dirty="0">
-                <a:latin typeface="Franklin Gothic Medium Cond" panose="020B0606030402020204" pitchFamily="34" charset="0"/>
-              </a:rPr>
-              <a:t>Parents</a:t>
-            </a:r>
-          </a:p>
-          <a:p>
-            <a:pPr lvl="1"/>
-            <a:r>
-              <a:rPr lang="fr-BE" sz="2400" b="1" dirty="0">
-                <a:latin typeface="Franklin Gothic Medium Cond" panose="020B0606030402020204" pitchFamily="34" charset="0"/>
-              </a:rPr>
-              <a:t>Fournisseurs</a:t>
-            </a:r>
-          </a:p>
-          <a:p>
-            <a:pPr lvl="1"/>
-            <a:r>
-              <a:rPr lang="fr-BE" sz="2800" b="1" dirty="0">
-                <a:latin typeface="Franklin Gothic Medium Cond" panose="020B0606030402020204" pitchFamily="34" charset="0"/>
-              </a:rPr>
-              <a:t>Réception et transfert des messages</a:t>
-            </a:r>
-          </a:p>
-          <a:p>
-            <a:pPr lvl="1"/>
-            <a:r>
-              <a:rPr lang="fr-BE" sz="2800" b="1" dirty="0">
-                <a:latin typeface="Franklin Gothic Medium Cond" panose="020B0606030402020204" pitchFamily="34" charset="0"/>
-              </a:rPr>
-              <a:t>Par téléphone</a:t>
-            </a:r>
-          </a:p>
-          <a:p>
-            <a:r>
-              <a:rPr lang="fr-BE" sz="3000" b="1" dirty="0">
-                <a:latin typeface="Franklin Gothic Medium Cond" panose="020B0606030402020204" pitchFamily="34" charset="0"/>
-              </a:rPr>
-              <a:t>Administration de l’école</a:t>
-            </a:r>
-          </a:p>
-          <a:p>
-            <a:pPr lvl="1"/>
-            <a:endParaRPr lang="fr-BE" sz="3200" b="1" dirty="0">
-              <a:latin typeface="Franklin Gothic Medium Cond" panose="020B0606030402020204" pitchFamily="34" charset="0"/>
-            </a:endParaRPr>
-          </a:p>
-          <a:p>
-            <a:pPr lvl="1"/>
-            <a:endParaRPr lang="fr-BE" sz="3000" b="1" dirty="0">
-              <a:latin typeface="Franklin Gothic Medium Cond" panose="020B0606030402020204" pitchFamily="34" charset="0"/>
-            </a:endParaRPr>
-          </a:p>
-          <a:p>
-            <a:pPr lvl="1"/>
-            <a:endParaRPr lang="fr-BE" sz="3000" b="1" dirty="0">
-              <a:latin typeface="Franklin Gothic Medium Cond" panose="020B0606030402020204" pitchFamily="34" charset="0"/>
-            </a:endParaRPr>
-          </a:p>
-          <a:p>
-            <a:endParaRPr lang="fr-BE" sz="3200" b="1" dirty="0">
-              <a:latin typeface="Franklin Gothic Medium Cond" panose="020B0606030402020204" pitchFamily="34" charset="0"/>
-            </a:endParaRPr>
-          </a:p>
-        </p:txBody>
-      </p:sp>
-      <p:sp>
-        <p:nvSpPr>
-          <p:cNvPr id="4" name="Espace réservé du pied de page 3"/>
-          <p:cNvSpPr>
-            <a:spLocks noGrp="1"/>
-          </p:cNvSpPr>
-          <p:nvPr>
-            <p:ph type="ftr" sz="quarter" idx="11"/>
-          </p:nvPr>
-        </p:nvSpPr>
-        <p:spPr/>
-        <p:txBody>
-          <a:bodyPr/>
-          <a:lstStyle/>
-          <a:p>
-            <a:r>
-              <a:rPr lang="fr-BE" dirty="0"/>
-              <a:t>Sacré Christopher</a:t>
-            </a:r>
-          </a:p>
-        </p:txBody>
-      </p:sp>
-      <p:sp>
-        <p:nvSpPr>
-          <p:cNvPr id="5" name="Espace réservé du numéro de diapositive 4"/>
-          <p:cNvSpPr>
-            <a:spLocks noGrp="1"/>
-          </p:cNvSpPr>
-          <p:nvPr>
-            <p:ph type="sldNum" sz="quarter" idx="12"/>
-          </p:nvPr>
-        </p:nvSpPr>
-        <p:spPr/>
-        <p:txBody>
-          <a:bodyPr/>
-          <a:lstStyle/>
-          <a:p>
-            <a:fld id="{5C4E3881-3D96-471D-AC8D-00C031DC841B}" type="slidenum">
-              <a:rPr lang="fr-BE" smtClean="0"/>
-              <a:t>12</a:t>
-            </a:fld>
-            <a:endParaRPr lang="fr-BE" dirty="0"/>
-          </a:p>
-        </p:txBody>
-      </p:sp>
-      <p:pic>
-        <p:nvPicPr>
-          <p:cNvPr id="8" name="Picture 7"/>
-          <p:cNvPicPr>
-            <a:picLocks noChangeAspect="1"/>
-          </p:cNvPicPr>
-          <p:nvPr/>
-        </p:nvPicPr>
-        <p:blipFill>
-          <a:blip r:embed="rId2">
-            <a:extLst>
-              <a:ext uri="{BEBA8EAE-BF5A-486C-A8C5-ECC9F3942E4B}">
-                <a14:imgProps xmlns:a14="http://schemas.microsoft.com/office/drawing/2010/main">
-                  <a14:imgLayer r:embed="rId3">
-                    <a14:imgEffect>
-                      <a14:backgroundRemoval t="0" b="100000" l="0" r="100000">
-                        <a14:foregroundMark x1="9600" y1="64000" x2="12400" y2="64800"/>
-                        <a14:foregroundMark x1="9600" y1="48000" x2="8800" y2="46000"/>
-                        <a14:foregroundMark x1="9600" y1="8400" x2="9600" y2="8000"/>
-                        <a14:foregroundMark x1="53200" y1="24000" x2="61200" y2="50400"/>
-                        <a14:foregroundMark x1="58000" y1="17600" x2="94000" y2="68400"/>
-                        <a14:foregroundMark x1="87600" y1="2800" x2="91600" y2="9200"/>
-                        <a14:foregroundMark x1="93600" y1="7200" x2="90800" y2="23600"/>
-                        <a14:foregroundMark x1="77200" y1="20000" x2="76800" y2="21600"/>
-                        <a14:foregroundMark x1="76800" y1="23600" x2="85200" y2="59600"/>
-                        <a14:foregroundMark x1="58000" y1="52800" x2="69600" y2="82400"/>
-                        <a14:foregroundMark x1="76800" y1="61200" x2="71200" y2="80000"/>
-                        <a14:foregroundMark x1="51200" y1="31600" x2="55600" y2="53600"/>
-                        <a14:foregroundMark x1="55600" y1="70400" x2="60400" y2="91200"/>
-                        <a14:foregroundMark x1="63600" y1="88800" x2="93200" y2="90000"/>
-                        <a14:foregroundMark x1="92000" y1="55200" x2="90000" y2="30000"/>
-                        <a14:foregroundMark x1="72400" y1="41600" x2="82800" y2="60800"/>
-                        <a14:foregroundMark x1="83600" y1="40800" x2="67600" y2="60800"/>
-                        <a14:foregroundMark x1="65200" y1="44000" x2="97600" y2="61600"/>
-                        <a14:foregroundMark x1="89600" y1="43200" x2="72800" y2="69200"/>
-                        <a14:foregroundMark x1="71200" y1="62000" x2="87600" y2="91200"/>
-                      </a14:backgroundRemoval>
-                    </a14:imgEffect>
-                  </a14:imgLayer>
-                </a14:imgProps>
-              </a:ext>
-              <a:ext uri="{28A0092B-C50C-407E-A947-70E740481C1C}">
-                <a14:useLocalDpi xmlns:a14="http://schemas.microsoft.com/office/drawing/2010/main" val="0"/>
-              </a:ext>
-            </a:extLst>
-          </a:blip>
-          <a:stretch>
-            <a:fillRect/>
-          </a:stretch>
-        </p:blipFill>
-        <p:spPr>
-          <a:xfrm>
-            <a:off x="10352539" y="5239240"/>
-            <a:ext cx="1618759" cy="1618759"/>
-          </a:xfrm>
-          <a:prstGeom prst="rect">
-            <a:avLst/>
-          </a:prstGeom>
-        </p:spPr>
-      </p:pic>
-    </p:spTree>
-    <p:extLst>
-      <p:ext uri="{BB962C8B-B14F-4D97-AF65-F5344CB8AC3E}">
-        <p14:creationId xmlns:p14="http://schemas.microsoft.com/office/powerpoint/2010/main" val="1221321003"/>
-      </p:ext>
-    </p:extLst>
-  </p:cSld>
-  <p:clrMapOvr>
-    <a:masterClrMapping/>
-  </p:clrMapOvr>
-  <mc:AlternateContent xmlns:mc="http://schemas.openxmlformats.org/markup-compatibility/2006">
-    <mc:Choice xmlns:p159="http://schemas.microsoft.com/office/powerpoint/2015/09/main" Requires="p159">
-      <p:transition xmlns:p14="http://schemas.microsoft.com/office/powerpoint/2010/main" spd="slow" p14:dur="2000">
-        <p159:morph option="byObject"/>
-      </p:transition>
-    </mc:Choice>
-    <mc:Fallback>
-      <p:transition spd="slow">
-        <p:fade/>
-      </p:transition>
-    </mc:Fallback>
-  </mc:AlternateContent>
-</p:sld>
-</file>
-
-<file path=ppt/slides/slide13.xml><?xml version="1.0" encoding="utf-8"?>
-<p:sld xmlns:a="http://schemas.openxmlformats.org/drawingml/2006/main" xmlns:r="http://schemas.openxmlformats.org/officeDocument/2006/relationships" xmlns:p="http://schemas.openxmlformats.org/presentationml/2006/main">
-  <p:cSld>
-    <p:spTree>
-      <p:nvGrpSpPr>
-        <p:cNvPr id="1" name=""/>
-        <p:cNvGrpSpPr/>
-        <p:nvPr/>
-      </p:nvGrpSpPr>
-      <p:grpSpPr>
-        <a:xfrm>
-          <a:off x="0" y="0"/>
-          <a:ext cx="0" cy="0"/>
-          <a:chOff x="0" y="0"/>
-          <a:chExt cx="0" cy="0"/>
-        </a:xfrm>
-      </p:grpSpPr>
-      <p:sp>
-        <p:nvSpPr>
-          <p:cNvPr id="2" name="Titre 1"/>
-          <p:cNvSpPr>
-            <a:spLocks noGrp="1"/>
-          </p:cNvSpPr>
-          <p:nvPr>
-            <p:ph type="title"/>
-          </p:nvPr>
-        </p:nvSpPr>
-        <p:spPr/>
-        <p:txBody>
-          <a:bodyPr/>
-          <a:lstStyle/>
-          <a:p>
-            <a:r>
-              <a:rPr lang="fr-BE" sz="6000" b="1" dirty="0">
-                <a:latin typeface="Franklin Gothic Medium Cond" panose="020B0606030402020204" pitchFamily="34" charset="0"/>
-              </a:rPr>
-              <a:t>Sauvegarde des données</a:t>
-            </a:r>
-          </a:p>
-        </p:txBody>
-      </p:sp>
-      <p:sp>
-        <p:nvSpPr>
-          <p:cNvPr id="4" name="Espace réservé du pied de page 3"/>
-          <p:cNvSpPr>
-            <a:spLocks noGrp="1"/>
-          </p:cNvSpPr>
-          <p:nvPr>
-            <p:ph type="ftr" sz="quarter" idx="11"/>
-          </p:nvPr>
-        </p:nvSpPr>
-        <p:spPr/>
-        <p:txBody>
-          <a:bodyPr/>
-          <a:lstStyle/>
-          <a:p>
-            <a:r>
-              <a:rPr lang="fr-BE" dirty="0"/>
-              <a:t>Sacré Christopher</a:t>
-            </a:r>
-          </a:p>
-        </p:txBody>
-      </p:sp>
-      <p:sp>
-        <p:nvSpPr>
-          <p:cNvPr id="5" name="Espace réservé du numéro de diapositive 4"/>
-          <p:cNvSpPr>
-            <a:spLocks noGrp="1"/>
-          </p:cNvSpPr>
-          <p:nvPr>
-            <p:ph type="sldNum" sz="quarter" idx="12"/>
-          </p:nvPr>
-        </p:nvSpPr>
-        <p:spPr/>
-        <p:txBody>
-          <a:bodyPr/>
-          <a:lstStyle/>
-          <a:p>
-            <a:fld id="{5C4E3881-3D96-471D-AC8D-00C031DC841B}" type="slidenum">
-              <a:rPr lang="fr-BE" smtClean="0"/>
-              <a:t>13</a:t>
-            </a:fld>
-            <a:endParaRPr lang="fr-BE" dirty="0"/>
-          </a:p>
-        </p:txBody>
-      </p:sp>
-      <p:pic>
-        <p:nvPicPr>
-          <p:cNvPr id="8" name="Picture 7"/>
-          <p:cNvPicPr>
-            <a:picLocks noChangeAspect="1"/>
-          </p:cNvPicPr>
-          <p:nvPr/>
-        </p:nvPicPr>
-        <p:blipFill>
-          <a:blip r:embed="rId2">
-            <a:extLst>
-              <a:ext uri="{BEBA8EAE-BF5A-486C-A8C5-ECC9F3942E4B}">
-                <a14:imgProps xmlns:a14="http://schemas.microsoft.com/office/drawing/2010/main">
-                  <a14:imgLayer r:embed="rId3">
-                    <a14:imgEffect>
-                      <a14:backgroundRemoval t="0" b="100000" l="0" r="100000">
-                        <a14:foregroundMark x1="9600" y1="64000" x2="12400" y2="64800"/>
-                        <a14:foregroundMark x1="9600" y1="48000" x2="8800" y2="46000"/>
-                        <a14:foregroundMark x1="9600" y1="8400" x2="9600" y2="8000"/>
-                        <a14:foregroundMark x1="53200" y1="24000" x2="61200" y2="50400"/>
-                        <a14:foregroundMark x1="58000" y1="17600" x2="94000" y2="68400"/>
-                        <a14:foregroundMark x1="87600" y1="2800" x2="91600" y2="9200"/>
-                        <a14:foregroundMark x1="93600" y1="7200" x2="90800" y2="23600"/>
-                        <a14:foregroundMark x1="77200" y1="20000" x2="76800" y2="21600"/>
-                        <a14:foregroundMark x1="76800" y1="23600" x2="85200" y2="59600"/>
-                        <a14:foregroundMark x1="58000" y1="52800" x2="69600" y2="82400"/>
-                        <a14:foregroundMark x1="76800" y1="61200" x2="71200" y2="80000"/>
-                        <a14:foregroundMark x1="51200" y1="31600" x2="55600" y2="53600"/>
-                        <a14:foregroundMark x1="55600" y1="70400" x2="60400" y2="91200"/>
-                        <a14:foregroundMark x1="63600" y1="88800" x2="93200" y2="90000"/>
-                        <a14:foregroundMark x1="92000" y1="55200" x2="90000" y2="30000"/>
-                        <a14:foregroundMark x1="72400" y1="41600" x2="82800" y2="60800"/>
-                        <a14:foregroundMark x1="83600" y1="40800" x2="67600" y2="60800"/>
-                        <a14:foregroundMark x1="65200" y1="44000" x2="97600" y2="61600"/>
-                        <a14:foregroundMark x1="89600" y1="43200" x2="72800" y2="69200"/>
-                        <a14:foregroundMark x1="71200" y1="62000" x2="87600" y2="91200"/>
-                      </a14:backgroundRemoval>
-                    </a14:imgEffect>
-                  </a14:imgLayer>
-                </a14:imgProps>
-              </a:ext>
-              <a:ext uri="{28A0092B-C50C-407E-A947-70E740481C1C}">
-                <a14:useLocalDpi xmlns:a14="http://schemas.microsoft.com/office/drawing/2010/main" val="0"/>
-              </a:ext>
-            </a:extLst>
-          </a:blip>
-          <a:stretch>
-            <a:fillRect/>
-          </a:stretch>
-        </p:blipFill>
-        <p:spPr>
-          <a:xfrm>
-            <a:off x="10352539" y="5239240"/>
-            <a:ext cx="1618759" cy="1618759"/>
-          </a:xfrm>
-          <a:prstGeom prst="rect">
-            <a:avLst/>
-          </a:prstGeom>
-        </p:spPr>
-      </p:pic>
-      <p:graphicFrame>
-        <p:nvGraphicFramePr>
-          <p:cNvPr id="9" name="Diagramme 7"/>
-          <p:cNvGraphicFramePr>
-            <a:graphicFrameLocks noGrp="1"/>
-          </p:cNvGraphicFramePr>
-          <p:nvPr>
-            <p:ph idx="1"/>
-            <p:extLst>
-              <p:ext uri="{D42A27DB-BD31-4B8C-83A1-F6EECF244321}">
-                <p14:modId xmlns:p14="http://schemas.microsoft.com/office/powerpoint/2010/main" val="2661300446"/>
-              </p:ext>
-            </p:extLst>
-          </p:nvPr>
-        </p:nvGraphicFramePr>
-        <p:xfrm>
-          <a:off x="442376" y="2052282"/>
-          <a:ext cx="11118252" cy="4395787"/>
-        </p:xfrm>
-        <a:graphic>
-          <a:graphicData uri="http://schemas.openxmlformats.org/drawingml/2006/diagram">
-            <dgm:relIds xmlns:dgm="http://schemas.openxmlformats.org/drawingml/2006/diagram" xmlns:r="http://schemas.openxmlformats.org/officeDocument/2006/relationships" r:dm="rId4" r:lo="rId5" r:qs="rId6" r:cs="rId7"/>
-          </a:graphicData>
-        </a:graphic>
-      </p:graphicFrame>
       <p:sp>
         <p:nvSpPr>
           <p:cNvPr id="7" name="TextBox 6"/>
@@ -13409,7 +13129,7 @@
     <a:masterClrMapping/>
   </p:clrMapOvr>
   <mc:AlternateContent xmlns:mc="http://schemas.openxmlformats.org/markup-compatibility/2006">
-    <mc:Choice xmlns:p159="http://schemas.microsoft.com/office/powerpoint/2015/09/main" Requires="p159">
+    <mc:Choice xmlns:p159="http://schemas.microsoft.com/office/powerpoint/2015/09/main" xmlns="" Requires="p159">
       <p:transition xmlns:p14="http://schemas.microsoft.com/office/powerpoint/2010/main" spd="slow" p14:dur="2000">
         <p159:morph option="byObject"/>
       </p:transition>
@@ -13544,33 +13264,15 @@
                                   </p:childTnLst>
                                 </p:cTn>
                               </p:par>
-                            </p:childTnLst>
-                          </p:cTn>
-                        </p:par>
-                      </p:childTnLst>
-                    </p:cTn>
-                  </p:par>
-                  <p:par>
-                    <p:cTn id="13" fill="hold">
-                      <p:stCondLst>
-                        <p:cond delay="indefinite"/>
-                      </p:stCondLst>
-                      <p:childTnLst>
-                        <p:par>
-                          <p:cTn id="14" fill="hold">
-                            <p:stCondLst>
-                              <p:cond delay="0"/>
-                            </p:stCondLst>
-                            <p:childTnLst>
                               <p:par>
-                                <p:cTn id="15" presetID="10" presetClass="entr" presetSubtype="0" fill="hold" grpId="0" nodeType="clickEffect">
+                                <p:cTn id="13" presetID="10" presetClass="entr" presetSubtype="0" fill="hold" grpId="0" nodeType="withEffect">
                                   <p:stCondLst>
                                     <p:cond delay="0"/>
                                   </p:stCondLst>
                                   <p:childTnLst>
                                     <p:set>
                                       <p:cBhvr>
-                                        <p:cTn id="16" dur="1" fill="hold">
+                                        <p:cTn id="14" dur="1" fill="hold">
                                           <p:stCondLst>
                                             <p:cond delay="0"/>
                                           </p:stCondLst>
@@ -13592,7 +13294,7 @@
                                     </p:set>
                                     <p:animEffect transition="in" filter="fade">
                                       <p:cBhvr>
-                                        <p:cTn id="17" dur="500"/>
+                                        <p:cTn id="15" dur="500"/>
                                         <p:tgtEl>
                                           <p:spTgt spid="9">
                                             <p:graphicEl>
@@ -13612,26 +13314,26 @@
                     </p:cTn>
                   </p:par>
                   <p:par>
-                    <p:cTn id="18" fill="hold">
+                    <p:cTn id="16" fill="hold">
                       <p:stCondLst>
                         <p:cond delay="indefinite"/>
                       </p:stCondLst>
                       <p:childTnLst>
                         <p:par>
-                          <p:cTn id="19" fill="hold">
+                          <p:cTn id="17" fill="hold">
                             <p:stCondLst>
                               <p:cond delay="0"/>
                             </p:stCondLst>
                             <p:childTnLst>
                               <p:par>
-                                <p:cTn id="20" presetID="10" presetClass="entr" presetSubtype="0" fill="hold" grpId="0" nodeType="clickEffect">
+                                <p:cTn id="18" presetID="10" presetClass="entr" presetSubtype="0" fill="hold" grpId="0" nodeType="clickEffect">
                                   <p:stCondLst>
                                     <p:cond delay="0"/>
                                   </p:stCondLst>
                                   <p:childTnLst>
                                     <p:set>
                                       <p:cBhvr>
-                                        <p:cTn id="21" dur="1" fill="hold">
+                                        <p:cTn id="19" dur="1" fill="hold">
                                           <p:stCondLst>
                                             <p:cond delay="0"/>
                                           </p:stCondLst>
@@ -13653,7 +13355,7 @@
                                     </p:set>
                                     <p:animEffect transition="in" filter="fade">
                                       <p:cBhvr>
-                                        <p:cTn id="22" dur="500"/>
+                                        <p:cTn id="20" dur="500"/>
                                         <p:tgtEl>
                                           <p:spTgt spid="9">
                                             <p:graphicEl>
@@ -13666,33 +13368,15 @@
                                   </p:childTnLst>
                                 </p:cTn>
                               </p:par>
-                            </p:childTnLst>
-                          </p:cTn>
-                        </p:par>
-                      </p:childTnLst>
-                    </p:cTn>
-                  </p:par>
-                  <p:par>
-                    <p:cTn id="23" fill="hold">
-                      <p:stCondLst>
-                        <p:cond delay="indefinite"/>
-                      </p:stCondLst>
-                      <p:childTnLst>
-                        <p:par>
-                          <p:cTn id="24" fill="hold">
-                            <p:stCondLst>
-                              <p:cond delay="0"/>
-                            </p:stCondLst>
-                            <p:childTnLst>
                               <p:par>
-                                <p:cTn id="25" presetID="10" presetClass="entr" presetSubtype="0" fill="hold" grpId="0" nodeType="clickEffect">
+                                <p:cTn id="21" presetID="10" presetClass="entr" presetSubtype="0" fill="hold" grpId="0" nodeType="withEffect">
                                   <p:stCondLst>
                                     <p:cond delay="0"/>
                                   </p:stCondLst>
                                   <p:childTnLst>
                                     <p:set>
                                       <p:cBhvr>
-                                        <p:cTn id="26" dur="1" fill="hold">
+                                        <p:cTn id="22" dur="1" fill="hold">
                                           <p:stCondLst>
                                             <p:cond delay="0"/>
                                           </p:stCondLst>
@@ -13714,7 +13398,7 @@
                                     </p:set>
                                     <p:animEffect transition="in" filter="fade">
                                       <p:cBhvr>
-                                        <p:cTn id="27" dur="500"/>
+                                        <p:cTn id="23" dur="500"/>
                                         <p:tgtEl>
                                           <p:spTgt spid="9">
                                             <p:graphicEl>
@@ -13734,26 +13418,26 @@
                     </p:cTn>
                   </p:par>
                   <p:par>
-                    <p:cTn id="28" fill="hold">
+                    <p:cTn id="24" fill="hold">
                       <p:stCondLst>
                         <p:cond delay="indefinite"/>
                       </p:stCondLst>
                       <p:childTnLst>
                         <p:par>
-                          <p:cTn id="29" fill="hold">
+                          <p:cTn id="25" fill="hold">
                             <p:stCondLst>
                               <p:cond delay="0"/>
                             </p:stCondLst>
                             <p:childTnLst>
                               <p:par>
-                                <p:cTn id="30" presetID="42" presetClass="entr" presetSubtype="0" fill="hold" grpId="0" nodeType="clickEffect">
+                                <p:cTn id="26" presetID="42" presetClass="entr" presetSubtype="0" fill="hold" grpId="0" nodeType="clickEffect">
                                   <p:stCondLst>
                                     <p:cond delay="0"/>
                                   </p:stCondLst>
                                   <p:childTnLst>
                                     <p:set>
                                       <p:cBhvr>
-                                        <p:cTn id="31" dur="1" fill="hold">
+                                        <p:cTn id="27" dur="1" fill="hold">
                                           <p:stCondLst>
                                             <p:cond delay="0"/>
                                           </p:stCondLst>
@@ -13771,7 +13455,7 @@
                                     </p:set>
                                     <p:animEffect transition="in" filter="fade">
                                       <p:cBhvr>
-                                        <p:cTn id="32" dur="1000"/>
+                                        <p:cTn id="28" dur="1000"/>
                                         <p:tgtEl>
                                           <p:spTgt spid="7"/>
                                         </p:tgtEl>
@@ -13779,7 +13463,7 @@
                                     </p:animEffect>
                                     <p:anim calcmode="lin" valueType="num">
                                       <p:cBhvr>
-                                        <p:cTn id="33" dur="1000" fill="hold"/>
+                                        <p:cTn id="29" dur="1000" fill="hold"/>
                                         <p:tgtEl>
                                           <p:spTgt spid="7"/>
                                         </p:tgtEl>
@@ -13802,7 +13486,7 @@
                                     </p:anim>
                                     <p:anim calcmode="lin" valueType="num">
                                       <p:cBhvr>
-                                        <p:cTn id="34" dur="1000" fill="hold"/>
+                                        <p:cTn id="30" dur="1000" fill="hold"/>
                                         <p:tgtEl>
                                           <p:spTgt spid="7"/>
                                         </p:tgtEl>
@@ -13827,14 +13511,14 @@
                                 </p:cTn>
                               </p:par>
                               <p:par>
-                                <p:cTn id="35" presetID="42" presetClass="entr" presetSubtype="0" fill="hold" grpId="0" nodeType="withEffect">
+                                <p:cTn id="31" presetID="42" presetClass="entr" presetSubtype="0" fill="hold" grpId="0" nodeType="withEffect">
                                   <p:stCondLst>
                                     <p:cond delay="0"/>
                                   </p:stCondLst>
                                   <p:childTnLst>
                                     <p:set>
                                       <p:cBhvr>
-                                        <p:cTn id="36" dur="1" fill="hold">
+                                        <p:cTn id="32" dur="1" fill="hold">
                                           <p:stCondLst>
                                             <p:cond delay="0"/>
                                           </p:stCondLst>
@@ -13852,7 +13536,7 @@
                                     </p:set>
                                     <p:animEffect transition="in" filter="fade">
                                       <p:cBhvr>
-                                        <p:cTn id="37" dur="1000"/>
+                                        <p:cTn id="33" dur="1000"/>
                                         <p:tgtEl>
                                           <p:spTgt spid="12"/>
                                         </p:tgtEl>
@@ -13860,7 +13544,7 @@
                                     </p:animEffect>
                                     <p:anim calcmode="lin" valueType="num">
                                       <p:cBhvr>
-                                        <p:cTn id="38" dur="1000" fill="hold"/>
+                                        <p:cTn id="34" dur="1000" fill="hold"/>
                                         <p:tgtEl>
                                           <p:spTgt spid="12"/>
                                         </p:tgtEl>
@@ -13883,7 +13567,7 @@
                                     </p:anim>
                                     <p:anim calcmode="lin" valueType="num">
                                       <p:cBhvr>
-                                        <p:cTn id="39" dur="1000" fill="hold"/>
+                                        <p:cTn id="35" dur="1000" fill="hold"/>
                                         <p:tgtEl>
                                           <p:spTgt spid="12"/>
                                         </p:tgtEl>
@@ -13935,7 +13619,7 @@
       </p:par>
     </p:tnLst>
     <p:bldLst>
-      <p:bldGraphic spid="9" grpId="0">
+      <p:bldGraphic spid="9" grpId="0" uiExpand="1">
         <p:bldSub>
           <a:bldDgm bld="one"/>
         </p:bldSub>
@@ -13947,7 +13631,7 @@
 </p:sld>
 </file>
 
-<file path=ppt/slides/slide14.xml><?xml version="1.0" encoding="utf-8"?>
+<file path=ppt/slides/slide12.xml><?xml version="1.0" encoding="utf-8"?>
 <p:sld xmlns:a="http://schemas.openxmlformats.org/drawingml/2006/main" xmlns:r="http://schemas.openxmlformats.org/officeDocument/2006/relationships" xmlns:p="http://schemas.openxmlformats.org/presentationml/2006/main">
   <p:cSld>
     <p:spTree>
@@ -13990,6 +13674,43 @@
       </p:sp>
       <p:sp>
         <p:nvSpPr>
+          <p:cNvPr id="10" name="Espace réservé du contenu 2"/>
+          <p:cNvSpPr>
+            <a:spLocks noGrp="1"/>
+          </p:cNvSpPr>
+          <p:nvPr>
+            <p:ph idx="1"/>
+          </p:nvPr>
+        </p:nvSpPr>
+        <p:spPr/>
+        <p:txBody>
+          <a:bodyPr>
+            <a:normAutofit/>
+          </a:bodyPr>
+          <a:lstStyle/>
+          <a:p>
+            <a:pPr marL="457200" lvl="1" indent="0">
+              <a:buNone/>
+            </a:pPr>
+            <a:endParaRPr lang="fr-BE" sz="3000" b="1" dirty="0">
+              <a:latin typeface="Franklin Gothic Medium Cond" panose="020B0606030402020204" pitchFamily="34" charset="0"/>
+            </a:endParaRPr>
+          </a:p>
+          <a:p>
+            <a:pPr lvl="1"/>
+            <a:endParaRPr lang="fr-BE" sz="3000" b="1" dirty="0">
+              <a:latin typeface="Franklin Gothic Medium Cond" panose="020B0606030402020204" pitchFamily="34" charset="0"/>
+            </a:endParaRPr>
+          </a:p>
+          <a:p>
+            <a:endParaRPr lang="fr-BE" sz="3200" b="1" dirty="0">
+              <a:latin typeface="Franklin Gothic Medium Cond" panose="020B0606030402020204" pitchFamily="34" charset="0"/>
+            </a:endParaRPr>
+          </a:p>
+        </p:txBody>
+      </p:sp>
+      <p:sp>
+        <p:nvSpPr>
           <p:cNvPr id="4" name="Espace réservé du pied de page 3"/>
           <p:cNvSpPr>
             <a:spLocks noGrp="1"/>
@@ -14027,7 +13748,7 @@
           <a:p>
             <a:fld id="{5C4E3881-3D96-471D-AC8D-00C031DC841B}" type="slidenum">
               <a:rPr lang="fr-BE" smtClean="0"/>
-              <a:t>14</a:t>
+              <a:t>12</a:t>
             </a:fld>
             <a:endParaRPr lang="fr-BE" dirty="0"/>
           </a:p>
@@ -14128,622 +13849,6 @@
           <a:p>
             <a:pPr algn="ctr"/>
             <a:endParaRPr lang="fr-BE"/>
-          </a:p>
-        </p:txBody>
-      </p:sp>
-      <p:sp>
-        <p:nvSpPr>
-          <p:cNvPr id="10" name="Espace réservé du contenu 2"/>
-          <p:cNvSpPr>
-            <a:spLocks noGrp="1"/>
-          </p:cNvSpPr>
-          <p:nvPr>
-            <p:ph idx="1"/>
-          </p:nvPr>
-        </p:nvSpPr>
-        <p:spPr/>
-        <p:txBody>
-          <a:bodyPr>
-            <a:normAutofit/>
-          </a:bodyPr>
-          <a:lstStyle/>
-          <a:p>
-            <a:pPr marL="457200" lvl="1" indent="0">
-              <a:buNone/>
-            </a:pPr>
-            <a:endParaRPr lang="fr-BE" sz="3000" b="1" dirty="0">
-              <a:latin typeface="Franklin Gothic Medium Cond" panose="020B0606030402020204" pitchFamily="34" charset="0"/>
-            </a:endParaRPr>
-          </a:p>
-          <a:p>
-            <a:pPr lvl="1"/>
-            <a:endParaRPr lang="fr-BE" sz="3000" b="1" dirty="0">
-              <a:latin typeface="Franklin Gothic Medium Cond" panose="020B0606030402020204" pitchFamily="34" charset="0"/>
-            </a:endParaRPr>
-          </a:p>
-          <a:p>
-            <a:endParaRPr lang="fr-BE" sz="3200" b="1" dirty="0">
-              <a:latin typeface="Franklin Gothic Medium Cond" panose="020B0606030402020204" pitchFamily="34" charset="0"/>
-            </a:endParaRPr>
-          </a:p>
-        </p:txBody>
-      </p:sp>
-      <p:sp>
-        <p:nvSpPr>
-          <p:cNvPr id="11" name="Espace réservé du contenu 2"/>
-          <p:cNvSpPr txBox="1">
-            <a:spLocks/>
-          </p:cNvSpPr>
-          <p:nvPr/>
-        </p:nvSpPr>
-        <p:spPr>
-          <a:xfrm>
-            <a:off x="646111" y="1944874"/>
-            <a:ext cx="8946541" cy="4395151"/>
-          </a:xfrm>
-          <a:prstGeom prst="rect">
-            <a:avLst/>
-          </a:prstGeom>
-        </p:spPr>
-        <p:txBody>
-          <a:bodyPr vert="horz" lIns="91440" tIns="45720" rIns="91440" bIns="45720" rtlCol="0">
-            <a:normAutofit lnSpcReduction="10000"/>
-          </a:bodyPr>
-          <a:lstStyle>
-            <a:lvl1pPr marL="342900" indent="-342900" algn="l" defTabSz="457200" rtl="0" eaLnBrk="1" latinLnBrk="0" hangingPunct="1">
-              <a:spcBef>
-                <a:spcPts val="1000"/>
-              </a:spcBef>
-              <a:spcAft>
-                <a:spcPts val="0"/>
-              </a:spcAft>
-              <a:buClr>
-                <a:schemeClr val="tx1">
-                  <a:lumMod val="50000"/>
-                </a:schemeClr>
-              </a:buClr>
-              <a:buSzPct val="80000"/>
-              <a:buFont typeface="Wingdings 3" charset="2"/>
-              <a:buChar char=""/>
-              <a:defRPr sz="2000" b="0" i="0" kern="1200">
-                <a:solidFill>
-                  <a:schemeClr val="tx1"/>
-                </a:solidFill>
-                <a:latin typeface="+mj-lt"/>
-                <a:ea typeface="+mj-ea"/>
-                <a:cs typeface="+mj-cs"/>
-              </a:defRPr>
-            </a:lvl1pPr>
-            <a:lvl2pPr marL="742950" indent="-285750" algn="l" defTabSz="457200" rtl="0" eaLnBrk="1" latinLnBrk="0" hangingPunct="1">
-              <a:spcBef>
-                <a:spcPts val="1000"/>
-              </a:spcBef>
-              <a:spcAft>
-                <a:spcPts val="0"/>
-              </a:spcAft>
-              <a:buClr>
-                <a:schemeClr val="accent1">
-                  <a:lumMod val="60000"/>
-                  <a:lumOff val="40000"/>
-                </a:schemeClr>
-              </a:buClr>
-              <a:buSzPct val="80000"/>
-              <a:buFont typeface="Wingdings 3" charset="2"/>
-              <a:buChar char=""/>
-              <a:defRPr sz="1800" b="0" i="0" kern="1200">
-                <a:solidFill>
-                  <a:schemeClr val="tx1"/>
-                </a:solidFill>
-                <a:latin typeface="+mj-lt"/>
-                <a:ea typeface="+mj-ea"/>
-                <a:cs typeface="+mj-cs"/>
-              </a:defRPr>
-            </a:lvl2pPr>
-            <a:lvl3pPr marL="1143000" indent="-228600" algn="l" defTabSz="457200" rtl="0" eaLnBrk="1" latinLnBrk="0" hangingPunct="1">
-              <a:spcBef>
-                <a:spcPts val="1000"/>
-              </a:spcBef>
-              <a:spcAft>
-                <a:spcPts val="0"/>
-              </a:spcAft>
-              <a:buClr>
-                <a:schemeClr val="accent1">
-                  <a:lumMod val="60000"/>
-                  <a:lumOff val="40000"/>
-                </a:schemeClr>
-              </a:buClr>
-              <a:buSzPct val="80000"/>
-              <a:buFont typeface="Wingdings 3" charset="2"/>
-              <a:buChar char=""/>
-              <a:defRPr sz="1600" b="0" i="0" kern="1200">
-                <a:solidFill>
-                  <a:schemeClr val="tx1"/>
-                </a:solidFill>
-                <a:latin typeface="+mj-lt"/>
-                <a:ea typeface="+mj-ea"/>
-                <a:cs typeface="+mj-cs"/>
-              </a:defRPr>
-            </a:lvl3pPr>
-            <a:lvl4pPr marL="1600200" indent="-228600" algn="l" defTabSz="457200" rtl="0" eaLnBrk="1" latinLnBrk="0" hangingPunct="1">
-              <a:spcBef>
-                <a:spcPts val="1000"/>
-              </a:spcBef>
-              <a:spcAft>
-                <a:spcPts val="0"/>
-              </a:spcAft>
-              <a:buClr>
-                <a:schemeClr val="accent1">
-                  <a:lumMod val="60000"/>
-                  <a:lumOff val="40000"/>
-                </a:schemeClr>
-              </a:buClr>
-              <a:buSzPct val="80000"/>
-              <a:buFont typeface="Wingdings 3" charset="2"/>
-              <a:buChar char=""/>
-              <a:defRPr sz="1400" b="0" i="0" kern="1200">
-                <a:solidFill>
-                  <a:schemeClr val="tx1"/>
-                </a:solidFill>
-                <a:latin typeface="+mj-lt"/>
-                <a:ea typeface="+mj-ea"/>
-                <a:cs typeface="+mj-cs"/>
-              </a:defRPr>
-            </a:lvl4pPr>
-            <a:lvl5pPr marL="2057400" indent="-228600" algn="l" defTabSz="457200" rtl="0" eaLnBrk="1" latinLnBrk="0" hangingPunct="1">
-              <a:spcBef>
-                <a:spcPts val="1000"/>
-              </a:spcBef>
-              <a:spcAft>
-                <a:spcPts val="0"/>
-              </a:spcAft>
-              <a:buClr>
-                <a:schemeClr val="accent1">
-                  <a:lumMod val="60000"/>
-                  <a:lumOff val="40000"/>
-                </a:schemeClr>
-              </a:buClr>
-              <a:buSzPct val="80000"/>
-              <a:buFont typeface="Wingdings 3" charset="2"/>
-              <a:buChar char=""/>
-              <a:defRPr sz="1400" b="0" i="0" kern="1200">
-                <a:solidFill>
-                  <a:schemeClr val="tx1"/>
-                </a:solidFill>
-                <a:latin typeface="+mj-lt"/>
-                <a:ea typeface="+mj-ea"/>
-                <a:cs typeface="+mj-cs"/>
-              </a:defRPr>
-            </a:lvl5pPr>
-            <a:lvl6pPr marL="2514600" indent="-228600" algn="l" defTabSz="457200" rtl="0" eaLnBrk="1" latinLnBrk="0" hangingPunct="1">
-              <a:spcBef>
-                <a:spcPts val="1000"/>
-              </a:spcBef>
-              <a:spcAft>
-                <a:spcPts val="0"/>
-              </a:spcAft>
-              <a:buClr>
-                <a:schemeClr val="accent1">
-                  <a:lumMod val="60000"/>
-                  <a:lumOff val="40000"/>
-                </a:schemeClr>
-              </a:buClr>
-              <a:buSzPct val="80000"/>
-              <a:buFont typeface="Wingdings 3" charset="2"/>
-              <a:buChar char=""/>
-              <a:defRPr sz="1400" b="0" i="0" kern="1200">
-                <a:solidFill>
-                  <a:schemeClr val="tx1"/>
-                </a:solidFill>
-                <a:latin typeface="+mj-lt"/>
-                <a:ea typeface="+mj-ea"/>
-                <a:cs typeface="+mj-cs"/>
-              </a:defRPr>
-            </a:lvl6pPr>
-            <a:lvl7pPr marL="2971800" indent="-228600" algn="l" defTabSz="457200" rtl="0" eaLnBrk="1" latinLnBrk="0" hangingPunct="1">
-              <a:spcBef>
-                <a:spcPts val="1000"/>
-              </a:spcBef>
-              <a:spcAft>
-                <a:spcPts val="0"/>
-              </a:spcAft>
-              <a:buClr>
-                <a:schemeClr val="accent1">
-                  <a:lumMod val="60000"/>
-                  <a:lumOff val="40000"/>
-                </a:schemeClr>
-              </a:buClr>
-              <a:buSzPct val="80000"/>
-              <a:buFont typeface="Wingdings 3" charset="2"/>
-              <a:buChar char=""/>
-              <a:defRPr sz="1400" b="0" i="0" kern="1200">
-                <a:solidFill>
-                  <a:schemeClr val="tx1"/>
-                </a:solidFill>
-                <a:latin typeface="+mj-lt"/>
-                <a:ea typeface="+mj-ea"/>
-                <a:cs typeface="+mj-cs"/>
-              </a:defRPr>
-            </a:lvl7pPr>
-            <a:lvl8pPr marL="3429000" indent="-228600" algn="l" defTabSz="457200" rtl="0" eaLnBrk="1" latinLnBrk="0" hangingPunct="1">
-              <a:spcBef>
-                <a:spcPts val="1000"/>
-              </a:spcBef>
-              <a:spcAft>
-                <a:spcPts val="0"/>
-              </a:spcAft>
-              <a:buClr>
-                <a:schemeClr val="accent1">
-                  <a:lumMod val="60000"/>
-                  <a:lumOff val="40000"/>
-                </a:schemeClr>
-              </a:buClr>
-              <a:buSzPct val="80000"/>
-              <a:buFont typeface="Wingdings 3" charset="2"/>
-              <a:buChar char=""/>
-              <a:defRPr sz="1400" b="0" i="0" kern="1200">
-                <a:solidFill>
-                  <a:schemeClr val="tx1"/>
-                </a:solidFill>
-                <a:latin typeface="+mj-lt"/>
-                <a:ea typeface="+mj-ea"/>
-                <a:cs typeface="+mj-cs"/>
-              </a:defRPr>
-            </a:lvl8pPr>
-            <a:lvl9pPr marL="3886200" indent="-228600" algn="l" defTabSz="457200" rtl="0" eaLnBrk="1" latinLnBrk="0" hangingPunct="1">
-              <a:spcBef>
-                <a:spcPts val="1000"/>
-              </a:spcBef>
-              <a:spcAft>
-                <a:spcPts val="0"/>
-              </a:spcAft>
-              <a:buClr>
-                <a:schemeClr val="accent1">
-                  <a:lumMod val="60000"/>
-                  <a:lumOff val="40000"/>
-                </a:schemeClr>
-              </a:buClr>
-              <a:buSzPct val="80000"/>
-              <a:buFont typeface="Wingdings 3" charset="2"/>
-              <a:buChar char=""/>
-              <a:defRPr sz="1400" b="0" i="0" kern="1200">
-                <a:solidFill>
-                  <a:schemeClr val="tx1"/>
-                </a:solidFill>
-                <a:latin typeface="+mj-lt"/>
-                <a:ea typeface="+mj-ea"/>
-                <a:cs typeface="+mj-cs"/>
-              </a:defRPr>
-            </a:lvl9pPr>
-          </a:lstStyle>
-          <a:p>
-            <a:pPr marL="0" indent="0">
-              <a:buNone/>
-            </a:pPr>
-            <a:r>
-              <a:rPr lang="fr-BE" sz="3200" b="1" u="sng" dirty="0">
-                <a:latin typeface="Franklin Gothic Medium Cond" panose="020B0606030402020204" pitchFamily="34" charset="0"/>
-              </a:rPr>
-              <a:t>Points Communs :</a:t>
-            </a:r>
-          </a:p>
-          <a:p>
-            <a:pPr lvl="1"/>
-            <a:r>
-              <a:rPr lang="fr-BE" sz="3000" b="1" dirty="0">
-                <a:latin typeface="Franklin Gothic Medium Cond" panose="020B0606030402020204" pitchFamily="34" charset="0"/>
-              </a:rPr>
-              <a:t>Réalise la même fonction</a:t>
-            </a:r>
-          </a:p>
-          <a:p>
-            <a:pPr lvl="1"/>
-            <a:r>
-              <a:rPr lang="fr-BE" sz="3000" b="1" dirty="0">
-                <a:latin typeface="Franklin Gothic Medium Cond" panose="020B0606030402020204" pitchFamily="34" charset="0"/>
-              </a:rPr>
-              <a:t>Logiciel non compatible sur certains points</a:t>
-            </a:r>
-          </a:p>
-          <a:p>
-            <a:pPr lvl="1"/>
-            <a:r>
-              <a:rPr lang="fr-BE" sz="3000" b="1" dirty="0">
-                <a:latin typeface="Franklin Gothic Medium Cond" panose="020B0606030402020204" pitchFamily="34" charset="0"/>
-              </a:rPr>
-              <a:t>Rendre l’information accessible à tous</a:t>
-            </a:r>
-          </a:p>
-          <a:p>
-            <a:pPr lvl="1"/>
-            <a:r>
-              <a:rPr lang="fr-BE" sz="3000" b="1" dirty="0">
-                <a:latin typeface="Franklin Gothic Medium Cond" panose="020B0606030402020204" pitchFamily="34" charset="0"/>
-              </a:rPr>
-              <a:t>Non user-friendly sur certains points</a:t>
-            </a:r>
-          </a:p>
-          <a:p>
-            <a:pPr lvl="1"/>
-            <a:r>
-              <a:rPr lang="fr-BE" sz="3000" b="1" dirty="0">
-                <a:latin typeface="Franklin Gothic Medium Cond" panose="020B0606030402020204" pitchFamily="34" charset="0"/>
-              </a:rPr>
-              <a:t>Certaines données sont confidentielles</a:t>
-            </a:r>
-          </a:p>
-          <a:p>
-            <a:pPr lvl="1"/>
-            <a:r>
-              <a:rPr lang="fr-BE" sz="3000" b="1" dirty="0">
-                <a:latin typeface="Franklin Gothic Medium Cond" panose="020B0606030402020204" pitchFamily="34" charset="0"/>
-              </a:rPr>
-              <a:t>Facilitent le travail ne le résolve pas</a:t>
-            </a:r>
-          </a:p>
-          <a:p>
-            <a:pPr lvl="1"/>
-            <a:r>
-              <a:rPr lang="fr-BE" sz="3000" b="1" dirty="0">
-                <a:latin typeface="Franklin Gothic Medium Cond" panose="020B0606030402020204" pitchFamily="34" charset="0"/>
-              </a:rPr>
-              <a:t>Très permissif</a:t>
-            </a:r>
-          </a:p>
-          <a:p>
-            <a:endParaRPr lang="fr-BE" sz="3000" b="1" dirty="0">
-              <a:latin typeface="Franklin Gothic Medium Cond" panose="020B0606030402020204" pitchFamily="34" charset="0"/>
-            </a:endParaRPr>
-          </a:p>
-          <a:p>
-            <a:endParaRPr lang="fr-BE" sz="3200" b="1" dirty="0">
-              <a:latin typeface="Franklin Gothic Medium Cond" panose="020B0606030402020204" pitchFamily="34" charset="0"/>
-            </a:endParaRPr>
-          </a:p>
-        </p:txBody>
-      </p:sp>
-    </p:spTree>
-    <p:extLst>
-      <p:ext uri="{BB962C8B-B14F-4D97-AF65-F5344CB8AC3E}">
-        <p14:creationId xmlns:p14="http://schemas.microsoft.com/office/powerpoint/2010/main" val="260125702"/>
-      </p:ext>
-    </p:extLst>
-  </p:cSld>
-  <p:clrMapOvr>
-    <a:masterClrMapping/>
-  </p:clrMapOvr>
-  <mc:AlternateContent xmlns:mc="http://schemas.openxmlformats.org/markup-compatibility/2006">
-    <mc:Choice xmlns:p159="http://schemas.microsoft.com/office/powerpoint/2015/09/main" Requires="p159">
-      <p:transition xmlns:p14="http://schemas.microsoft.com/office/powerpoint/2010/main" spd="slow" p14:dur="2000">
-        <p159:morph option="byObject"/>
-      </p:transition>
-    </mc:Choice>
-    <mc:Fallback>
-      <p:transition spd="slow">
-        <p:fade/>
-      </p:transition>
-    </mc:Fallback>
-  </mc:AlternateContent>
-</p:sld>
-</file>
-
-<file path=ppt/slides/slide15.xml><?xml version="1.0" encoding="utf-8"?>
-<p:sld xmlns:a="http://schemas.openxmlformats.org/drawingml/2006/main" xmlns:r="http://schemas.openxmlformats.org/officeDocument/2006/relationships" xmlns:p="http://schemas.openxmlformats.org/presentationml/2006/main">
-  <p:cSld>
-    <p:spTree>
-      <p:nvGrpSpPr>
-        <p:cNvPr id="1" name=""/>
-        <p:cNvGrpSpPr/>
-        <p:nvPr/>
-      </p:nvGrpSpPr>
-      <p:grpSpPr>
-        <a:xfrm>
-          <a:off x="0" y="0"/>
-          <a:ext cx="0" cy="0"/>
-          <a:chOff x="0" y="0"/>
-          <a:chExt cx="0" cy="0"/>
-        </a:xfrm>
-      </p:grpSpPr>
-      <p:sp>
-        <p:nvSpPr>
-          <p:cNvPr id="2" name="Titre 1"/>
-          <p:cNvSpPr>
-            <a:spLocks noGrp="1"/>
-          </p:cNvSpPr>
-          <p:nvPr>
-            <p:ph type="title"/>
-          </p:nvPr>
-        </p:nvSpPr>
-        <p:spPr/>
-        <p:txBody>
-          <a:bodyPr/>
-          <a:lstStyle/>
-          <a:p>
-            <a:r>
-              <a:rPr lang="fr-BE" sz="6000" b="1" dirty="0">
-                <a:latin typeface="Franklin Gothic Medium Cond" panose="020B0606030402020204" pitchFamily="34" charset="0"/>
-              </a:rPr>
-              <a:t>Passage Ibasis       SmartSchool</a:t>
-            </a:r>
-          </a:p>
-        </p:txBody>
-      </p:sp>
-      <p:sp>
-        <p:nvSpPr>
-          <p:cNvPr id="4" name="Espace réservé du pied de page 3"/>
-          <p:cNvSpPr>
-            <a:spLocks noGrp="1"/>
-          </p:cNvSpPr>
-          <p:nvPr>
-            <p:ph type="ftr" sz="quarter" idx="11"/>
-          </p:nvPr>
-        </p:nvSpPr>
-        <p:spPr/>
-        <p:txBody>
-          <a:bodyPr/>
-          <a:lstStyle/>
-          <a:p>
-            <a:r>
-              <a:rPr lang="fr-BE" dirty="0"/>
-              <a:t>Sacré Christopher</a:t>
-            </a:r>
-          </a:p>
-        </p:txBody>
-      </p:sp>
-      <p:sp>
-        <p:nvSpPr>
-          <p:cNvPr id="5" name="Espace réservé du numéro de diapositive 4"/>
-          <p:cNvSpPr>
-            <a:spLocks noGrp="1"/>
-          </p:cNvSpPr>
-          <p:nvPr>
-            <p:ph type="sldNum" sz="quarter" idx="12"/>
-          </p:nvPr>
-        </p:nvSpPr>
-        <p:spPr/>
-        <p:txBody>
-          <a:bodyPr/>
-          <a:lstStyle/>
-          <a:p>
-            <a:fld id="{5C4E3881-3D96-471D-AC8D-00C031DC841B}" type="slidenum">
-              <a:rPr lang="fr-BE" smtClean="0"/>
-              <a:t>15</a:t>
-            </a:fld>
-            <a:endParaRPr lang="fr-BE" dirty="0"/>
-          </a:p>
-        </p:txBody>
-      </p:sp>
-      <p:pic>
-        <p:nvPicPr>
-          <p:cNvPr id="8" name="Picture 7"/>
-          <p:cNvPicPr>
-            <a:picLocks noChangeAspect="1"/>
-          </p:cNvPicPr>
-          <p:nvPr/>
-        </p:nvPicPr>
-        <p:blipFill>
-          <a:blip r:embed="rId2">
-            <a:extLst>
-              <a:ext uri="{BEBA8EAE-BF5A-486C-A8C5-ECC9F3942E4B}">
-                <a14:imgProps xmlns:a14="http://schemas.microsoft.com/office/drawing/2010/main">
-                  <a14:imgLayer r:embed="rId3">
-                    <a14:imgEffect>
-                      <a14:backgroundRemoval t="0" b="100000" l="0" r="100000">
-                        <a14:foregroundMark x1="9600" y1="64000" x2="12400" y2="64800"/>
-                        <a14:foregroundMark x1="9600" y1="48000" x2="8800" y2="46000"/>
-                        <a14:foregroundMark x1="9600" y1="8400" x2="9600" y2="8000"/>
-                        <a14:foregroundMark x1="53200" y1="24000" x2="61200" y2="50400"/>
-                        <a14:foregroundMark x1="58000" y1="17600" x2="94000" y2="68400"/>
-                        <a14:foregroundMark x1="87600" y1="2800" x2="91600" y2="9200"/>
-                        <a14:foregroundMark x1="93600" y1="7200" x2="90800" y2="23600"/>
-                        <a14:foregroundMark x1="77200" y1="20000" x2="76800" y2="21600"/>
-                        <a14:foregroundMark x1="76800" y1="23600" x2="85200" y2="59600"/>
-                        <a14:foregroundMark x1="58000" y1="52800" x2="69600" y2="82400"/>
-                        <a14:foregroundMark x1="76800" y1="61200" x2="71200" y2="80000"/>
-                        <a14:foregroundMark x1="51200" y1="31600" x2="55600" y2="53600"/>
-                        <a14:foregroundMark x1="55600" y1="70400" x2="60400" y2="91200"/>
-                        <a14:foregroundMark x1="63600" y1="88800" x2="93200" y2="90000"/>
-                        <a14:foregroundMark x1="92000" y1="55200" x2="90000" y2="30000"/>
-                        <a14:foregroundMark x1="72400" y1="41600" x2="82800" y2="60800"/>
-                        <a14:foregroundMark x1="83600" y1="40800" x2="67600" y2="60800"/>
-                        <a14:foregroundMark x1="65200" y1="44000" x2="97600" y2="61600"/>
-                        <a14:foregroundMark x1="89600" y1="43200" x2="72800" y2="69200"/>
-                        <a14:foregroundMark x1="71200" y1="62000" x2="87600" y2="91200"/>
-                      </a14:backgroundRemoval>
-                    </a14:imgEffect>
-                  </a14:imgLayer>
-                </a14:imgProps>
-              </a:ext>
-              <a:ext uri="{28A0092B-C50C-407E-A947-70E740481C1C}">
-                <a14:useLocalDpi xmlns:a14="http://schemas.microsoft.com/office/drawing/2010/main" val="0"/>
-              </a:ext>
-            </a:extLst>
-          </a:blip>
-          <a:stretch>
-            <a:fillRect/>
-          </a:stretch>
-        </p:blipFill>
-        <p:spPr>
-          <a:xfrm>
-            <a:off x="10352539" y="5239240"/>
-            <a:ext cx="1618759" cy="1618759"/>
-          </a:xfrm>
-          <a:prstGeom prst="rect">
-            <a:avLst/>
-          </a:prstGeom>
-        </p:spPr>
-      </p:pic>
-      <p:sp>
-        <p:nvSpPr>
-          <p:cNvPr id="3" name="Right Arrow 2"/>
-          <p:cNvSpPr/>
-          <p:nvPr/>
-        </p:nvSpPr>
-        <p:spPr>
-          <a:xfrm>
-            <a:off x="5078185" y="601736"/>
-            <a:ext cx="734786" cy="734786"/>
-          </a:xfrm>
-          <a:prstGeom prst="rightArrow">
-            <a:avLst/>
-          </a:prstGeom>
-        </p:spPr>
-        <p:style>
-          <a:lnRef idx="1">
-            <a:schemeClr val="accent1"/>
-          </a:lnRef>
-          <a:fillRef idx="3">
-            <a:schemeClr val="accent1"/>
-          </a:fillRef>
-          <a:effectRef idx="2">
-            <a:schemeClr val="accent1"/>
-          </a:effectRef>
-          <a:fontRef idx="minor">
-            <a:schemeClr val="lt1"/>
-          </a:fontRef>
-        </p:style>
-        <p:txBody>
-          <a:bodyPr rtlCol="0" anchor="ctr"/>
-          <a:lstStyle/>
-          <a:p>
-            <a:pPr algn="ctr"/>
-            <a:endParaRPr lang="fr-BE"/>
-          </a:p>
-        </p:txBody>
-      </p:sp>
-      <p:sp>
-        <p:nvSpPr>
-          <p:cNvPr id="10" name="Espace réservé du contenu 2"/>
-          <p:cNvSpPr>
-            <a:spLocks noGrp="1"/>
-          </p:cNvSpPr>
-          <p:nvPr>
-            <p:ph idx="1"/>
-          </p:nvPr>
-        </p:nvSpPr>
-        <p:spPr/>
-        <p:txBody>
-          <a:bodyPr>
-            <a:normAutofit/>
-          </a:bodyPr>
-          <a:lstStyle/>
-          <a:p>
-            <a:pPr marL="457200" lvl="1" indent="0">
-              <a:buNone/>
-            </a:pPr>
-            <a:endParaRPr lang="fr-BE" sz="3000" b="1" dirty="0">
-              <a:latin typeface="Franklin Gothic Medium Cond" panose="020B0606030402020204" pitchFamily="34" charset="0"/>
-            </a:endParaRPr>
-          </a:p>
-          <a:p>
-            <a:pPr lvl="1"/>
-            <a:endParaRPr lang="fr-BE" sz="3000" b="1" dirty="0">
-              <a:latin typeface="Franklin Gothic Medium Cond" panose="020B0606030402020204" pitchFamily="34" charset="0"/>
-            </a:endParaRPr>
-          </a:p>
-          <a:p>
-            <a:endParaRPr lang="fr-BE" sz="3200" b="1" dirty="0">
-              <a:latin typeface="Franklin Gothic Medium Cond" panose="020B0606030402020204" pitchFamily="34" charset="0"/>
-            </a:endParaRPr>
           </a:p>
         </p:txBody>
       </p:sp>
@@ -15002,35 +14107,67 @@
               <a:rPr lang="fr-BE" sz="3200" b="1" u="sng" dirty="0">
                 <a:latin typeface="Franklin Gothic Medium Cond" panose="020B0606030402020204" pitchFamily="34" charset="0"/>
               </a:rPr>
-              <a:t>Particularités Ibasis :</a:t>
+              <a:t>Points Communs :</a:t>
             </a:r>
           </a:p>
           <a:p>
             <a:pPr lvl="1"/>
             <a:r>
-              <a:rPr lang="fr-BE" sz="2800" b="1" dirty="0">
+              <a:rPr lang="fr-BE" sz="3000" b="1" dirty="0">
                 <a:latin typeface="Franklin Gothic Medium Cond" panose="020B0606030402020204" pitchFamily="34" charset="0"/>
               </a:rPr>
-              <a:t>Pas de cohérences pour l’affichage des données</a:t>
+              <a:t>Réalisent la même fonction</a:t>
             </a:r>
           </a:p>
           <a:p>
             <a:pPr lvl="1"/>
             <a:r>
-              <a:rPr lang="fr-BE" sz="2800" b="1" dirty="0">
+              <a:rPr lang="fr-BE" sz="3000" b="1" dirty="0">
                 <a:latin typeface="Franklin Gothic Medium Cond" panose="020B0606030402020204" pitchFamily="34" charset="0"/>
               </a:rPr>
-              <a:t>Format devant être normalisé</a:t>
+              <a:t>Logiciels non compatibles sur certains points</a:t>
             </a:r>
           </a:p>
           <a:p>
             <a:pPr lvl="1"/>
             <a:r>
-              <a:rPr lang="fr-BE" sz="2800" b="1" dirty="0">
+              <a:rPr lang="fr-BE" sz="3000" b="1" dirty="0">
                 <a:latin typeface="Franklin Gothic Medium Cond" panose="020B0606030402020204" pitchFamily="34" charset="0"/>
               </a:rPr>
-              <a:t>Utilisé par les membres du secrétariat</a:t>
-            </a:r>
+              <a:t>Non user-friendly sur certains points</a:t>
+            </a:r>
+          </a:p>
+          <a:p>
+            <a:pPr lvl="1"/>
+            <a:r>
+              <a:rPr lang="fr-BE" sz="3000" b="1" dirty="0">
+                <a:latin typeface="Franklin Gothic Medium Cond" panose="020B0606030402020204" pitchFamily="34" charset="0"/>
+              </a:rPr>
+              <a:t>Certaines données sont confidentielles</a:t>
+            </a:r>
+          </a:p>
+          <a:p>
+            <a:pPr lvl="1"/>
+            <a:r>
+              <a:rPr lang="fr-BE" sz="3000" b="1" dirty="0">
+                <a:latin typeface="Franklin Gothic Medium Cond" panose="020B0606030402020204" pitchFamily="34" charset="0"/>
+              </a:rPr>
+              <a:t>Facilitent le travail ne le résolvent pas</a:t>
+            </a:r>
+          </a:p>
+          <a:p>
+            <a:pPr lvl="1"/>
+            <a:r>
+              <a:rPr lang="fr-BE" sz="3000" b="1" dirty="0">
+                <a:latin typeface="Franklin Gothic Medium Cond" panose="020B0606030402020204" pitchFamily="34" charset="0"/>
+              </a:rPr>
+              <a:t>Très permissif</a:t>
+            </a:r>
+          </a:p>
+          <a:p>
+            <a:endParaRPr lang="fr-BE" sz="3000" b="1" dirty="0">
+              <a:latin typeface="Franklin Gothic Medium Cond" panose="020B0606030402020204" pitchFamily="34" charset="0"/>
+            </a:endParaRPr>
           </a:p>
           <a:p>
             <a:endParaRPr lang="fr-BE" sz="3200" b="1" dirty="0">
@@ -15042,29 +14179,24 @@
     </p:spTree>
     <p:extLst>
       <p:ext uri="{BB962C8B-B14F-4D97-AF65-F5344CB8AC3E}">
-        <p14:creationId xmlns:p14="http://schemas.microsoft.com/office/powerpoint/2010/main" val="2692378228"/>
+        <p14:creationId xmlns:p14="http://schemas.microsoft.com/office/powerpoint/2010/main" val="260125702"/>
       </p:ext>
     </p:extLst>
   </p:cSld>
   <p:clrMapOvr>
     <a:masterClrMapping/>
   </p:clrMapOvr>
-  <mc:AlternateContent xmlns:mc="http://schemas.openxmlformats.org/markup-compatibility/2006">
-    <mc:Choice xmlns:p159="http://schemas.microsoft.com/office/powerpoint/2015/09/main" Requires="p159">
-      <p:transition xmlns:p14="http://schemas.microsoft.com/office/powerpoint/2010/main" spd="slow" p14:dur="2000">
-        <p159:morph option="byObject"/>
-      </p:transition>
-    </mc:Choice>
-    <mc:Fallback>
-      <p:transition spd="slow">
-        <p:fade/>
-      </p:transition>
-    </mc:Fallback>
-  </mc:AlternateContent>
+  <p:timing>
+    <p:tnLst>
+      <p:par>
+        <p:cTn id="1" dur="indefinite" restart="never" nodeType="tmRoot"/>
+      </p:par>
+    </p:tnLst>
+  </p:timing>
 </p:sld>
 </file>
 
-<file path=ppt/slides/slide16.xml><?xml version="1.0" encoding="utf-8"?>
+<file path=ppt/slides/slide13.xml><?xml version="1.0" encoding="utf-8"?>
 <p:sld xmlns:a="http://schemas.openxmlformats.org/drawingml/2006/main" xmlns:r="http://schemas.openxmlformats.org/officeDocument/2006/relationships" xmlns:p="http://schemas.openxmlformats.org/presentationml/2006/main">
   <p:cSld>
     <p:spTree>
@@ -15107,6 +14239,43 @@
       </p:sp>
       <p:sp>
         <p:nvSpPr>
+          <p:cNvPr id="10" name="Espace réservé du contenu 2"/>
+          <p:cNvSpPr>
+            <a:spLocks noGrp="1"/>
+          </p:cNvSpPr>
+          <p:nvPr>
+            <p:ph idx="1"/>
+          </p:nvPr>
+        </p:nvSpPr>
+        <p:spPr/>
+        <p:txBody>
+          <a:bodyPr>
+            <a:normAutofit/>
+          </a:bodyPr>
+          <a:lstStyle/>
+          <a:p>
+            <a:pPr marL="457200" lvl="1" indent="0">
+              <a:buNone/>
+            </a:pPr>
+            <a:endParaRPr lang="fr-BE" sz="3000" b="1" dirty="0">
+              <a:latin typeface="Franklin Gothic Medium Cond" panose="020B0606030402020204" pitchFamily="34" charset="0"/>
+            </a:endParaRPr>
+          </a:p>
+          <a:p>
+            <a:pPr lvl="1"/>
+            <a:endParaRPr lang="fr-BE" sz="3000" b="1" dirty="0">
+              <a:latin typeface="Franklin Gothic Medium Cond" panose="020B0606030402020204" pitchFamily="34" charset="0"/>
+            </a:endParaRPr>
+          </a:p>
+          <a:p>
+            <a:endParaRPr lang="fr-BE" sz="3200" b="1" dirty="0">
+              <a:latin typeface="Franklin Gothic Medium Cond" panose="020B0606030402020204" pitchFamily="34" charset="0"/>
+            </a:endParaRPr>
+          </a:p>
+        </p:txBody>
+      </p:sp>
+      <p:sp>
+        <p:nvSpPr>
           <p:cNvPr id="4" name="Espace réservé du pied de page 3"/>
           <p:cNvSpPr>
             <a:spLocks noGrp="1"/>
@@ -15144,7 +14313,7 @@
           <a:p>
             <a:fld id="{5C4E3881-3D96-471D-AC8D-00C031DC841B}" type="slidenum">
               <a:rPr lang="fr-BE" smtClean="0"/>
-              <a:t>16</a:t>
+              <a:t>13</a:t>
             </a:fld>
             <a:endParaRPr lang="fr-BE" dirty="0"/>
           </a:p>
@@ -15245,43 +14414,6 @@
           <a:p>
             <a:pPr algn="ctr"/>
             <a:endParaRPr lang="fr-BE"/>
-          </a:p>
-        </p:txBody>
-      </p:sp>
-      <p:sp>
-        <p:nvSpPr>
-          <p:cNvPr id="10" name="Espace réservé du contenu 2"/>
-          <p:cNvSpPr>
-            <a:spLocks noGrp="1"/>
-          </p:cNvSpPr>
-          <p:nvPr>
-            <p:ph idx="1"/>
-          </p:nvPr>
-        </p:nvSpPr>
-        <p:spPr/>
-        <p:txBody>
-          <a:bodyPr>
-            <a:normAutofit/>
-          </a:bodyPr>
-          <a:lstStyle/>
-          <a:p>
-            <a:pPr marL="457200" lvl="1" indent="0">
-              <a:buNone/>
-            </a:pPr>
-            <a:endParaRPr lang="fr-BE" sz="3000" b="1" dirty="0">
-              <a:latin typeface="Franklin Gothic Medium Cond" panose="020B0606030402020204" pitchFamily="34" charset="0"/>
-            </a:endParaRPr>
-          </a:p>
-          <a:p>
-            <a:pPr lvl="1"/>
-            <a:endParaRPr lang="fr-BE" sz="3000" b="1" dirty="0">
-              <a:latin typeface="Franklin Gothic Medium Cond" panose="020B0606030402020204" pitchFamily="34" charset="0"/>
-            </a:endParaRPr>
-          </a:p>
-          <a:p>
-            <a:endParaRPr lang="fr-BE" sz="3200" b="1" dirty="0">
-              <a:latin typeface="Franklin Gothic Medium Cond" panose="020B0606030402020204" pitchFamily="34" charset="0"/>
-            </a:endParaRPr>
           </a:p>
         </p:txBody>
       </p:sp>
@@ -15540,57 +14672,38 @@
               <a:rPr lang="fr-BE" sz="3200" b="1" u="sng" dirty="0">
                 <a:latin typeface="Franklin Gothic Medium Cond" panose="020B0606030402020204" pitchFamily="34" charset="0"/>
               </a:rPr>
-              <a:t>Particularités SmartSchool :</a:t>
+              <a:t>Particularités Ibasis :</a:t>
             </a:r>
           </a:p>
           <a:p>
             <a:pPr lvl="1"/>
             <a:r>
-              <a:rPr lang="fr-BE" sz="3000" b="1" dirty="0">
+              <a:rPr lang="fr-BE" sz="2800" b="1" dirty="0">
                 <a:latin typeface="Franklin Gothic Medium Cond" panose="020B0606030402020204" pitchFamily="34" charset="0"/>
               </a:rPr>
-              <a:t>Utilise une base de données relationnelle</a:t>
+              <a:t>Pas de cohérence pour l’affichage des données</a:t>
             </a:r>
           </a:p>
           <a:p>
             <a:pPr lvl="1"/>
             <a:r>
-              <a:rPr lang="fr-BE" sz="3000" b="1" dirty="0">
+              <a:rPr lang="fr-BE" sz="2800" b="1" dirty="0">
                 <a:latin typeface="Franklin Gothic Medium Cond" panose="020B0606030402020204" pitchFamily="34" charset="0"/>
               </a:rPr>
-              <a:t>Labyrinthique</a:t>
+              <a:t>Format devant être normalisé</a:t>
             </a:r>
           </a:p>
           <a:p>
             <a:pPr lvl="1"/>
             <a:r>
-              <a:rPr lang="fr-BE" sz="3000" b="1" dirty="0">
+              <a:rPr lang="fr-BE" sz="2800" b="1" dirty="0">
                 <a:latin typeface="Franklin Gothic Medium Cond" panose="020B0606030402020204" pitchFamily="34" charset="0"/>
               </a:rPr>
-              <a:t>Incohérence au niveau des permissions</a:t>
-            </a:r>
-          </a:p>
-          <a:p>
-            <a:pPr lvl="1"/>
-            <a:r>
-              <a:rPr lang="fr-BE" sz="3000" b="1" dirty="0">
-                <a:latin typeface="Franklin Gothic Medium Cond" panose="020B0606030402020204" pitchFamily="34" charset="0"/>
-              </a:rPr>
-              <a:t>Ne précise pas l’occurrence d’une erreur</a:t>
-            </a:r>
-          </a:p>
-          <a:p>
-            <a:pPr lvl="1"/>
-            <a:r>
-              <a:rPr lang="fr-BE" sz="3000" b="1" dirty="0">
-                <a:latin typeface="Franklin Gothic Medium Cond" panose="020B0606030402020204" pitchFamily="34" charset="0"/>
-              </a:rPr>
-              <a:t>Redirection forcée</a:t>
-            </a:r>
-          </a:p>
-          <a:p>
-            <a:pPr lvl="1"/>
-            <a:endParaRPr lang="fr-BE" sz="3000" b="1" dirty="0">
+              <a:t>Utilisé par les membres du secrétariat</a:t>
+            </a:r>
+          </a:p>
+          <a:p>
+            <a:endParaRPr lang="fr-BE" sz="3200" b="1" dirty="0">
               <a:latin typeface="Franklin Gothic Medium Cond" panose="020B0606030402020204" pitchFamily="34" charset="0"/>
             </a:endParaRPr>
           </a:p>
@@ -15599,7 +14712,7 @@
     </p:spTree>
     <p:extLst>
       <p:ext uri="{BB962C8B-B14F-4D97-AF65-F5344CB8AC3E}">
-        <p14:creationId xmlns:p14="http://schemas.microsoft.com/office/powerpoint/2010/main" val="669680251"/>
+        <p14:creationId xmlns:p14="http://schemas.microsoft.com/office/powerpoint/2010/main" val="2692378228"/>
       </p:ext>
     </p:extLst>
   </p:cSld>
@@ -15607,7 +14720,7 @@
     <a:masterClrMapping/>
   </p:clrMapOvr>
   <mc:AlternateContent xmlns:mc="http://schemas.openxmlformats.org/markup-compatibility/2006">
-    <mc:Choice xmlns:p159="http://schemas.microsoft.com/office/powerpoint/2015/09/main" Requires="p159">
+    <mc:Choice xmlns:p159="http://schemas.microsoft.com/office/powerpoint/2015/09/main" xmlns="" Requires="p159">
       <p:transition xmlns:p14="http://schemas.microsoft.com/office/powerpoint/2010/main" spd="slow" p14:dur="2000">
         <p159:morph option="byObject"/>
       </p:transition>
@@ -15618,10 +14731,17 @@
       </p:transition>
     </mc:Fallback>
   </mc:AlternateContent>
+  <p:timing>
+    <p:tnLst>
+      <p:par>
+        <p:cTn id="1" dur="indefinite" restart="never" nodeType="tmRoot"/>
+      </p:par>
+    </p:tnLst>
+  </p:timing>
 </p:sld>
 </file>
 
-<file path=ppt/slides/slide17.xml><?xml version="1.0" encoding="utf-8"?>
+<file path=ppt/slides/slide14.xml><?xml version="1.0" encoding="utf-8"?>
 <p:sld xmlns:a="http://schemas.openxmlformats.org/drawingml/2006/main" xmlns:r="http://schemas.openxmlformats.org/officeDocument/2006/relationships" xmlns:p="http://schemas.openxmlformats.org/presentationml/2006/main">
   <p:cSld>
     <p:spTree>
@@ -15657,8 +14777,45 @@
               <a:rPr lang="fr-BE" sz="6000" b="1" dirty="0">
                 <a:latin typeface="Franklin Gothic Medium Cond" panose="020B0606030402020204" pitchFamily="34" charset="0"/>
               </a:rPr>
-              <a:t>Liens</a:t>
-            </a:r>
+              <a:t>Passage Ibasis       SmartSchool</a:t>
+            </a:r>
+          </a:p>
+        </p:txBody>
+      </p:sp>
+      <p:sp>
+        <p:nvSpPr>
+          <p:cNvPr id="10" name="Espace réservé du contenu 2"/>
+          <p:cNvSpPr>
+            <a:spLocks noGrp="1"/>
+          </p:cNvSpPr>
+          <p:nvPr>
+            <p:ph idx="1"/>
+          </p:nvPr>
+        </p:nvSpPr>
+        <p:spPr/>
+        <p:txBody>
+          <a:bodyPr>
+            <a:normAutofit/>
+          </a:bodyPr>
+          <a:lstStyle/>
+          <a:p>
+            <a:pPr marL="457200" lvl="1" indent="0">
+              <a:buNone/>
+            </a:pPr>
+            <a:endParaRPr lang="fr-BE" sz="3000" b="1" dirty="0">
+              <a:latin typeface="Franklin Gothic Medium Cond" panose="020B0606030402020204" pitchFamily="34" charset="0"/>
+            </a:endParaRPr>
+          </a:p>
+          <a:p>
+            <a:pPr lvl="1"/>
+            <a:endParaRPr lang="fr-BE" sz="3000" b="1" dirty="0">
+              <a:latin typeface="Franklin Gothic Medium Cond" panose="020B0606030402020204" pitchFamily="34" charset="0"/>
+            </a:endParaRPr>
+          </a:p>
+          <a:p>
+            <a:endParaRPr lang="fr-BE" sz="3200" b="1" dirty="0">
+              <a:latin typeface="Franklin Gothic Medium Cond" panose="020B0606030402020204" pitchFamily="34" charset="0"/>
+            </a:endParaRPr>
           </a:p>
         </p:txBody>
       </p:sp>
@@ -15701,7 +14858,7 @@
           <a:p>
             <a:fld id="{5C4E3881-3D96-471D-AC8D-00C031DC841B}" type="slidenum">
               <a:rPr lang="fr-BE" smtClean="0"/>
-              <a:t>17</a:t>
+              <a:t>14</a:t>
             </a:fld>
             <a:endParaRPr lang="fr-BE" dirty="0"/>
           </a:p>
@@ -15769,44 +14926,45 @@
       </p:pic>
       <p:sp>
         <p:nvSpPr>
-          <p:cNvPr id="10" name="Espace réservé du contenu 2"/>
-          <p:cNvSpPr>
-            <a:spLocks noGrp="1"/>
-          </p:cNvSpPr>
-          <p:nvPr>
-            <p:ph idx="1"/>
-          </p:nvPr>
-        </p:nvSpPr>
-        <p:spPr/>
+          <p:cNvPr id="3" name="Right Arrow 2"/>
+          <p:cNvSpPr/>
+          <p:nvPr/>
+        </p:nvSpPr>
+        <p:spPr>
+          <a:xfrm>
+            <a:off x="5078185" y="601736"/>
+            <a:ext cx="734786" cy="734786"/>
+          </a:xfrm>
+          <a:prstGeom prst="rightArrow">
+            <a:avLst/>
+          </a:prstGeom>
+        </p:spPr>
+        <p:style>
+          <a:lnRef idx="1">
+            <a:schemeClr val="accent1"/>
+          </a:lnRef>
+          <a:fillRef idx="3">
+            <a:schemeClr val="accent1"/>
+          </a:fillRef>
+          <a:effectRef idx="2">
+            <a:schemeClr val="accent1"/>
+          </a:effectRef>
+          <a:fontRef idx="minor">
+            <a:schemeClr val="lt1"/>
+          </a:fontRef>
+        </p:style>
         <p:txBody>
-          <a:bodyPr>
-            <a:normAutofit/>
-          </a:bodyPr>
+          <a:bodyPr rtlCol="0" anchor="ctr"/>
           <a:lstStyle/>
           <a:p>
-            <a:pPr marL="457200" lvl="1" indent="0">
-              <a:buNone/>
-            </a:pPr>
-            <a:endParaRPr lang="fr-BE" sz="3000" b="1" dirty="0">
-              <a:latin typeface="Franklin Gothic Medium Cond" panose="020B0606030402020204" pitchFamily="34" charset="0"/>
-            </a:endParaRPr>
-          </a:p>
-          <a:p>
-            <a:pPr lvl="1"/>
-            <a:endParaRPr lang="fr-BE" sz="3000" b="1" dirty="0">
-              <a:latin typeface="Franklin Gothic Medium Cond" panose="020B0606030402020204" pitchFamily="34" charset="0"/>
-            </a:endParaRPr>
-          </a:p>
-          <a:p>
-            <a:endParaRPr lang="fr-BE" sz="3200" b="1" dirty="0">
-              <a:latin typeface="Franklin Gothic Medium Cond" panose="020B0606030402020204" pitchFamily="34" charset="0"/>
-            </a:endParaRPr>
+            <a:pPr algn="ctr"/>
+            <a:endParaRPr lang="fr-BE"/>
           </a:p>
         </p:txBody>
       </p:sp>
       <p:sp>
         <p:nvSpPr>
-          <p:cNvPr id="12" name="Espace réservé du contenu 2"/>
+          <p:cNvPr id="11" name="Espace réservé du contenu 2"/>
           <p:cNvSpPr txBox="1">
             <a:spLocks/>
           </p:cNvSpPr>
@@ -16052,11 +15210,14 @@
             </a:lvl9pPr>
           </a:lstStyle>
           <a:p>
-            <a:r>
-              <a:rPr lang="fr-BE" sz="3200" b="1" dirty="0">
+            <a:pPr marL="0" indent="0">
+              <a:buNone/>
+            </a:pPr>
+            <a:r>
+              <a:rPr lang="fr-BE" sz="3200" b="1" u="sng" dirty="0">
                 <a:latin typeface="Franklin Gothic Medium Cond" panose="020B0606030402020204" pitchFamily="34" charset="0"/>
               </a:rPr>
-              <a:t>SQL</a:t>
+              <a:t>Particularités SmartSchool :</a:t>
             </a:r>
           </a:p>
           <a:p>
@@ -16065,7 +15226,7 @@
               <a:rPr lang="fr-BE" sz="3000" b="1" dirty="0">
                 <a:latin typeface="Franklin Gothic Medium Cond" panose="020B0606030402020204" pitchFamily="34" charset="0"/>
               </a:rPr>
-              <a:t>Analyse de la présentation des données</a:t>
+              <a:t>Données regroupées sur une même page</a:t>
             </a:r>
           </a:p>
           <a:p>
@@ -16074,15 +15235,7 @@
               <a:rPr lang="fr-BE" sz="3000" b="1" dirty="0">
                 <a:latin typeface="Franklin Gothic Medium Cond" panose="020B0606030402020204" pitchFamily="34" charset="0"/>
               </a:rPr>
-              <a:t>Compréhension de la gestion de ces données</a:t>
-            </a:r>
-          </a:p>
-          <a:p>
-            <a:r>
-              <a:rPr lang="fr-BE" sz="3200" b="1" dirty="0">
-                <a:latin typeface="Franklin Gothic Medium Cond" panose="020B0606030402020204" pitchFamily="34" charset="0"/>
-              </a:rPr>
-              <a:t>JavaScript</a:t>
+              <a:t>Labyrinthique</a:t>
             </a:r>
           </a:p>
           <a:p>
@@ -16091,14 +15244,39 @@
               <a:rPr lang="fr-BE" sz="3000" b="1" dirty="0">
                 <a:latin typeface="Franklin Gothic Medium Cond" panose="020B0606030402020204" pitchFamily="34" charset="0"/>
               </a:rPr>
-              <a:t>Compréhension plus poussée du fonctionnement des deux systèmes</a:t>
-            </a:r>
-          </a:p>
-          <a:p>
-            <a:pPr marL="0" indent="0">
-              <a:buNone/>
-            </a:pPr>
-            <a:endParaRPr lang="fr-BE" sz="3200" b="1" dirty="0">
+              <a:t>Incohérence au niveau des permissions</a:t>
+            </a:r>
+          </a:p>
+          <a:p>
+            <a:pPr lvl="1"/>
+            <a:r>
+              <a:rPr lang="fr-BE" sz="3000" b="1" dirty="0">
+                <a:latin typeface="Franklin Gothic Medium Cond" panose="020B0606030402020204" pitchFamily="34" charset="0"/>
+              </a:rPr>
+              <a:t>Ne précise pas l’occurrence d’une erreur</a:t>
+            </a:r>
+          </a:p>
+          <a:p>
+            <a:pPr lvl="1"/>
+            <a:r>
+              <a:rPr lang="fr-BE" sz="3000" b="1" dirty="0">
+                <a:latin typeface="Franklin Gothic Medium Cond" panose="020B0606030402020204" pitchFamily="34" charset="0"/>
+              </a:rPr>
+              <a:t>Redirection forcée</a:t>
+            </a:r>
+          </a:p>
+          <a:p>
+            <a:pPr lvl="1"/>
+            <a:r>
+              <a:rPr lang="fr-BE" sz="3000" b="1" dirty="0">
+                <a:latin typeface="Franklin Gothic Medium Cond" panose="020B0606030402020204" pitchFamily="34" charset="0"/>
+              </a:rPr>
+              <a:t>Rend l’information accessible à tous</a:t>
+            </a:r>
+          </a:p>
+          <a:p>
+            <a:pPr lvl="1"/>
+            <a:endParaRPr lang="fr-BE" sz="3000" b="1" dirty="0">
               <a:latin typeface="Franklin Gothic Medium Cond" panose="020B0606030402020204" pitchFamily="34" charset="0"/>
             </a:endParaRPr>
           </a:p>
@@ -16107,7 +15285,7 @@
     </p:spTree>
     <p:extLst>
       <p:ext uri="{BB962C8B-B14F-4D97-AF65-F5344CB8AC3E}">
-        <p14:creationId xmlns:p14="http://schemas.microsoft.com/office/powerpoint/2010/main" val="727083523"/>
+        <p14:creationId xmlns:p14="http://schemas.microsoft.com/office/powerpoint/2010/main" val="669680251"/>
       </p:ext>
     </p:extLst>
   </p:cSld>
@@ -16115,7 +15293,7 @@
     <a:masterClrMapping/>
   </p:clrMapOvr>
   <mc:AlternateContent xmlns:mc="http://schemas.openxmlformats.org/markup-compatibility/2006">
-    <mc:Choice xmlns:p159="http://schemas.microsoft.com/office/powerpoint/2015/09/main" Requires="p159">
+    <mc:Choice xmlns:p159="http://schemas.microsoft.com/office/powerpoint/2015/09/main" xmlns="" Requires="p159">
       <p:transition xmlns:p14="http://schemas.microsoft.com/office/powerpoint/2010/main" spd="slow" p14:dur="2000">
         <p159:morph option="byObject"/>
       </p:transition>
@@ -16129,249 +15307,14 @@
   <p:timing>
     <p:tnLst>
       <p:par>
-        <p:cTn id="1" dur="indefinite" restart="never" nodeType="tmRoot">
-          <p:childTnLst>
-            <p:seq concurrent="1" nextAc="seek">
-              <p:cTn id="2" dur="indefinite" nodeType="mainSeq">
-                <p:childTnLst>
-                  <p:par>
-                    <p:cTn id="3" fill="hold">
-                      <p:stCondLst>
-                        <p:cond delay="indefinite"/>
-                      </p:stCondLst>
-                      <p:childTnLst>
-                        <p:par>
-                          <p:cTn id="4" fill="hold">
-                            <p:stCondLst>
-                              <p:cond delay="0"/>
-                            </p:stCondLst>
-                            <p:childTnLst>
-                              <p:par>
-                                <p:cTn id="5" presetID="42" presetClass="entr" presetSubtype="0" fill="hold" nodeType="clickEffect">
-                                  <p:stCondLst>
-                                    <p:cond delay="0"/>
-                                  </p:stCondLst>
-                                  <p:childTnLst>
-                                    <p:set>
-                                      <p:cBhvr>
-                                        <p:cTn id="6" dur="1" fill="hold">
-                                          <p:stCondLst>
-                                            <p:cond delay="0"/>
-                                          </p:stCondLst>
-                                        </p:cTn>
-                                        <p:tgtEl>
-                                          <p:spTgt spid="12">
-                                            <p:txEl>
-                                              <p:pRg st="3" end="3"/>
-                                            </p:txEl>
-                                          </p:spTgt>
-                                        </p:tgtEl>
-                                        <p:attrNameLst>
-                                          <p:attrName>style.visibility</p:attrName>
-                                        </p:attrNameLst>
-                                      </p:cBhvr>
-                                      <p:to>
-                                        <p:strVal val="visible"/>
-                                      </p:to>
-                                    </p:set>
-                                    <p:animEffect transition="in" filter="fade">
-                                      <p:cBhvr>
-                                        <p:cTn id="7" dur="1000"/>
-                                        <p:tgtEl>
-                                          <p:spTgt spid="12">
-                                            <p:txEl>
-                                              <p:pRg st="3" end="3"/>
-                                            </p:txEl>
-                                          </p:spTgt>
-                                        </p:tgtEl>
-                                      </p:cBhvr>
-                                    </p:animEffect>
-                                    <p:anim calcmode="lin" valueType="num">
-                                      <p:cBhvr>
-                                        <p:cTn id="8" dur="1000" fill="hold"/>
-                                        <p:tgtEl>
-                                          <p:spTgt spid="12">
-                                            <p:txEl>
-                                              <p:pRg st="3" end="3"/>
-                                            </p:txEl>
-                                          </p:spTgt>
-                                        </p:tgtEl>
-                                        <p:attrNameLst>
-                                          <p:attrName>ppt_x</p:attrName>
-                                        </p:attrNameLst>
-                                      </p:cBhvr>
-                                      <p:tavLst>
-                                        <p:tav tm="0">
-                                          <p:val>
-                                            <p:strVal val="#ppt_x"/>
-                                          </p:val>
-                                        </p:tav>
-                                        <p:tav tm="100000">
-                                          <p:val>
-                                            <p:strVal val="#ppt_x"/>
-                                          </p:val>
-                                        </p:tav>
-                                      </p:tavLst>
-                                    </p:anim>
-                                    <p:anim calcmode="lin" valueType="num">
-                                      <p:cBhvr>
-                                        <p:cTn id="9" dur="1000" fill="hold"/>
-                                        <p:tgtEl>
-                                          <p:spTgt spid="12">
-                                            <p:txEl>
-                                              <p:pRg st="3" end="3"/>
-                                            </p:txEl>
-                                          </p:spTgt>
-                                        </p:tgtEl>
-                                        <p:attrNameLst>
-                                          <p:attrName>ppt_y</p:attrName>
-                                        </p:attrNameLst>
-                                      </p:cBhvr>
-                                      <p:tavLst>
-                                        <p:tav tm="0">
-                                          <p:val>
-                                            <p:strVal val="#ppt_y+.1"/>
-                                          </p:val>
-                                        </p:tav>
-                                        <p:tav tm="100000">
-                                          <p:val>
-                                            <p:strVal val="#ppt_y"/>
-                                          </p:val>
-                                        </p:tav>
-                                      </p:tavLst>
-                                    </p:anim>
-                                  </p:childTnLst>
-                                </p:cTn>
-                              </p:par>
-                              <p:par>
-                                <p:cTn id="10" presetID="42" presetClass="entr" presetSubtype="0" fill="hold" nodeType="withEffect">
-                                  <p:stCondLst>
-                                    <p:cond delay="0"/>
-                                  </p:stCondLst>
-                                  <p:childTnLst>
-                                    <p:set>
-                                      <p:cBhvr>
-                                        <p:cTn id="11" dur="1" fill="hold">
-                                          <p:stCondLst>
-                                            <p:cond delay="0"/>
-                                          </p:stCondLst>
-                                        </p:cTn>
-                                        <p:tgtEl>
-                                          <p:spTgt spid="12">
-                                            <p:txEl>
-                                              <p:pRg st="4" end="4"/>
-                                            </p:txEl>
-                                          </p:spTgt>
-                                        </p:tgtEl>
-                                        <p:attrNameLst>
-                                          <p:attrName>style.visibility</p:attrName>
-                                        </p:attrNameLst>
-                                      </p:cBhvr>
-                                      <p:to>
-                                        <p:strVal val="visible"/>
-                                      </p:to>
-                                    </p:set>
-                                    <p:animEffect transition="in" filter="fade">
-                                      <p:cBhvr>
-                                        <p:cTn id="12" dur="1000"/>
-                                        <p:tgtEl>
-                                          <p:spTgt spid="12">
-                                            <p:txEl>
-                                              <p:pRg st="4" end="4"/>
-                                            </p:txEl>
-                                          </p:spTgt>
-                                        </p:tgtEl>
-                                      </p:cBhvr>
-                                    </p:animEffect>
-                                    <p:anim calcmode="lin" valueType="num">
-                                      <p:cBhvr>
-                                        <p:cTn id="13" dur="1000" fill="hold"/>
-                                        <p:tgtEl>
-                                          <p:spTgt spid="12">
-                                            <p:txEl>
-                                              <p:pRg st="4" end="4"/>
-                                            </p:txEl>
-                                          </p:spTgt>
-                                        </p:tgtEl>
-                                        <p:attrNameLst>
-                                          <p:attrName>ppt_x</p:attrName>
-                                        </p:attrNameLst>
-                                      </p:cBhvr>
-                                      <p:tavLst>
-                                        <p:tav tm="0">
-                                          <p:val>
-                                            <p:strVal val="#ppt_x"/>
-                                          </p:val>
-                                        </p:tav>
-                                        <p:tav tm="100000">
-                                          <p:val>
-                                            <p:strVal val="#ppt_x"/>
-                                          </p:val>
-                                        </p:tav>
-                                      </p:tavLst>
-                                    </p:anim>
-                                    <p:anim calcmode="lin" valueType="num">
-                                      <p:cBhvr>
-                                        <p:cTn id="14" dur="1000" fill="hold"/>
-                                        <p:tgtEl>
-                                          <p:spTgt spid="12">
-                                            <p:txEl>
-                                              <p:pRg st="4" end="4"/>
-                                            </p:txEl>
-                                          </p:spTgt>
-                                        </p:tgtEl>
-                                        <p:attrNameLst>
-                                          <p:attrName>ppt_y</p:attrName>
-                                        </p:attrNameLst>
-                                      </p:cBhvr>
-                                      <p:tavLst>
-                                        <p:tav tm="0">
-                                          <p:val>
-                                            <p:strVal val="#ppt_y+.1"/>
-                                          </p:val>
-                                        </p:tav>
-                                        <p:tav tm="100000">
-                                          <p:val>
-                                            <p:strVal val="#ppt_y"/>
-                                          </p:val>
-                                        </p:tav>
-                                      </p:tavLst>
-                                    </p:anim>
-                                  </p:childTnLst>
-                                </p:cTn>
-                              </p:par>
-                            </p:childTnLst>
-                          </p:cTn>
-                        </p:par>
-                      </p:childTnLst>
-                    </p:cTn>
-                  </p:par>
-                </p:childTnLst>
-              </p:cTn>
-              <p:prevCondLst>
-                <p:cond evt="onPrev" delay="0">
-                  <p:tgtEl>
-                    <p:sldTgt/>
-                  </p:tgtEl>
-                </p:cond>
-              </p:prevCondLst>
-              <p:nextCondLst>
-                <p:cond evt="onNext" delay="0">
-                  <p:tgtEl>
-                    <p:sldTgt/>
-                  </p:tgtEl>
-                </p:cond>
-              </p:nextCondLst>
-            </p:seq>
-          </p:childTnLst>
-        </p:cTn>
+        <p:cTn id="1" dur="indefinite" restart="never" nodeType="tmRoot"/>
       </p:par>
     </p:tnLst>
   </p:timing>
 </p:sld>
 </file>
 
-<file path=ppt/slides/slide18.xml><?xml version="1.0" encoding="utf-8"?>
+<file path=ppt/slides/slide15.xml><?xml version="1.0" encoding="utf-8"?>
 <p:sld xmlns:a="http://schemas.openxmlformats.org/drawingml/2006/main" xmlns:r="http://schemas.openxmlformats.org/officeDocument/2006/relationships" xmlns:p="http://schemas.openxmlformats.org/presentationml/2006/main">
   <p:cSld>
     <p:spTree>
@@ -16414,6 +15357,43 @@
       </p:sp>
       <p:sp>
         <p:nvSpPr>
+          <p:cNvPr id="10" name="Espace réservé du contenu 2"/>
+          <p:cNvSpPr>
+            <a:spLocks noGrp="1"/>
+          </p:cNvSpPr>
+          <p:nvPr>
+            <p:ph idx="1"/>
+          </p:nvPr>
+        </p:nvSpPr>
+        <p:spPr/>
+        <p:txBody>
+          <a:bodyPr>
+            <a:normAutofit/>
+          </a:bodyPr>
+          <a:lstStyle/>
+          <a:p>
+            <a:pPr marL="457200" lvl="1" indent="0">
+              <a:buNone/>
+            </a:pPr>
+            <a:endParaRPr lang="fr-BE" sz="3000" b="1" dirty="0">
+              <a:latin typeface="Franklin Gothic Medium Cond" panose="020B0606030402020204" pitchFamily="34" charset="0"/>
+            </a:endParaRPr>
+          </a:p>
+          <a:p>
+            <a:pPr lvl="1"/>
+            <a:endParaRPr lang="fr-BE" sz="3000" b="1" dirty="0">
+              <a:latin typeface="Franklin Gothic Medium Cond" panose="020B0606030402020204" pitchFamily="34" charset="0"/>
+            </a:endParaRPr>
+          </a:p>
+          <a:p>
+            <a:endParaRPr lang="fr-BE" sz="3200" b="1" dirty="0">
+              <a:latin typeface="Franklin Gothic Medium Cond" panose="020B0606030402020204" pitchFamily="34" charset="0"/>
+            </a:endParaRPr>
+          </a:p>
+        </p:txBody>
+      </p:sp>
+      <p:sp>
+        <p:nvSpPr>
           <p:cNvPr id="4" name="Espace réservé du pied de page 3"/>
           <p:cNvSpPr>
             <a:spLocks noGrp="1"/>
@@ -16451,7 +15431,7 @@
           <a:p>
             <a:fld id="{5C4E3881-3D96-471D-AC8D-00C031DC841B}" type="slidenum">
               <a:rPr lang="fr-BE" smtClean="0"/>
-              <a:t>18</a:t>
+              <a:t>15</a:t>
             </a:fld>
             <a:endParaRPr lang="fr-BE" dirty="0"/>
           </a:p>
@@ -16519,43 +15499,6 @@
       </p:pic>
       <p:sp>
         <p:nvSpPr>
-          <p:cNvPr id="10" name="Espace réservé du contenu 2"/>
-          <p:cNvSpPr>
-            <a:spLocks noGrp="1"/>
-          </p:cNvSpPr>
-          <p:nvPr>
-            <p:ph idx="1"/>
-          </p:nvPr>
-        </p:nvSpPr>
-        <p:spPr/>
-        <p:txBody>
-          <a:bodyPr>
-            <a:normAutofit/>
-          </a:bodyPr>
-          <a:lstStyle/>
-          <a:p>
-            <a:pPr marL="457200" lvl="1" indent="0">
-              <a:buNone/>
-            </a:pPr>
-            <a:endParaRPr lang="fr-BE" sz="3000" b="1" dirty="0">
-              <a:latin typeface="Franklin Gothic Medium Cond" panose="020B0606030402020204" pitchFamily="34" charset="0"/>
-            </a:endParaRPr>
-          </a:p>
-          <a:p>
-            <a:pPr lvl="1"/>
-            <a:endParaRPr lang="fr-BE" sz="3000" b="1" dirty="0">
-              <a:latin typeface="Franklin Gothic Medium Cond" panose="020B0606030402020204" pitchFamily="34" charset="0"/>
-            </a:endParaRPr>
-          </a:p>
-          <a:p>
-            <a:endParaRPr lang="fr-BE" sz="3200" b="1" dirty="0">
-              <a:latin typeface="Franklin Gothic Medium Cond" panose="020B0606030402020204" pitchFamily="34" charset="0"/>
-            </a:endParaRPr>
-          </a:p>
-        </p:txBody>
-      </p:sp>
-      <p:sp>
-        <p:nvSpPr>
           <p:cNvPr id="12" name="Espace réservé du contenu 2"/>
           <p:cNvSpPr txBox="1">
             <a:spLocks/>
@@ -16573,7 +15516,7 @@
         </p:spPr>
         <p:txBody>
           <a:bodyPr vert="horz" lIns="91440" tIns="45720" rIns="91440" bIns="45720" rtlCol="0">
-            <a:normAutofit/>
+            <a:normAutofit fontScale="92500" lnSpcReduction="10000"/>
           </a:bodyPr>
           <a:lstStyle>
             <a:lvl1pPr marL="342900" indent="-342900" algn="l" defTabSz="457200" rtl="0" eaLnBrk="1" latinLnBrk="0" hangingPunct="1">
@@ -16806,6 +15749,35 @@
               <a:rPr lang="fr-BE" sz="3200" b="1" dirty="0">
                 <a:latin typeface="Franklin Gothic Medium Cond" panose="020B0606030402020204" pitchFamily="34" charset="0"/>
               </a:rPr>
+              <a:t>SQL</a:t>
+            </a:r>
+          </a:p>
+          <a:p>
+            <a:pPr lvl="1"/>
+            <a:r>
+              <a:rPr lang="fr-BE" sz="3000" b="1" dirty="0">
+                <a:latin typeface="Franklin Gothic Medium Cond" panose="020B0606030402020204" pitchFamily="34" charset="0"/>
+              </a:rPr>
+              <a:t>Analyse de la présentation des données</a:t>
+            </a:r>
+          </a:p>
+          <a:p>
+            <a:pPr lvl="1"/>
+            <a:r>
+              <a:rPr lang="fr-BE" sz="3000" b="1" dirty="0">
+                <a:latin typeface="Franklin Gothic Medium Cond" panose="020B0606030402020204" pitchFamily="34" charset="0"/>
+              </a:rPr>
+              <a:t>Compréhension de la gestion de ces données</a:t>
+            </a:r>
+            <a:endParaRPr lang="fr-BE" sz="3200" b="1" dirty="0">
+              <a:latin typeface="Franklin Gothic Medium Cond" panose="020B0606030402020204" pitchFamily="34" charset="0"/>
+            </a:endParaRPr>
+          </a:p>
+          <a:p>
+            <a:r>
+              <a:rPr lang="fr-BE" sz="3200" b="1" dirty="0">
+                <a:latin typeface="Franklin Gothic Medium Cond" panose="020B0606030402020204" pitchFamily="34" charset="0"/>
+              </a:rPr>
               <a:t>Organisation des entreprises</a:t>
             </a:r>
           </a:p>
@@ -16849,7 +15821,7 @@
     </p:spTree>
     <p:extLst>
       <p:ext uri="{BB962C8B-B14F-4D97-AF65-F5344CB8AC3E}">
-        <p14:creationId xmlns:p14="http://schemas.microsoft.com/office/powerpoint/2010/main" val="2229910491"/>
+        <p14:creationId xmlns:p14="http://schemas.microsoft.com/office/powerpoint/2010/main" val="727083523"/>
       </p:ext>
     </p:extLst>
   </p:cSld>
@@ -16857,7 +15829,7 @@
     <a:masterClrMapping/>
   </p:clrMapOvr>
   <mc:AlternateContent xmlns:mc="http://schemas.openxmlformats.org/markup-compatibility/2006">
-    <mc:Choice xmlns:p159="http://schemas.microsoft.com/office/powerpoint/2015/09/main" Requires="p159">
+    <mc:Choice xmlns:p159="http://schemas.microsoft.com/office/powerpoint/2015/09/main" xmlns="" Requires="p159">
       <p:transition xmlns:p14="http://schemas.microsoft.com/office/powerpoint/2010/main" spd="slow" p14:dur="2000">
         <p159:morph option="byObject"/>
       </p:transition>
@@ -16871,249 +15843,14 @@
   <p:timing>
     <p:tnLst>
       <p:par>
-        <p:cTn id="1" dur="indefinite" restart="never" nodeType="tmRoot">
-          <p:childTnLst>
-            <p:seq concurrent="1" nextAc="seek">
-              <p:cTn id="2" dur="indefinite" nodeType="mainSeq">
-                <p:childTnLst>
-                  <p:par>
-                    <p:cTn id="3" fill="hold">
-                      <p:stCondLst>
-                        <p:cond delay="indefinite"/>
-                      </p:stCondLst>
-                      <p:childTnLst>
-                        <p:par>
-                          <p:cTn id="4" fill="hold">
-                            <p:stCondLst>
-                              <p:cond delay="0"/>
-                            </p:stCondLst>
-                            <p:childTnLst>
-                              <p:par>
-                                <p:cTn id="5" presetID="42" presetClass="entr" presetSubtype="0" fill="hold" nodeType="clickEffect">
-                                  <p:stCondLst>
-                                    <p:cond delay="0"/>
-                                  </p:stCondLst>
-                                  <p:childTnLst>
-                                    <p:set>
-                                      <p:cBhvr>
-                                        <p:cTn id="6" dur="1" fill="hold">
-                                          <p:stCondLst>
-                                            <p:cond delay="0"/>
-                                          </p:stCondLst>
-                                        </p:cTn>
-                                        <p:tgtEl>
-                                          <p:spTgt spid="12">
-                                            <p:txEl>
-                                              <p:pRg st="3" end="3"/>
-                                            </p:txEl>
-                                          </p:spTgt>
-                                        </p:tgtEl>
-                                        <p:attrNameLst>
-                                          <p:attrName>style.visibility</p:attrName>
-                                        </p:attrNameLst>
-                                      </p:cBhvr>
-                                      <p:to>
-                                        <p:strVal val="visible"/>
-                                      </p:to>
-                                    </p:set>
-                                    <p:animEffect transition="in" filter="fade">
-                                      <p:cBhvr>
-                                        <p:cTn id="7" dur="1000"/>
-                                        <p:tgtEl>
-                                          <p:spTgt spid="12">
-                                            <p:txEl>
-                                              <p:pRg st="3" end="3"/>
-                                            </p:txEl>
-                                          </p:spTgt>
-                                        </p:tgtEl>
-                                      </p:cBhvr>
-                                    </p:animEffect>
-                                    <p:anim calcmode="lin" valueType="num">
-                                      <p:cBhvr>
-                                        <p:cTn id="8" dur="1000" fill="hold"/>
-                                        <p:tgtEl>
-                                          <p:spTgt spid="12">
-                                            <p:txEl>
-                                              <p:pRg st="3" end="3"/>
-                                            </p:txEl>
-                                          </p:spTgt>
-                                        </p:tgtEl>
-                                        <p:attrNameLst>
-                                          <p:attrName>ppt_x</p:attrName>
-                                        </p:attrNameLst>
-                                      </p:cBhvr>
-                                      <p:tavLst>
-                                        <p:tav tm="0">
-                                          <p:val>
-                                            <p:strVal val="#ppt_x"/>
-                                          </p:val>
-                                        </p:tav>
-                                        <p:tav tm="100000">
-                                          <p:val>
-                                            <p:strVal val="#ppt_x"/>
-                                          </p:val>
-                                        </p:tav>
-                                      </p:tavLst>
-                                    </p:anim>
-                                    <p:anim calcmode="lin" valueType="num">
-                                      <p:cBhvr>
-                                        <p:cTn id="9" dur="1000" fill="hold"/>
-                                        <p:tgtEl>
-                                          <p:spTgt spid="12">
-                                            <p:txEl>
-                                              <p:pRg st="3" end="3"/>
-                                            </p:txEl>
-                                          </p:spTgt>
-                                        </p:tgtEl>
-                                        <p:attrNameLst>
-                                          <p:attrName>ppt_y</p:attrName>
-                                        </p:attrNameLst>
-                                      </p:cBhvr>
-                                      <p:tavLst>
-                                        <p:tav tm="0">
-                                          <p:val>
-                                            <p:strVal val="#ppt_y+.1"/>
-                                          </p:val>
-                                        </p:tav>
-                                        <p:tav tm="100000">
-                                          <p:val>
-                                            <p:strVal val="#ppt_y"/>
-                                          </p:val>
-                                        </p:tav>
-                                      </p:tavLst>
-                                    </p:anim>
-                                  </p:childTnLst>
-                                </p:cTn>
-                              </p:par>
-                              <p:par>
-                                <p:cTn id="10" presetID="42" presetClass="entr" presetSubtype="0" fill="hold" nodeType="withEffect">
-                                  <p:stCondLst>
-                                    <p:cond delay="0"/>
-                                  </p:stCondLst>
-                                  <p:childTnLst>
-                                    <p:set>
-                                      <p:cBhvr>
-                                        <p:cTn id="11" dur="1" fill="hold">
-                                          <p:stCondLst>
-                                            <p:cond delay="0"/>
-                                          </p:stCondLst>
-                                        </p:cTn>
-                                        <p:tgtEl>
-                                          <p:spTgt spid="12">
-                                            <p:txEl>
-                                              <p:pRg st="4" end="4"/>
-                                            </p:txEl>
-                                          </p:spTgt>
-                                        </p:tgtEl>
-                                        <p:attrNameLst>
-                                          <p:attrName>style.visibility</p:attrName>
-                                        </p:attrNameLst>
-                                      </p:cBhvr>
-                                      <p:to>
-                                        <p:strVal val="visible"/>
-                                      </p:to>
-                                    </p:set>
-                                    <p:animEffect transition="in" filter="fade">
-                                      <p:cBhvr>
-                                        <p:cTn id="12" dur="1000"/>
-                                        <p:tgtEl>
-                                          <p:spTgt spid="12">
-                                            <p:txEl>
-                                              <p:pRg st="4" end="4"/>
-                                            </p:txEl>
-                                          </p:spTgt>
-                                        </p:tgtEl>
-                                      </p:cBhvr>
-                                    </p:animEffect>
-                                    <p:anim calcmode="lin" valueType="num">
-                                      <p:cBhvr>
-                                        <p:cTn id="13" dur="1000" fill="hold"/>
-                                        <p:tgtEl>
-                                          <p:spTgt spid="12">
-                                            <p:txEl>
-                                              <p:pRg st="4" end="4"/>
-                                            </p:txEl>
-                                          </p:spTgt>
-                                        </p:tgtEl>
-                                        <p:attrNameLst>
-                                          <p:attrName>ppt_x</p:attrName>
-                                        </p:attrNameLst>
-                                      </p:cBhvr>
-                                      <p:tavLst>
-                                        <p:tav tm="0">
-                                          <p:val>
-                                            <p:strVal val="#ppt_x"/>
-                                          </p:val>
-                                        </p:tav>
-                                        <p:tav tm="100000">
-                                          <p:val>
-                                            <p:strVal val="#ppt_x"/>
-                                          </p:val>
-                                        </p:tav>
-                                      </p:tavLst>
-                                    </p:anim>
-                                    <p:anim calcmode="lin" valueType="num">
-                                      <p:cBhvr>
-                                        <p:cTn id="14" dur="1000" fill="hold"/>
-                                        <p:tgtEl>
-                                          <p:spTgt spid="12">
-                                            <p:txEl>
-                                              <p:pRg st="4" end="4"/>
-                                            </p:txEl>
-                                          </p:spTgt>
-                                        </p:tgtEl>
-                                        <p:attrNameLst>
-                                          <p:attrName>ppt_y</p:attrName>
-                                        </p:attrNameLst>
-                                      </p:cBhvr>
-                                      <p:tavLst>
-                                        <p:tav tm="0">
-                                          <p:val>
-                                            <p:strVal val="#ppt_y+.1"/>
-                                          </p:val>
-                                        </p:tav>
-                                        <p:tav tm="100000">
-                                          <p:val>
-                                            <p:strVal val="#ppt_y"/>
-                                          </p:val>
-                                        </p:tav>
-                                      </p:tavLst>
-                                    </p:anim>
-                                  </p:childTnLst>
-                                </p:cTn>
-                              </p:par>
-                            </p:childTnLst>
-                          </p:cTn>
-                        </p:par>
-                      </p:childTnLst>
-                    </p:cTn>
-                  </p:par>
-                </p:childTnLst>
-              </p:cTn>
-              <p:prevCondLst>
-                <p:cond evt="onPrev" delay="0">
-                  <p:tgtEl>
-                    <p:sldTgt/>
-                  </p:tgtEl>
-                </p:cond>
-              </p:prevCondLst>
-              <p:nextCondLst>
-                <p:cond evt="onNext" delay="0">
-                  <p:tgtEl>
-                    <p:sldTgt/>
-                  </p:tgtEl>
-                </p:cond>
-              </p:nextCondLst>
-            </p:seq>
-          </p:childTnLst>
-        </p:cTn>
+        <p:cTn id="1" dur="indefinite" restart="never" nodeType="tmRoot"/>
       </p:par>
     </p:tnLst>
   </p:timing>
 </p:sld>
 </file>
 
-<file path=ppt/slides/slide19.xml><?xml version="1.0" encoding="utf-8"?>
+<file path=ppt/slides/slide16.xml><?xml version="1.0" encoding="utf-8"?>
 <p:sld xmlns:a="http://schemas.openxmlformats.org/drawingml/2006/main" xmlns:r="http://schemas.openxmlformats.org/officeDocument/2006/relationships" xmlns:p="http://schemas.openxmlformats.org/presentationml/2006/main">
   <p:cSld>
     <p:spTree>
@@ -17253,7 +15990,7 @@
           <a:p>
             <a:fld id="{5C4E3881-3D96-471D-AC8D-00C031DC841B}" type="slidenum">
               <a:rPr lang="fr-BE" smtClean="0"/>
-              <a:t>19</a:t>
+              <a:t>16</a:t>
             </a:fld>
             <a:endParaRPr lang="fr-BE" dirty="0"/>
           </a:p>
@@ -17330,7 +16067,7 @@
     <a:masterClrMapping/>
   </p:clrMapOvr>
   <mc:AlternateContent xmlns:mc="http://schemas.openxmlformats.org/markup-compatibility/2006">
-    <mc:Choice xmlns:p159="http://schemas.microsoft.com/office/powerpoint/2015/09/main" Requires="p159">
+    <mc:Choice xmlns:p159="http://schemas.microsoft.com/office/powerpoint/2015/09/main" xmlns="" Requires="p159">
       <p:transition xmlns:p14="http://schemas.microsoft.com/office/powerpoint/2010/main" spd="slow" p14:dur="2000">
         <p159:morph option="byObject"/>
       </p:transition>
@@ -17341,10 +16078,17 @@
       </p:transition>
     </mc:Fallback>
   </mc:AlternateContent>
+  <p:timing>
+    <p:tnLst>
+      <p:par>
+        <p:cTn id="1" dur="indefinite" restart="never" nodeType="tmRoot"/>
+      </p:par>
+    </p:tnLst>
+  </p:timing>
 </p:sld>
 </file>
 
-<file path=ppt/slides/slide2.xml><?xml version="1.0" encoding="utf-8"?>
+<file path=ppt/slides/slide17.xml><?xml version="1.0" encoding="utf-8"?>
 <p:sld xmlns:a="http://schemas.openxmlformats.org/drawingml/2006/main" xmlns:r="http://schemas.openxmlformats.org/officeDocument/2006/relationships" xmlns:p="http://schemas.openxmlformats.org/presentationml/2006/main">
   <p:cSld>
     <p:spTree>
@@ -17363,323 +16107,6 @@
       </p:grpSpPr>
       <p:sp>
         <p:nvSpPr>
-          <p:cNvPr id="2" name="Titre 1"/>
-          <p:cNvSpPr>
-            <a:spLocks noGrp="1"/>
-          </p:cNvSpPr>
-          <p:nvPr>
-            <p:ph type="title"/>
-          </p:nvPr>
-        </p:nvSpPr>
-        <p:spPr/>
-        <p:txBody>
-          <a:bodyPr/>
-          <a:lstStyle/>
-          <a:p>
-            <a:r>
-              <a:rPr lang="fr-BE" sz="6000" b="1" dirty="0">
-                <a:solidFill>
-                  <a:schemeClr val="tx1">
-                    <a:lumMod val="95000"/>
-                  </a:schemeClr>
-                </a:solidFill>
-                <a:latin typeface="Franklin Gothic Medium Cond" panose="020B0606030402020204" pitchFamily="34" charset="0"/>
-              </a:rPr>
-              <a:t>Sommaire</a:t>
-            </a:r>
-          </a:p>
-        </p:txBody>
-      </p:sp>
-      <p:sp>
-        <p:nvSpPr>
-          <p:cNvPr id="3" name="Espace réservé du contenu 2"/>
-          <p:cNvSpPr>
-            <a:spLocks noGrp="1"/>
-          </p:cNvSpPr>
-          <p:nvPr>
-            <p:ph idx="1"/>
-          </p:nvPr>
-        </p:nvSpPr>
-        <p:spPr>
-          <a:xfrm>
-            <a:off x="875201" y="1494971"/>
-            <a:ext cx="8946541" cy="5123543"/>
-          </a:xfrm>
-        </p:spPr>
-        <p:txBody>
-          <a:bodyPr>
-            <a:normAutofit/>
-          </a:bodyPr>
-          <a:lstStyle/>
-          <a:p>
-            <a:pPr>
-              <a:buClr>
-                <a:schemeClr val="tx1">
-                  <a:lumMod val="50000"/>
-                </a:schemeClr>
-              </a:buClr>
-            </a:pPr>
-            <a:r>
-              <a:rPr lang="fr-BE" sz="4000" b="1" dirty="0">
-                <a:latin typeface="Franklin Gothic Medium Cond" panose="020B0606030402020204" pitchFamily="34" charset="0"/>
-                <a:hlinkClick r:id="rId3" action="ppaction://hlinksldjump"/>
-              </a:rPr>
-              <a:t>Démarches réalisées</a:t>
-            </a:r>
-          </a:p>
-          <a:p>
-            <a:pPr>
-              <a:buClr>
-                <a:schemeClr val="tx1">
-                  <a:lumMod val="50000"/>
-                </a:schemeClr>
-              </a:buClr>
-            </a:pPr>
-            <a:r>
-              <a:rPr lang="fr-BE" sz="4000" b="1" dirty="0">
-                <a:latin typeface="Franklin Gothic Medium Cond" panose="020B0606030402020204" pitchFamily="34" charset="0"/>
-                <a:hlinkClick r:id="rId3" action="ppaction://hlinksldjump"/>
-              </a:rPr>
-              <a:t>Présentation de l’école</a:t>
-            </a:r>
-          </a:p>
-          <a:p>
-            <a:pPr lvl="1">
-              <a:buClr>
-                <a:schemeClr val="tx1">
-                  <a:lumMod val="50000"/>
-                </a:schemeClr>
-              </a:buClr>
-            </a:pPr>
-            <a:r>
-              <a:rPr lang="fr-BE" sz="3800" b="1" dirty="0">
-                <a:latin typeface="Franklin Gothic Medium Cond" panose="020B0606030402020204" pitchFamily="34" charset="0"/>
-                <a:hlinkClick r:id="rId3" action="ppaction://hlinksldjump"/>
-              </a:rPr>
-              <a:t>Lieux du stage</a:t>
-            </a:r>
-          </a:p>
-          <a:p>
-            <a:pPr lvl="1">
-              <a:buClr>
-                <a:schemeClr val="tx1">
-                  <a:lumMod val="50000"/>
-                </a:schemeClr>
-              </a:buClr>
-            </a:pPr>
-            <a:r>
-              <a:rPr lang="fr-BE" sz="3800" b="1" dirty="0">
-                <a:latin typeface="Franklin Gothic Medium Cond" panose="020B0606030402020204" pitchFamily="34" charset="0"/>
-                <a:hlinkClick r:id="rId3" action="ppaction://hlinksldjump"/>
-              </a:rPr>
-              <a:t>Les Tuteurs</a:t>
-            </a:r>
-          </a:p>
-          <a:p>
-            <a:pPr>
-              <a:buClr>
-                <a:schemeClr val="tx1">
-                  <a:lumMod val="50000"/>
-                </a:schemeClr>
-              </a:buClr>
-            </a:pPr>
-            <a:r>
-              <a:rPr lang="fr-BE" sz="4000" b="1" dirty="0">
-                <a:latin typeface="Franklin Gothic Medium Cond" panose="020B0606030402020204" pitchFamily="34" charset="0"/>
-                <a:hlinkClick r:id="rId3" action="ppaction://hlinksldjump"/>
-              </a:rPr>
-              <a:t>Objectifs du stage</a:t>
-            </a:r>
-          </a:p>
-          <a:p>
-            <a:pPr>
-              <a:buClr>
-                <a:schemeClr val="tx1">
-                  <a:lumMod val="50000"/>
-                </a:schemeClr>
-              </a:buClr>
-            </a:pPr>
-            <a:endParaRPr lang="fr-BE" sz="3800" b="1" dirty="0">
-              <a:latin typeface="Franklin Gothic Medium Cond" panose="020B0606030402020204" pitchFamily="34" charset="0"/>
-              <a:hlinkClick r:id="rId3" action="ppaction://hlinksldjump"/>
-            </a:endParaRPr>
-          </a:p>
-          <a:p>
-            <a:pPr lvl="1">
-              <a:buClr>
-                <a:schemeClr val="tx1">
-                  <a:lumMod val="50000"/>
-                </a:schemeClr>
-              </a:buClr>
-            </a:pPr>
-            <a:endParaRPr lang="fr-BE" sz="3800" b="1" dirty="0">
-              <a:latin typeface="Franklin Gothic Medium Cond" panose="020B0606030402020204" pitchFamily="34" charset="0"/>
-              <a:hlinkClick r:id="rId3" action="ppaction://hlinksldjump"/>
-            </a:endParaRPr>
-          </a:p>
-        </p:txBody>
-      </p:sp>
-      <p:sp>
-        <p:nvSpPr>
-          <p:cNvPr id="4" name="Espace réservé du numéro de diapositive 3"/>
-          <p:cNvSpPr>
-            <a:spLocks noGrp="1"/>
-          </p:cNvSpPr>
-          <p:nvPr>
-            <p:ph type="sldNum" sz="quarter" idx="12"/>
-          </p:nvPr>
-        </p:nvSpPr>
-        <p:spPr/>
-        <p:txBody>
-          <a:bodyPr/>
-          <a:lstStyle/>
-          <a:p>
-            <a:fld id="{5C4E3881-3D96-471D-AC8D-00C031DC841B}" type="slidenum">
-              <a:rPr lang="fr-BE" smtClean="0"/>
-              <a:t>2</a:t>
-            </a:fld>
-            <a:endParaRPr lang="fr-BE" dirty="0"/>
-          </a:p>
-        </p:txBody>
-      </p:sp>
-      <p:sp>
-        <p:nvSpPr>
-          <p:cNvPr id="6" name="Espace réservé du pied de page 5"/>
-          <p:cNvSpPr>
-            <a:spLocks noGrp="1"/>
-          </p:cNvSpPr>
-          <p:nvPr>
-            <p:ph type="ftr" sz="quarter" idx="11"/>
-          </p:nvPr>
-        </p:nvSpPr>
-        <p:spPr>
-          <a:xfrm>
-            <a:off x="4914" y="6342743"/>
-            <a:ext cx="3859795" cy="428271"/>
-          </a:xfrm>
-        </p:spPr>
-        <p:txBody>
-          <a:bodyPr/>
-          <a:lstStyle/>
-          <a:p>
-            <a:r>
-              <a:rPr lang="fr-BE" sz="2800" b="1" dirty="0">
-                <a:solidFill>
-                  <a:schemeClr val="tx1">
-                    <a:alpha val="60000"/>
-                  </a:schemeClr>
-                </a:solidFill>
-                <a:latin typeface="Franklin Gothic Medium Cond" panose="020B0606030402020204" pitchFamily="34" charset="0"/>
-              </a:rPr>
-              <a:t>Sacré Christopher</a:t>
-            </a:r>
-          </a:p>
-        </p:txBody>
-      </p:sp>
-      <p:pic>
-        <p:nvPicPr>
-          <p:cNvPr id="8" name="Picture 7"/>
-          <p:cNvPicPr>
-            <a:picLocks noChangeAspect="1"/>
-          </p:cNvPicPr>
-          <p:nvPr/>
-        </p:nvPicPr>
-        <p:blipFill>
-          <a:blip r:embed="rId4">
-            <a:extLst>
-              <a:ext uri="{BEBA8EAE-BF5A-486C-A8C5-ECC9F3942E4B}">
-                <a14:imgProps xmlns:a14="http://schemas.microsoft.com/office/drawing/2010/main">
-                  <a14:imgLayer r:embed="rId5">
-                    <a14:imgEffect>
-                      <a14:backgroundRemoval t="0" b="100000" l="0" r="100000">
-                        <a14:foregroundMark x1="9600" y1="64000" x2="12400" y2="64800"/>
-                        <a14:foregroundMark x1="9600" y1="48000" x2="8800" y2="46000"/>
-                        <a14:foregroundMark x1="9600" y1="8400" x2="9600" y2="8000"/>
-                        <a14:foregroundMark x1="53200" y1="24000" x2="61200" y2="50400"/>
-                        <a14:foregroundMark x1="58000" y1="17600" x2="94000" y2="68400"/>
-                        <a14:foregroundMark x1="87600" y1="2800" x2="91600" y2="9200"/>
-                        <a14:foregroundMark x1="93600" y1="7200" x2="90800" y2="23600"/>
-                        <a14:foregroundMark x1="77200" y1="20000" x2="76800" y2="21600"/>
-                        <a14:foregroundMark x1="76800" y1="23600" x2="85200" y2="59600"/>
-                        <a14:foregroundMark x1="58000" y1="52800" x2="69600" y2="82400"/>
-                        <a14:foregroundMark x1="76800" y1="61200" x2="71200" y2="80000"/>
-                        <a14:foregroundMark x1="51200" y1="31600" x2="55600" y2="53600"/>
-                        <a14:foregroundMark x1="55600" y1="70400" x2="60400" y2="91200"/>
-                        <a14:foregroundMark x1="63600" y1="88800" x2="93200" y2="90000"/>
-                        <a14:foregroundMark x1="92000" y1="55200" x2="90000" y2="30000"/>
-                        <a14:foregroundMark x1="72400" y1="41600" x2="82800" y2="60800"/>
-                        <a14:foregroundMark x1="83600" y1="40800" x2="67600" y2="60800"/>
-                        <a14:foregroundMark x1="65200" y1="44000" x2="97600" y2="61600"/>
-                        <a14:foregroundMark x1="89600" y1="43200" x2="72800" y2="69200"/>
-                        <a14:foregroundMark x1="71200" y1="62000" x2="87600" y2="91200"/>
-                      </a14:backgroundRemoval>
-                    </a14:imgEffect>
-                  </a14:imgLayer>
-                </a14:imgProps>
-              </a:ext>
-              <a:ext uri="{28A0092B-C50C-407E-A947-70E740481C1C}">
-                <a14:useLocalDpi xmlns:a14="http://schemas.microsoft.com/office/drawing/2010/main" val="0"/>
-              </a:ext>
-            </a:extLst>
-          </a:blip>
-          <a:stretch>
-            <a:fillRect/>
-          </a:stretch>
-        </p:blipFill>
-        <p:spPr>
-          <a:xfrm>
-            <a:off x="10352539" y="5239240"/>
-            <a:ext cx="1618759" cy="1618759"/>
-          </a:xfrm>
-          <a:prstGeom prst="rect">
-            <a:avLst/>
-          </a:prstGeom>
-        </p:spPr>
-      </p:pic>
-    </p:spTree>
-    <p:extLst>
-      <p:ext uri="{BB962C8B-B14F-4D97-AF65-F5344CB8AC3E}">
-        <p14:creationId xmlns:p14="http://schemas.microsoft.com/office/powerpoint/2010/main" val="1480141244"/>
-      </p:ext>
-    </p:extLst>
-  </p:cSld>
-  <p:clrMapOvr>
-    <a:masterClrMapping/>
-  </p:clrMapOvr>
-  <mc:AlternateContent xmlns:mc="http://schemas.openxmlformats.org/markup-compatibility/2006">
-    <mc:Choice xmlns:p159="http://schemas.microsoft.com/office/powerpoint/2015/09/main" Requires="p159">
-      <p:transition xmlns:p14="http://schemas.microsoft.com/office/powerpoint/2010/main" spd="slow" p14:dur="2000">
-        <p159:morph option="byObject"/>
-      </p:transition>
-    </mc:Choice>
-    <mc:Fallback>
-      <p:transition spd="slow">
-        <p:fade/>
-      </p:transition>
-    </mc:Fallback>
-  </mc:AlternateContent>
-</p:sld>
-</file>
-
-<file path=ppt/slides/slide20.xml><?xml version="1.0" encoding="utf-8"?>
-<p:sld xmlns:a="http://schemas.openxmlformats.org/drawingml/2006/main" xmlns:r="http://schemas.openxmlformats.org/officeDocument/2006/relationships" xmlns:p="http://schemas.openxmlformats.org/presentationml/2006/main">
-  <p:cSld>
-    <p:spTree>
-      <p:nvGrpSpPr>
-        <p:cNvPr id="1" name=""/>
-        <p:cNvGrpSpPr/>
-        <p:nvPr/>
-      </p:nvGrpSpPr>
-      <p:grpSpPr>
-        <a:xfrm>
-          <a:off x="0" y="0"/>
-          <a:ext cx="0" cy="0"/>
-          <a:chOff x="0" y="0"/>
-          <a:chExt cx="0" cy="0"/>
-        </a:xfrm>
-      </p:grpSpPr>
-      <p:sp>
-        <p:nvSpPr>
           <p:cNvPr id="4" name="Footer Placeholder 3"/>
           <p:cNvSpPr>
             <a:spLocks noGrp="1"/>
@@ -17717,7 +16144,7 @@
           <a:p>
             <a:fld id="{5C4E3881-3D96-471D-AC8D-00C031DC841B}" type="slidenum">
               <a:rPr lang="fr-BE" smtClean="0"/>
-              <a:t>20</a:t>
+              <a:t>17</a:t>
             </a:fld>
             <a:endParaRPr lang="fr-BE" dirty="0"/>
           </a:p>
@@ -17838,7 +16265,7 @@
     <a:masterClrMapping/>
   </p:clrMapOvr>
   <mc:AlternateContent xmlns:mc="http://schemas.openxmlformats.org/markup-compatibility/2006">
-    <mc:Choice xmlns:p159="http://schemas.microsoft.com/office/powerpoint/2015/09/main" Requires="p159">
+    <mc:Choice xmlns:p159="http://schemas.microsoft.com/office/powerpoint/2015/09/main" xmlns="" Requires="p159">
       <p:transition xmlns:p14="http://schemas.microsoft.com/office/powerpoint/2010/main" spd="slow" p14:dur="2000">
         <p159:morph option="byObject"/>
       </p:transition>
@@ -17849,10 +16276,17 @@
       </p:transition>
     </mc:Fallback>
   </mc:AlternateContent>
+  <p:timing>
+    <p:tnLst>
+      <p:par>
+        <p:cTn id="1" dur="indefinite" restart="never" nodeType="tmRoot"/>
+      </p:par>
+    </p:tnLst>
+  </p:timing>
 </p:sld>
 </file>
 
-<file path=ppt/slides/slide3.xml><?xml version="1.0" encoding="utf-8"?>
+<file path=ppt/slides/slide2.xml><?xml version="1.0" encoding="utf-8"?>
 <p:sld xmlns:a="http://schemas.openxmlformats.org/drawingml/2006/main" xmlns:r="http://schemas.openxmlformats.org/officeDocument/2006/relationships" xmlns:p="http://schemas.openxmlformats.org/presentationml/2006/main">
   <p:cSld>
     <p:spTree>
@@ -17932,39 +16366,7 @@
                 <a:latin typeface="Franklin Gothic Medium Cond" panose="020B0606030402020204" pitchFamily="34" charset="0"/>
                 <a:hlinkClick r:id="rId3" action="ppaction://hlinksldjump"/>
               </a:rPr>
-              <a:t>Description du stage</a:t>
-            </a:r>
-          </a:p>
-          <a:p>
-            <a:pPr lvl="1">
-              <a:buClr>
-                <a:schemeClr val="tx1">
-                  <a:lumMod val="50000"/>
-                </a:schemeClr>
-              </a:buClr>
-            </a:pPr>
-            <a:r>
-              <a:rPr lang="fr-BE" sz="3800" b="1" dirty="0">
-                <a:latin typeface="Franklin Gothic Medium Cond" panose="020B0606030402020204" pitchFamily="34" charset="0"/>
-                <a:hlinkClick r:id="rId3" action="ppaction://hlinksldjump"/>
-              </a:rPr>
-              <a:t>Premier Contact</a:t>
-            </a:r>
-          </a:p>
-          <a:p>
-            <a:pPr lvl="1">
-              <a:buClr>
-                <a:schemeClr val="tx1">
-                  <a:lumMod val="50000"/>
-                </a:schemeClr>
-              </a:buClr>
-            </a:pPr>
-            <a:r>
-              <a:rPr lang="fr-BE" sz="3800" b="1" dirty="0">
-                <a:latin typeface="Franklin Gothic Medium Cond" panose="020B0606030402020204" pitchFamily="34" charset="0"/>
-                <a:hlinkClick r:id="rId3" action="ppaction://hlinksldjump"/>
-              </a:rPr>
-              <a:t>Problème de la langue</a:t>
+              <a:t>Introduction</a:t>
             </a:r>
           </a:p>
           <a:p>
@@ -17976,15 +16378,15 @@
               </a:buClr>
             </a:pPr>
             <a:r>
-              <a:rPr lang="fr-BE" sz="3800" b="1" dirty="0">
+              <a:rPr lang="fr-BE" sz="4000" b="1" dirty="0">
                 <a:latin typeface="Franklin Gothic Medium Cond" panose="020B0606030402020204" pitchFamily="34" charset="0"/>
                 <a:hlinkClick r:id="rId3" action="ppaction://hlinksldjump"/>
               </a:rPr>
-              <a:t>Tâches observées</a:t>
-            </a:r>
-          </a:p>
-          <a:p>
-            <a:pPr lvl="1">
+              <a:t>Objectifs du stage</a:t>
+            </a:r>
+          </a:p>
+          <a:p>
+            <a:pPr>
               <a:buClr>
                 <a:schemeClr val="tx1">
                   <a:lumMod val="50000"/>
@@ -17996,11 +16398,11 @@
                 <a:latin typeface="Franklin Gothic Medium Cond" panose="020B0606030402020204" pitchFamily="34" charset="0"/>
                 <a:hlinkClick r:id="rId3" action="ppaction://hlinksldjump"/>
               </a:rPr>
-              <a:t>Description du métier</a:t>
-            </a:r>
-          </a:p>
-          <a:p>
-            <a:pPr lvl="1">
+              <a:t>Description du stage</a:t>
+            </a:r>
+          </a:p>
+          <a:p>
+            <a:pPr>
               <a:buClr>
                 <a:schemeClr val="tx1">
                   <a:lumMod val="50000"/>
@@ -18012,11 +16414,11 @@
                 <a:latin typeface="Franklin Gothic Medium Cond" panose="020B0606030402020204" pitchFamily="34" charset="0"/>
                 <a:hlinkClick r:id="rId3" action="ppaction://hlinksldjump"/>
               </a:rPr>
-              <a:t>Processus observé</a:t>
-            </a:r>
-          </a:p>
-          <a:p>
-            <a:pPr lvl="1">
+              <a:t>Tâches observées</a:t>
+            </a:r>
+          </a:p>
+          <a:p>
+            <a:pPr>
               <a:buClr>
                 <a:schemeClr val="tx1">
                   <a:lumMod val="50000"/>
@@ -18026,10 +16428,55 @@
             <a:r>
               <a:rPr lang="fr-BE" sz="3600" b="1" dirty="0">
                 <a:latin typeface="Franklin Gothic Medium Cond" panose="020B0606030402020204" pitchFamily="34" charset="0"/>
-                <a:hlinkClick r:id="rId3" action="ppaction://hlinksldjump"/>
+                <a:hlinkClick r:id="rId4" action="ppaction://hlinksldjump"/>
               </a:rPr>
-              <a:t>Passage Ibasis vers SmartSchool</a:t>
-            </a:r>
+              <a:t>Liens</a:t>
+            </a:r>
+          </a:p>
+          <a:p>
+            <a:pPr>
+              <a:buClr>
+                <a:schemeClr val="tx1">
+                  <a:lumMod val="50000"/>
+                </a:schemeClr>
+              </a:buClr>
+            </a:pPr>
+            <a:r>
+              <a:rPr lang="fr-BE" sz="3600" b="1" dirty="0">
+                <a:latin typeface="Franklin Gothic Medium Cond" panose="020B0606030402020204" pitchFamily="34" charset="0"/>
+                <a:hlinkClick r:id="rId4" action="ppaction://hlinksldjump"/>
+              </a:rPr>
+              <a:t>Conclusion</a:t>
+            </a:r>
+          </a:p>
+          <a:p>
+            <a:pPr>
+              <a:buClr>
+                <a:schemeClr val="tx1">
+                  <a:lumMod val="50000"/>
+                </a:schemeClr>
+              </a:buClr>
+            </a:pPr>
+            <a:r>
+              <a:rPr lang="fr-BE" sz="3600" b="1" dirty="0">
+                <a:latin typeface="Franklin Gothic Medium Cond" panose="020B0606030402020204" pitchFamily="34" charset="0"/>
+                <a:hlinkClick r:id="rId4" action="ppaction://hlinksldjump"/>
+              </a:rPr>
+              <a:t>Remerciements</a:t>
+            </a:r>
+          </a:p>
+          <a:p>
+            <a:pPr>
+              <a:buClr>
+                <a:schemeClr val="tx1">
+                  <a:lumMod val="50000"/>
+                </a:schemeClr>
+              </a:buClr>
+            </a:pPr>
+            <a:endParaRPr lang="fr-BE" sz="3600" b="1" dirty="0">
+              <a:latin typeface="Franklin Gothic Medium Cond" panose="020B0606030402020204" pitchFamily="34" charset="0"/>
+              <a:hlinkClick r:id="rId3" action="ppaction://hlinksldjump"/>
+            </a:endParaRPr>
           </a:p>
           <a:p>
             <a:pPr>
@@ -18061,29 +16508,6 @@
       </p:sp>
       <p:sp>
         <p:nvSpPr>
-          <p:cNvPr id="4" name="Espace réservé du numéro de diapositive 3"/>
-          <p:cNvSpPr>
-            <a:spLocks noGrp="1"/>
-          </p:cNvSpPr>
-          <p:nvPr>
-            <p:ph type="sldNum" sz="quarter" idx="12"/>
-          </p:nvPr>
-        </p:nvSpPr>
-        <p:spPr/>
-        <p:txBody>
-          <a:bodyPr/>
-          <a:lstStyle/>
-          <a:p>
-            <a:fld id="{5C4E3881-3D96-471D-AC8D-00C031DC841B}" type="slidenum">
-              <a:rPr lang="fr-BE" smtClean="0"/>
-              <a:t>3</a:t>
-            </a:fld>
-            <a:endParaRPr lang="fr-BE" dirty="0"/>
-          </a:p>
-        </p:txBody>
-      </p:sp>
-      <p:sp>
-        <p:nvSpPr>
           <p:cNvPr id="6" name="Espace réservé du pied de page 5"/>
           <p:cNvSpPr>
             <a:spLocks noGrp="1"/>
@@ -18116,6 +16540,29 @@
           </a:p>
         </p:txBody>
       </p:sp>
+      <p:sp>
+        <p:nvSpPr>
+          <p:cNvPr id="4" name="Espace réservé du numéro de diapositive 3"/>
+          <p:cNvSpPr>
+            <a:spLocks noGrp="1"/>
+          </p:cNvSpPr>
+          <p:nvPr>
+            <p:ph type="sldNum" sz="quarter" idx="12"/>
+          </p:nvPr>
+        </p:nvSpPr>
+        <p:spPr/>
+        <p:txBody>
+          <a:bodyPr/>
+          <a:lstStyle/>
+          <a:p>
+            <a:fld id="{5C4E3881-3D96-471D-AC8D-00C031DC841B}" type="slidenum">
+              <a:rPr lang="fr-BE" smtClean="0"/>
+              <a:t>2</a:t>
+            </a:fld>
+            <a:endParaRPr lang="fr-BE" dirty="0"/>
+          </a:p>
+        </p:txBody>
+      </p:sp>
       <p:pic>
         <p:nvPicPr>
           <p:cNvPr id="8" name="Picture 7"/>
@@ -18125,11 +16572,11 @@
           <p:nvPr/>
         </p:nvPicPr>
         <p:blipFill>
-          <a:blip r:embed="rId4">
+          <a:blip r:embed="rId5">
             <a:extLst>
               <a:ext uri="{BEBA8EAE-BF5A-486C-A8C5-ECC9F3942E4B}">
                 <a14:imgProps xmlns:a14="http://schemas.microsoft.com/office/drawing/2010/main">
-                  <a14:imgLayer r:embed="rId5">
+                  <a14:imgLayer r:embed="rId6">
                     <a14:imgEffect>
                       <a14:backgroundRemoval t="0" b="100000" l="0" r="100000">
                         <a14:foregroundMark x1="9600" y1="64000" x2="12400" y2="64800"/>
@@ -18179,7 +16626,7 @@
     </p:spTree>
     <p:extLst>
       <p:ext uri="{BB962C8B-B14F-4D97-AF65-F5344CB8AC3E}">
-        <p14:creationId xmlns:p14="http://schemas.microsoft.com/office/powerpoint/2010/main" val="1527341876"/>
+        <p14:creationId xmlns:p14="http://schemas.microsoft.com/office/powerpoint/2010/main" val="1480141244"/>
       </p:ext>
     </p:extLst>
   </p:cSld>
@@ -18187,7 +16634,7 @@
     <a:masterClrMapping/>
   </p:clrMapOvr>
   <mc:AlternateContent xmlns:mc="http://schemas.openxmlformats.org/markup-compatibility/2006">
-    <mc:Choice xmlns:p159="http://schemas.microsoft.com/office/powerpoint/2015/09/main" Requires="p159">
+    <mc:Choice xmlns:p159="http://schemas.microsoft.com/office/powerpoint/2015/09/main" xmlns="" Requires="p159">
       <p:transition xmlns:p14="http://schemas.microsoft.com/office/powerpoint/2010/main" spd="slow" p14:dur="2000">
         <p159:morph option="byObject"/>
       </p:transition>
@@ -18198,10 +16645,17 @@
       </p:transition>
     </mc:Fallback>
   </mc:AlternateContent>
+  <p:timing>
+    <p:tnLst>
+      <p:par>
+        <p:cTn id="1" dur="indefinite" restart="never" nodeType="tmRoot"/>
+      </p:par>
+    </p:tnLst>
+  </p:timing>
 </p:sld>
 </file>
 
-<file path=ppt/slides/slide4.xml><?xml version="1.0" encoding="utf-8"?>
+<file path=ppt/slides/slide3.xml><?xml version="1.0" encoding="utf-8"?>
 <p:sld xmlns:a="http://schemas.openxmlformats.org/drawingml/2006/main" xmlns:r="http://schemas.openxmlformats.org/officeDocument/2006/relationships" xmlns:p="http://schemas.openxmlformats.org/presentationml/2006/main">
   <p:cSld>
     <p:spTree>
@@ -18235,21 +16689,16 @@
           <a:p>
             <a:r>
               <a:rPr lang="fr-BE" sz="6000" b="1" dirty="0">
-                <a:solidFill>
-                  <a:schemeClr val="tx1">
-                    <a:lumMod val="95000"/>
-                  </a:schemeClr>
-                </a:solidFill>
                 <a:latin typeface="Franklin Gothic Medium Cond" panose="020B0606030402020204" pitchFamily="34" charset="0"/>
               </a:rPr>
-              <a:t>Sommaire</a:t>
+              <a:t>Démarches réalisées</a:t>
             </a:r>
           </a:p>
         </p:txBody>
       </p:sp>
       <p:sp>
         <p:nvSpPr>
-          <p:cNvPr id="3" name="Espace réservé du contenu 2"/>
+          <p:cNvPr id="7" name="Espace réservé du contenu 6"/>
           <p:cNvSpPr>
             <a:spLocks noGrp="1"/>
           </p:cNvSpPr>
@@ -18257,273 +16706,25 @@
             <p:ph idx="1"/>
           </p:nvPr>
         </p:nvSpPr>
-        <p:spPr>
-          <a:xfrm>
-            <a:off x="875201" y="1494971"/>
-            <a:ext cx="8946541" cy="5123543"/>
-          </a:xfrm>
-        </p:spPr>
-        <p:txBody>
-          <a:bodyPr>
-            <a:normAutofit/>
-          </a:bodyPr>
-          <a:lstStyle/>
-          <a:p>
-            <a:pPr>
-              <a:buClr>
-                <a:schemeClr val="tx1">
-                  <a:lumMod val="50000"/>
-                </a:schemeClr>
-              </a:buClr>
-            </a:pPr>
-            <a:r>
-              <a:rPr lang="fr-BE" sz="3800" b="1" dirty="0">
-                <a:latin typeface="Franklin Gothic Medium Cond" panose="020B0606030402020204" pitchFamily="34" charset="0"/>
-                <a:hlinkClick r:id="rId3" action="ppaction://hlinksldjump"/>
-              </a:rPr>
-              <a:t>Liens</a:t>
-            </a:r>
-          </a:p>
-          <a:p>
-            <a:pPr>
-              <a:buClr>
-                <a:schemeClr val="tx1">
-                  <a:lumMod val="50000"/>
-                </a:schemeClr>
-              </a:buClr>
-            </a:pPr>
-            <a:r>
-              <a:rPr lang="fr-BE" sz="3800" b="1" dirty="0">
-                <a:latin typeface="Franklin Gothic Medium Cond" panose="020B0606030402020204" pitchFamily="34" charset="0"/>
-                <a:hlinkClick r:id="rId3" action="ppaction://hlinksldjump"/>
-              </a:rPr>
-              <a:t>Conclusion</a:t>
-            </a:r>
-          </a:p>
-          <a:p>
-            <a:pPr>
-              <a:buClr>
-                <a:schemeClr val="tx1">
-                  <a:lumMod val="50000"/>
-                </a:schemeClr>
-              </a:buClr>
-            </a:pPr>
-            <a:r>
-              <a:rPr lang="fr-BE" sz="3800" b="1" dirty="0">
-                <a:latin typeface="Franklin Gothic Medium Cond" panose="020B0606030402020204" pitchFamily="34" charset="0"/>
-                <a:hlinkClick r:id="rId3" action="ppaction://hlinksldjump"/>
-              </a:rPr>
-              <a:t>Remerciements</a:t>
-            </a:r>
-          </a:p>
-          <a:p>
-            <a:pPr>
-              <a:buClr>
-                <a:schemeClr val="tx1">
-                  <a:lumMod val="50000"/>
-                </a:schemeClr>
-              </a:buClr>
-            </a:pPr>
-            <a:endParaRPr lang="fr-BE" sz="3800" b="1" dirty="0">
-              <a:latin typeface="Franklin Gothic Medium Cond" panose="020B0606030402020204" pitchFamily="34" charset="0"/>
-              <a:hlinkClick r:id="rId3" action="ppaction://hlinksldjump"/>
-            </a:endParaRPr>
-          </a:p>
-          <a:p>
-            <a:pPr lvl="1">
-              <a:buClr>
-                <a:schemeClr val="tx1">
-                  <a:lumMod val="50000"/>
-                </a:schemeClr>
-              </a:buClr>
-            </a:pPr>
-            <a:endParaRPr lang="fr-BE" sz="3800" b="1" dirty="0">
-              <a:latin typeface="Franklin Gothic Medium Cond" panose="020B0606030402020204" pitchFamily="34" charset="0"/>
-              <a:hlinkClick r:id="rId3" action="ppaction://hlinksldjump"/>
-            </a:endParaRPr>
-          </a:p>
-        </p:txBody>
-      </p:sp>
-      <p:sp>
-        <p:nvSpPr>
-          <p:cNvPr id="4" name="Espace réservé du numéro de diapositive 3"/>
-          <p:cNvSpPr>
-            <a:spLocks noGrp="1"/>
-          </p:cNvSpPr>
-          <p:nvPr>
-            <p:ph type="sldNum" sz="quarter" idx="12"/>
-          </p:nvPr>
-        </p:nvSpPr>
         <p:spPr/>
         <p:txBody>
           <a:bodyPr/>
           <a:lstStyle/>
           <a:p>
-            <a:fld id="{5C4E3881-3D96-471D-AC8D-00C031DC841B}" type="slidenum">
-              <a:rPr lang="fr-BE" smtClean="0"/>
-              <a:t>4</a:t>
-            </a:fld>
-            <a:endParaRPr lang="fr-BE" dirty="0"/>
-          </a:p>
-        </p:txBody>
-      </p:sp>
-      <p:sp>
-        <p:nvSpPr>
-          <p:cNvPr id="6" name="Espace réservé du pied de page 5"/>
-          <p:cNvSpPr>
-            <a:spLocks noGrp="1"/>
-          </p:cNvSpPr>
-          <p:nvPr>
-            <p:ph type="ftr" sz="quarter" idx="11"/>
-          </p:nvPr>
-        </p:nvSpPr>
-        <p:spPr>
-          <a:xfrm>
-            <a:off x="4914" y="6342743"/>
-            <a:ext cx="3859795" cy="428271"/>
-          </a:xfrm>
-        </p:spPr>
-        <p:txBody>
-          <a:bodyPr/>
-          <a:lstStyle/>
-          <a:p>
-            <a:r>
-              <a:rPr lang="fr-BE" sz="2800" b="1" dirty="0">
-                <a:solidFill>
-                  <a:schemeClr val="tx1">
-                    <a:alpha val="60000"/>
-                  </a:schemeClr>
-                </a:solidFill>
-                <a:latin typeface="Franklin Gothic Medium Cond" panose="020B0606030402020204" pitchFamily="34" charset="0"/>
-              </a:rPr>
-              <a:t>Sacré Christopher</a:t>
-            </a:r>
-          </a:p>
-        </p:txBody>
-      </p:sp>
-      <p:pic>
-        <p:nvPicPr>
-          <p:cNvPr id="8" name="Picture 7"/>
-          <p:cNvPicPr>
-            <a:picLocks noChangeAspect="1"/>
-          </p:cNvPicPr>
-          <p:nvPr/>
-        </p:nvPicPr>
-        <p:blipFill>
-          <a:blip r:embed="rId4">
-            <a:extLst>
-              <a:ext uri="{BEBA8EAE-BF5A-486C-A8C5-ECC9F3942E4B}">
-                <a14:imgProps xmlns:a14="http://schemas.microsoft.com/office/drawing/2010/main">
-                  <a14:imgLayer r:embed="rId5">
-                    <a14:imgEffect>
-                      <a14:backgroundRemoval t="0" b="100000" l="0" r="100000">
-                        <a14:foregroundMark x1="9600" y1="64000" x2="12400" y2="64800"/>
-                        <a14:foregroundMark x1="9600" y1="48000" x2="8800" y2="46000"/>
-                        <a14:foregroundMark x1="9600" y1="8400" x2="9600" y2="8000"/>
-                        <a14:foregroundMark x1="53200" y1="24000" x2="61200" y2="50400"/>
-                        <a14:foregroundMark x1="58000" y1="17600" x2="94000" y2="68400"/>
-                        <a14:foregroundMark x1="87600" y1="2800" x2="91600" y2="9200"/>
-                        <a14:foregroundMark x1="93600" y1="7200" x2="90800" y2="23600"/>
-                        <a14:foregroundMark x1="77200" y1="20000" x2="76800" y2="21600"/>
-                        <a14:foregroundMark x1="76800" y1="23600" x2="85200" y2="59600"/>
-                        <a14:foregroundMark x1="58000" y1="52800" x2="69600" y2="82400"/>
-                        <a14:foregroundMark x1="76800" y1="61200" x2="71200" y2="80000"/>
-                        <a14:foregroundMark x1="51200" y1="31600" x2="55600" y2="53600"/>
-                        <a14:foregroundMark x1="55600" y1="70400" x2="60400" y2="91200"/>
-                        <a14:foregroundMark x1="63600" y1="88800" x2="93200" y2="90000"/>
-                        <a14:foregroundMark x1="92000" y1="55200" x2="90000" y2="30000"/>
-                        <a14:foregroundMark x1="72400" y1="41600" x2="82800" y2="60800"/>
-                        <a14:foregroundMark x1="83600" y1="40800" x2="67600" y2="60800"/>
-                        <a14:foregroundMark x1="65200" y1="44000" x2="97600" y2="61600"/>
-                        <a14:foregroundMark x1="89600" y1="43200" x2="72800" y2="69200"/>
-                        <a14:foregroundMark x1="71200" y1="62000" x2="87600" y2="91200"/>
-                      </a14:backgroundRemoval>
-                    </a14:imgEffect>
-                  </a14:imgLayer>
-                </a14:imgProps>
-              </a:ext>
-              <a:ext uri="{28A0092B-C50C-407E-A947-70E740481C1C}">
-                <a14:useLocalDpi xmlns:a14="http://schemas.microsoft.com/office/drawing/2010/main" val="0"/>
-              </a:ext>
-            </a:extLst>
-          </a:blip>
-          <a:stretch>
-            <a:fillRect/>
-          </a:stretch>
-        </p:blipFill>
-        <p:spPr>
-          <a:xfrm>
-            <a:off x="10352539" y="5239240"/>
-            <a:ext cx="1618759" cy="1618759"/>
-          </a:xfrm>
-          <a:prstGeom prst="rect">
-            <a:avLst/>
-          </a:prstGeom>
-        </p:spPr>
-      </p:pic>
-    </p:spTree>
-    <p:extLst>
-      <p:ext uri="{BB962C8B-B14F-4D97-AF65-F5344CB8AC3E}">
-        <p14:creationId xmlns:p14="http://schemas.microsoft.com/office/powerpoint/2010/main" val="1668777985"/>
-      </p:ext>
-    </p:extLst>
-  </p:cSld>
-  <p:clrMapOvr>
-    <a:masterClrMapping/>
-  </p:clrMapOvr>
-  <mc:AlternateContent xmlns:mc="http://schemas.openxmlformats.org/markup-compatibility/2006">
-    <mc:Choice xmlns:p159="http://schemas.microsoft.com/office/powerpoint/2015/09/main" Requires="p159">
-      <p:transition xmlns:p14="http://schemas.microsoft.com/office/powerpoint/2010/main" spd="slow" p14:dur="2000">
-        <p159:morph option="byObject"/>
-      </p:transition>
-    </mc:Choice>
-    <mc:Fallback>
-      <p:transition spd="slow">
-        <p:fade/>
-      </p:transition>
-    </mc:Fallback>
-  </mc:AlternateContent>
-</p:sld>
-</file>
-
-<file path=ppt/slides/slide5.xml><?xml version="1.0" encoding="utf-8"?>
-<p:sld xmlns:a="http://schemas.openxmlformats.org/drawingml/2006/main" xmlns:r="http://schemas.openxmlformats.org/officeDocument/2006/relationships" xmlns:p="http://schemas.openxmlformats.org/presentationml/2006/main">
-  <p:cSld>
-    <p:spTree>
-      <p:nvGrpSpPr>
-        <p:cNvPr id="1" name=""/>
-        <p:cNvGrpSpPr/>
-        <p:nvPr/>
-      </p:nvGrpSpPr>
-      <p:grpSpPr>
-        <a:xfrm>
-          <a:off x="0" y="0"/>
-          <a:ext cx="0" cy="0"/>
-          <a:chOff x="0" y="0"/>
-          <a:chExt cx="0" cy="0"/>
-        </a:xfrm>
-      </p:grpSpPr>
-      <p:sp>
-        <p:nvSpPr>
-          <p:cNvPr id="2" name="Titre 1"/>
-          <p:cNvSpPr>
-            <a:spLocks noGrp="1"/>
-          </p:cNvSpPr>
-          <p:nvPr>
-            <p:ph type="title"/>
-          </p:nvPr>
-        </p:nvSpPr>
-        <p:spPr/>
-        <p:txBody>
-          <a:bodyPr/>
-          <a:lstStyle/>
-          <a:p>
-            <a:r>
-              <a:rPr lang="fr-BE" sz="6000" b="1" dirty="0">
-                <a:latin typeface="Franklin Gothic Medium Cond" panose="020B0606030402020204" pitchFamily="34" charset="0"/>
-              </a:rPr>
-              <a:t>Démarches réalisées</a:t>
-            </a:r>
+            <a:pPr lvl="0"/>
+            <a:endParaRPr lang="fr-BE"/>
+          </a:p>
+          <a:p>
+            <a:pPr lvl="0"/>
+            <a:endParaRPr lang="fr-BE"/>
+          </a:p>
+          <a:p>
+            <a:pPr lvl="0"/>
+            <a:endParaRPr lang="fr-BE"/>
+          </a:p>
+          <a:p>
+            <a:pPr lvl="0"/>
+            <a:endParaRPr lang="fr-BE"/>
           </a:p>
         </p:txBody>
       </p:sp>
@@ -18566,41 +16767,9 @@
           <a:p>
             <a:fld id="{5C4E3881-3D96-471D-AC8D-00C031DC841B}" type="slidenum">
               <a:rPr lang="fr-BE" smtClean="0"/>
-              <a:t>5</a:t>
+              <a:t>3</a:t>
             </a:fld>
             <a:endParaRPr lang="fr-BE" dirty="0"/>
-          </a:p>
-        </p:txBody>
-      </p:sp>
-      <p:sp>
-        <p:nvSpPr>
-          <p:cNvPr id="7" name="Espace réservé du contenu 6"/>
-          <p:cNvSpPr>
-            <a:spLocks noGrp="1"/>
-          </p:cNvSpPr>
-          <p:nvPr>
-            <p:ph idx="1"/>
-          </p:nvPr>
-        </p:nvSpPr>
-        <p:spPr/>
-        <p:txBody>
-          <a:bodyPr/>
-          <a:lstStyle/>
-          <a:p>
-            <a:pPr lvl="0"/>
-            <a:endParaRPr lang="fr-BE"/>
-          </a:p>
-          <a:p>
-            <a:pPr lvl="0"/>
-            <a:endParaRPr lang="fr-BE"/>
-          </a:p>
-          <a:p>
-            <a:pPr lvl="0"/>
-            <a:endParaRPr lang="fr-BE"/>
-          </a:p>
-          <a:p>
-            <a:pPr lvl="0"/>
-            <a:endParaRPr lang="fr-BE"/>
           </a:p>
         </p:txBody>
       </p:sp>
@@ -18697,7 +16866,7 @@
     <a:masterClrMapping/>
   </p:clrMapOvr>
   <mc:AlternateContent xmlns:mc="http://schemas.openxmlformats.org/markup-compatibility/2006">
-    <mc:Choice xmlns:p159="http://schemas.microsoft.com/office/powerpoint/2015/09/main" Requires="p159">
+    <mc:Choice xmlns:p159="http://schemas.microsoft.com/office/powerpoint/2015/09/main" xmlns="" Requires="p159">
       <p:transition xmlns:p14="http://schemas.microsoft.com/office/powerpoint/2010/main" spd="slow" p14:dur="2000">
         <p159:morph option="byObject"/>
       </p:transition>
@@ -18832,33 +17001,15 @@
                                   </p:childTnLst>
                                 </p:cTn>
                               </p:par>
-                            </p:childTnLst>
-                          </p:cTn>
-                        </p:par>
-                      </p:childTnLst>
-                    </p:cTn>
-                  </p:par>
-                  <p:par>
-                    <p:cTn id="13" fill="hold">
-                      <p:stCondLst>
-                        <p:cond delay="indefinite"/>
-                      </p:stCondLst>
-                      <p:childTnLst>
-                        <p:par>
-                          <p:cTn id="14" fill="hold">
-                            <p:stCondLst>
-                              <p:cond delay="0"/>
-                            </p:stCondLst>
-                            <p:childTnLst>
                               <p:par>
-                                <p:cTn id="15" presetID="10" presetClass="entr" presetSubtype="0" fill="hold" grpId="0" nodeType="clickEffect">
+                                <p:cTn id="13" presetID="10" presetClass="entr" presetSubtype="0" fill="hold" grpId="0" nodeType="withEffect">
                                   <p:stCondLst>
                                     <p:cond delay="0"/>
                                   </p:stCondLst>
                                   <p:childTnLst>
                                     <p:set>
                                       <p:cBhvr>
-                                        <p:cTn id="16" dur="1" fill="hold">
+                                        <p:cTn id="14" dur="1" fill="hold">
                                           <p:stCondLst>
                                             <p:cond delay="0"/>
                                           </p:stCondLst>
@@ -18880,7 +17031,7 @@
                                     </p:set>
                                     <p:animEffect transition="in" filter="fade">
                                       <p:cBhvr>
-                                        <p:cTn id="17" dur="500"/>
+                                        <p:cTn id="15" dur="500"/>
                                         <p:tgtEl>
                                           <p:spTgt spid="8">
                                             <p:graphicEl>
@@ -18900,26 +17051,26 @@
                     </p:cTn>
                   </p:par>
                   <p:par>
-                    <p:cTn id="18" fill="hold">
+                    <p:cTn id="16" fill="hold">
                       <p:stCondLst>
                         <p:cond delay="indefinite"/>
                       </p:stCondLst>
                       <p:childTnLst>
                         <p:par>
-                          <p:cTn id="19" fill="hold">
+                          <p:cTn id="17" fill="hold">
                             <p:stCondLst>
                               <p:cond delay="0"/>
                             </p:stCondLst>
                             <p:childTnLst>
                               <p:par>
-                                <p:cTn id="20" presetID="10" presetClass="entr" presetSubtype="0" fill="hold" grpId="0" nodeType="clickEffect">
+                                <p:cTn id="18" presetID="10" presetClass="entr" presetSubtype="0" fill="hold" grpId="0" nodeType="clickEffect">
                                   <p:stCondLst>
                                     <p:cond delay="0"/>
                                   </p:stCondLst>
                                   <p:childTnLst>
                                     <p:set>
                                       <p:cBhvr>
-                                        <p:cTn id="21" dur="1" fill="hold">
+                                        <p:cTn id="19" dur="1" fill="hold">
                                           <p:stCondLst>
                                             <p:cond delay="0"/>
                                           </p:stCondLst>
@@ -18941,7 +17092,7 @@
                                     </p:set>
                                     <p:animEffect transition="in" filter="fade">
                                       <p:cBhvr>
-                                        <p:cTn id="22" dur="500"/>
+                                        <p:cTn id="20" dur="500"/>
                                         <p:tgtEl>
                                           <p:spTgt spid="8">
                                             <p:graphicEl>
@@ -18954,33 +17105,15 @@
                                   </p:childTnLst>
                                 </p:cTn>
                               </p:par>
-                            </p:childTnLst>
-                          </p:cTn>
-                        </p:par>
-                      </p:childTnLst>
-                    </p:cTn>
-                  </p:par>
-                  <p:par>
-                    <p:cTn id="23" fill="hold">
-                      <p:stCondLst>
-                        <p:cond delay="indefinite"/>
-                      </p:stCondLst>
-                      <p:childTnLst>
-                        <p:par>
-                          <p:cTn id="24" fill="hold">
-                            <p:stCondLst>
-                              <p:cond delay="0"/>
-                            </p:stCondLst>
-                            <p:childTnLst>
                               <p:par>
-                                <p:cTn id="25" presetID="10" presetClass="entr" presetSubtype="0" fill="hold" grpId="0" nodeType="clickEffect">
+                                <p:cTn id="21" presetID="10" presetClass="entr" presetSubtype="0" fill="hold" grpId="0" nodeType="withEffect">
                                   <p:stCondLst>
                                     <p:cond delay="0"/>
                                   </p:stCondLst>
                                   <p:childTnLst>
                                     <p:set>
                                       <p:cBhvr>
-                                        <p:cTn id="26" dur="1" fill="hold">
+                                        <p:cTn id="22" dur="1" fill="hold">
                                           <p:stCondLst>
                                             <p:cond delay="0"/>
                                           </p:stCondLst>
@@ -19002,7 +17135,7 @@
                                     </p:set>
                                     <p:animEffect transition="in" filter="fade">
                                       <p:cBhvr>
-                                        <p:cTn id="27" dur="500"/>
+                                        <p:cTn id="23" dur="500"/>
                                         <p:tgtEl>
                                           <p:spTgt spid="8">
                                             <p:graphicEl>
@@ -19043,7 +17176,7 @@
       </p:par>
     </p:tnLst>
     <p:bldLst>
-      <p:bldGraphic spid="8" grpId="0">
+      <p:bldGraphic spid="8" grpId="0" uiExpand="1">
         <p:bldSub>
           <a:bldDgm bld="one"/>
         </p:bldSub>
@@ -19053,7 +17186,7 @@
 </p:sld>
 </file>
 
-<file path=ppt/slides/slide6.xml><?xml version="1.0" encoding="utf-8"?>
+<file path=ppt/slides/slide4.xml><?xml version="1.0" encoding="utf-8"?>
 <p:sld xmlns:a="http://schemas.openxmlformats.org/drawingml/2006/main" xmlns:r="http://schemas.openxmlformats.org/officeDocument/2006/relationships" xmlns:p="http://schemas.openxmlformats.org/presentationml/2006/main">
   <p:cSld>
     <p:spTree>
@@ -19258,7 +17391,7 @@
           <a:p>
             <a:fld id="{5C4E3881-3D96-471D-AC8D-00C031DC841B}" type="slidenum">
               <a:rPr lang="fr-BE" smtClean="0"/>
-              <a:t>6</a:t>
+              <a:t>4</a:t>
             </a:fld>
             <a:endParaRPr lang="fr-BE" dirty="0"/>
           </a:p>
@@ -19335,7 +17468,7 @@
     <a:masterClrMapping/>
   </p:clrMapOvr>
   <mc:AlternateContent xmlns:mc="http://schemas.openxmlformats.org/markup-compatibility/2006">
-    <mc:Choice xmlns:p159="http://schemas.microsoft.com/office/powerpoint/2015/09/main" Requires="p159">
+    <mc:Choice xmlns:p159="http://schemas.microsoft.com/office/powerpoint/2015/09/main" xmlns="" Requires="p159">
       <p:transition xmlns:p14="http://schemas.microsoft.com/office/powerpoint/2010/main" spd="slow" p14:dur="2000">
         <p159:morph option="byObject"/>
       </p:transition>
@@ -19688,7 +17821,7 @@
 </p:sld>
 </file>
 
-<file path=ppt/slides/slide7.xml><?xml version="1.0" encoding="utf-8"?>
+<file path=ppt/slides/slide5.xml><?xml version="1.0" encoding="utf-8"?>
 <p:sld xmlns:a="http://schemas.openxmlformats.org/drawingml/2006/main" xmlns:r="http://schemas.openxmlformats.org/officeDocument/2006/relationships" xmlns:p="http://schemas.openxmlformats.org/presentationml/2006/main">
   <p:cSld>
     <p:spTree>
@@ -19834,7 +17967,7 @@
           <a:p>
             <a:fld id="{5C4E3881-3D96-471D-AC8D-00C031DC841B}" type="slidenum">
               <a:rPr lang="fr-BE" smtClean="0"/>
-              <a:t>7</a:t>
+              <a:t>5</a:t>
             </a:fld>
             <a:endParaRPr lang="fr-BE" dirty="0"/>
           </a:p>
@@ -19911,7 +18044,7 @@
     <a:masterClrMapping/>
   </p:clrMapOvr>
   <mc:AlternateContent xmlns:mc="http://schemas.openxmlformats.org/markup-compatibility/2006">
-    <mc:Choice xmlns:p159="http://schemas.microsoft.com/office/powerpoint/2015/09/main" Requires="p159">
+    <mc:Choice xmlns:p159="http://schemas.microsoft.com/office/powerpoint/2015/09/main" xmlns="" Requires="p159">
       <p:transition xmlns:p14="http://schemas.microsoft.com/office/powerpoint/2010/main" spd="slow" p14:dur="2000">
         <p159:morph option="byObject"/>
       </p:transition>
@@ -19922,10 +18055,17 @@
       </p:transition>
     </mc:Fallback>
   </mc:AlternateContent>
+  <p:timing>
+    <p:tnLst>
+      <p:par>
+        <p:cTn id="1" dur="indefinite" restart="never" nodeType="tmRoot"/>
+      </p:par>
+    </p:tnLst>
+  </p:timing>
 </p:sld>
 </file>
 
-<file path=ppt/slides/slide8.xml><?xml version="1.0" encoding="utf-8"?>
+<file path=ppt/slides/slide6.xml><?xml version="1.0" encoding="utf-8"?>
 <p:sld xmlns:a="http://schemas.openxmlformats.org/drawingml/2006/main" xmlns:r="http://schemas.openxmlformats.org/officeDocument/2006/relationships" xmlns:p="http://schemas.openxmlformats.org/presentationml/2006/main">
   <p:cSld>
     <p:spTree>
@@ -20059,7 +18199,7 @@
           <a:p>
             <a:fld id="{5C4E3881-3D96-471D-AC8D-00C031DC841B}" type="slidenum">
               <a:rPr lang="fr-BE" smtClean="0"/>
-              <a:t>8</a:t>
+              <a:t>6</a:t>
             </a:fld>
             <a:endParaRPr lang="fr-BE" dirty="0"/>
           </a:p>
@@ -20136,7 +18276,7 @@
     <a:masterClrMapping/>
   </p:clrMapOvr>
   <mc:AlternateContent xmlns:mc="http://schemas.openxmlformats.org/markup-compatibility/2006">
-    <mc:Choice xmlns:p159="http://schemas.microsoft.com/office/powerpoint/2015/09/main" Requires="p159">
+    <mc:Choice xmlns:p159="http://schemas.microsoft.com/office/powerpoint/2015/09/main" xmlns="" Requires="p159">
       <p:transition xmlns:p14="http://schemas.microsoft.com/office/powerpoint/2010/main" spd="slow" p14:dur="2000">
         <p159:morph option="byObject"/>
       </p:transition>
@@ -20147,10 +18287,17 @@
       </p:transition>
     </mc:Fallback>
   </mc:AlternateContent>
+  <p:timing>
+    <p:tnLst>
+      <p:par>
+        <p:cTn id="1" dur="indefinite" restart="never" nodeType="tmRoot"/>
+      </p:par>
+    </p:tnLst>
+  </p:timing>
 </p:sld>
 </file>
 
-<file path=ppt/slides/slide9.xml><?xml version="1.0" encoding="utf-8"?>
+<file path=ppt/slides/slide7.xml><?xml version="1.0" encoding="utf-8"?>
 <p:sld xmlns:a="http://schemas.openxmlformats.org/drawingml/2006/main" xmlns:r="http://schemas.openxmlformats.org/officeDocument/2006/relationships" xmlns:p="http://schemas.openxmlformats.org/presentationml/2006/main">
   <p:cSld>
     <p:spTree>
@@ -20237,6 +18384,14 @@
             </a:r>
           </a:p>
           <a:p>
+            <a:r>
+              <a:rPr lang="fr-BE" sz="3200" b="1" dirty="0">
+                <a:latin typeface="Franklin Gothic Medium Cond" panose="020B0606030402020204" pitchFamily="34" charset="0"/>
+              </a:rPr>
+              <a:t>Informatique peu présente</a:t>
+            </a:r>
+          </a:p>
+          <a:p>
             <a:endParaRPr lang="fr-BE" sz="3200" b="1" dirty="0">
               <a:latin typeface="Franklin Gothic Medium Cond" panose="020B0606030402020204" pitchFamily="34" charset="0"/>
             </a:endParaRPr>
@@ -20292,7 +18447,7 @@
           <a:p>
             <a:fld id="{5C4E3881-3D96-471D-AC8D-00C031DC841B}" type="slidenum">
               <a:rPr lang="fr-BE" smtClean="0"/>
-              <a:t>9</a:t>
+              <a:t>7</a:t>
             </a:fld>
             <a:endParaRPr lang="fr-BE" dirty="0"/>
           </a:p>
@@ -20369,7 +18524,7 @@
     <a:masterClrMapping/>
   </p:clrMapOvr>
   <mc:AlternateContent xmlns:mc="http://schemas.openxmlformats.org/markup-compatibility/2006">
-    <mc:Choice xmlns:p159="http://schemas.microsoft.com/office/powerpoint/2015/09/main" Requires="p159">
+    <mc:Choice xmlns:p159="http://schemas.microsoft.com/office/powerpoint/2015/09/main" xmlns="" Requires="p159">
       <p:transition xmlns:p14="http://schemas.microsoft.com/office/powerpoint/2010/main" spd="slow" p14:dur="2000">
         <p159:morph option="byObject"/>
       </p:transition>
@@ -20380,6 +18535,774 @@
       </p:transition>
     </mc:Fallback>
   </mc:AlternateContent>
+  <p:timing>
+    <p:tnLst>
+      <p:par>
+        <p:cTn id="1" dur="indefinite" restart="never" nodeType="tmRoot"/>
+      </p:par>
+    </p:tnLst>
+  </p:timing>
+</p:sld>
+</file>
+
+<file path=ppt/slides/slide8.xml><?xml version="1.0" encoding="utf-8"?>
+<p:sld xmlns:a="http://schemas.openxmlformats.org/drawingml/2006/main" xmlns:r="http://schemas.openxmlformats.org/officeDocument/2006/relationships" xmlns:p="http://schemas.openxmlformats.org/presentationml/2006/main">
+  <p:cSld>
+    <p:spTree>
+      <p:nvGrpSpPr>
+        <p:cNvPr id="1" name=""/>
+        <p:cNvGrpSpPr/>
+        <p:nvPr/>
+      </p:nvGrpSpPr>
+      <p:grpSpPr>
+        <a:xfrm>
+          <a:off x="0" y="0"/>
+          <a:ext cx="0" cy="0"/>
+          <a:chOff x="0" y="0"/>
+          <a:chExt cx="0" cy="0"/>
+        </a:xfrm>
+      </p:grpSpPr>
+      <p:sp>
+        <p:nvSpPr>
+          <p:cNvPr id="2" name="Titre 1"/>
+          <p:cNvSpPr>
+            <a:spLocks noGrp="1"/>
+          </p:cNvSpPr>
+          <p:nvPr>
+            <p:ph type="title"/>
+          </p:nvPr>
+        </p:nvSpPr>
+        <p:spPr/>
+        <p:txBody>
+          <a:bodyPr/>
+          <a:lstStyle/>
+          <a:p>
+            <a:r>
+              <a:rPr lang="fr-BE" sz="6000" b="1" dirty="0">
+                <a:latin typeface="Franklin Gothic Medium Cond" panose="020B0606030402020204" pitchFamily="34" charset="0"/>
+              </a:rPr>
+              <a:t>Problème de la langue</a:t>
+            </a:r>
+          </a:p>
+        </p:txBody>
+      </p:sp>
+      <p:sp>
+        <p:nvSpPr>
+          <p:cNvPr id="3" name="Espace réservé du contenu 2"/>
+          <p:cNvSpPr>
+            <a:spLocks noGrp="1"/>
+          </p:cNvSpPr>
+          <p:nvPr>
+            <p:ph idx="1"/>
+          </p:nvPr>
+        </p:nvSpPr>
+        <p:spPr>
+          <a:xfrm>
+            <a:off x="646111" y="1944874"/>
+            <a:ext cx="8946541" cy="4395151"/>
+          </a:xfrm>
+        </p:spPr>
+        <p:txBody>
+          <a:bodyPr>
+            <a:normAutofit/>
+          </a:bodyPr>
+          <a:lstStyle/>
+          <a:p>
+            <a:r>
+              <a:rPr lang="fr-BE" sz="3200" b="1" dirty="0">
+                <a:latin typeface="Franklin Gothic Medium Cond" panose="020B0606030402020204" pitchFamily="34" charset="0"/>
+              </a:rPr>
+              <a:t>Demande de s’adapter</a:t>
+            </a:r>
+          </a:p>
+          <a:p>
+            <a:r>
+              <a:rPr lang="fr-BE" sz="3200" b="1" dirty="0">
+                <a:latin typeface="Franklin Gothic Medium Cond" panose="020B0606030402020204" pitchFamily="34" charset="0"/>
+              </a:rPr>
+              <a:t>Problématique au début</a:t>
+            </a:r>
+          </a:p>
+          <a:p>
+            <a:r>
+              <a:rPr lang="fr-BE" sz="3200" b="1" dirty="0">
+                <a:latin typeface="Franklin Gothic Medium Cond" panose="020B0606030402020204" pitchFamily="34" charset="0"/>
+              </a:rPr>
+              <a:t>Aide à disposition</a:t>
+            </a:r>
+          </a:p>
+          <a:p>
+            <a:r>
+              <a:rPr lang="fr-BE" sz="3200" b="1" dirty="0">
+                <a:latin typeface="Franklin Gothic Medium Cond" panose="020B0606030402020204" pitchFamily="34" charset="0"/>
+              </a:rPr>
+              <a:t>Débrouillardise</a:t>
+            </a:r>
+          </a:p>
+          <a:p>
+            <a:endParaRPr lang="fr-BE" sz="3200" b="1" dirty="0">
+              <a:latin typeface="Franklin Gothic Medium Cond" panose="020B0606030402020204" pitchFamily="34" charset="0"/>
+            </a:endParaRPr>
+          </a:p>
+          <a:p>
+            <a:endParaRPr lang="fr-BE" sz="3200" b="1" dirty="0">
+              <a:latin typeface="Franklin Gothic Medium Cond" panose="020B0606030402020204" pitchFamily="34" charset="0"/>
+            </a:endParaRPr>
+          </a:p>
+        </p:txBody>
+      </p:sp>
+      <p:sp>
+        <p:nvSpPr>
+          <p:cNvPr id="4" name="Espace réservé du pied de page 3"/>
+          <p:cNvSpPr>
+            <a:spLocks noGrp="1"/>
+          </p:cNvSpPr>
+          <p:nvPr>
+            <p:ph type="ftr" sz="quarter" idx="11"/>
+          </p:nvPr>
+        </p:nvSpPr>
+        <p:spPr/>
+        <p:txBody>
+          <a:bodyPr/>
+          <a:lstStyle/>
+          <a:p>
+            <a:r>
+              <a:rPr lang="fr-BE" dirty="0"/>
+              <a:t>Sacré Christopher</a:t>
+            </a:r>
+          </a:p>
+        </p:txBody>
+      </p:sp>
+      <p:sp>
+        <p:nvSpPr>
+          <p:cNvPr id="5" name="Espace réservé du numéro de diapositive 4"/>
+          <p:cNvSpPr>
+            <a:spLocks noGrp="1"/>
+          </p:cNvSpPr>
+          <p:nvPr>
+            <p:ph type="sldNum" sz="quarter" idx="12"/>
+          </p:nvPr>
+        </p:nvSpPr>
+        <p:spPr/>
+        <p:txBody>
+          <a:bodyPr/>
+          <a:lstStyle/>
+          <a:p>
+            <a:fld id="{5C4E3881-3D96-471D-AC8D-00C031DC841B}" type="slidenum">
+              <a:rPr lang="fr-BE" smtClean="0"/>
+              <a:t>8</a:t>
+            </a:fld>
+            <a:endParaRPr lang="fr-BE" dirty="0"/>
+          </a:p>
+        </p:txBody>
+      </p:sp>
+      <p:pic>
+        <p:nvPicPr>
+          <p:cNvPr id="8" name="Picture 7"/>
+          <p:cNvPicPr>
+            <a:picLocks noChangeAspect="1"/>
+          </p:cNvPicPr>
+          <p:nvPr/>
+        </p:nvPicPr>
+        <p:blipFill>
+          <a:blip r:embed="rId2">
+            <a:extLst>
+              <a:ext uri="{BEBA8EAE-BF5A-486C-A8C5-ECC9F3942E4B}">
+                <a14:imgProps xmlns:a14="http://schemas.microsoft.com/office/drawing/2010/main">
+                  <a14:imgLayer r:embed="rId3">
+                    <a14:imgEffect>
+                      <a14:backgroundRemoval t="0" b="100000" l="0" r="100000">
+                        <a14:foregroundMark x1="9600" y1="64000" x2="12400" y2="64800"/>
+                        <a14:foregroundMark x1="9600" y1="48000" x2="8800" y2="46000"/>
+                        <a14:foregroundMark x1="9600" y1="8400" x2="9600" y2="8000"/>
+                        <a14:foregroundMark x1="53200" y1="24000" x2="61200" y2="50400"/>
+                        <a14:foregroundMark x1="58000" y1="17600" x2="94000" y2="68400"/>
+                        <a14:foregroundMark x1="87600" y1="2800" x2="91600" y2="9200"/>
+                        <a14:foregroundMark x1="93600" y1="7200" x2="90800" y2="23600"/>
+                        <a14:foregroundMark x1="77200" y1="20000" x2="76800" y2="21600"/>
+                        <a14:foregroundMark x1="76800" y1="23600" x2="85200" y2="59600"/>
+                        <a14:foregroundMark x1="58000" y1="52800" x2="69600" y2="82400"/>
+                        <a14:foregroundMark x1="76800" y1="61200" x2="71200" y2="80000"/>
+                        <a14:foregroundMark x1="51200" y1="31600" x2="55600" y2="53600"/>
+                        <a14:foregroundMark x1="55600" y1="70400" x2="60400" y2="91200"/>
+                        <a14:foregroundMark x1="63600" y1="88800" x2="93200" y2="90000"/>
+                        <a14:foregroundMark x1="92000" y1="55200" x2="90000" y2="30000"/>
+                        <a14:foregroundMark x1="72400" y1="41600" x2="82800" y2="60800"/>
+                        <a14:foregroundMark x1="83600" y1="40800" x2="67600" y2="60800"/>
+                        <a14:foregroundMark x1="65200" y1="44000" x2="97600" y2="61600"/>
+                        <a14:foregroundMark x1="89600" y1="43200" x2="72800" y2="69200"/>
+                        <a14:foregroundMark x1="71200" y1="62000" x2="87600" y2="91200"/>
+                      </a14:backgroundRemoval>
+                    </a14:imgEffect>
+                  </a14:imgLayer>
+                </a14:imgProps>
+              </a:ext>
+              <a:ext uri="{28A0092B-C50C-407E-A947-70E740481C1C}">
+                <a14:useLocalDpi xmlns:a14="http://schemas.microsoft.com/office/drawing/2010/main" val="0"/>
+              </a:ext>
+            </a:extLst>
+          </a:blip>
+          <a:stretch>
+            <a:fillRect/>
+          </a:stretch>
+        </p:blipFill>
+        <p:spPr>
+          <a:xfrm>
+            <a:off x="10352539" y="5239240"/>
+            <a:ext cx="1618759" cy="1618759"/>
+          </a:xfrm>
+          <a:prstGeom prst="rect">
+            <a:avLst/>
+          </a:prstGeom>
+        </p:spPr>
+      </p:pic>
+    </p:spTree>
+    <p:extLst>
+      <p:ext uri="{BB962C8B-B14F-4D97-AF65-F5344CB8AC3E}">
+        <p14:creationId xmlns:p14="http://schemas.microsoft.com/office/powerpoint/2010/main" val="2377760540"/>
+      </p:ext>
+    </p:extLst>
+  </p:cSld>
+  <p:clrMapOvr>
+    <a:masterClrMapping/>
+  </p:clrMapOvr>
+  <mc:AlternateContent xmlns:mc="http://schemas.openxmlformats.org/markup-compatibility/2006">
+    <mc:Choice xmlns:p159="http://schemas.microsoft.com/office/powerpoint/2015/09/main" xmlns="" Requires="p159">
+      <p:transition xmlns:p14="http://schemas.microsoft.com/office/powerpoint/2010/main" spd="slow" p14:dur="2000">
+        <p159:morph option="byObject"/>
+      </p:transition>
+    </mc:Choice>
+    <mc:Fallback>
+      <p:transition spd="slow">
+        <p:fade/>
+      </p:transition>
+    </mc:Fallback>
+  </mc:AlternateContent>
+  <p:timing>
+    <p:tnLst>
+      <p:par>
+        <p:cTn id="1" dur="indefinite" restart="never" nodeType="tmRoot"/>
+      </p:par>
+    </p:tnLst>
+  </p:timing>
+</p:sld>
+</file>
+
+<file path=ppt/slides/slide9.xml><?xml version="1.0" encoding="utf-8"?>
+<p:sld xmlns:a="http://schemas.openxmlformats.org/drawingml/2006/main" xmlns:r="http://schemas.openxmlformats.org/officeDocument/2006/relationships" xmlns:p="http://schemas.openxmlformats.org/presentationml/2006/main">
+  <p:cSld>
+    <p:spTree>
+      <p:nvGrpSpPr>
+        <p:cNvPr id="1" name=""/>
+        <p:cNvGrpSpPr/>
+        <p:nvPr/>
+      </p:nvGrpSpPr>
+      <p:grpSpPr>
+        <a:xfrm>
+          <a:off x="0" y="0"/>
+          <a:ext cx="0" cy="0"/>
+          <a:chOff x="0" y="0"/>
+          <a:chExt cx="0" cy="0"/>
+        </a:xfrm>
+      </p:grpSpPr>
+      <p:sp>
+        <p:nvSpPr>
+          <p:cNvPr id="2" name="Titre 1"/>
+          <p:cNvSpPr>
+            <a:spLocks noGrp="1"/>
+          </p:cNvSpPr>
+          <p:nvPr>
+            <p:ph type="title"/>
+          </p:nvPr>
+        </p:nvSpPr>
+        <p:spPr/>
+        <p:txBody>
+          <a:bodyPr/>
+          <a:lstStyle/>
+          <a:p>
+            <a:r>
+              <a:rPr lang="fr-BE" sz="6000" b="1" dirty="0">
+                <a:latin typeface="Franklin Gothic Medium Cond" panose="020B0606030402020204" pitchFamily="34" charset="0"/>
+              </a:rPr>
+              <a:t>Description du métier</a:t>
+            </a:r>
+          </a:p>
+        </p:txBody>
+      </p:sp>
+      <p:sp>
+        <p:nvSpPr>
+          <p:cNvPr id="3" name="Espace réservé du contenu 2"/>
+          <p:cNvSpPr>
+            <a:spLocks noGrp="1"/>
+          </p:cNvSpPr>
+          <p:nvPr>
+            <p:ph idx="1"/>
+          </p:nvPr>
+        </p:nvSpPr>
+        <p:spPr>
+          <a:xfrm>
+            <a:off x="646111" y="1944874"/>
+            <a:ext cx="8946541" cy="4395151"/>
+          </a:xfrm>
+        </p:spPr>
+        <p:txBody>
+          <a:bodyPr>
+            <a:normAutofit/>
+          </a:bodyPr>
+          <a:lstStyle/>
+          <a:p>
+            <a:r>
+              <a:rPr lang="fr-BE" sz="3200" b="1" dirty="0">
+                <a:latin typeface="Franklin Gothic Medium Cond" panose="020B0606030402020204" pitchFamily="34" charset="0"/>
+              </a:rPr>
+              <a:t>Pilier de l’école</a:t>
+            </a:r>
+          </a:p>
+          <a:p>
+            <a:pPr lvl="1"/>
+            <a:r>
+              <a:rPr lang="fr-BE" sz="3000" b="1" dirty="0">
+                <a:latin typeface="Franklin Gothic Medium Cond" panose="020B0606030402020204" pitchFamily="34" charset="0"/>
+              </a:rPr>
+              <a:t>Polyvalence</a:t>
+            </a:r>
+          </a:p>
+          <a:p>
+            <a:pPr lvl="1"/>
+            <a:r>
+              <a:rPr lang="fr-BE" sz="3000" b="1" dirty="0">
+                <a:latin typeface="Franklin Gothic Medium Cond" panose="020B0606030402020204" pitchFamily="34" charset="0"/>
+              </a:rPr>
+              <a:t>Joignable à tout moment</a:t>
+            </a:r>
+          </a:p>
+          <a:p>
+            <a:r>
+              <a:rPr lang="fr-BE" sz="3000" b="1" dirty="0">
+                <a:latin typeface="Franklin Gothic Medium Cond" panose="020B0606030402020204" pitchFamily="34" charset="0"/>
+              </a:rPr>
+              <a:t>Premiers secours</a:t>
+            </a:r>
+          </a:p>
+          <a:p>
+            <a:r>
+              <a:rPr lang="fr-BE" sz="3000" b="1" dirty="0">
+                <a:latin typeface="Franklin Gothic Medium Cond" panose="020B0606030402020204" pitchFamily="34" charset="0"/>
+              </a:rPr>
+              <a:t>Dimension plus sociable</a:t>
+            </a:r>
+          </a:p>
+          <a:p>
+            <a:pPr lvl="1"/>
+            <a:r>
+              <a:rPr lang="fr-BE" sz="2800" b="1" dirty="0">
+                <a:latin typeface="Franklin Gothic Medium Cond" panose="020B0606030402020204" pitchFamily="34" charset="0"/>
+              </a:rPr>
+              <a:t>Informations par voie orale</a:t>
+            </a:r>
+          </a:p>
+          <a:p>
+            <a:pPr lvl="1"/>
+            <a:r>
+              <a:rPr lang="fr-BE" sz="2800" b="1" dirty="0">
+                <a:latin typeface="Franklin Gothic Medium Cond" panose="020B0606030402020204" pitchFamily="34" charset="0"/>
+              </a:rPr>
+              <a:t>La société = une équipe</a:t>
+            </a:r>
+            <a:endParaRPr lang="fr-BE" sz="3000" b="1" dirty="0">
+              <a:latin typeface="Franklin Gothic Medium Cond" panose="020B0606030402020204" pitchFamily="34" charset="0"/>
+            </a:endParaRPr>
+          </a:p>
+          <a:p>
+            <a:pPr lvl="1"/>
+            <a:endParaRPr lang="fr-BE" sz="3200" b="1" dirty="0">
+              <a:latin typeface="Franklin Gothic Medium Cond" panose="020B0606030402020204" pitchFamily="34" charset="0"/>
+            </a:endParaRPr>
+          </a:p>
+          <a:p>
+            <a:pPr lvl="1"/>
+            <a:endParaRPr lang="fr-BE" sz="3000" b="1" dirty="0">
+              <a:latin typeface="Franklin Gothic Medium Cond" panose="020B0606030402020204" pitchFamily="34" charset="0"/>
+            </a:endParaRPr>
+          </a:p>
+          <a:p>
+            <a:pPr lvl="1"/>
+            <a:endParaRPr lang="fr-BE" sz="3000" b="1" dirty="0">
+              <a:latin typeface="Franklin Gothic Medium Cond" panose="020B0606030402020204" pitchFamily="34" charset="0"/>
+            </a:endParaRPr>
+          </a:p>
+          <a:p>
+            <a:endParaRPr lang="fr-BE" sz="3200" b="1" dirty="0">
+              <a:latin typeface="Franklin Gothic Medium Cond" panose="020B0606030402020204" pitchFamily="34" charset="0"/>
+            </a:endParaRPr>
+          </a:p>
+        </p:txBody>
+      </p:sp>
+      <p:sp>
+        <p:nvSpPr>
+          <p:cNvPr id="4" name="Espace réservé du pied de page 3"/>
+          <p:cNvSpPr>
+            <a:spLocks noGrp="1"/>
+          </p:cNvSpPr>
+          <p:nvPr>
+            <p:ph type="ftr" sz="quarter" idx="11"/>
+          </p:nvPr>
+        </p:nvSpPr>
+        <p:spPr/>
+        <p:txBody>
+          <a:bodyPr/>
+          <a:lstStyle/>
+          <a:p>
+            <a:r>
+              <a:rPr lang="fr-BE" dirty="0"/>
+              <a:t>Sacré Christopher</a:t>
+            </a:r>
+          </a:p>
+        </p:txBody>
+      </p:sp>
+      <p:sp>
+        <p:nvSpPr>
+          <p:cNvPr id="5" name="Espace réservé du numéro de diapositive 4"/>
+          <p:cNvSpPr>
+            <a:spLocks noGrp="1"/>
+          </p:cNvSpPr>
+          <p:nvPr>
+            <p:ph type="sldNum" sz="quarter" idx="12"/>
+          </p:nvPr>
+        </p:nvSpPr>
+        <p:spPr/>
+        <p:txBody>
+          <a:bodyPr/>
+          <a:lstStyle/>
+          <a:p>
+            <a:fld id="{5C4E3881-3D96-471D-AC8D-00C031DC841B}" type="slidenum">
+              <a:rPr lang="fr-BE" smtClean="0"/>
+              <a:t>9</a:t>
+            </a:fld>
+            <a:endParaRPr lang="fr-BE" dirty="0"/>
+          </a:p>
+        </p:txBody>
+      </p:sp>
+      <p:pic>
+        <p:nvPicPr>
+          <p:cNvPr id="8" name="Picture 7"/>
+          <p:cNvPicPr>
+            <a:picLocks noChangeAspect="1"/>
+          </p:cNvPicPr>
+          <p:nvPr/>
+        </p:nvPicPr>
+        <p:blipFill>
+          <a:blip r:embed="rId2">
+            <a:extLst>
+              <a:ext uri="{BEBA8EAE-BF5A-486C-A8C5-ECC9F3942E4B}">
+                <a14:imgProps xmlns:a14="http://schemas.microsoft.com/office/drawing/2010/main">
+                  <a14:imgLayer r:embed="rId3">
+                    <a14:imgEffect>
+                      <a14:backgroundRemoval t="0" b="100000" l="0" r="100000">
+                        <a14:foregroundMark x1="9600" y1="64000" x2="12400" y2="64800"/>
+                        <a14:foregroundMark x1="9600" y1="48000" x2="8800" y2="46000"/>
+                        <a14:foregroundMark x1="9600" y1="8400" x2="9600" y2="8000"/>
+                        <a14:foregroundMark x1="53200" y1="24000" x2="61200" y2="50400"/>
+                        <a14:foregroundMark x1="58000" y1="17600" x2="94000" y2="68400"/>
+                        <a14:foregroundMark x1="87600" y1="2800" x2="91600" y2="9200"/>
+                        <a14:foregroundMark x1="93600" y1="7200" x2="90800" y2="23600"/>
+                        <a14:foregroundMark x1="77200" y1="20000" x2="76800" y2="21600"/>
+                        <a14:foregroundMark x1="76800" y1="23600" x2="85200" y2="59600"/>
+                        <a14:foregroundMark x1="58000" y1="52800" x2="69600" y2="82400"/>
+                        <a14:foregroundMark x1="76800" y1="61200" x2="71200" y2="80000"/>
+                        <a14:foregroundMark x1="51200" y1="31600" x2="55600" y2="53600"/>
+                        <a14:foregroundMark x1="55600" y1="70400" x2="60400" y2="91200"/>
+                        <a14:foregroundMark x1="63600" y1="88800" x2="93200" y2="90000"/>
+                        <a14:foregroundMark x1="92000" y1="55200" x2="90000" y2="30000"/>
+                        <a14:foregroundMark x1="72400" y1="41600" x2="82800" y2="60800"/>
+                        <a14:foregroundMark x1="83600" y1="40800" x2="67600" y2="60800"/>
+                        <a14:foregroundMark x1="65200" y1="44000" x2="97600" y2="61600"/>
+                        <a14:foregroundMark x1="89600" y1="43200" x2="72800" y2="69200"/>
+                        <a14:foregroundMark x1="71200" y1="62000" x2="87600" y2="91200"/>
+                      </a14:backgroundRemoval>
+                    </a14:imgEffect>
+                  </a14:imgLayer>
+                </a14:imgProps>
+              </a:ext>
+              <a:ext uri="{28A0092B-C50C-407E-A947-70E740481C1C}">
+                <a14:useLocalDpi xmlns:a14="http://schemas.microsoft.com/office/drawing/2010/main" val="0"/>
+              </a:ext>
+            </a:extLst>
+          </a:blip>
+          <a:stretch>
+            <a:fillRect/>
+          </a:stretch>
+        </p:blipFill>
+        <p:spPr>
+          <a:xfrm>
+            <a:off x="10352539" y="5239240"/>
+            <a:ext cx="1618759" cy="1618759"/>
+          </a:xfrm>
+          <a:prstGeom prst="rect">
+            <a:avLst/>
+          </a:prstGeom>
+        </p:spPr>
+      </p:pic>
+    </p:spTree>
+    <p:extLst>
+      <p:ext uri="{BB962C8B-B14F-4D97-AF65-F5344CB8AC3E}">
+        <p14:creationId xmlns:p14="http://schemas.microsoft.com/office/powerpoint/2010/main" val="2324087877"/>
+      </p:ext>
+    </p:extLst>
+  </p:cSld>
+  <p:clrMapOvr>
+    <a:masterClrMapping/>
+  </p:clrMapOvr>
+  <mc:AlternateContent xmlns:mc="http://schemas.openxmlformats.org/markup-compatibility/2006">
+    <mc:Choice xmlns:p159="http://schemas.microsoft.com/office/powerpoint/2015/09/main" xmlns="" Requires="p159">
+      <p:transition xmlns:p14="http://schemas.microsoft.com/office/powerpoint/2010/main" spd="slow" p14:dur="2000">
+        <p159:morph option="byObject"/>
+      </p:transition>
+    </mc:Choice>
+    <mc:Fallback>
+      <p:transition spd="slow">
+        <p:fade/>
+      </p:transition>
+    </mc:Fallback>
+  </mc:AlternateContent>
+  <p:timing>
+    <p:tnLst>
+      <p:par>
+        <p:cTn id="1" dur="indefinite" restart="never" nodeType="tmRoot">
+          <p:childTnLst>
+            <p:seq concurrent="1" nextAc="seek">
+              <p:cTn id="2" dur="indefinite" nodeType="mainSeq">
+                <p:childTnLst>
+                  <p:par>
+                    <p:cTn id="3" fill="hold">
+                      <p:stCondLst>
+                        <p:cond delay="indefinite"/>
+                      </p:stCondLst>
+                      <p:childTnLst>
+                        <p:par>
+                          <p:cTn id="4" fill="hold">
+                            <p:stCondLst>
+                              <p:cond delay="0"/>
+                            </p:stCondLst>
+                            <p:childTnLst>
+                              <p:par>
+                                <p:cTn id="5" presetID="10" presetClass="entr" presetSubtype="0" fill="hold" nodeType="clickEffect">
+                                  <p:stCondLst>
+                                    <p:cond delay="0"/>
+                                  </p:stCondLst>
+                                  <p:childTnLst>
+                                    <p:set>
+                                      <p:cBhvr>
+                                        <p:cTn id="6" dur="1" fill="hold">
+                                          <p:stCondLst>
+                                            <p:cond delay="0"/>
+                                          </p:stCondLst>
+                                        </p:cTn>
+                                        <p:tgtEl>
+                                          <p:spTgt spid="3">
+                                            <p:txEl>
+                                              <p:pRg st="3" end="3"/>
+                                            </p:txEl>
+                                          </p:spTgt>
+                                        </p:tgtEl>
+                                        <p:attrNameLst>
+                                          <p:attrName>style.visibility</p:attrName>
+                                        </p:attrNameLst>
+                                      </p:cBhvr>
+                                      <p:to>
+                                        <p:strVal val="visible"/>
+                                      </p:to>
+                                    </p:set>
+                                    <p:animEffect transition="in" filter="fade">
+                                      <p:cBhvr>
+                                        <p:cTn id="7" dur="500"/>
+                                        <p:tgtEl>
+                                          <p:spTgt spid="3">
+                                            <p:txEl>
+                                              <p:pRg st="3" end="3"/>
+                                            </p:txEl>
+                                          </p:spTgt>
+                                        </p:tgtEl>
+                                      </p:cBhvr>
+                                    </p:animEffect>
+                                  </p:childTnLst>
+                                </p:cTn>
+                              </p:par>
+                            </p:childTnLst>
+                          </p:cTn>
+                        </p:par>
+                      </p:childTnLst>
+                    </p:cTn>
+                  </p:par>
+                  <p:par>
+                    <p:cTn id="8" fill="hold">
+                      <p:stCondLst>
+                        <p:cond delay="indefinite"/>
+                      </p:stCondLst>
+                      <p:childTnLst>
+                        <p:par>
+                          <p:cTn id="9" fill="hold">
+                            <p:stCondLst>
+                              <p:cond delay="0"/>
+                            </p:stCondLst>
+                            <p:childTnLst>
+                              <p:par>
+                                <p:cTn id="10" presetID="10" presetClass="entr" presetSubtype="0" fill="hold" nodeType="clickEffect">
+                                  <p:stCondLst>
+                                    <p:cond delay="0"/>
+                                  </p:stCondLst>
+                                  <p:childTnLst>
+                                    <p:set>
+                                      <p:cBhvr>
+                                        <p:cTn id="11" dur="1" fill="hold">
+                                          <p:stCondLst>
+                                            <p:cond delay="0"/>
+                                          </p:stCondLst>
+                                        </p:cTn>
+                                        <p:tgtEl>
+                                          <p:spTgt spid="3">
+                                            <p:txEl>
+                                              <p:pRg st="4" end="4"/>
+                                            </p:txEl>
+                                          </p:spTgt>
+                                        </p:tgtEl>
+                                        <p:attrNameLst>
+                                          <p:attrName>style.visibility</p:attrName>
+                                        </p:attrNameLst>
+                                      </p:cBhvr>
+                                      <p:to>
+                                        <p:strVal val="visible"/>
+                                      </p:to>
+                                    </p:set>
+                                    <p:animEffect transition="in" filter="fade">
+                                      <p:cBhvr>
+                                        <p:cTn id="12" dur="500"/>
+                                        <p:tgtEl>
+                                          <p:spTgt spid="3">
+                                            <p:txEl>
+                                              <p:pRg st="4" end="4"/>
+                                            </p:txEl>
+                                          </p:spTgt>
+                                        </p:tgtEl>
+                                      </p:cBhvr>
+                                    </p:animEffect>
+                                  </p:childTnLst>
+                                </p:cTn>
+                              </p:par>
+                              <p:par>
+                                <p:cTn id="13" presetID="10" presetClass="entr" presetSubtype="0" fill="hold" nodeType="withEffect">
+                                  <p:stCondLst>
+                                    <p:cond delay="0"/>
+                                  </p:stCondLst>
+                                  <p:childTnLst>
+                                    <p:set>
+                                      <p:cBhvr>
+                                        <p:cTn id="14" dur="1" fill="hold">
+                                          <p:stCondLst>
+                                            <p:cond delay="0"/>
+                                          </p:stCondLst>
+                                        </p:cTn>
+                                        <p:tgtEl>
+                                          <p:spTgt spid="3">
+                                            <p:txEl>
+                                              <p:pRg st="5" end="5"/>
+                                            </p:txEl>
+                                          </p:spTgt>
+                                        </p:tgtEl>
+                                        <p:attrNameLst>
+                                          <p:attrName>style.visibility</p:attrName>
+                                        </p:attrNameLst>
+                                      </p:cBhvr>
+                                      <p:to>
+                                        <p:strVal val="visible"/>
+                                      </p:to>
+                                    </p:set>
+                                    <p:animEffect transition="in" filter="fade">
+                                      <p:cBhvr>
+                                        <p:cTn id="15" dur="500"/>
+                                        <p:tgtEl>
+                                          <p:spTgt spid="3">
+                                            <p:txEl>
+                                              <p:pRg st="5" end="5"/>
+                                            </p:txEl>
+                                          </p:spTgt>
+                                        </p:tgtEl>
+                                      </p:cBhvr>
+                                    </p:animEffect>
+                                  </p:childTnLst>
+                                </p:cTn>
+                              </p:par>
+                              <p:par>
+                                <p:cTn id="16" presetID="10" presetClass="entr" presetSubtype="0" fill="hold" nodeType="withEffect">
+                                  <p:stCondLst>
+                                    <p:cond delay="0"/>
+                                  </p:stCondLst>
+                                  <p:childTnLst>
+                                    <p:set>
+                                      <p:cBhvr>
+                                        <p:cTn id="17" dur="1" fill="hold">
+                                          <p:stCondLst>
+                                            <p:cond delay="0"/>
+                                          </p:stCondLst>
+                                        </p:cTn>
+                                        <p:tgtEl>
+                                          <p:spTgt spid="3">
+                                            <p:txEl>
+                                              <p:pRg st="6" end="6"/>
+                                            </p:txEl>
+                                          </p:spTgt>
+                                        </p:tgtEl>
+                                        <p:attrNameLst>
+                                          <p:attrName>style.visibility</p:attrName>
+                                        </p:attrNameLst>
+                                      </p:cBhvr>
+                                      <p:to>
+                                        <p:strVal val="visible"/>
+                                      </p:to>
+                                    </p:set>
+                                    <p:animEffect transition="in" filter="fade">
+                                      <p:cBhvr>
+                                        <p:cTn id="18" dur="500"/>
+                                        <p:tgtEl>
+                                          <p:spTgt spid="3">
+                                            <p:txEl>
+                                              <p:pRg st="6" end="6"/>
+                                            </p:txEl>
+                                          </p:spTgt>
+                                        </p:tgtEl>
+                                      </p:cBhvr>
+                                    </p:animEffect>
+                                  </p:childTnLst>
+                                </p:cTn>
+                              </p:par>
+                            </p:childTnLst>
+                          </p:cTn>
+                        </p:par>
+                      </p:childTnLst>
+                    </p:cTn>
+                  </p:par>
+                </p:childTnLst>
+              </p:cTn>
+              <p:prevCondLst>
+                <p:cond evt="onPrev" delay="0">
+                  <p:tgtEl>
+                    <p:sldTgt/>
+                  </p:tgtEl>
+                </p:cond>
+              </p:prevCondLst>
+              <p:nextCondLst>
+                <p:cond evt="onNext" delay="0">
+                  <p:tgtEl>
+                    <p:sldTgt/>
+                  </p:tgtEl>
+                </p:cond>
+              </p:nextCondLst>
+            </p:seq>
+          </p:childTnLst>
+        </p:cTn>
+      </p:par>
+    </p:tnLst>
+  </p:timing>
 </p:sld>
 </file>
 
@@ -20641,7 +19564,7 @@
   <a:extraClrSchemeLst/>
   <a:extLst>
     <a:ext uri="{05A4C25C-085E-4340-85A3-A5531E510DB2}">
-      <thm15:themeFamily xmlns:thm15="http://schemas.microsoft.com/office/thememl/2012/main" name="Ion" id="{B8441ADB-2E43-4AF7-B97A-BD870242C6A8}" vid="{A207AED3-9ABC-4A18-9978-A59B65688B15}"/>
+      <thm15:themeFamily xmlns:thm15="http://schemas.microsoft.com/office/thememl/2012/main" xmlns="" name="Ion" id="{B8441ADB-2E43-4AF7-B97A-BD870242C6A8}" vid="{A207AED3-9ABC-4A18-9978-A59B65688B15}"/>
     </a:ext>
   </a:extLst>
 </a:theme>
@@ -20902,7 +19825,7 @@
   <a:extraClrSchemeLst/>
   <a:extLst>
     <a:ext uri="{05A4C25C-085E-4340-85A3-A5531E510DB2}">
-      <thm15:themeFamily xmlns:thm15="http://schemas.microsoft.com/office/thememl/2012/main" name="Office Theme" id="{62F939B6-93AF-4DB8-9C6B-D6C7DFDC589F}" vid="{4A3C46E8-61CC-4603-A589-7422A47A8E4A}"/>
+      <thm15:themeFamily xmlns:thm15="http://schemas.microsoft.com/office/thememl/2012/main" xmlns="" name="Office Theme" id="{62F939B6-93AF-4DB8-9C6B-D6C7DFDC589F}" vid="{4A3C46E8-61CC-4603-A589-7422A47A8E4A}"/>
     </a:ext>
   </a:extLst>
 </a:theme>
